--- a/figures/multipanel.pptx
+++ b/figures/multipanel.pptx
@@ -243,7 +243,7 @@
           <a:p>
             <a:fld id="{577C0138-7A75-8149-9F79-A385D49B39ED}" type="datetimeFigureOut">
               <a:rPr lang="en-US" smtClean="0"/>
-              <a:t>4/18/20</a:t>
+              <a:t>4/19/20</a:t>
             </a:fld>
             <a:endParaRPr lang="en-US"/>
           </a:p>
@@ -413,7 +413,7 @@
           <a:p>
             <a:fld id="{577C0138-7A75-8149-9F79-A385D49B39ED}" type="datetimeFigureOut">
               <a:rPr lang="en-US" smtClean="0"/>
-              <a:t>4/18/20</a:t>
+              <a:t>4/19/20</a:t>
             </a:fld>
             <a:endParaRPr lang="en-US"/>
           </a:p>
@@ -593,7 +593,7 @@
           <a:p>
             <a:fld id="{577C0138-7A75-8149-9F79-A385D49B39ED}" type="datetimeFigureOut">
               <a:rPr lang="en-US" smtClean="0"/>
-              <a:t>4/18/20</a:t>
+              <a:t>4/19/20</a:t>
             </a:fld>
             <a:endParaRPr lang="en-US"/>
           </a:p>
@@ -763,7 +763,7 @@
           <a:p>
             <a:fld id="{577C0138-7A75-8149-9F79-A385D49B39ED}" type="datetimeFigureOut">
               <a:rPr lang="en-US" smtClean="0"/>
-              <a:t>4/18/20</a:t>
+              <a:t>4/19/20</a:t>
             </a:fld>
             <a:endParaRPr lang="en-US"/>
           </a:p>
@@ -1007,7 +1007,7 @@
           <a:p>
             <a:fld id="{577C0138-7A75-8149-9F79-A385D49B39ED}" type="datetimeFigureOut">
               <a:rPr lang="en-US" smtClean="0"/>
-              <a:t>4/18/20</a:t>
+              <a:t>4/19/20</a:t>
             </a:fld>
             <a:endParaRPr lang="en-US"/>
           </a:p>
@@ -1239,7 +1239,7 @@
           <a:p>
             <a:fld id="{577C0138-7A75-8149-9F79-A385D49B39ED}" type="datetimeFigureOut">
               <a:rPr lang="en-US" smtClean="0"/>
-              <a:t>4/18/20</a:t>
+              <a:t>4/19/20</a:t>
             </a:fld>
             <a:endParaRPr lang="en-US"/>
           </a:p>
@@ -1606,7 +1606,7 @@
           <a:p>
             <a:fld id="{577C0138-7A75-8149-9F79-A385D49B39ED}" type="datetimeFigureOut">
               <a:rPr lang="en-US" smtClean="0"/>
-              <a:t>4/18/20</a:t>
+              <a:t>4/19/20</a:t>
             </a:fld>
             <a:endParaRPr lang="en-US"/>
           </a:p>
@@ -1724,7 +1724,7 @@
           <a:p>
             <a:fld id="{577C0138-7A75-8149-9F79-A385D49B39ED}" type="datetimeFigureOut">
               <a:rPr lang="en-US" smtClean="0"/>
-              <a:t>4/18/20</a:t>
+              <a:t>4/19/20</a:t>
             </a:fld>
             <a:endParaRPr lang="en-US"/>
           </a:p>
@@ -1819,7 +1819,7 @@
           <a:p>
             <a:fld id="{577C0138-7A75-8149-9F79-A385D49B39ED}" type="datetimeFigureOut">
               <a:rPr lang="en-US" smtClean="0"/>
-              <a:t>4/18/20</a:t>
+              <a:t>4/19/20</a:t>
             </a:fld>
             <a:endParaRPr lang="en-US"/>
           </a:p>
@@ -2096,7 +2096,7 @@
           <a:p>
             <a:fld id="{577C0138-7A75-8149-9F79-A385D49B39ED}" type="datetimeFigureOut">
               <a:rPr lang="en-US" smtClean="0"/>
-              <a:t>4/18/20</a:t>
+              <a:t>4/19/20</a:t>
             </a:fld>
             <a:endParaRPr lang="en-US"/>
           </a:p>
@@ -2353,7 +2353,7 @@
           <a:p>
             <a:fld id="{577C0138-7A75-8149-9F79-A385D49B39ED}" type="datetimeFigureOut">
               <a:rPr lang="en-US" smtClean="0"/>
-              <a:t>4/18/20</a:t>
+              <a:t>4/19/20</a:t>
             </a:fld>
             <a:endParaRPr lang="en-US"/>
           </a:p>
@@ -2566,7 +2566,7 @@
           <a:p>
             <a:fld id="{577C0138-7A75-8149-9F79-A385D49B39ED}" type="datetimeFigureOut">
               <a:rPr lang="en-US" smtClean="0"/>
-              <a:t>4/18/20</a:t>
+              <a:t>4/19/20</a:t>
             </a:fld>
             <a:endParaRPr lang="en-US"/>
           </a:p>
@@ -2973,10 +2973,10 @@
       </p:grpSpPr>
       <p:pic>
         <p:nvPicPr>
-          <p:cNvPr id="14" name="Picture 13">
+          <p:cNvPr id="12" name="Picture 11">
             <a:extLst>
               <a:ext uri="{FF2B5EF4-FFF2-40B4-BE49-F238E27FC236}">
-                <a16:creationId xmlns:a16="http://schemas.microsoft.com/office/drawing/2014/main" id="{7DCB1191-D680-E844-89B2-69F898388212}"/>
+                <a16:creationId xmlns:a16="http://schemas.microsoft.com/office/drawing/2014/main" id="{DC6CFD81-539B-E741-9059-8FCEBDD8B4AF}"/>
               </a:ext>
             </a:extLst>
           </p:cNvPr>
@@ -2993,7 +2993,127 @@
         </p:blipFill>
         <p:spPr>
           <a:xfrm>
-            <a:off x="17580357" y="17097340"/>
+            <a:off x="13370365" y="9820329"/>
+            <a:ext cx="15150208" cy="7564298"/>
+          </a:xfrm>
+          <a:prstGeom prst="rect">
+            <a:avLst/>
+          </a:prstGeom>
+        </p:spPr>
+      </p:pic>
+      <p:pic>
+        <p:nvPicPr>
+          <p:cNvPr id="8" name="Picture 7">
+            <a:extLst>
+              <a:ext uri="{FF2B5EF4-FFF2-40B4-BE49-F238E27FC236}">
+                <a16:creationId xmlns:a16="http://schemas.microsoft.com/office/drawing/2014/main" id="{D0C34F89-2E7F-6143-B004-36843B073BEC}"/>
+              </a:ext>
+            </a:extLst>
+          </p:cNvPr>
+          <p:cNvPicPr>
+            <a:picLocks noChangeAspect="1"/>
+          </p:cNvPicPr>
+          <p:nvPr/>
+        </p:nvPicPr>
+        <p:blipFill>
+          <a:blip r:embed="rId3"/>
+          <a:stretch>
+            <a:fillRect/>
+          </a:stretch>
+        </p:blipFill>
+        <p:spPr>
+          <a:xfrm>
+            <a:off x="-181354" y="9794298"/>
+            <a:ext cx="13853474" cy="7564299"/>
+          </a:xfrm>
+          <a:prstGeom prst="rect">
+            <a:avLst/>
+          </a:prstGeom>
+        </p:spPr>
+      </p:pic>
+      <p:pic>
+        <p:nvPicPr>
+          <p:cNvPr id="6" name="Picture 5">
+            <a:extLst>
+              <a:ext uri="{FF2B5EF4-FFF2-40B4-BE49-F238E27FC236}">
+                <a16:creationId xmlns:a16="http://schemas.microsoft.com/office/drawing/2014/main" id="{D84BBCD3-21F5-EC47-AB86-14F34BCBC86D}"/>
+              </a:ext>
+            </a:extLst>
+          </p:cNvPr>
+          <p:cNvPicPr>
+            <a:picLocks noChangeAspect="1"/>
+          </p:cNvPicPr>
+          <p:nvPr/>
+        </p:nvPicPr>
+        <p:blipFill>
+          <a:blip r:embed="rId4"/>
+          <a:stretch>
+            <a:fillRect/>
+          </a:stretch>
+        </p:blipFill>
+        <p:spPr>
+          <a:xfrm>
+            <a:off x="12967695" y="775856"/>
+            <a:ext cx="15673366" cy="8888187"/>
+          </a:xfrm>
+          <a:prstGeom prst="rect">
+            <a:avLst/>
+          </a:prstGeom>
+        </p:spPr>
+      </p:pic>
+      <p:pic>
+        <p:nvPicPr>
+          <p:cNvPr id="4" name="Picture 3">
+            <a:extLst>
+              <a:ext uri="{FF2B5EF4-FFF2-40B4-BE49-F238E27FC236}">
+                <a16:creationId xmlns:a16="http://schemas.microsoft.com/office/drawing/2014/main" id="{35726FAD-8D2F-4441-8CF6-A4FF21D34DD7}"/>
+              </a:ext>
+            </a:extLst>
+          </p:cNvPr>
+          <p:cNvPicPr>
+            <a:picLocks noChangeAspect="1"/>
+          </p:cNvPicPr>
+          <p:nvPr/>
+        </p:nvPicPr>
+        <p:blipFill>
+          <a:blip r:embed="rId5"/>
+          <a:stretch>
+            <a:fillRect/>
+          </a:stretch>
+        </p:blipFill>
+        <p:spPr>
+          <a:xfrm>
+            <a:off x="408179" y="645228"/>
+            <a:ext cx="12850895" cy="8888187"/>
+          </a:xfrm>
+          <a:prstGeom prst="rect">
+            <a:avLst/>
+          </a:prstGeom>
+        </p:spPr>
+      </p:pic>
+      <p:pic>
+        <p:nvPicPr>
+          <p:cNvPr id="14" name="Picture 13">
+            <a:extLst>
+              <a:ext uri="{FF2B5EF4-FFF2-40B4-BE49-F238E27FC236}">
+                <a16:creationId xmlns:a16="http://schemas.microsoft.com/office/drawing/2014/main" id="{7DCB1191-D680-E844-89B2-69F898388212}"/>
+              </a:ext>
+            </a:extLst>
+          </p:cNvPr>
+          <p:cNvPicPr>
+            <a:picLocks noChangeAspect="1"/>
+          </p:cNvPicPr>
+          <p:nvPr/>
+        </p:nvPicPr>
+        <p:blipFill>
+          <a:blip r:embed="rId6"/>
+          <a:stretch>
+            <a:fillRect/>
+          </a:stretch>
+        </p:blipFill>
+        <p:spPr>
+          <a:xfrm>
+            <a:off x="17580357" y="17576313"/>
             <a:ext cx="8517123" cy="6562374"/>
           </a:xfrm>
           <a:prstGeom prst="rect">
@@ -3016,126 +3136,6 @@
           <p:nvPr/>
         </p:nvPicPr>
         <p:blipFill>
-          <a:blip r:embed="rId3"/>
-          <a:stretch>
-            <a:fillRect/>
-          </a:stretch>
-        </p:blipFill>
-        <p:spPr>
-          <a:xfrm>
-            <a:off x="1831890" y="17097340"/>
-            <a:ext cx="10846263" cy="6420332"/>
-          </a:xfrm>
-          <a:prstGeom prst="rect">
-            <a:avLst/>
-          </a:prstGeom>
-        </p:spPr>
-      </p:pic>
-      <p:pic>
-        <p:nvPicPr>
-          <p:cNvPr id="3" name="Picture 2">
-            <a:extLst>
-              <a:ext uri="{FF2B5EF4-FFF2-40B4-BE49-F238E27FC236}">
-                <a16:creationId xmlns:a16="http://schemas.microsoft.com/office/drawing/2014/main" id="{175F16CF-2116-204A-B13D-C5FBEF5E78CB}"/>
-              </a:ext>
-            </a:extLst>
-          </p:cNvPr>
-          <p:cNvPicPr>
-            <a:picLocks noChangeAspect="1"/>
-          </p:cNvPicPr>
-          <p:nvPr/>
-        </p:nvPicPr>
-        <p:blipFill>
-          <a:blip r:embed="rId4"/>
-          <a:stretch>
-            <a:fillRect/>
-          </a:stretch>
-        </p:blipFill>
-        <p:spPr>
-          <a:xfrm>
-            <a:off x="756362" y="774768"/>
-            <a:ext cx="12234858" cy="8437372"/>
-          </a:xfrm>
-          <a:prstGeom prst="rect">
-            <a:avLst/>
-          </a:prstGeom>
-        </p:spPr>
-      </p:pic>
-      <p:pic>
-        <p:nvPicPr>
-          <p:cNvPr id="19" name="Picture 18">
-            <a:extLst>
-              <a:ext uri="{FF2B5EF4-FFF2-40B4-BE49-F238E27FC236}">
-                <a16:creationId xmlns:a16="http://schemas.microsoft.com/office/drawing/2014/main" id="{3539D3FF-FD68-DC4E-9F69-1EE657A201C3}"/>
-              </a:ext>
-            </a:extLst>
-          </p:cNvPr>
-          <p:cNvPicPr>
-            <a:picLocks noChangeAspect="1"/>
-          </p:cNvPicPr>
-          <p:nvPr/>
-        </p:nvPicPr>
-        <p:blipFill>
-          <a:blip r:embed="rId5"/>
-          <a:stretch>
-            <a:fillRect/>
-          </a:stretch>
-        </p:blipFill>
-        <p:spPr>
-          <a:xfrm>
-            <a:off x="-140427" y="9594182"/>
-            <a:ext cx="13806244" cy="7503158"/>
-          </a:xfrm>
-          <a:prstGeom prst="rect">
-            <a:avLst/>
-          </a:prstGeom>
-        </p:spPr>
-      </p:pic>
-      <p:pic>
-        <p:nvPicPr>
-          <p:cNvPr id="21" name="Picture 20">
-            <a:extLst>
-              <a:ext uri="{FF2B5EF4-FFF2-40B4-BE49-F238E27FC236}">
-                <a16:creationId xmlns:a16="http://schemas.microsoft.com/office/drawing/2014/main" id="{E77D0C78-D684-B841-968A-56EA493EECC2}"/>
-              </a:ext>
-            </a:extLst>
-          </p:cNvPr>
-          <p:cNvPicPr>
-            <a:picLocks noChangeAspect="1"/>
-          </p:cNvPicPr>
-          <p:nvPr/>
-        </p:nvPicPr>
-        <p:blipFill>
-          <a:blip r:embed="rId6"/>
-          <a:stretch>
-            <a:fillRect/>
-          </a:stretch>
-        </p:blipFill>
-        <p:spPr>
-          <a:xfrm>
-            <a:off x="13672120" y="9594182"/>
-            <a:ext cx="14893736" cy="7398893"/>
-          </a:xfrm>
-          <a:prstGeom prst="rect">
-            <a:avLst/>
-          </a:prstGeom>
-        </p:spPr>
-      </p:pic>
-      <p:pic>
-        <p:nvPicPr>
-          <p:cNvPr id="23" name="Picture 22">
-            <a:extLst>
-              <a:ext uri="{FF2B5EF4-FFF2-40B4-BE49-F238E27FC236}">
-                <a16:creationId xmlns:a16="http://schemas.microsoft.com/office/drawing/2014/main" id="{F34F3224-A425-FE4E-82D8-0DABDA0F80D8}"/>
-              </a:ext>
-            </a:extLst>
-          </p:cNvPr>
-          <p:cNvPicPr>
-            <a:picLocks noChangeAspect="1"/>
-          </p:cNvPicPr>
-          <p:nvPr/>
-        </p:nvPicPr>
-        <p:blipFill>
           <a:blip r:embed="rId7"/>
           <a:stretch>
             <a:fillRect/>
@@ -3143,8 +3143,8 @@
         </p:blipFill>
         <p:spPr>
           <a:xfrm>
-            <a:off x="13302617" y="919522"/>
-            <a:ext cx="14087892" cy="8292618"/>
+            <a:off x="1831890" y="17576313"/>
+            <a:ext cx="10846263" cy="6420332"/>
           </a:xfrm>
           <a:prstGeom prst="rect">
             <a:avLst/>
@@ -3200,7 +3200,7 @@
         </p:nvSpPr>
         <p:spPr>
           <a:xfrm>
-            <a:off x="17281877" y="17523249"/>
+            <a:off x="17281877" y="18002222"/>
             <a:ext cx="298480" cy="523220"/>
           </a:xfrm>
           <a:prstGeom prst="rect">
@@ -3235,7 +3235,7 @@
         </p:nvSpPr>
         <p:spPr>
           <a:xfrm>
-            <a:off x="3529481" y="17523249"/>
+            <a:off x="3529481" y="18002222"/>
             <a:ext cx="343570" cy="519588"/>
           </a:xfrm>
           <a:prstGeom prst="rect">
@@ -3270,7 +3270,7 @@
         </p:nvSpPr>
         <p:spPr>
           <a:xfrm>
-            <a:off x="16325269" y="9574138"/>
+            <a:off x="16325269" y="9704767"/>
             <a:ext cx="377026" cy="523220"/>
           </a:xfrm>
           <a:prstGeom prst="rect">
@@ -3305,7 +3305,7 @@
         </p:nvSpPr>
         <p:spPr>
           <a:xfrm>
-            <a:off x="1298345" y="9594182"/>
+            <a:off x="1298345" y="9724811"/>
             <a:ext cx="284258" cy="523220"/>
           </a:xfrm>
           <a:prstGeom prst="rect">

--- a/figures/multipanel.pptx
+++ b/figures/multipanel.pptx
@@ -2,12 +2,12 @@
 <file path=ppt/presentation.xml><?xml version="1.0" encoding="utf-8"?>
 <p:presentation xmlns:a="http://schemas.openxmlformats.org/drawingml/2006/main" xmlns:r="http://schemas.openxmlformats.org/officeDocument/2006/relationships" xmlns:p="http://schemas.openxmlformats.org/presentationml/2006/main" saveSubsetFonts="1" autoCompressPictures="0">
   <p:sldMasterIdLst>
-    <p:sldMasterId id="2147483840" r:id="rId1"/>
+    <p:sldMasterId id="2147483912" r:id="rId1"/>
   </p:sldMasterIdLst>
   <p:sldIdLst>
     <p:sldId id="256" r:id="rId2"/>
   </p:sldIdLst>
-  <p:sldSz cx="28346400" cy="23774400"/>
+  <p:sldSz cx="28346400" cy="28346400"/>
   <p:notesSz cx="6858000" cy="9144000"/>
   <p:defaultTextStyle>
     <a:defPPr>
@@ -141,8 +141,8 @@
         </p:nvSpPr>
         <p:spPr>
           <a:xfrm>
-            <a:off x="2125980" y="3890859"/>
-            <a:ext cx="24094440" cy="8277013"/>
+            <a:off x="2125980" y="4639100"/>
+            <a:ext cx="24094440" cy="9868747"/>
           </a:xfrm>
         </p:spPr>
         <p:txBody>
@@ -173,8 +173,8 @@
         </p:nvSpPr>
         <p:spPr>
           <a:xfrm>
-            <a:off x="3543300" y="12487065"/>
-            <a:ext cx="21259800" cy="5739975"/>
+            <a:off x="3543300" y="14888424"/>
+            <a:ext cx="21259800" cy="6843816"/>
           </a:xfrm>
         </p:spPr>
         <p:txBody>
@@ -243,7 +243,7 @@
           <a:p>
             <a:fld id="{577C0138-7A75-8149-9F79-A385D49B39ED}" type="datetimeFigureOut">
               <a:rPr lang="en-US" smtClean="0"/>
-              <a:t>4/19/20</a:t>
+              <a:t>4/20/20</a:t>
             </a:fld>
             <a:endParaRPr lang="en-US"/>
           </a:p>
@@ -294,7 +294,7 @@
     </p:spTree>
     <p:extLst>
       <p:ext uri="{BB962C8B-B14F-4D97-AF65-F5344CB8AC3E}">
-        <p14:creationId xmlns:p14="http://schemas.microsoft.com/office/powerpoint/2010/main" val="2505533787"/>
+        <p14:creationId xmlns:p14="http://schemas.microsoft.com/office/powerpoint/2010/main" val="226246323"/>
       </p:ext>
     </p:extLst>
   </p:cSld>
@@ -413,7 +413,7 @@
           <a:p>
             <a:fld id="{577C0138-7A75-8149-9F79-A385D49B39ED}" type="datetimeFigureOut">
               <a:rPr lang="en-US" smtClean="0"/>
-              <a:t>4/19/20</a:t>
+              <a:t>4/20/20</a:t>
             </a:fld>
             <a:endParaRPr lang="en-US"/>
           </a:p>
@@ -464,7 +464,7 @@
     </p:spTree>
     <p:extLst>
       <p:ext uri="{BB962C8B-B14F-4D97-AF65-F5344CB8AC3E}">
-        <p14:creationId xmlns:p14="http://schemas.microsoft.com/office/powerpoint/2010/main" val="3532583818"/>
+        <p14:creationId xmlns:p14="http://schemas.microsoft.com/office/powerpoint/2010/main" val="1687104047"/>
       </p:ext>
     </p:extLst>
   </p:cSld>
@@ -503,8 +503,8 @@
         </p:nvSpPr>
         <p:spPr>
           <a:xfrm>
-            <a:off x="20285394" y="1265767"/>
-            <a:ext cx="6112193" cy="20147705"/>
+            <a:off x="20285394" y="1509183"/>
+            <a:ext cx="6112193" cy="24022264"/>
           </a:xfrm>
         </p:spPr>
         <p:txBody>
@@ -531,8 +531,8 @@
         </p:nvSpPr>
         <p:spPr>
           <a:xfrm>
-            <a:off x="1948816" y="1265767"/>
-            <a:ext cx="17982248" cy="20147705"/>
+            <a:off x="1948816" y="1509183"/>
+            <a:ext cx="17982248" cy="24022264"/>
           </a:xfrm>
         </p:spPr>
         <p:txBody>
@@ -593,7 +593,7 @@
           <a:p>
             <a:fld id="{577C0138-7A75-8149-9F79-A385D49B39ED}" type="datetimeFigureOut">
               <a:rPr lang="en-US" smtClean="0"/>
-              <a:t>4/19/20</a:t>
+              <a:t>4/20/20</a:t>
             </a:fld>
             <a:endParaRPr lang="en-US"/>
           </a:p>
@@ -644,7 +644,7 @@
     </p:spTree>
     <p:extLst>
       <p:ext uri="{BB962C8B-B14F-4D97-AF65-F5344CB8AC3E}">
-        <p14:creationId xmlns:p14="http://schemas.microsoft.com/office/powerpoint/2010/main" val="2664700165"/>
+        <p14:creationId xmlns:p14="http://schemas.microsoft.com/office/powerpoint/2010/main" val="3062061364"/>
       </p:ext>
     </p:extLst>
   </p:cSld>
@@ -763,7 +763,7 @@
           <a:p>
             <a:fld id="{577C0138-7A75-8149-9F79-A385D49B39ED}" type="datetimeFigureOut">
               <a:rPr lang="en-US" smtClean="0"/>
-              <a:t>4/19/20</a:t>
+              <a:t>4/20/20</a:t>
             </a:fld>
             <a:endParaRPr lang="en-US"/>
           </a:p>
@@ -814,7 +814,7 @@
     </p:spTree>
     <p:extLst>
       <p:ext uri="{BB962C8B-B14F-4D97-AF65-F5344CB8AC3E}">
-        <p14:creationId xmlns:p14="http://schemas.microsoft.com/office/powerpoint/2010/main" val="3697716319"/>
+        <p14:creationId xmlns:p14="http://schemas.microsoft.com/office/powerpoint/2010/main" val="125354728"/>
       </p:ext>
     </p:extLst>
   </p:cSld>
@@ -853,8 +853,8 @@
         </p:nvSpPr>
         <p:spPr>
           <a:xfrm>
-            <a:off x="1934053" y="5927097"/>
-            <a:ext cx="24448770" cy="9889488"/>
+            <a:off x="1934053" y="7066923"/>
+            <a:ext cx="24448770" cy="11791313"/>
           </a:xfrm>
         </p:spPr>
         <p:txBody>
@@ -885,8 +885,8 @@
         </p:nvSpPr>
         <p:spPr>
           <a:xfrm>
-            <a:off x="1934053" y="15910144"/>
-            <a:ext cx="24448770" cy="5200648"/>
+            <a:off x="1934053" y="18969787"/>
+            <a:ext cx="24448770" cy="6200773"/>
           </a:xfrm>
         </p:spPr>
         <p:txBody>
@@ -1007,7 +1007,7 @@
           <a:p>
             <a:fld id="{577C0138-7A75-8149-9F79-A385D49B39ED}" type="datetimeFigureOut">
               <a:rPr lang="en-US" smtClean="0"/>
-              <a:t>4/19/20</a:t>
+              <a:t>4/20/20</a:t>
             </a:fld>
             <a:endParaRPr lang="en-US"/>
           </a:p>
@@ -1058,7 +1058,7 @@
     </p:spTree>
     <p:extLst>
       <p:ext uri="{BB962C8B-B14F-4D97-AF65-F5344CB8AC3E}">
-        <p14:creationId xmlns:p14="http://schemas.microsoft.com/office/powerpoint/2010/main" val="2871948470"/>
+        <p14:creationId xmlns:p14="http://schemas.microsoft.com/office/powerpoint/2010/main" val="2519014708"/>
       </p:ext>
     </p:extLst>
   </p:cSld>
@@ -1120,8 +1120,8 @@
         </p:nvSpPr>
         <p:spPr>
           <a:xfrm>
-            <a:off x="1948815" y="6328834"/>
-            <a:ext cx="12047220" cy="15084638"/>
+            <a:off x="1948815" y="7545917"/>
+            <a:ext cx="12047220" cy="17985530"/>
           </a:xfrm>
         </p:spPr>
         <p:txBody>
@@ -1177,8 +1177,8 @@
         </p:nvSpPr>
         <p:spPr>
           <a:xfrm>
-            <a:off x="14350365" y="6328834"/>
-            <a:ext cx="12047220" cy="15084638"/>
+            <a:off x="14350365" y="7545917"/>
+            <a:ext cx="12047220" cy="17985530"/>
           </a:xfrm>
         </p:spPr>
         <p:txBody>
@@ -1239,7 +1239,7 @@
           <a:p>
             <a:fld id="{577C0138-7A75-8149-9F79-A385D49B39ED}" type="datetimeFigureOut">
               <a:rPr lang="en-US" smtClean="0"/>
-              <a:t>4/19/20</a:t>
+              <a:t>4/20/20</a:t>
             </a:fld>
             <a:endParaRPr lang="en-US"/>
           </a:p>
@@ -1290,7 +1290,7 @@
     </p:spTree>
     <p:extLst>
       <p:ext uri="{BB962C8B-B14F-4D97-AF65-F5344CB8AC3E}">
-        <p14:creationId xmlns:p14="http://schemas.microsoft.com/office/powerpoint/2010/main" val="2360727452"/>
+        <p14:creationId xmlns:p14="http://schemas.microsoft.com/office/powerpoint/2010/main" val="2119497631"/>
       </p:ext>
     </p:extLst>
   </p:cSld>
@@ -1329,8 +1329,8 @@
         </p:nvSpPr>
         <p:spPr>
           <a:xfrm>
-            <a:off x="1952507" y="1265772"/>
-            <a:ext cx="24448770" cy="4595285"/>
+            <a:off x="1952507" y="1509189"/>
+            <a:ext cx="24448770" cy="5478994"/>
           </a:xfrm>
         </p:spPr>
         <p:txBody>
@@ -1357,8 +1357,8 @@
         </p:nvSpPr>
         <p:spPr>
           <a:xfrm>
-            <a:off x="1952510" y="5828032"/>
-            <a:ext cx="11991854" cy="2856228"/>
+            <a:off x="1952510" y="6948807"/>
+            <a:ext cx="11991854" cy="3405503"/>
           </a:xfrm>
         </p:spPr>
         <p:txBody>
@@ -1422,8 +1422,8 @@
         </p:nvSpPr>
         <p:spPr>
           <a:xfrm>
-            <a:off x="1952510" y="8684260"/>
-            <a:ext cx="11991854" cy="12773238"/>
+            <a:off x="1952510" y="10354310"/>
+            <a:ext cx="11991854" cy="15229630"/>
           </a:xfrm>
         </p:spPr>
         <p:txBody>
@@ -1479,8 +1479,8 @@
         </p:nvSpPr>
         <p:spPr>
           <a:xfrm>
-            <a:off x="14350367" y="5828032"/>
-            <a:ext cx="12050912" cy="2856228"/>
+            <a:off x="14350367" y="6948807"/>
+            <a:ext cx="12050912" cy="3405503"/>
           </a:xfrm>
         </p:spPr>
         <p:txBody>
@@ -1544,8 +1544,8 @@
         </p:nvSpPr>
         <p:spPr>
           <a:xfrm>
-            <a:off x="14350367" y="8684260"/>
-            <a:ext cx="12050912" cy="12773238"/>
+            <a:off x="14350367" y="10354310"/>
+            <a:ext cx="12050912" cy="15229630"/>
           </a:xfrm>
         </p:spPr>
         <p:txBody>
@@ -1606,7 +1606,7 @@
           <a:p>
             <a:fld id="{577C0138-7A75-8149-9F79-A385D49B39ED}" type="datetimeFigureOut">
               <a:rPr lang="en-US" smtClean="0"/>
-              <a:t>4/19/20</a:t>
+              <a:t>4/20/20</a:t>
             </a:fld>
             <a:endParaRPr lang="en-US"/>
           </a:p>
@@ -1657,7 +1657,7 @@
     </p:spTree>
     <p:extLst>
       <p:ext uri="{BB962C8B-B14F-4D97-AF65-F5344CB8AC3E}">
-        <p14:creationId xmlns:p14="http://schemas.microsoft.com/office/powerpoint/2010/main" val="2902837198"/>
+        <p14:creationId xmlns:p14="http://schemas.microsoft.com/office/powerpoint/2010/main" val="3015304023"/>
       </p:ext>
     </p:extLst>
   </p:cSld>
@@ -1724,7 +1724,7 @@
           <a:p>
             <a:fld id="{577C0138-7A75-8149-9F79-A385D49B39ED}" type="datetimeFigureOut">
               <a:rPr lang="en-US" smtClean="0"/>
-              <a:t>4/19/20</a:t>
+              <a:t>4/20/20</a:t>
             </a:fld>
             <a:endParaRPr lang="en-US"/>
           </a:p>
@@ -1775,7 +1775,7 @@
     </p:spTree>
     <p:extLst>
       <p:ext uri="{BB962C8B-B14F-4D97-AF65-F5344CB8AC3E}">
-        <p14:creationId xmlns:p14="http://schemas.microsoft.com/office/powerpoint/2010/main" val="2733003126"/>
+        <p14:creationId xmlns:p14="http://schemas.microsoft.com/office/powerpoint/2010/main" val="800557962"/>
       </p:ext>
     </p:extLst>
   </p:cSld>
@@ -1819,7 +1819,7 @@
           <a:p>
             <a:fld id="{577C0138-7A75-8149-9F79-A385D49B39ED}" type="datetimeFigureOut">
               <a:rPr lang="en-US" smtClean="0"/>
-              <a:t>4/19/20</a:t>
+              <a:t>4/20/20</a:t>
             </a:fld>
             <a:endParaRPr lang="en-US"/>
           </a:p>
@@ -1870,7 +1870,7 @@
     </p:spTree>
     <p:extLst>
       <p:ext uri="{BB962C8B-B14F-4D97-AF65-F5344CB8AC3E}">
-        <p14:creationId xmlns:p14="http://schemas.microsoft.com/office/powerpoint/2010/main" val="1846179958"/>
+        <p14:creationId xmlns:p14="http://schemas.microsoft.com/office/powerpoint/2010/main" val="2951888669"/>
       </p:ext>
     </p:extLst>
   </p:cSld>
@@ -1909,8 +1909,8 @@
         </p:nvSpPr>
         <p:spPr>
           <a:xfrm>
-            <a:off x="1952507" y="1584960"/>
-            <a:ext cx="9142452" cy="5547360"/>
+            <a:off x="1952507" y="1889760"/>
+            <a:ext cx="9142452" cy="6614160"/>
           </a:xfrm>
         </p:spPr>
         <p:txBody>
@@ -1941,8 +1941,8 @@
         </p:nvSpPr>
         <p:spPr>
           <a:xfrm>
-            <a:off x="12050912" y="3423079"/>
-            <a:ext cx="14350365" cy="16895233"/>
+            <a:off x="12050912" y="4081363"/>
+            <a:ext cx="14350365" cy="20144317"/>
           </a:xfrm>
         </p:spPr>
         <p:txBody>
@@ -2026,8 +2026,8 @@
         </p:nvSpPr>
         <p:spPr>
           <a:xfrm>
-            <a:off x="1952507" y="7132320"/>
-            <a:ext cx="9142452" cy="13213505"/>
+            <a:off x="1952507" y="8503920"/>
+            <a:ext cx="9142452" cy="15754564"/>
           </a:xfrm>
         </p:spPr>
         <p:txBody>
@@ -2096,7 +2096,7 @@
           <a:p>
             <a:fld id="{577C0138-7A75-8149-9F79-A385D49B39ED}" type="datetimeFigureOut">
               <a:rPr lang="en-US" smtClean="0"/>
-              <a:t>4/19/20</a:t>
+              <a:t>4/20/20</a:t>
             </a:fld>
             <a:endParaRPr lang="en-US"/>
           </a:p>
@@ -2147,7 +2147,7 @@
     </p:spTree>
     <p:extLst>
       <p:ext uri="{BB962C8B-B14F-4D97-AF65-F5344CB8AC3E}">
-        <p14:creationId xmlns:p14="http://schemas.microsoft.com/office/powerpoint/2010/main" val="2505057633"/>
+        <p14:creationId xmlns:p14="http://schemas.microsoft.com/office/powerpoint/2010/main" val="1597985121"/>
       </p:ext>
     </p:extLst>
   </p:cSld>
@@ -2186,8 +2186,8 @@
         </p:nvSpPr>
         <p:spPr>
           <a:xfrm>
-            <a:off x="1952507" y="1584960"/>
-            <a:ext cx="9142452" cy="5547360"/>
+            <a:off x="1952507" y="1889760"/>
+            <a:ext cx="9142452" cy="6614160"/>
           </a:xfrm>
         </p:spPr>
         <p:txBody>
@@ -2218,8 +2218,8 @@
         </p:nvSpPr>
         <p:spPr>
           <a:xfrm>
-            <a:off x="12050912" y="3423079"/>
-            <a:ext cx="14350365" cy="16895233"/>
+            <a:off x="12050912" y="4081363"/>
+            <a:ext cx="14350365" cy="20144317"/>
           </a:xfrm>
         </p:spPr>
         <p:txBody>
@@ -2283,8 +2283,8 @@
         </p:nvSpPr>
         <p:spPr>
           <a:xfrm>
-            <a:off x="1952507" y="7132320"/>
-            <a:ext cx="9142452" cy="13213505"/>
+            <a:off x="1952507" y="8503920"/>
+            <a:ext cx="9142452" cy="15754564"/>
           </a:xfrm>
         </p:spPr>
         <p:txBody>
@@ -2353,7 +2353,7 @@
           <a:p>
             <a:fld id="{577C0138-7A75-8149-9F79-A385D49B39ED}" type="datetimeFigureOut">
               <a:rPr lang="en-US" smtClean="0"/>
-              <a:t>4/19/20</a:t>
+              <a:t>4/20/20</a:t>
             </a:fld>
             <a:endParaRPr lang="en-US"/>
           </a:p>
@@ -2404,7 +2404,7 @@
     </p:spTree>
     <p:extLst>
       <p:ext uri="{BB962C8B-B14F-4D97-AF65-F5344CB8AC3E}">
-        <p14:creationId xmlns:p14="http://schemas.microsoft.com/office/powerpoint/2010/main" val="1780162493"/>
+        <p14:creationId xmlns:p14="http://schemas.microsoft.com/office/powerpoint/2010/main" val="3987358554"/>
       </p:ext>
     </p:extLst>
   </p:cSld>
@@ -2448,8 +2448,8 @@
         </p:nvSpPr>
         <p:spPr>
           <a:xfrm>
-            <a:off x="1948815" y="1265772"/>
-            <a:ext cx="24448770" cy="4595285"/>
+            <a:off x="1948815" y="1509189"/>
+            <a:ext cx="24448770" cy="5478994"/>
           </a:xfrm>
           <a:prstGeom prst="rect">
             <a:avLst/>
@@ -2481,8 +2481,8 @@
         </p:nvSpPr>
         <p:spPr>
           <a:xfrm>
-            <a:off x="1948815" y="6328834"/>
-            <a:ext cx="24448770" cy="15084638"/>
+            <a:off x="1948815" y="7545917"/>
+            <a:ext cx="24448770" cy="17985530"/>
           </a:xfrm>
           <a:prstGeom prst="rect">
             <a:avLst/>
@@ -2543,8 +2543,8 @@
         </p:nvSpPr>
         <p:spPr>
           <a:xfrm>
-            <a:off x="1948815" y="22035352"/>
-            <a:ext cx="6377940" cy="1265767"/>
+            <a:off x="1948815" y="26272920"/>
+            <a:ext cx="6377940" cy="1509183"/>
           </a:xfrm>
           <a:prstGeom prst="rect">
             <a:avLst/>
@@ -2566,7 +2566,7 @@
           <a:p>
             <a:fld id="{577C0138-7A75-8149-9F79-A385D49B39ED}" type="datetimeFigureOut">
               <a:rPr lang="en-US" smtClean="0"/>
-              <a:t>4/19/20</a:t>
+              <a:t>4/20/20</a:t>
             </a:fld>
             <a:endParaRPr lang="en-US"/>
           </a:p>
@@ -2584,8 +2584,8 @@
         </p:nvSpPr>
         <p:spPr>
           <a:xfrm>
-            <a:off x="9389745" y="22035352"/>
-            <a:ext cx="9566910" cy="1265767"/>
+            <a:off x="9389745" y="26272920"/>
+            <a:ext cx="9566910" cy="1509183"/>
           </a:xfrm>
           <a:prstGeom prst="rect">
             <a:avLst/>
@@ -2621,8 +2621,8 @@
         </p:nvSpPr>
         <p:spPr>
           <a:xfrm>
-            <a:off x="20019645" y="22035352"/>
-            <a:ext cx="6377940" cy="1265767"/>
+            <a:off x="20019645" y="26272920"/>
+            <a:ext cx="6377940" cy="1509183"/>
           </a:xfrm>
           <a:prstGeom prst="rect">
             <a:avLst/>
@@ -2653,23 +2653,23 @@
     </p:spTree>
     <p:extLst>
       <p:ext uri="{BB962C8B-B14F-4D97-AF65-F5344CB8AC3E}">
-        <p14:creationId xmlns:p14="http://schemas.microsoft.com/office/powerpoint/2010/main" val="1652502588"/>
+        <p14:creationId xmlns:p14="http://schemas.microsoft.com/office/powerpoint/2010/main" val="3603827800"/>
       </p:ext>
     </p:extLst>
   </p:cSld>
   <p:clrMap bg1="lt1" tx1="dk1" bg2="lt2" tx2="dk2" accent1="accent1" accent2="accent2" accent3="accent3" accent4="accent4" accent5="accent5" accent6="accent6" hlink="hlink" folHlink="folHlink"/>
   <p:sldLayoutIdLst>
-    <p:sldLayoutId id="2147483841" r:id="rId1"/>
-    <p:sldLayoutId id="2147483842" r:id="rId2"/>
-    <p:sldLayoutId id="2147483843" r:id="rId3"/>
-    <p:sldLayoutId id="2147483844" r:id="rId4"/>
-    <p:sldLayoutId id="2147483845" r:id="rId5"/>
-    <p:sldLayoutId id="2147483846" r:id="rId6"/>
-    <p:sldLayoutId id="2147483847" r:id="rId7"/>
-    <p:sldLayoutId id="2147483848" r:id="rId8"/>
-    <p:sldLayoutId id="2147483849" r:id="rId9"/>
-    <p:sldLayoutId id="2147483850" r:id="rId10"/>
-    <p:sldLayoutId id="2147483851" r:id="rId11"/>
+    <p:sldLayoutId id="2147483913" r:id="rId1"/>
+    <p:sldLayoutId id="2147483914" r:id="rId2"/>
+    <p:sldLayoutId id="2147483915" r:id="rId3"/>
+    <p:sldLayoutId id="2147483916" r:id="rId4"/>
+    <p:sldLayoutId id="2147483917" r:id="rId5"/>
+    <p:sldLayoutId id="2147483918" r:id="rId6"/>
+    <p:sldLayoutId id="2147483919" r:id="rId7"/>
+    <p:sldLayoutId id="2147483920" r:id="rId8"/>
+    <p:sldLayoutId id="2147483921" r:id="rId9"/>
+    <p:sldLayoutId id="2147483922" r:id="rId10"/>
+    <p:sldLayoutId id="2147483923" r:id="rId11"/>
   </p:sldLayoutIdLst>
   <p:txStyles>
     <p:titleStyle>
@@ -2973,10 +2973,10 @@
       </p:grpSpPr>
       <p:pic>
         <p:nvPicPr>
-          <p:cNvPr id="12" name="Picture 11">
+          <p:cNvPr id="3" name="Picture 2">
             <a:extLst>
               <a:ext uri="{FF2B5EF4-FFF2-40B4-BE49-F238E27FC236}">
-                <a16:creationId xmlns:a16="http://schemas.microsoft.com/office/drawing/2014/main" id="{DC6CFD81-539B-E741-9059-8FCEBDD8B4AF}"/>
+                <a16:creationId xmlns:a16="http://schemas.microsoft.com/office/drawing/2014/main" id="{3A8116EC-96A3-884A-882E-63B2B8705A91}"/>
               </a:ext>
             </a:extLst>
           </p:cNvPr>
@@ -2993,7 +2993,37 @@
         </p:blipFill>
         <p:spPr>
           <a:xfrm>
-            <a:off x="13370365" y="9820329"/>
+            <a:off x="36883" y="17470192"/>
+            <a:ext cx="16476901" cy="11186659"/>
+          </a:xfrm>
+          <a:prstGeom prst="rect">
+            <a:avLst/>
+          </a:prstGeom>
+        </p:spPr>
+      </p:pic>
+      <p:pic>
+        <p:nvPicPr>
+          <p:cNvPr id="12" name="Picture 11">
+            <a:extLst>
+              <a:ext uri="{FF2B5EF4-FFF2-40B4-BE49-F238E27FC236}">
+                <a16:creationId xmlns:a16="http://schemas.microsoft.com/office/drawing/2014/main" id="{DC6CFD81-539B-E741-9059-8FCEBDD8B4AF}"/>
+              </a:ext>
+            </a:extLst>
+          </p:cNvPr>
+          <p:cNvPicPr>
+            <a:picLocks noChangeAspect="1"/>
+          </p:cNvPicPr>
+          <p:nvPr/>
+        </p:nvPicPr>
+        <p:blipFill>
+          <a:blip r:embed="rId3"/>
+          <a:stretch>
+            <a:fillRect/>
+          </a:stretch>
+        </p:blipFill>
+        <p:spPr>
+          <a:xfrm>
+            <a:off x="13370365" y="9515529"/>
             <a:ext cx="15150208" cy="7564298"/>
           </a:xfrm>
           <a:prstGeom prst="rect">
@@ -3016,14 +3046,14 @@
           <p:nvPr/>
         </p:nvPicPr>
         <p:blipFill>
-          <a:blip r:embed="rId3"/>
+          <a:blip r:embed="rId4"/>
           <a:stretch>
             <a:fillRect/>
           </a:stretch>
         </p:blipFill>
         <p:spPr>
           <a:xfrm>
-            <a:off x="-181354" y="9794298"/>
+            <a:off x="-181354" y="9489504"/>
             <a:ext cx="13853474" cy="7564299"/>
           </a:xfrm>
           <a:prstGeom prst="rect">
@@ -3046,14 +3076,14 @@
           <p:nvPr/>
         </p:nvPicPr>
         <p:blipFill>
-          <a:blip r:embed="rId4"/>
+          <a:blip r:embed="rId5"/>
           <a:stretch>
             <a:fillRect/>
           </a:stretch>
         </p:blipFill>
         <p:spPr>
           <a:xfrm>
-            <a:off x="12967695" y="775856"/>
+            <a:off x="12866095" y="521859"/>
             <a:ext cx="15673366" cy="8888187"/>
           </a:xfrm>
           <a:prstGeom prst="rect">
@@ -3076,36 +3106,6 @@
           <p:nvPr/>
         </p:nvPicPr>
         <p:blipFill>
-          <a:blip r:embed="rId5"/>
-          <a:stretch>
-            <a:fillRect/>
-          </a:stretch>
-        </p:blipFill>
-        <p:spPr>
-          <a:xfrm>
-            <a:off x="408179" y="645228"/>
-            <a:ext cx="12850895" cy="8888187"/>
-          </a:xfrm>
-          <a:prstGeom prst="rect">
-            <a:avLst/>
-          </a:prstGeom>
-        </p:spPr>
-      </p:pic>
-      <p:pic>
-        <p:nvPicPr>
-          <p:cNvPr id="14" name="Picture 13">
-            <a:extLst>
-              <a:ext uri="{FF2B5EF4-FFF2-40B4-BE49-F238E27FC236}">
-                <a16:creationId xmlns:a16="http://schemas.microsoft.com/office/drawing/2014/main" id="{7DCB1191-D680-E844-89B2-69F898388212}"/>
-              </a:ext>
-            </a:extLst>
-          </p:cNvPr>
-          <p:cNvPicPr>
-            <a:picLocks noChangeAspect="1"/>
-          </p:cNvPicPr>
-          <p:nvPr/>
-        </p:nvPicPr>
-        <p:blipFill>
           <a:blip r:embed="rId6"/>
           <a:stretch>
             <a:fillRect/>
@@ -3113,8 +3113,8 @@
         </p:blipFill>
         <p:spPr>
           <a:xfrm>
-            <a:off x="17580357" y="17576313"/>
-            <a:ext cx="8517123" cy="6562374"/>
+            <a:off x="306585" y="391230"/>
+            <a:ext cx="12850895" cy="8888187"/>
           </a:xfrm>
           <a:prstGeom prst="rect">
             <a:avLst/>
@@ -3143,8 +3143,8 @@
         </p:blipFill>
         <p:spPr>
           <a:xfrm>
-            <a:off x="1831890" y="17576313"/>
-            <a:ext cx="10846263" cy="6420332"/>
+            <a:off x="16778738" y="17386898"/>
+            <a:ext cx="9589867" cy="5676622"/>
           </a:xfrm>
           <a:prstGeom prst="rect">
             <a:avLst/>
@@ -3165,7 +3165,7 @@
         </p:nvSpPr>
         <p:spPr>
           <a:xfrm>
-            <a:off x="1298352" y="514974"/>
+            <a:off x="1298358" y="260974"/>
             <a:ext cx="340205" cy="519588"/>
           </a:xfrm>
           <a:prstGeom prst="rect">
@@ -3200,7 +3200,7 @@
         </p:nvSpPr>
         <p:spPr>
           <a:xfrm>
-            <a:off x="17281877" y="18002222"/>
+            <a:off x="17986982" y="17408021"/>
             <a:ext cx="298480" cy="523220"/>
           </a:xfrm>
           <a:prstGeom prst="rect">
@@ -3235,7 +3235,7 @@
         </p:nvSpPr>
         <p:spPr>
           <a:xfrm>
-            <a:off x="3529481" y="18002222"/>
+            <a:off x="1228160" y="17721081"/>
             <a:ext cx="343570" cy="519588"/>
           </a:xfrm>
           <a:prstGeom prst="rect">
@@ -3270,7 +3270,7 @@
         </p:nvSpPr>
         <p:spPr>
           <a:xfrm>
-            <a:off x="16325269" y="9704767"/>
+            <a:off x="16325269" y="9501567"/>
             <a:ext cx="377026" cy="523220"/>
           </a:xfrm>
           <a:prstGeom prst="rect">
@@ -3305,7 +3305,7 @@
         </p:nvSpPr>
         <p:spPr>
           <a:xfrm>
-            <a:off x="1298345" y="9724811"/>
+            <a:off x="1298345" y="9521611"/>
             <a:ext cx="284258" cy="523220"/>
           </a:xfrm>
           <a:prstGeom prst="rect">
@@ -3340,7 +3340,7 @@
         </p:nvSpPr>
         <p:spPr>
           <a:xfrm>
-            <a:off x="16136756" y="514974"/>
+            <a:off x="16136756" y="260974"/>
             <a:ext cx="377026" cy="523220"/>
           </a:xfrm>
           <a:prstGeom prst="rect">
@@ -3357,6 +3357,71 @@
             <a:r>
               <a:rPr lang="en-US" sz="2800" b="1" dirty="0"/>
               <a:t>b</a:t>
+            </a:r>
+          </a:p>
+        </p:txBody>
+      </p:sp>
+      <p:pic>
+        <p:nvPicPr>
+          <p:cNvPr id="14" name="Picture 13">
+            <a:extLst>
+              <a:ext uri="{FF2B5EF4-FFF2-40B4-BE49-F238E27FC236}">
+                <a16:creationId xmlns:a16="http://schemas.microsoft.com/office/drawing/2014/main" id="{7DCB1191-D680-E844-89B2-69F898388212}"/>
+              </a:ext>
+            </a:extLst>
+          </p:cNvPr>
+          <p:cNvPicPr>
+            <a:picLocks noChangeAspect="1"/>
+          </p:cNvPicPr>
+          <p:nvPr/>
+        </p:nvPicPr>
+        <p:blipFill>
+          <a:blip r:embed="rId8"/>
+          <a:stretch>
+            <a:fillRect/>
+          </a:stretch>
+        </p:blipFill>
+        <p:spPr>
+          <a:xfrm>
+            <a:off x="18611722" y="22911120"/>
+            <a:ext cx="7530527" cy="5802210"/>
+          </a:xfrm>
+          <a:prstGeom prst="rect">
+            <a:avLst/>
+          </a:prstGeom>
+        </p:spPr>
+      </p:pic>
+      <p:sp>
+        <p:nvSpPr>
+          <p:cNvPr id="16" name="TextBox 15">
+            <a:extLst>
+              <a:ext uri="{FF2B5EF4-FFF2-40B4-BE49-F238E27FC236}">
+                <a16:creationId xmlns:a16="http://schemas.microsoft.com/office/drawing/2014/main" id="{8CA66D28-72ED-4645-8B3D-01FA49C3AF54}"/>
+              </a:ext>
+            </a:extLst>
+          </p:cNvPr>
+          <p:cNvSpPr txBox="1"/>
+          <p:nvPr/>
+        </p:nvSpPr>
+        <p:spPr>
+          <a:xfrm>
+            <a:off x="17903682" y="23186570"/>
+            <a:ext cx="286500" cy="523220"/>
+          </a:xfrm>
+          <a:prstGeom prst="rect">
+            <a:avLst/>
+          </a:prstGeom>
+          <a:noFill/>
+        </p:spPr>
+        <p:txBody>
+          <a:bodyPr wrap="square" rtlCol="0">
+            <a:spAutoFit/>
+          </a:bodyPr>
+          <a:lstStyle/>
+          <a:p>
+            <a:r>
+              <a:rPr lang="en-US" sz="2800" b="1" dirty="0"/>
+              <a:t>g</a:t>
             </a:r>
           </a:p>
         </p:txBody>

--- a/figures/multipanel.pptx
+++ b/figures/multipanel.pptx
@@ -6,6 +6,7 @@
   </p:sldMasterIdLst>
   <p:sldIdLst>
     <p:sldId id="256" r:id="rId2"/>
+    <p:sldId id="257" r:id="rId3"/>
   </p:sldIdLst>
   <p:sldSz cx="28346400" cy="28346400"/>
   <p:notesSz cx="6858000" cy="9144000"/>
@@ -243,7 +244,7 @@
           <a:p>
             <a:fld id="{577C0138-7A75-8149-9F79-A385D49B39ED}" type="datetimeFigureOut">
               <a:rPr lang="en-US" smtClean="0"/>
-              <a:t>4/20/20</a:t>
+              <a:t>4/22/20</a:t>
             </a:fld>
             <a:endParaRPr lang="en-US"/>
           </a:p>
@@ -413,7 +414,7 @@
           <a:p>
             <a:fld id="{577C0138-7A75-8149-9F79-A385D49B39ED}" type="datetimeFigureOut">
               <a:rPr lang="en-US" smtClean="0"/>
-              <a:t>4/20/20</a:t>
+              <a:t>4/22/20</a:t>
             </a:fld>
             <a:endParaRPr lang="en-US"/>
           </a:p>
@@ -593,7 +594,7 @@
           <a:p>
             <a:fld id="{577C0138-7A75-8149-9F79-A385D49B39ED}" type="datetimeFigureOut">
               <a:rPr lang="en-US" smtClean="0"/>
-              <a:t>4/20/20</a:t>
+              <a:t>4/22/20</a:t>
             </a:fld>
             <a:endParaRPr lang="en-US"/>
           </a:p>
@@ -763,7 +764,7 @@
           <a:p>
             <a:fld id="{577C0138-7A75-8149-9F79-A385D49B39ED}" type="datetimeFigureOut">
               <a:rPr lang="en-US" smtClean="0"/>
-              <a:t>4/20/20</a:t>
+              <a:t>4/22/20</a:t>
             </a:fld>
             <a:endParaRPr lang="en-US"/>
           </a:p>
@@ -1007,7 +1008,7 @@
           <a:p>
             <a:fld id="{577C0138-7A75-8149-9F79-A385D49B39ED}" type="datetimeFigureOut">
               <a:rPr lang="en-US" smtClean="0"/>
-              <a:t>4/20/20</a:t>
+              <a:t>4/22/20</a:t>
             </a:fld>
             <a:endParaRPr lang="en-US"/>
           </a:p>
@@ -1239,7 +1240,7 @@
           <a:p>
             <a:fld id="{577C0138-7A75-8149-9F79-A385D49B39ED}" type="datetimeFigureOut">
               <a:rPr lang="en-US" smtClean="0"/>
-              <a:t>4/20/20</a:t>
+              <a:t>4/22/20</a:t>
             </a:fld>
             <a:endParaRPr lang="en-US"/>
           </a:p>
@@ -1606,7 +1607,7 @@
           <a:p>
             <a:fld id="{577C0138-7A75-8149-9F79-A385D49B39ED}" type="datetimeFigureOut">
               <a:rPr lang="en-US" smtClean="0"/>
-              <a:t>4/20/20</a:t>
+              <a:t>4/22/20</a:t>
             </a:fld>
             <a:endParaRPr lang="en-US"/>
           </a:p>
@@ -1724,7 +1725,7 @@
           <a:p>
             <a:fld id="{577C0138-7A75-8149-9F79-A385D49B39ED}" type="datetimeFigureOut">
               <a:rPr lang="en-US" smtClean="0"/>
-              <a:t>4/20/20</a:t>
+              <a:t>4/22/20</a:t>
             </a:fld>
             <a:endParaRPr lang="en-US"/>
           </a:p>
@@ -1819,7 +1820,7 @@
           <a:p>
             <a:fld id="{577C0138-7A75-8149-9F79-A385D49B39ED}" type="datetimeFigureOut">
               <a:rPr lang="en-US" smtClean="0"/>
-              <a:t>4/20/20</a:t>
+              <a:t>4/22/20</a:t>
             </a:fld>
             <a:endParaRPr lang="en-US"/>
           </a:p>
@@ -2096,7 +2097,7 @@
           <a:p>
             <a:fld id="{577C0138-7A75-8149-9F79-A385D49B39ED}" type="datetimeFigureOut">
               <a:rPr lang="en-US" smtClean="0"/>
-              <a:t>4/20/20</a:t>
+              <a:t>4/22/20</a:t>
             </a:fld>
             <a:endParaRPr lang="en-US"/>
           </a:p>
@@ -2353,7 +2354,7 @@
           <a:p>
             <a:fld id="{577C0138-7A75-8149-9F79-A385D49B39ED}" type="datetimeFigureOut">
               <a:rPr lang="en-US" smtClean="0"/>
-              <a:t>4/20/20</a:t>
+              <a:t>4/22/20</a:t>
             </a:fld>
             <a:endParaRPr lang="en-US"/>
           </a:p>
@@ -2566,7 +2567,7 @@
           <a:p>
             <a:fld id="{577C0138-7A75-8149-9F79-A385D49B39ED}" type="datetimeFigureOut">
               <a:rPr lang="en-US" smtClean="0"/>
-              <a:t>4/20/20</a:t>
+              <a:t>4/22/20</a:t>
             </a:fld>
             <a:endParaRPr lang="en-US"/>
           </a:p>
@@ -2973,10 +2974,10 @@
       </p:grpSpPr>
       <p:pic>
         <p:nvPicPr>
-          <p:cNvPr id="3" name="Picture 2">
-            <a:extLst>
-              <a:ext uri="{FF2B5EF4-FFF2-40B4-BE49-F238E27FC236}">
-                <a16:creationId xmlns:a16="http://schemas.microsoft.com/office/drawing/2014/main" id="{3A8116EC-96A3-884A-882E-63B2B8705A91}"/>
+          <p:cNvPr id="50" name="Picture 49">
+            <a:extLst>
+              <a:ext uri="{FF2B5EF4-FFF2-40B4-BE49-F238E27FC236}">
+                <a16:creationId xmlns:a16="http://schemas.microsoft.com/office/drawing/2014/main" id="{8F94DFC1-C7E7-9E48-805D-22F8E9246646}"/>
               </a:ext>
             </a:extLst>
           </p:cNvPr>
@@ -2993,8 +2994,8 @@
         </p:blipFill>
         <p:spPr>
           <a:xfrm>
-            <a:off x="36883" y="17470192"/>
-            <a:ext cx="16476901" cy="11186659"/>
+            <a:off x="16521723" y="17118461"/>
+            <a:ext cx="10083800" cy="5969000"/>
           </a:xfrm>
           <a:prstGeom prst="rect">
             <a:avLst/>
@@ -3003,10 +3004,10 @@
       </p:pic>
       <p:pic>
         <p:nvPicPr>
-          <p:cNvPr id="12" name="Picture 11">
-            <a:extLst>
-              <a:ext uri="{FF2B5EF4-FFF2-40B4-BE49-F238E27FC236}">
-                <a16:creationId xmlns:a16="http://schemas.microsoft.com/office/drawing/2014/main" id="{DC6CFD81-539B-E741-9059-8FCEBDD8B4AF}"/>
+          <p:cNvPr id="46" name="Picture 45">
+            <a:extLst>
+              <a:ext uri="{FF2B5EF4-FFF2-40B4-BE49-F238E27FC236}">
+                <a16:creationId xmlns:a16="http://schemas.microsoft.com/office/drawing/2014/main" id="{63E0C7FF-C452-4D45-8CC0-B21104C8173E}"/>
               </a:ext>
             </a:extLst>
           </p:cNvPr>
@@ -3023,8 +3024,8 @@
         </p:blipFill>
         <p:spPr>
           <a:xfrm>
-            <a:off x="13370365" y="9515529"/>
-            <a:ext cx="15150208" cy="7564298"/>
+            <a:off x="13355101" y="9479281"/>
+            <a:ext cx="15143699" cy="7464295"/>
           </a:xfrm>
           <a:prstGeom prst="rect">
             <a:avLst/>
@@ -3033,10 +3034,10 @@
       </p:pic>
       <p:pic>
         <p:nvPicPr>
-          <p:cNvPr id="8" name="Picture 7">
-            <a:extLst>
-              <a:ext uri="{FF2B5EF4-FFF2-40B4-BE49-F238E27FC236}">
-                <a16:creationId xmlns:a16="http://schemas.microsoft.com/office/drawing/2014/main" id="{D0C34F89-2E7F-6143-B004-36843B073BEC}"/>
+          <p:cNvPr id="44" name="Picture 43">
+            <a:extLst>
+              <a:ext uri="{FF2B5EF4-FFF2-40B4-BE49-F238E27FC236}">
+                <a16:creationId xmlns:a16="http://schemas.microsoft.com/office/drawing/2014/main" id="{4839C8F1-1728-534E-B9C8-2BA39B74813F}"/>
               </a:ext>
             </a:extLst>
           </p:cNvPr>
@@ -3053,8 +3054,8 @@
         </p:blipFill>
         <p:spPr>
           <a:xfrm>
-            <a:off x="-181354" y="9489504"/>
-            <a:ext cx="13853474" cy="7564299"/>
+            <a:off x="46565" y="9593471"/>
+            <a:ext cx="13734731" cy="7464294"/>
           </a:xfrm>
           <a:prstGeom prst="rect">
             <a:avLst/>
@@ -3063,10 +3064,10 @@
       </p:pic>
       <p:pic>
         <p:nvPicPr>
-          <p:cNvPr id="6" name="Picture 5">
-            <a:extLst>
-              <a:ext uri="{FF2B5EF4-FFF2-40B4-BE49-F238E27FC236}">
-                <a16:creationId xmlns:a16="http://schemas.microsoft.com/office/drawing/2014/main" id="{D84BBCD3-21F5-EC47-AB86-14F34BCBC86D}"/>
+          <p:cNvPr id="21" name="Picture 20">
+            <a:extLst>
+              <a:ext uri="{FF2B5EF4-FFF2-40B4-BE49-F238E27FC236}">
+                <a16:creationId xmlns:a16="http://schemas.microsoft.com/office/drawing/2014/main" id="{F61180B5-F3FD-EE4C-A543-AB3C1F1F4667}"/>
               </a:ext>
             </a:extLst>
           </p:cNvPr>
@@ -3083,8 +3084,8 @@
         </p:blipFill>
         <p:spPr>
           <a:xfrm>
-            <a:off x="12866095" y="521859"/>
-            <a:ext cx="15673366" cy="8888187"/>
+            <a:off x="575282" y="17270861"/>
+            <a:ext cx="15938500" cy="11391900"/>
           </a:xfrm>
           <a:prstGeom prst="rect">
             <a:avLst/>
@@ -3093,10 +3094,10 @@
       </p:pic>
       <p:pic>
         <p:nvPicPr>
-          <p:cNvPr id="4" name="Picture 3">
-            <a:extLst>
-              <a:ext uri="{FF2B5EF4-FFF2-40B4-BE49-F238E27FC236}">
-                <a16:creationId xmlns:a16="http://schemas.microsoft.com/office/drawing/2014/main" id="{35726FAD-8D2F-4441-8CF6-A4FF21D34DD7}"/>
+          <p:cNvPr id="6" name="Picture 5">
+            <a:extLst>
+              <a:ext uri="{FF2B5EF4-FFF2-40B4-BE49-F238E27FC236}">
+                <a16:creationId xmlns:a16="http://schemas.microsoft.com/office/drawing/2014/main" id="{D84BBCD3-21F5-EC47-AB86-14F34BCBC86D}"/>
               </a:ext>
             </a:extLst>
           </p:cNvPr>
@@ -3113,8 +3114,8 @@
         </p:blipFill>
         <p:spPr>
           <a:xfrm>
-            <a:off x="306585" y="391230"/>
-            <a:ext cx="12850895" cy="8888187"/>
+            <a:off x="12866095" y="521859"/>
+            <a:ext cx="15673366" cy="8888187"/>
           </a:xfrm>
           <a:prstGeom prst="rect">
             <a:avLst/>
@@ -3123,10 +3124,10 @@
       </p:pic>
       <p:pic>
         <p:nvPicPr>
-          <p:cNvPr id="17" name="Picture 16">
-            <a:extLst>
-              <a:ext uri="{FF2B5EF4-FFF2-40B4-BE49-F238E27FC236}">
-                <a16:creationId xmlns:a16="http://schemas.microsoft.com/office/drawing/2014/main" id="{FBF25BE2-6564-5442-9EAA-89780D142569}"/>
+          <p:cNvPr id="4" name="Picture 3">
+            <a:extLst>
+              <a:ext uri="{FF2B5EF4-FFF2-40B4-BE49-F238E27FC236}">
+                <a16:creationId xmlns:a16="http://schemas.microsoft.com/office/drawing/2014/main" id="{35726FAD-8D2F-4441-8CF6-A4FF21D34DD7}"/>
               </a:ext>
             </a:extLst>
           </p:cNvPr>
@@ -3143,8 +3144,8 @@
         </p:blipFill>
         <p:spPr>
           <a:xfrm>
-            <a:off x="16778738" y="17386898"/>
-            <a:ext cx="9589867" cy="5676622"/>
+            <a:off x="306585" y="391230"/>
+            <a:ext cx="12850895" cy="8888187"/>
           </a:xfrm>
           <a:prstGeom prst="rect">
             <a:avLst/>
@@ -3426,10 +3427,1649 @@
           </a:p>
         </p:txBody>
       </p:sp>
+      <p:cxnSp>
+        <p:nvCxnSpPr>
+          <p:cNvPr id="5" name="Straight Arrow Connector 4">
+            <a:extLst>
+              <a:ext uri="{FF2B5EF4-FFF2-40B4-BE49-F238E27FC236}">
+                <a16:creationId xmlns:a16="http://schemas.microsoft.com/office/drawing/2014/main" id="{936103CF-651E-0A49-A172-CB0AC02A3927}"/>
+              </a:ext>
+            </a:extLst>
+          </p:cNvPr>
+          <p:cNvCxnSpPr>
+            <a:cxnSpLocks/>
+          </p:cNvCxnSpPr>
+          <p:nvPr/>
+        </p:nvCxnSpPr>
+        <p:spPr>
+          <a:xfrm>
+            <a:off x="9393382" y="17931241"/>
+            <a:ext cx="397858" cy="75503"/>
+          </a:xfrm>
+          <a:prstGeom prst="straightConnector1">
+            <a:avLst/>
+          </a:prstGeom>
+          <a:ln>
+            <a:tailEnd type="triangle"/>
+          </a:ln>
+        </p:spPr>
+        <p:style>
+          <a:lnRef idx="1">
+            <a:schemeClr val="dk1"/>
+          </a:lnRef>
+          <a:fillRef idx="0">
+            <a:schemeClr val="dk1"/>
+          </a:fillRef>
+          <a:effectRef idx="0">
+            <a:schemeClr val="dk1"/>
+          </a:effectRef>
+          <a:fontRef idx="minor">
+            <a:schemeClr val="tx1"/>
+          </a:fontRef>
+        </p:style>
+      </p:cxnSp>
+      <p:sp>
+        <p:nvSpPr>
+          <p:cNvPr id="13" name="TextBox 12">
+            <a:extLst>
+              <a:ext uri="{FF2B5EF4-FFF2-40B4-BE49-F238E27FC236}">
+                <a16:creationId xmlns:a16="http://schemas.microsoft.com/office/drawing/2014/main" id="{93A57262-02E3-224A-8573-C0578CAA1C58}"/>
+              </a:ext>
+            </a:extLst>
+          </p:cNvPr>
+          <p:cNvSpPr txBox="1"/>
+          <p:nvPr/>
+        </p:nvSpPr>
+        <p:spPr>
+          <a:xfrm>
+            <a:off x="7488079" y="17684504"/>
+            <a:ext cx="1996021" cy="477054"/>
+          </a:xfrm>
+          <a:prstGeom prst="rect">
+            <a:avLst/>
+          </a:prstGeom>
+          <a:noFill/>
+        </p:spPr>
+        <p:txBody>
+          <a:bodyPr wrap="square" rtlCol="0">
+            <a:spAutoFit/>
+          </a:bodyPr>
+          <a:lstStyle/>
+          <a:p>
+            <a:r>
+              <a:rPr lang="en-US" sz="2500" dirty="0" err="1"/>
+              <a:t>Trimmomatic</a:t>
+            </a:r>
+            <a:endParaRPr lang="en-US" sz="2500" dirty="0"/>
+          </a:p>
+        </p:txBody>
+      </p:sp>
+      <p:cxnSp>
+        <p:nvCxnSpPr>
+          <p:cNvPr id="30" name="Straight Arrow Connector 29">
+            <a:extLst>
+              <a:ext uri="{FF2B5EF4-FFF2-40B4-BE49-F238E27FC236}">
+                <a16:creationId xmlns:a16="http://schemas.microsoft.com/office/drawing/2014/main" id="{33208FDD-04E0-3741-8AAD-7243FFEF0888}"/>
+              </a:ext>
+            </a:extLst>
+          </p:cNvPr>
+          <p:cNvCxnSpPr>
+            <a:cxnSpLocks/>
+          </p:cNvCxnSpPr>
+          <p:nvPr/>
+        </p:nvCxnSpPr>
+        <p:spPr>
+          <a:xfrm flipH="1">
+            <a:off x="5022506" y="19951178"/>
+            <a:ext cx="347516" cy="0"/>
+          </a:xfrm>
+          <a:prstGeom prst="straightConnector1">
+            <a:avLst/>
+          </a:prstGeom>
+          <a:ln>
+            <a:tailEnd type="triangle"/>
+          </a:ln>
+        </p:spPr>
+        <p:style>
+          <a:lnRef idx="1">
+            <a:schemeClr val="dk1"/>
+          </a:lnRef>
+          <a:fillRef idx="0">
+            <a:schemeClr val="dk1"/>
+          </a:fillRef>
+          <a:effectRef idx="0">
+            <a:schemeClr val="dk1"/>
+          </a:effectRef>
+          <a:fontRef idx="minor">
+            <a:schemeClr val="tx1"/>
+          </a:fontRef>
+        </p:style>
+      </p:cxnSp>
+      <p:sp>
+        <p:nvSpPr>
+          <p:cNvPr id="18" name="TextBox 17">
+            <a:extLst>
+              <a:ext uri="{FF2B5EF4-FFF2-40B4-BE49-F238E27FC236}">
+                <a16:creationId xmlns:a16="http://schemas.microsoft.com/office/drawing/2014/main" id="{BA48E7C5-89B9-0E49-836D-C3943FD636AE}"/>
+              </a:ext>
+            </a:extLst>
+          </p:cNvPr>
+          <p:cNvSpPr txBox="1"/>
+          <p:nvPr/>
+        </p:nvSpPr>
+        <p:spPr>
+          <a:xfrm>
+            <a:off x="5365734" y="19749887"/>
+            <a:ext cx="821059" cy="477054"/>
+          </a:xfrm>
+          <a:prstGeom prst="rect">
+            <a:avLst/>
+          </a:prstGeom>
+          <a:noFill/>
+        </p:spPr>
+        <p:txBody>
+          <a:bodyPr wrap="none" rtlCol="0">
+            <a:spAutoFit/>
+          </a:bodyPr>
+          <a:lstStyle/>
+          <a:p>
+            <a:r>
+              <a:rPr lang="en-US" sz="2500" dirty="0"/>
+              <a:t>STAR</a:t>
+            </a:r>
+          </a:p>
+        </p:txBody>
+      </p:sp>
+      <p:cxnSp>
+        <p:nvCxnSpPr>
+          <p:cNvPr id="32" name="Straight Arrow Connector 31">
+            <a:extLst>
+              <a:ext uri="{FF2B5EF4-FFF2-40B4-BE49-F238E27FC236}">
+                <a16:creationId xmlns:a16="http://schemas.microsoft.com/office/drawing/2014/main" id="{24940CBC-D973-8F48-B384-7D197D999A61}"/>
+              </a:ext>
+            </a:extLst>
+          </p:cNvPr>
+          <p:cNvCxnSpPr>
+            <a:cxnSpLocks/>
+          </p:cNvCxnSpPr>
+          <p:nvPr/>
+        </p:nvCxnSpPr>
+        <p:spPr>
+          <a:xfrm flipH="1">
+            <a:off x="11914593" y="20582312"/>
+            <a:ext cx="205362" cy="220279"/>
+          </a:xfrm>
+          <a:prstGeom prst="straightConnector1">
+            <a:avLst/>
+          </a:prstGeom>
+          <a:ln>
+            <a:tailEnd type="triangle"/>
+          </a:ln>
+        </p:spPr>
+        <p:style>
+          <a:lnRef idx="1">
+            <a:schemeClr val="dk1"/>
+          </a:lnRef>
+          <a:fillRef idx="0">
+            <a:schemeClr val="dk1"/>
+          </a:fillRef>
+          <a:effectRef idx="0">
+            <a:schemeClr val="dk1"/>
+          </a:effectRef>
+          <a:fontRef idx="minor">
+            <a:schemeClr val="tx1"/>
+          </a:fontRef>
+        </p:style>
+      </p:cxnSp>
+      <p:sp>
+        <p:nvSpPr>
+          <p:cNvPr id="22" name="TextBox 21">
+            <a:extLst>
+              <a:ext uri="{FF2B5EF4-FFF2-40B4-BE49-F238E27FC236}">
+                <a16:creationId xmlns:a16="http://schemas.microsoft.com/office/drawing/2014/main" id="{2A95455D-D47B-0C4D-90C7-4CF658710687}"/>
+              </a:ext>
+            </a:extLst>
+          </p:cNvPr>
+          <p:cNvSpPr txBox="1"/>
+          <p:nvPr/>
+        </p:nvSpPr>
+        <p:spPr>
+          <a:xfrm>
+            <a:off x="12094211" y="20251329"/>
+            <a:ext cx="1001556" cy="477054"/>
+          </a:xfrm>
+          <a:prstGeom prst="rect">
+            <a:avLst/>
+          </a:prstGeom>
+          <a:noFill/>
+        </p:spPr>
+        <p:txBody>
+          <a:bodyPr wrap="none" rtlCol="0">
+            <a:spAutoFit/>
+          </a:bodyPr>
+          <a:lstStyle/>
+          <a:p>
+            <a:r>
+              <a:rPr lang="en-US" sz="2500" dirty="0"/>
+              <a:t>Trinity</a:t>
+            </a:r>
+          </a:p>
+        </p:txBody>
+      </p:sp>
+      <p:sp>
+        <p:nvSpPr>
+          <p:cNvPr id="23" name="TextBox 22">
+            <a:extLst>
+              <a:ext uri="{FF2B5EF4-FFF2-40B4-BE49-F238E27FC236}">
+                <a16:creationId xmlns:a16="http://schemas.microsoft.com/office/drawing/2014/main" id="{E5182833-73FA-9C44-B001-DB8E1ECD0689}"/>
+              </a:ext>
+            </a:extLst>
+          </p:cNvPr>
+          <p:cNvSpPr txBox="1"/>
+          <p:nvPr/>
+        </p:nvSpPr>
+        <p:spPr>
+          <a:xfrm>
+            <a:off x="4336156" y="19120802"/>
+            <a:ext cx="1874744" cy="477054"/>
+          </a:xfrm>
+          <a:prstGeom prst="rect">
+            <a:avLst/>
+          </a:prstGeom>
+          <a:noFill/>
+        </p:spPr>
+        <p:txBody>
+          <a:bodyPr wrap="none" rtlCol="0">
+            <a:spAutoFit/>
+          </a:bodyPr>
+          <a:lstStyle/>
+          <a:p>
+            <a:r>
+              <a:rPr lang="en-US" sz="2500" dirty="0" err="1"/>
+              <a:t>Ht</a:t>
+            </a:r>
+            <a:r>
+              <a:rPr lang="en-US" sz="2500" dirty="0"/>
+              <a:t>-seq-count</a:t>
+            </a:r>
+          </a:p>
+        </p:txBody>
+      </p:sp>
+      <p:cxnSp>
+        <p:nvCxnSpPr>
+          <p:cNvPr id="33" name="Straight Arrow Connector 32">
+            <a:extLst>
+              <a:ext uri="{FF2B5EF4-FFF2-40B4-BE49-F238E27FC236}">
+                <a16:creationId xmlns:a16="http://schemas.microsoft.com/office/drawing/2014/main" id="{D395DFAC-B285-6841-A166-FB61C1E87EB9}"/>
+              </a:ext>
+            </a:extLst>
+          </p:cNvPr>
+          <p:cNvCxnSpPr>
+            <a:cxnSpLocks/>
+          </p:cNvCxnSpPr>
+          <p:nvPr/>
+        </p:nvCxnSpPr>
+        <p:spPr>
+          <a:xfrm flipH="1">
+            <a:off x="4336156" y="19506759"/>
+            <a:ext cx="136091" cy="273928"/>
+          </a:xfrm>
+          <a:prstGeom prst="straightConnector1">
+            <a:avLst/>
+          </a:prstGeom>
+          <a:ln>
+            <a:tailEnd type="triangle"/>
+          </a:ln>
+        </p:spPr>
+        <p:style>
+          <a:lnRef idx="1">
+            <a:schemeClr val="dk1"/>
+          </a:lnRef>
+          <a:fillRef idx="0">
+            <a:schemeClr val="dk1"/>
+          </a:fillRef>
+          <a:effectRef idx="0">
+            <a:schemeClr val="dk1"/>
+          </a:effectRef>
+          <a:fontRef idx="minor">
+            <a:schemeClr val="tx1"/>
+          </a:fontRef>
+        </p:style>
+      </p:cxnSp>
+      <p:sp>
+        <p:nvSpPr>
+          <p:cNvPr id="35" name="TextBox 34">
+            <a:extLst>
+              <a:ext uri="{FF2B5EF4-FFF2-40B4-BE49-F238E27FC236}">
+                <a16:creationId xmlns:a16="http://schemas.microsoft.com/office/drawing/2014/main" id="{FAE672D6-0E32-9B4D-A70F-0ED099B48446}"/>
+              </a:ext>
+            </a:extLst>
+          </p:cNvPr>
+          <p:cNvSpPr txBox="1"/>
+          <p:nvPr/>
+        </p:nvSpPr>
+        <p:spPr>
+          <a:xfrm>
+            <a:off x="11272061" y="17667978"/>
+            <a:ext cx="1271567" cy="477054"/>
+          </a:xfrm>
+          <a:prstGeom prst="rect">
+            <a:avLst/>
+          </a:prstGeom>
+          <a:noFill/>
+        </p:spPr>
+        <p:txBody>
+          <a:bodyPr wrap="none" rtlCol="0">
+            <a:spAutoFit/>
+          </a:bodyPr>
+          <a:lstStyle/>
+          <a:p>
+            <a:r>
+              <a:rPr lang="en-US" sz="2500" dirty="0"/>
+              <a:t>DESeq-2</a:t>
+            </a:r>
+          </a:p>
+        </p:txBody>
+      </p:sp>
+      <p:cxnSp>
+        <p:nvCxnSpPr>
+          <p:cNvPr id="36" name="Straight Arrow Connector 35">
+            <a:extLst>
+              <a:ext uri="{FF2B5EF4-FFF2-40B4-BE49-F238E27FC236}">
+                <a16:creationId xmlns:a16="http://schemas.microsoft.com/office/drawing/2014/main" id="{793968E2-81E1-5E47-8028-812BC9FB8D45}"/>
+              </a:ext>
+            </a:extLst>
+          </p:cNvPr>
+          <p:cNvCxnSpPr>
+            <a:cxnSpLocks/>
+          </p:cNvCxnSpPr>
+          <p:nvPr/>
+        </p:nvCxnSpPr>
+        <p:spPr>
+          <a:xfrm flipH="1">
+            <a:off x="10901378" y="17885894"/>
+            <a:ext cx="403098" cy="89639"/>
+          </a:xfrm>
+          <a:prstGeom prst="straightConnector1">
+            <a:avLst/>
+          </a:prstGeom>
+          <a:ln>
+            <a:tailEnd type="triangle"/>
+          </a:ln>
+        </p:spPr>
+        <p:style>
+          <a:lnRef idx="1">
+            <a:schemeClr val="dk1"/>
+          </a:lnRef>
+          <a:fillRef idx="0">
+            <a:schemeClr val="dk1"/>
+          </a:fillRef>
+          <a:effectRef idx="0">
+            <a:schemeClr val="dk1"/>
+          </a:effectRef>
+          <a:fontRef idx="minor">
+            <a:schemeClr val="tx1"/>
+          </a:fontRef>
+        </p:style>
+      </p:cxnSp>
+      <p:sp>
+        <p:nvSpPr>
+          <p:cNvPr id="39" name="TextBox 38">
+            <a:extLst>
+              <a:ext uri="{FF2B5EF4-FFF2-40B4-BE49-F238E27FC236}">
+                <a16:creationId xmlns:a16="http://schemas.microsoft.com/office/drawing/2014/main" id="{0578F0A3-F8B4-EF4A-9EEA-2841EED4D2F3}"/>
+              </a:ext>
+            </a:extLst>
+          </p:cNvPr>
+          <p:cNvSpPr txBox="1"/>
+          <p:nvPr/>
+        </p:nvSpPr>
+        <p:spPr>
+          <a:xfrm>
+            <a:off x="13982007" y="20802591"/>
+            <a:ext cx="2045753" cy="477054"/>
+          </a:xfrm>
+          <a:prstGeom prst="rect">
+            <a:avLst/>
+          </a:prstGeom>
+          <a:noFill/>
+        </p:spPr>
+        <p:txBody>
+          <a:bodyPr wrap="none" rtlCol="0">
+            <a:spAutoFit/>
+          </a:bodyPr>
+          <a:lstStyle/>
+          <a:p>
+            <a:r>
+              <a:rPr lang="en-US" sz="2500" dirty="0" err="1"/>
+              <a:t>CummeRbund</a:t>
+            </a:r>
+            <a:endParaRPr lang="en-US" sz="2500" dirty="0"/>
+          </a:p>
+        </p:txBody>
+      </p:sp>
+      <p:cxnSp>
+        <p:nvCxnSpPr>
+          <p:cNvPr id="40" name="Straight Arrow Connector 39">
+            <a:extLst>
+              <a:ext uri="{FF2B5EF4-FFF2-40B4-BE49-F238E27FC236}">
+                <a16:creationId xmlns:a16="http://schemas.microsoft.com/office/drawing/2014/main" id="{48FDFD8B-867B-EC4F-BF58-3AD9BB7EDE7E}"/>
+              </a:ext>
+            </a:extLst>
+          </p:cNvPr>
+          <p:cNvCxnSpPr>
+            <a:cxnSpLocks/>
+          </p:cNvCxnSpPr>
+          <p:nvPr/>
+        </p:nvCxnSpPr>
+        <p:spPr>
+          <a:xfrm>
+            <a:off x="13544461" y="20954636"/>
+            <a:ext cx="437546" cy="32621"/>
+          </a:xfrm>
+          <a:prstGeom prst="straightConnector1">
+            <a:avLst/>
+          </a:prstGeom>
+          <a:ln>
+            <a:tailEnd type="triangle"/>
+          </a:ln>
+        </p:spPr>
+        <p:style>
+          <a:lnRef idx="1">
+            <a:schemeClr val="dk1"/>
+          </a:lnRef>
+          <a:fillRef idx="0">
+            <a:schemeClr val="dk1"/>
+          </a:fillRef>
+          <a:effectRef idx="0">
+            <a:schemeClr val="dk1"/>
+          </a:effectRef>
+          <a:fontRef idx="minor">
+            <a:schemeClr val="tx1"/>
+          </a:fontRef>
+        </p:style>
+      </p:cxnSp>
     </p:spTree>
     <p:extLst>
       <p:ext uri="{BB962C8B-B14F-4D97-AF65-F5344CB8AC3E}">
         <p14:creationId xmlns:p14="http://schemas.microsoft.com/office/powerpoint/2010/main" val="3774264571"/>
+      </p:ext>
+    </p:extLst>
+  </p:cSld>
+  <p:clrMapOvr>
+    <a:masterClrMapping/>
+  </p:clrMapOvr>
+</p:sld>
+</file>
+
+<file path=ppt/slides/slide2.xml><?xml version="1.0" encoding="utf-8"?>
+<p:sld xmlns:a="http://schemas.openxmlformats.org/drawingml/2006/main" xmlns:r="http://schemas.openxmlformats.org/officeDocument/2006/relationships" xmlns:p="http://schemas.openxmlformats.org/presentationml/2006/main">
+  <p:cSld>
+    <p:spTree>
+      <p:nvGrpSpPr>
+        <p:cNvPr id="1" name=""/>
+        <p:cNvGrpSpPr/>
+        <p:nvPr/>
+      </p:nvGrpSpPr>
+      <p:grpSpPr>
+        <a:xfrm>
+          <a:off x="0" y="0"/>
+          <a:ext cx="0" cy="0"/>
+          <a:chOff x="0" y="0"/>
+          <a:chExt cx="0" cy="0"/>
+        </a:xfrm>
+      </p:grpSpPr>
+      <p:pic>
+        <p:nvPicPr>
+          <p:cNvPr id="3" name="Picture 2">
+            <a:extLst>
+              <a:ext uri="{FF2B5EF4-FFF2-40B4-BE49-F238E27FC236}">
+                <a16:creationId xmlns:a16="http://schemas.microsoft.com/office/drawing/2014/main" id="{FA03959C-F3D6-4649-BCD3-061E7BABC35D}"/>
+              </a:ext>
+            </a:extLst>
+          </p:cNvPr>
+          <p:cNvPicPr>
+            <a:picLocks noChangeAspect="1"/>
+          </p:cNvPicPr>
+          <p:nvPr/>
+        </p:nvPicPr>
+        <p:blipFill>
+          <a:blip r:embed="rId2"/>
+          <a:stretch>
+            <a:fillRect/>
+          </a:stretch>
+        </p:blipFill>
+        <p:spPr>
+          <a:xfrm>
+            <a:off x="340523" y="17012811"/>
+            <a:ext cx="15963900" cy="11391900"/>
+          </a:xfrm>
+          <a:prstGeom prst="rect">
+            <a:avLst/>
+          </a:prstGeom>
+        </p:spPr>
+      </p:pic>
+      <p:pic>
+        <p:nvPicPr>
+          <p:cNvPr id="50" name="Picture 49">
+            <a:extLst>
+              <a:ext uri="{FF2B5EF4-FFF2-40B4-BE49-F238E27FC236}">
+                <a16:creationId xmlns:a16="http://schemas.microsoft.com/office/drawing/2014/main" id="{8F94DFC1-C7E7-9E48-805D-22F8E9246646}"/>
+              </a:ext>
+            </a:extLst>
+          </p:cNvPr>
+          <p:cNvPicPr>
+            <a:picLocks noChangeAspect="1"/>
+          </p:cNvPicPr>
+          <p:nvPr/>
+        </p:nvPicPr>
+        <p:blipFill>
+          <a:blip r:embed="rId3"/>
+          <a:stretch>
+            <a:fillRect/>
+          </a:stretch>
+        </p:blipFill>
+        <p:spPr>
+          <a:xfrm>
+            <a:off x="16521723" y="17118461"/>
+            <a:ext cx="10083800" cy="5969000"/>
+          </a:xfrm>
+          <a:prstGeom prst="rect">
+            <a:avLst/>
+          </a:prstGeom>
+        </p:spPr>
+      </p:pic>
+      <p:pic>
+        <p:nvPicPr>
+          <p:cNvPr id="46" name="Picture 45">
+            <a:extLst>
+              <a:ext uri="{FF2B5EF4-FFF2-40B4-BE49-F238E27FC236}">
+                <a16:creationId xmlns:a16="http://schemas.microsoft.com/office/drawing/2014/main" id="{63E0C7FF-C452-4D45-8CC0-B21104C8173E}"/>
+              </a:ext>
+            </a:extLst>
+          </p:cNvPr>
+          <p:cNvPicPr>
+            <a:picLocks noChangeAspect="1"/>
+          </p:cNvPicPr>
+          <p:nvPr/>
+        </p:nvPicPr>
+        <p:blipFill>
+          <a:blip r:embed="rId4"/>
+          <a:stretch>
+            <a:fillRect/>
+          </a:stretch>
+        </p:blipFill>
+        <p:spPr>
+          <a:xfrm>
+            <a:off x="13355101" y="9479281"/>
+            <a:ext cx="15143699" cy="7464295"/>
+          </a:xfrm>
+          <a:prstGeom prst="rect">
+            <a:avLst/>
+          </a:prstGeom>
+        </p:spPr>
+      </p:pic>
+      <p:pic>
+        <p:nvPicPr>
+          <p:cNvPr id="44" name="Picture 43">
+            <a:extLst>
+              <a:ext uri="{FF2B5EF4-FFF2-40B4-BE49-F238E27FC236}">
+                <a16:creationId xmlns:a16="http://schemas.microsoft.com/office/drawing/2014/main" id="{4839C8F1-1728-534E-B9C8-2BA39B74813F}"/>
+              </a:ext>
+            </a:extLst>
+          </p:cNvPr>
+          <p:cNvPicPr>
+            <a:picLocks noChangeAspect="1"/>
+          </p:cNvPicPr>
+          <p:nvPr/>
+        </p:nvPicPr>
+        <p:blipFill>
+          <a:blip r:embed="rId5"/>
+          <a:stretch>
+            <a:fillRect/>
+          </a:stretch>
+        </p:blipFill>
+        <p:spPr>
+          <a:xfrm>
+            <a:off x="46565" y="9593471"/>
+            <a:ext cx="13734731" cy="7464294"/>
+          </a:xfrm>
+          <a:prstGeom prst="rect">
+            <a:avLst/>
+          </a:prstGeom>
+        </p:spPr>
+      </p:pic>
+      <p:pic>
+        <p:nvPicPr>
+          <p:cNvPr id="6" name="Picture 5">
+            <a:extLst>
+              <a:ext uri="{FF2B5EF4-FFF2-40B4-BE49-F238E27FC236}">
+                <a16:creationId xmlns:a16="http://schemas.microsoft.com/office/drawing/2014/main" id="{D84BBCD3-21F5-EC47-AB86-14F34BCBC86D}"/>
+              </a:ext>
+            </a:extLst>
+          </p:cNvPr>
+          <p:cNvPicPr>
+            <a:picLocks noChangeAspect="1"/>
+          </p:cNvPicPr>
+          <p:nvPr/>
+        </p:nvPicPr>
+        <p:blipFill>
+          <a:blip r:embed="rId6"/>
+          <a:stretch>
+            <a:fillRect/>
+          </a:stretch>
+        </p:blipFill>
+        <p:spPr>
+          <a:xfrm>
+            <a:off x="12866095" y="521859"/>
+            <a:ext cx="15673366" cy="8888187"/>
+          </a:xfrm>
+          <a:prstGeom prst="rect">
+            <a:avLst/>
+          </a:prstGeom>
+        </p:spPr>
+      </p:pic>
+      <p:pic>
+        <p:nvPicPr>
+          <p:cNvPr id="4" name="Picture 3">
+            <a:extLst>
+              <a:ext uri="{FF2B5EF4-FFF2-40B4-BE49-F238E27FC236}">
+                <a16:creationId xmlns:a16="http://schemas.microsoft.com/office/drawing/2014/main" id="{35726FAD-8D2F-4441-8CF6-A4FF21D34DD7}"/>
+              </a:ext>
+            </a:extLst>
+          </p:cNvPr>
+          <p:cNvPicPr>
+            <a:picLocks noChangeAspect="1"/>
+          </p:cNvPicPr>
+          <p:nvPr/>
+        </p:nvPicPr>
+        <p:blipFill>
+          <a:blip r:embed="rId7"/>
+          <a:stretch>
+            <a:fillRect/>
+          </a:stretch>
+        </p:blipFill>
+        <p:spPr>
+          <a:xfrm>
+            <a:off x="306585" y="391230"/>
+            <a:ext cx="12850895" cy="8888187"/>
+          </a:xfrm>
+          <a:prstGeom prst="rect">
+            <a:avLst/>
+          </a:prstGeom>
+        </p:spPr>
+      </p:pic>
+      <p:sp>
+        <p:nvSpPr>
+          <p:cNvPr id="24" name="TextBox 23">
+            <a:extLst>
+              <a:ext uri="{FF2B5EF4-FFF2-40B4-BE49-F238E27FC236}">
+                <a16:creationId xmlns:a16="http://schemas.microsoft.com/office/drawing/2014/main" id="{E116B10B-E50B-334D-BC32-4A81C34527AE}"/>
+              </a:ext>
+            </a:extLst>
+          </p:cNvPr>
+          <p:cNvSpPr txBox="1"/>
+          <p:nvPr/>
+        </p:nvSpPr>
+        <p:spPr>
+          <a:xfrm>
+            <a:off x="1298358" y="260974"/>
+            <a:ext cx="340205" cy="519588"/>
+          </a:xfrm>
+          <a:prstGeom prst="rect">
+            <a:avLst/>
+          </a:prstGeom>
+          <a:noFill/>
+        </p:spPr>
+        <p:txBody>
+          <a:bodyPr wrap="square" rtlCol="0">
+            <a:spAutoFit/>
+          </a:bodyPr>
+          <a:lstStyle/>
+          <a:p>
+            <a:r>
+              <a:rPr lang="en-US" sz="2800" b="1" dirty="0"/>
+              <a:t>a</a:t>
+            </a:r>
+          </a:p>
+        </p:txBody>
+      </p:sp>
+      <p:sp>
+        <p:nvSpPr>
+          <p:cNvPr id="25" name="TextBox 24">
+            <a:extLst>
+              <a:ext uri="{FF2B5EF4-FFF2-40B4-BE49-F238E27FC236}">
+                <a16:creationId xmlns:a16="http://schemas.microsoft.com/office/drawing/2014/main" id="{5095E299-B4BC-B649-941A-77FB5AB3D5F8}"/>
+              </a:ext>
+            </a:extLst>
+          </p:cNvPr>
+          <p:cNvSpPr txBox="1"/>
+          <p:nvPr/>
+        </p:nvSpPr>
+        <p:spPr>
+          <a:xfrm>
+            <a:off x="17986982" y="17408021"/>
+            <a:ext cx="298480" cy="523220"/>
+          </a:xfrm>
+          <a:prstGeom prst="rect">
+            <a:avLst/>
+          </a:prstGeom>
+          <a:noFill/>
+        </p:spPr>
+        <p:txBody>
+          <a:bodyPr wrap="none" rtlCol="0">
+            <a:spAutoFit/>
+          </a:bodyPr>
+          <a:lstStyle/>
+          <a:p>
+            <a:r>
+              <a:rPr lang="en-US" sz="2800" b="1" dirty="0"/>
+              <a:t>f</a:t>
+            </a:r>
+          </a:p>
+        </p:txBody>
+      </p:sp>
+      <p:sp>
+        <p:nvSpPr>
+          <p:cNvPr id="26" name="TextBox 25">
+            <a:extLst>
+              <a:ext uri="{FF2B5EF4-FFF2-40B4-BE49-F238E27FC236}">
+                <a16:creationId xmlns:a16="http://schemas.microsoft.com/office/drawing/2014/main" id="{B29B5468-E719-5241-BBD8-8952B0AFC639}"/>
+              </a:ext>
+            </a:extLst>
+          </p:cNvPr>
+          <p:cNvSpPr txBox="1"/>
+          <p:nvPr/>
+        </p:nvSpPr>
+        <p:spPr>
+          <a:xfrm>
+            <a:off x="1228160" y="17721081"/>
+            <a:ext cx="343570" cy="519588"/>
+          </a:xfrm>
+          <a:prstGeom prst="rect">
+            <a:avLst/>
+          </a:prstGeom>
+          <a:noFill/>
+        </p:spPr>
+        <p:txBody>
+          <a:bodyPr wrap="square" rtlCol="0">
+            <a:spAutoFit/>
+          </a:bodyPr>
+          <a:lstStyle/>
+          <a:p>
+            <a:r>
+              <a:rPr lang="en-US" sz="2800" b="1" dirty="0"/>
+              <a:t>e</a:t>
+            </a:r>
+          </a:p>
+        </p:txBody>
+      </p:sp>
+      <p:sp>
+        <p:nvSpPr>
+          <p:cNvPr id="27" name="TextBox 26">
+            <a:extLst>
+              <a:ext uri="{FF2B5EF4-FFF2-40B4-BE49-F238E27FC236}">
+                <a16:creationId xmlns:a16="http://schemas.microsoft.com/office/drawing/2014/main" id="{43475BF6-D5F4-344F-9235-D248DE675CFD}"/>
+              </a:ext>
+            </a:extLst>
+          </p:cNvPr>
+          <p:cNvSpPr txBox="1"/>
+          <p:nvPr/>
+        </p:nvSpPr>
+        <p:spPr>
+          <a:xfrm>
+            <a:off x="16325269" y="9501567"/>
+            <a:ext cx="377026" cy="523220"/>
+          </a:xfrm>
+          <a:prstGeom prst="rect">
+            <a:avLst/>
+          </a:prstGeom>
+          <a:noFill/>
+        </p:spPr>
+        <p:txBody>
+          <a:bodyPr wrap="none" rtlCol="0">
+            <a:spAutoFit/>
+          </a:bodyPr>
+          <a:lstStyle/>
+          <a:p>
+            <a:r>
+              <a:rPr lang="en-US" sz="2800" b="1" dirty="0"/>
+              <a:t>d</a:t>
+            </a:r>
+          </a:p>
+        </p:txBody>
+      </p:sp>
+      <p:sp>
+        <p:nvSpPr>
+          <p:cNvPr id="28" name="TextBox 27">
+            <a:extLst>
+              <a:ext uri="{FF2B5EF4-FFF2-40B4-BE49-F238E27FC236}">
+                <a16:creationId xmlns:a16="http://schemas.microsoft.com/office/drawing/2014/main" id="{509B97EE-1662-F54A-A8E5-08ABDDF40339}"/>
+              </a:ext>
+            </a:extLst>
+          </p:cNvPr>
+          <p:cNvSpPr txBox="1"/>
+          <p:nvPr/>
+        </p:nvSpPr>
+        <p:spPr>
+          <a:xfrm>
+            <a:off x="1298345" y="9521611"/>
+            <a:ext cx="284258" cy="523220"/>
+          </a:xfrm>
+          <a:prstGeom prst="rect">
+            <a:avLst/>
+          </a:prstGeom>
+          <a:noFill/>
+        </p:spPr>
+        <p:txBody>
+          <a:bodyPr wrap="square" rtlCol="0">
+            <a:spAutoFit/>
+          </a:bodyPr>
+          <a:lstStyle/>
+          <a:p>
+            <a:r>
+              <a:rPr lang="en-US" sz="2800" b="1" dirty="0"/>
+              <a:t>c</a:t>
+            </a:r>
+          </a:p>
+        </p:txBody>
+      </p:sp>
+      <p:sp>
+        <p:nvSpPr>
+          <p:cNvPr id="29" name="TextBox 28">
+            <a:extLst>
+              <a:ext uri="{FF2B5EF4-FFF2-40B4-BE49-F238E27FC236}">
+                <a16:creationId xmlns:a16="http://schemas.microsoft.com/office/drawing/2014/main" id="{1176DB54-2E10-AA42-8C3C-FFD1FE6CC505}"/>
+              </a:ext>
+            </a:extLst>
+          </p:cNvPr>
+          <p:cNvSpPr txBox="1"/>
+          <p:nvPr/>
+        </p:nvSpPr>
+        <p:spPr>
+          <a:xfrm>
+            <a:off x="16136756" y="260974"/>
+            <a:ext cx="377026" cy="523220"/>
+          </a:xfrm>
+          <a:prstGeom prst="rect">
+            <a:avLst/>
+          </a:prstGeom>
+          <a:noFill/>
+        </p:spPr>
+        <p:txBody>
+          <a:bodyPr wrap="none" rtlCol="0">
+            <a:spAutoFit/>
+          </a:bodyPr>
+          <a:lstStyle/>
+          <a:p>
+            <a:r>
+              <a:rPr lang="en-US" sz="2800" b="1" dirty="0"/>
+              <a:t>b</a:t>
+            </a:r>
+          </a:p>
+        </p:txBody>
+      </p:sp>
+      <p:pic>
+        <p:nvPicPr>
+          <p:cNvPr id="14" name="Picture 13">
+            <a:extLst>
+              <a:ext uri="{FF2B5EF4-FFF2-40B4-BE49-F238E27FC236}">
+                <a16:creationId xmlns:a16="http://schemas.microsoft.com/office/drawing/2014/main" id="{7DCB1191-D680-E844-89B2-69F898388212}"/>
+              </a:ext>
+            </a:extLst>
+          </p:cNvPr>
+          <p:cNvPicPr>
+            <a:picLocks noChangeAspect="1"/>
+          </p:cNvPicPr>
+          <p:nvPr/>
+        </p:nvPicPr>
+        <p:blipFill>
+          <a:blip r:embed="rId8"/>
+          <a:stretch>
+            <a:fillRect/>
+          </a:stretch>
+        </p:blipFill>
+        <p:spPr>
+          <a:xfrm>
+            <a:off x="18611722" y="22911120"/>
+            <a:ext cx="7530527" cy="5802210"/>
+          </a:xfrm>
+          <a:prstGeom prst="rect">
+            <a:avLst/>
+          </a:prstGeom>
+        </p:spPr>
+      </p:pic>
+      <p:sp>
+        <p:nvSpPr>
+          <p:cNvPr id="16" name="TextBox 15">
+            <a:extLst>
+              <a:ext uri="{FF2B5EF4-FFF2-40B4-BE49-F238E27FC236}">
+                <a16:creationId xmlns:a16="http://schemas.microsoft.com/office/drawing/2014/main" id="{8CA66D28-72ED-4645-8B3D-01FA49C3AF54}"/>
+              </a:ext>
+            </a:extLst>
+          </p:cNvPr>
+          <p:cNvSpPr txBox="1"/>
+          <p:nvPr/>
+        </p:nvSpPr>
+        <p:spPr>
+          <a:xfrm>
+            <a:off x="17903682" y="23186570"/>
+            <a:ext cx="286500" cy="523220"/>
+          </a:xfrm>
+          <a:prstGeom prst="rect">
+            <a:avLst/>
+          </a:prstGeom>
+          <a:noFill/>
+        </p:spPr>
+        <p:txBody>
+          <a:bodyPr wrap="square" rtlCol="0">
+            <a:spAutoFit/>
+          </a:bodyPr>
+          <a:lstStyle/>
+          <a:p>
+            <a:r>
+              <a:rPr lang="en-US" sz="2800" b="1" dirty="0"/>
+              <a:t>g</a:t>
+            </a:r>
+          </a:p>
+        </p:txBody>
+      </p:sp>
+      <p:cxnSp>
+        <p:nvCxnSpPr>
+          <p:cNvPr id="5" name="Straight Arrow Connector 4">
+            <a:extLst>
+              <a:ext uri="{FF2B5EF4-FFF2-40B4-BE49-F238E27FC236}">
+                <a16:creationId xmlns:a16="http://schemas.microsoft.com/office/drawing/2014/main" id="{936103CF-651E-0A49-A172-CB0AC02A3927}"/>
+              </a:ext>
+            </a:extLst>
+          </p:cNvPr>
+          <p:cNvCxnSpPr>
+            <a:cxnSpLocks/>
+          </p:cNvCxnSpPr>
+          <p:nvPr/>
+        </p:nvCxnSpPr>
+        <p:spPr>
+          <a:xfrm flipH="1">
+            <a:off x="15395617" y="21833817"/>
+            <a:ext cx="331758" cy="296444"/>
+          </a:xfrm>
+          <a:prstGeom prst="straightConnector1">
+            <a:avLst/>
+          </a:prstGeom>
+          <a:ln>
+            <a:tailEnd type="triangle"/>
+          </a:ln>
+        </p:spPr>
+        <p:style>
+          <a:lnRef idx="1">
+            <a:schemeClr val="dk1"/>
+          </a:lnRef>
+          <a:fillRef idx="0">
+            <a:schemeClr val="dk1"/>
+          </a:fillRef>
+          <a:effectRef idx="0">
+            <a:schemeClr val="dk1"/>
+          </a:effectRef>
+          <a:fontRef idx="minor">
+            <a:schemeClr val="tx1"/>
+          </a:fontRef>
+        </p:style>
+      </p:cxnSp>
+      <p:sp>
+        <p:nvSpPr>
+          <p:cNvPr id="13" name="TextBox 12">
+            <a:extLst>
+              <a:ext uri="{FF2B5EF4-FFF2-40B4-BE49-F238E27FC236}">
+                <a16:creationId xmlns:a16="http://schemas.microsoft.com/office/drawing/2014/main" id="{93A57262-02E3-224A-8573-C0578CAA1C58}"/>
+              </a:ext>
+            </a:extLst>
+          </p:cNvPr>
+          <p:cNvSpPr txBox="1"/>
+          <p:nvPr/>
+        </p:nvSpPr>
+        <p:spPr>
+          <a:xfrm>
+            <a:off x="15704284" y="21454530"/>
+            <a:ext cx="1996021" cy="477054"/>
+          </a:xfrm>
+          <a:prstGeom prst="rect">
+            <a:avLst/>
+          </a:prstGeom>
+          <a:noFill/>
+        </p:spPr>
+        <p:txBody>
+          <a:bodyPr wrap="square" rtlCol="0">
+            <a:spAutoFit/>
+          </a:bodyPr>
+          <a:lstStyle/>
+          <a:p>
+            <a:r>
+              <a:rPr lang="en-US" sz="2500" dirty="0" err="1"/>
+              <a:t>Trimmomatic</a:t>
+            </a:r>
+            <a:endParaRPr lang="en-US" sz="2500" dirty="0"/>
+          </a:p>
+        </p:txBody>
+      </p:sp>
+      <p:cxnSp>
+        <p:nvCxnSpPr>
+          <p:cNvPr id="30" name="Straight Arrow Connector 29">
+            <a:extLst>
+              <a:ext uri="{FF2B5EF4-FFF2-40B4-BE49-F238E27FC236}">
+                <a16:creationId xmlns:a16="http://schemas.microsoft.com/office/drawing/2014/main" id="{33208FDD-04E0-3741-8AAD-7243FFEF0888}"/>
+              </a:ext>
+            </a:extLst>
+          </p:cNvPr>
+          <p:cNvCxnSpPr>
+            <a:cxnSpLocks/>
+          </p:cNvCxnSpPr>
+          <p:nvPr/>
+        </p:nvCxnSpPr>
+        <p:spPr>
+          <a:xfrm flipH="1">
+            <a:off x="12190814" y="18612945"/>
+            <a:ext cx="347516" cy="0"/>
+          </a:xfrm>
+          <a:prstGeom prst="straightConnector1">
+            <a:avLst/>
+          </a:prstGeom>
+          <a:ln>
+            <a:tailEnd type="triangle"/>
+          </a:ln>
+        </p:spPr>
+        <p:style>
+          <a:lnRef idx="1">
+            <a:schemeClr val="dk1"/>
+          </a:lnRef>
+          <a:fillRef idx="0">
+            <a:schemeClr val="dk1"/>
+          </a:fillRef>
+          <a:effectRef idx="0">
+            <a:schemeClr val="dk1"/>
+          </a:effectRef>
+          <a:fontRef idx="minor">
+            <a:schemeClr val="tx1"/>
+          </a:fontRef>
+        </p:style>
+      </p:cxnSp>
+      <p:sp>
+        <p:nvSpPr>
+          <p:cNvPr id="18" name="TextBox 17">
+            <a:extLst>
+              <a:ext uri="{FF2B5EF4-FFF2-40B4-BE49-F238E27FC236}">
+                <a16:creationId xmlns:a16="http://schemas.microsoft.com/office/drawing/2014/main" id="{BA48E7C5-89B9-0E49-836D-C3943FD636AE}"/>
+              </a:ext>
+            </a:extLst>
+          </p:cNvPr>
+          <p:cNvSpPr txBox="1"/>
+          <p:nvPr/>
+        </p:nvSpPr>
+        <p:spPr>
+          <a:xfrm>
+            <a:off x="12534042" y="18411654"/>
+            <a:ext cx="821059" cy="477054"/>
+          </a:xfrm>
+          <a:prstGeom prst="rect">
+            <a:avLst/>
+          </a:prstGeom>
+          <a:noFill/>
+        </p:spPr>
+        <p:txBody>
+          <a:bodyPr wrap="none" rtlCol="0">
+            <a:spAutoFit/>
+          </a:bodyPr>
+          <a:lstStyle/>
+          <a:p>
+            <a:r>
+              <a:rPr lang="en-US" sz="2500" dirty="0"/>
+              <a:t>STAR</a:t>
+            </a:r>
+          </a:p>
+        </p:txBody>
+      </p:sp>
+      <p:cxnSp>
+        <p:nvCxnSpPr>
+          <p:cNvPr id="32" name="Straight Arrow Connector 31">
+            <a:extLst>
+              <a:ext uri="{FF2B5EF4-FFF2-40B4-BE49-F238E27FC236}">
+                <a16:creationId xmlns:a16="http://schemas.microsoft.com/office/drawing/2014/main" id="{24940CBC-D973-8F48-B384-7D197D999A61}"/>
+              </a:ext>
+            </a:extLst>
+          </p:cNvPr>
+          <p:cNvCxnSpPr>
+            <a:cxnSpLocks/>
+          </p:cNvCxnSpPr>
+          <p:nvPr/>
+        </p:nvCxnSpPr>
+        <p:spPr>
+          <a:xfrm flipH="1" flipV="1">
+            <a:off x="10545911" y="24192737"/>
+            <a:ext cx="275404" cy="330983"/>
+          </a:xfrm>
+          <a:prstGeom prst="straightConnector1">
+            <a:avLst/>
+          </a:prstGeom>
+          <a:ln>
+            <a:tailEnd type="triangle"/>
+          </a:ln>
+        </p:spPr>
+        <p:style>
+          <a:lnRef idx="1">
+            <a:schemeClr val="dk1"/>
+          </a:lnRef>
+          <a:fillRef idx="0">
+            <a:schemeClr val="dk1"/>
+          </a:fillRef>
+          <a:effectRef idx="0">
+            <a:schemeClr val="dk1"/>
+          </a:effectRef>
+          <a:fontRef idx="minor">
+            <a:schemeClr val="tx1"/>
+          </a:fontRef>
+        </p:style>
+      </p:cxnSp>
+      <p:sp>
+        <p:nvSpPr>
+          <p:cNvPr id="22" name="TextBox 21">
+            <a:extLst>
+              <a:ext uri="{FF2B5EF4-FFF2-40B4-BE49-F238E27FC236}">
+                <a16:creationId xmlns:a16="http://schemas.microsoft.com/office/drawing/2014/main" id="{2A95455D-D47B-0C4D-90C7-4CF658710687}"/>
+              </a:ext>
+            </a:extLst>
+          </p:cNvPr>
+          <p:cNvSpPr txBox="1"/>
+          <p:nvPr/>
+        </p:nvSpPr>
+        <p:spPr>
+          <a:xfrm>
+            <a:off x="10823280" y="24386700"/>
+            <a:ext cx="1001556" cy="477054"/>
+          </a:xfrm>
+          <a:prstGeom prst="rect">
+            <a:avLst/>
+          </a:prstGeom>
+          <a:noFill/>
+        </p:spPr>
+        <p:txBody>
+          <a:bodyPr wrap="none" rtlCol="0">
+            <a:spAutoFit/>
+          </a:bodyPr>
+          <a:lstStyle/>
+          <a:p>
+            <a:r>
+              <a:rPr lang="en-US" sz="2500" dirty="0"/>
+              <a:t>Trinity</a:t>
+            </a:r>
+          </a:p>
+        </p:txBody>
+      </p:sp>
+      <p:sp>
+        <p:nvSpPr>
+          <p:cNvPr id="23" name="TextBox 22">
+            <a:extLst>
+              <a:ext uri="{FF2B5EF4-FFF2-40B4-BE49-F238E27FC236}">
+                <a16:creationId xmlns:a16="http://schemas.microsoft.com/office/drawing/2014/main" id="{E5182833-73FA-9C44-B001-DB8E1ECD0689}"/>
+              </a:ext>
+            </a:extLst>
+          </p:cNvPr>
+          <p:cNvSpPr txBox="1"/>
+          <p:nvPr/>
+        </p:nvSpPr>
+        <p:spPr>
+          <a:xfrm>
+            <a:off x="12298456" y="17140704"/>
+            <a:ext cx="1874744" cy="477054"/>
+          </a:xfrm>
+          <a:prstGeom prst="rect">
+            <a:avLst/>
+          </a:prstGeom>
+          <a:noFill/>
+        </p:spPr>
+        <p:txBody>
+          <a:bodyPr wrap="none" rtlCol="0">
+            <a:spAutoFit/>
+          </a:bodyPr>
+          <a:lstStyle/>
+          <a:p>
+            <a:r>
+              <a:rPr lang="en-US" sz="2500" dirty="0" err="1"/>
+              <a:t>Ht</a:t>
+            </a:r>
+            <a:r>
+              <a:rPr lang="en-US" sz="2500" dirty="0"/>
+              <a:t>-seq-count</a:t>
+            </a:r>
+          </a:p>
+        </p:txBody>
+      </p:sp>
+      <p:cxnSp>
+        <p:nvCxnSpPr>
+          <p:cNvPr id="33" name="Straight Arrow Connector 32">
+            <a:extLst>
+              <a:ext uri="{FF2B5EF4-FFF2-40B4-BE49-F238E27FC236}">
+                <a16:creationId xmlns:a16="http://schemas.microsoft.com/office/drawing/2014/main" id="{D395DFAC-B285-6841-A166-FB61C1E87EB9}"/>
+              </a:ext>
+            </a:extLst>
+          </p:cNvPr>
+          <p:cNvCxnSpPr>
+            <a:cxnSpLocks/>
+          </p:cNvCxnSpPr>
+          <p:nvPr/>
+        </p:nvCxnSpPr>
+        <p:spPr>
+          <a:xfrm flipH="1">
+            <a:off x="12298456" y="17526661"/>
+            <a:ext cx="136091" cy="273928"/>
+          </a:xfrm>
+          <a:prstGeom prst="straightConnector1">
+            <a:avLst/>
+          </a:prstGeom>
+          <a:ln>
+            <a:tailEnd type="triangle"/>
+          </a:ln>
+        </p:spPr>
+        <p:style>
+          <a:lnRef idx="1">
+            <a:schemeClr val="dk1"/>
+          </a:lnRef>
+          <a:fillRef idx="0">
+            <a:schemeClr val="dk1"/>
+          </a:fillRef>
+          <a:effectRef idx="0">
+            <a:schemeClr val="dk1"/>
+          </a:effectRef>
+          <a:fontRef idx="minor">
+            <a:schemeClr val="tx1"/>
+          </a:fontRef>
+        </p:style>
+      </p:cxnSp>
+      <p:sp>
+        <p:nvSpPr>
+          <p:cNvPr id="35" name="TextBox 34">
+            <a:extLst>
+              <a:ext uri="{FF2B5EF4-FFF2-40B4-BE49-F238E27FC236}">
+                <a16:creationId xmlns:a16="http://schemas.microsoft.com/office/drawing/2014/main" id="{FAE672D6-0E32-9B4D-A70F-0ED099B48446}"/>
+              </a:ext>
+            </a:extLst>
+          </p:cNvPr>
+          <p:cNvSpPr txBox="1"/>
+          <p:nvPr/>
+        </p:nvSpPr>
+        <p:spPr>
+          <a:xfrm>
+            <a:off x="15832485" y="23308893"/>
+            <a:ext cx="1271567" cy="477054"/>
+          </a:xfrm>
+          <a:prstGeom prst="rect">
+            <a:avLst/>
+          </a:prstGeom>
+          <a:noFill/>
+        </p:spPr>
+        <p:txBody>
+          <a:bodyPr wrap="none" rtlCol="0">
+            <a:spAutoFit/>
+          </a:bodyPr>
+          <a:lstStyle/>
+          <a:p>
+            <a:r>
+              <a:rPr lang="en-US" sz="2500" dirty="0"/>
+              <a:t>DESeq-2</a:t>
+            </a:r>
+          </a:p>
+        </p:txBody>
+      </p:sp>
+      <p:cxnSp>
+        <p:nvCxnSpPr>
+          <p:cNvPr id="36" name="Straight Arrow Connector 35">
+            <a:extLst>
+              <a:ext uri="{FF2B5EF4-FFF2-40B4-BE49-F238E27FC236}">
+                <a16:creationId xmlns:a16="http://schemas.microsoft.com/office/drawing/2014/main" id="{793968E2-81E1-5E47-8028-812BC9FB8D45}"/>
+              </a:ext>
+            </a:extLst>
+          </p:cNvPr>
+          <p:cNvCxnSpPr>
+            <a:cxnSpLocks/>
+          </p:cNvCxnSpPr>
+          <p:nvPr/>
+        </p:nvCxnSpPr>
+        <p:spPr>
+          <a:xfrm flipH="1" flipV="1">
+            <a:off x="15475026" y="23218748"/>
+            <a:ext cx="329750" cy="273254"/>
+          </a:xfrm>
+          <a:prstGeom prst="straightConnector1">
+            <a:avLst/>
+          </a:prstGeom>
+          <a:ln>
+            <a:tailEnd type="triangle"/>
+          </a:ln>
+        </p:spPr>
+        <p:style>
+          <a:lnRef idx="1">
+            <a:schemeClr val="dk1"/>
+          </a:lnRef>
+          <a:fillRef idx="0">
+            <a:schemeClr val="dk1"/>
+          </a:fillRef>
+          <a:effectRef idx="0">
+            <a:schemeClr val="dk1"/>
+          </a:effectRef>
+          <a:fontRef idx="minor">
+            <a:schemeClr val="tx1"/>
+          </a:fontRef>
+        </p:style>
+      </p:cxnSp>
+      <p:sp>
+        <p:nvSpPr>
+          <p:cNvPr id="39" name="TextBox 38">
+            <a:extLst>
+              <a:ext uri="{FF2B5EF4-FFF2-40B4-BE49-F238E27FC236}">
+                <a16:creationId xmlns:a16="http://schemas.microsoft.com/office/drawing/2014/main" id="{0578F0A3-F8B4-EF4A-9EEA-2841EED4D2F3}"/>
+              </a:ext>
+            </a:extLst>
+          </p:cNvPr>
+          <p:cNvSpPr txBox="1"/>
+          <p:nvPr/>
+        </p:nvSpPr>
+        <p:spPr>
+          <a:xfrm>
+            <a:off x="10767862" y="25316368"/>
+            <a:ext cx="2045753" cy="477054"/>
+          </a:xfrm>
+          <a:prstGeom prst="rect">
+            <a:avLst/>
+          </a:prstGeom>
+          <a:noFill/>
+        </p:spPr>
+        <p:txBody>
+          <a:bodyPr wrap="square" rtlCol="0">
+            <a:spAutoFit/>
+          </a:bodyPr>
+          <a:lstStyle/>
+          <a:p>
+            <a:r>
+              <a:rPr lang="en-US" sz="2500" dirty="0" err="1"/>
+              <a:t>CummeRbund</a:t>
+            </a:r>
+            <a:endParaRPr lang="en-US" sz="2500" dirty="0"/>
+          </a:p>
+        </p:txBody>
+      </p:sp>
+      <p:cxnSp>
+        <p:nvCxnSpPr>
+          <p:cNvPr id="40" name="Straight Arrow Connector 39">
+            <a:extLst>
+              <a:ext uri="{FF2B5EF4-FFF2-40B4-BE49-F238E27FC236}">
+                <a16:creationId xmlns:a16="http://schemas.microsoft.com/office/drawing/2014/main" id="{48FDFD8B-867B-EC4F-BF58-3AD9BB7EDE7E}"/>
+              </a:ext>
+            </a:extLst>
+          </p:cNvPr>
+          <p:cNvCxnSpPr>
+            <a:cxnSpLocks/>
+          </p:cNvCxnSpPr>
+          <p:nvPr/>
+        </p:nvCxnSpPr>
+        <p:spPr>
+          <a:xfrm flipH="1" flipV="1">
+            <a:off x="10443134" y="25209060"/>
+            <a:ext cx="352437" cy="245853"/>
+          </a:xfrm>
+          <a:prstGeom prst="straightConnector1">
+            <a:avLst/>
+          </a:prstGeom>
+          <a:ln>
+            <a:tailEnd type="triangle"/>
+          </a:ln>
+        </p:spPr>
+        <p:style>
+          <a:lnRef idx="1">
+            <a:schemeClr val="dk1"/>
+          </a:lnRef>
+          <a:fillRef idx="0">
+            <a:schemeClr val="dk1"/>
+          </a:fillRef>
+          <a:effectRef idx="0">
+            <a:schemeClr val="dk1"/>
+          </a:effectRef>
+          <a:fontRef idx="minor">
+            <a:schemeClr val="tx1"/>
+          </a:fontRef>
+        </p:style>
+      </p:cxnSp>
+      <p:sp>
+        <p:nvSpPr>
+          <p:cNvPr id="19" name="TextBox 18">
+            <a:extLst>
+              <a:ext uri="{FF2B5EF4-FFF2-40B4-BE49-F238E27FC236}">
+                <a16:creationId xmlns:a16="http://schemas.microsoft.com/office/drawing/2014/main" id="{F2AEB8F6-72A6-934F-B787-9191D362E54D}"/>
+              </a:ext>
+            </a:extLst>
+          </p:cNvPr>
+          <p:cNvSpPr txBox="1"/>
+          <p:nvPr/>
+        </p:nvSpPr>
+        <p:spPr>
+          <a:xfrm>
+            <a:off x="10850989" y="23492002"/>
+            <a:ext cx="1300677" cy="477054"/>
+          </a:xfrm>
+          <a:prstGeom prst="rect">
+            <a:avLst/>
+          </a:prstGeom>
+          <a:noFill/>
+        </p:spPr>
+        <p:txBody>
+          <a:bodyPr wrap="none" rtlCol="0">
+            <a:spAutoFit/>
+          </a:bodyPr>
+          <a:lstStyle/>
+          <a:p>
+            <a:r>
+              <a:rPr lang="en-US" sz="2500" dirty="0"/>
+              <a:t>Cufflinks</a:t>
+            </a:r>
+          </a:p>
+        </p:txBody>
+      </p:sp>
+      <p:cxnSp>
+        <p:nvCxnSpPr>
+          <p:cNvPr id="41" name="Straight Arrow Connector 40">
+            <a:extLst>
+              <a:ext uri="{FF2B5EF4-FFF2-40B4-BE49-F238E27FC236}">
+                <a16:creationId xmlns:a16="http://schemas.microsoft.com/office/drawing/2014/main" id="{4F734600-91AC-0047-AC89-9CB38FA8C379}"/>
+              </a:ext>
+            </a:extLst>
+          </p:cNvPr>
+          <p:cNvCxnSpPr>
+            <a:cxnSpLocks/>
+            <a:stCxn id="19" idx="1"/>
+          </p:cNvCxnSpPr>
+          <p:nvPr/>
+        </p:nvCxnSpPr>
+        <p:spPr>
+          <a:xfrm flipH="1">
+            <a:off x="10436363" y="23730529"/>
+            <a:ext cx="414626" cy="148222"/>
+          </a:xfrm>
+          <a:prstGeom prst="straightConnector1">
+            <a:avLst/>
+          </a:prstGeom>
+          <a:ln>
+            <a:tailEnd type="triangle"/>
+          </a:ln>
+        </p:spPr>
+        <p:style>
+          <a:lnRef idx="1">
+            <a:schemeClr val="dk1"/>
+          </a:lnRef>
+          <a:fillRef idx="0">
+            <a:schemeClr val="dk1"/>
+          </a:fillRef>
+          <a:effectRef idx="0">
+            <a:schemeClr val="dk1"/>
+          </a:effectRef>
+          <a:fontRef idx="minor">
+            <a:schemeClr val="tx1"/>
+          </a:fontRef>
+        </p:style>
+      </p:cxnSp>
+      <p:sp>
+        <p:nvSpPr>
+          <p:cNvPr id="31" name="TextBox 30">
+            <a:extLst>
+              <a:ext uri="{FF2B5EF4-FFF2-40B4-BE49-F238E27FC236}">
+                <a16:creationId xmlns:a16="http://schemas.microsoft.com/office/drawing/2014/main" id="{C5DF0605-23C9-2143-9086-7B50AA4C2EC7}"/>
+              </a:ext>
+            </a:extLst>
+          </p:cNvPr>
+          <p:cNvSpPr txBox="1"/>
+          <p:nvPr/>
+        </p:nvSpPr>
+        <p:spPr>
+          <a:xfrm>
+            <a:off x="12561751" y="21482239"/>
+            <a:ext cx="1379224" cy="477054"/>
+          </a:xfrm>
+          <a:prstGeom prst="rect">
+            <a:avLst/>
+          </a:prstGeom>
+          <a:noFill/>
+        </p:spPr>
+        <p:txBody>
+          <a:bodyPr wrap="none" rtlCol="0">
+            <a:spAutoFit/>
+          </a:bodyPr>
+          <a:lstStyle/>
+          <a:p>
+            <a:r>
+              <a:rPr lang="en-US" sz="2500" dirty="0" err="1"/>
+              <a:t>Samtools</a:t>
+            </a:r>
+            <a:endParaRPr lang="en-US" sz="2500" dirty="0"/>
+          </a:p>
+        </p:txBody>
+      </p:sp>
+      <p:cxnSp>
+        <p:nvCxnSpPr>
+          <p:cNvPr id="42" name="Straight Arrow Connector 41">
+            <a:extLst>
+              <a:ext uri="{FF2B5EF4-FFF2-40B4-BE49-F238E27FC236}">
+                <a16:creationId xmlns:a16="http://schemas.microsoft.com/office/drawing/2014/main" id="{65718F9F-FE0D-BE4F-9D49-67A70878732E}"/>
+              </a:ext>
+            </a:extLst>
+          </p:cNvPr>
+          <p:cNvCxnSpPr>
+            <a:cxnSpLocks/>
+          </p:cNvCxnSpPr>
+          <p:nvPr/>
+        </p:nvCxnSpPr>
+        <p:spPr>
+          <a:xfrm>
+            <a:off x="13801051" y="21901365"/>
+            <a:ext cx="287279" cy="296882"/>
+          </a:xfrm>
+          <a:prstGeom prst="straightConnector1">
+            <a:avLst/>
+          </a:prstGeom>
+          <a:ln>
+            <a:tailEnd type="triangle"/>
+          </a:ln>
+        </p:spPr>
+        <p:style>
+          <a:lnRef idx="1">
+            <a:schemeClr val="dk1"/>
+          </a:lnRef>
+          <a:fillRef idx="0">
+            <a:schemeClr val="dk1"/>
+          </a:fillRef>
+          <a:effectRef idx="0">
+            <a:schemeClr val="dk1"/>
+          </a:effectRef>
+          <a:fontRef idx="minor">
+            <a:schemeClr val="tx1"/>
+          </a:fontRef>
+        </p:style>
+      </p:cxnSp>
+      <p:sp>
+        <p:nvSpPr>
+          <p:cNvPr id="38" name="TextBox 37">
+            <a:extLst>
+              <a:ext uri="{FF2B5EF4-FFF2-40B4-BE49-F238E27FC236}">
+                <a16:creationId xmlns:a16="http://schemas.microsoft.com/office/drawing/2014/main" id="{D9E1F6FA-9B3C-B44E-B3CF-186CB7B752BC}"/>
+              </a:ext>
+            </a:extLst>
+          </p:cNvPr>
+          <p:cNvSpPr txBox="1"/>
+          <p:nvPr/>
+        </p:nvSpPr>
+        <p:spPr>
+          <a:xfrm>
+            <a:off x="11083636" y="19063855"/>
+            <a:ext cx="1268937" cy="477054"/>
+          </a:xfrm>
+          <a:prstGeom prst="rect">
+            <a:avLst/>
+          </a:prstGeom>
+          <a:noFill/>
+        </p:spPr>
+        <p:txBody>
+          <a:bodyPr wrap="none" rtlCol="0">
+            <a:spAutoFit/>
+          </a:bodyPr>
+          <a:lstStyle/>
+          <a:p>
+            <a:r>
+              <a:rPr lang="en-US" sz="2500" dirty="0"/>
+              <a:t>TopHat2</a:t>
+            </a:r>
+          </a:p>
+        </p:txBody>
+      </p:sp>
+      <p:cxnSp>
+        <p:nvCxnSpPr>
+          <p:cNvPr id="47" name="Straight Arrow Connector 46">
+            <a:extLst>
+              <a:ext uri="{FF2B5EF4-FFF2-40B4-BE49-F238E27FC236}">
+                <a16:creationId xmlns:a16="http://schemas.microsoft.com/office/drawing/2014/main" id="{F36D3651-04E4-1444-8052-43087CB8DD21}"/>
+              </a:ext>
+            </a:extLst>
+          </p:cNvPr>
+          <p:cNvCxnSpPr>
+            <a:cxnSpLocks/>
+          </p:cNvCxnSpPr>
+          <p:nvPr/>
+        </p:nvCxnSpPr>
+        <p:spPr>
+          <a:xfrm flipH="1" flipV="1">
+            <a:off x="11003110" y="18803320"/>
+            <a:ext cx="320948" cy="288244"/>
+          </a:xfrm>
+          <a:prstGeom prst="straightConnector1">
+            <a:avLst/>
+          </a:prstGeom>
+          <a:ln>
+            <a:tailEnd type="triangle"/>
+          </a:ln>
+        </p:spPr>
+        <p:style>
+          <a:lnRef idx="1">
+            <a:schemeClr val="dk1"/>
+          </a:lnRef>
+          <a:fillRef idx="0">
+            <a:schemeClr val="dk1"/>
+          </a:fillRef>
+          <a:effectRef idx="0">
+            <a:schemeClr val="dk1"/>
+          </a:effectRef>
+          <a:fontRef idx="minor">
+            <a:schemeClr val="tx1"/>
+          </a:fontRef>
+        </p:style>
+      </p:cxnSp>
+    </p:spTree>
+    <p:extLst>
+      <p:ext uri="{BB962C8B-B14F-4D97-AF65-F5344CB8AC3E}">
+        <p14:creationId xmlns:p14="http://schemas.microsoft.com/office/powerpoint/2010/main" val="2439298202"/>
       </p:ext>
     </p:extLst>
   </p:cSld>

--- a/figures/multipanel.pptx
+++ b/figures/multipanel.pptx
@@ -7,6 +7,7 @@
   <p:sldIdLst>
     <p:sldId id="256" r:id="rId2"/>
     <p:sldId id="257" r:id="rId3"/>
+    <p:sldId id="258" r:id="rId4"/>
   </p:sldIdLst>
   <p:sldSz cx="28346400" cy="28346400"/>
   <p:notesSz cx="6858000" cy="9144000"/>
@@ -244,7 +245,7 @@
           <a:p>
             <a:fld id="{577C0138-7A75-8149-9F79-A385D49B39ED}" type="datetimeFigureOut">
               <a:rPr lang="en-US" smtClean="0"/>
-              <a:t>4/22/20</a:t>
+              <a:t>4/29/20</a:t>
             </a:fld>
             <a:endParaRPr lang="en-US"/>
           </a:p>
@@ -414,7 +415,7 @@
           <a:p>
             <a:fld id="{577C0138-7A75-8149-9F79-A385D49B39ED}" type="datetimeFigureOut">
               <a:rPr lang="en-US" smtClean="0"/>
-              <a:t>4/22/20</a:t>
+              <a:t>4/29/20</a:t>
             </a:fld>
             <a:endParaRPr lang="en-US"/>
           </a:p>
@@ -594,7 +595,7 @@
           <a:p>
             <a:fld id="{577C0138-7A75-8149-9F79-A385D49B39ED}" type="datetimeFigureOut">
               <a:rPr lang="en-US" smtClean="0"/>
-              <a:t>4/22/20</a:t>
+              <a:t>4/29/20</a:t>
             </a:fld>
             <a:endParaRPr lang="en-US"/>
           </a:p>
@@ -764,7 +765,7 @@
           <a:p>
             <a:fld id="{577C0138-7A75-8149-9F79-A385D49B39ED}" type="datetimeFigureOut">
               <a:rPr lang="en-US" smtClean="0"/>
-              <a:t>4/22/20</a:t>
+              <a:t>4/29/20</a:t>
             </a:fld>
             <a:endParaRPr lang="en-US"/>
           </a:p>
@@ -1008,7 +1009,7 @@
           <a:p>
             <a:fld id="{577C0138-7A75-8149-9F79-A385D49B39ED}" type="datetimeFigureOut">
               <a:rPr lang="en-US" smtClean="0"/>
-              <a:t>4/22/20</a:t>
+              <a:t>4/29/20</a:t>
             </a:fld>
             <a:endParaRPr lang="en-US"/>
           </a:p>
@@ -1240,7 +1241,7 @@
           <a:p>
             <a:fld id="{577C0138-7A75-8149-9F79-A385D49B39ED}" type="datetimeFigureOut">
               <a:rPr lang="en-US" smtClean="0"/>
-              <a:t>4/22/20</a:t>
+              <a:t>4/29/20</a:t>
             </a:fld>
             <a:endParaRPr lang="en-US"/>
           </a:p>
@@ -1607,7 +1608,7 @@
           <a:p>
             <a:fld id="{577C0138-7A75-8149-9F79-A385D49B39ED}" type="datetimeFigureOut">
               <a:rPr lang="en-US" smtClean="0"/>
-              <a:t>4/22/20</a:t>
+              <a:t>4/29/20</a:t>
             </a:fld>
             <a:endParaRPr lang="en-US"/>
           </a:p>
@@ -1725,7 +1726,7 @@
           <a:p>
             <a:fld id="{577C0138-7A75-8149-9F79-A385D49B39ED}" type="datetimeFigureOut">
               <a:rPr lang="en-US" smtClean="0"/>
-              <a:t>4/22/20</a:t>
+              <a:t>4/29/20</a:t>
             </a:fld>
             <a:endParaRPr lang="en-US"/>
           </a:p>
@@ -1820,7 +1821,7 @@
           <a:p>
             <a:fld id="{577C0138-7A75-8149-9F79-A385D49B39ED}" type="datetimeFigureOut">
               <a:rPr lang="en-US" smtClean="0"/>
-              <a:t>4/22/20</a:t>
+              <a:t>4/29/20</a:t>
             </a:fld>
             <a:endParaRPr lang="en-US"/>
           </a:p>
@@ -2097,7 +2098,7 @@
           <a:p>
             <a:fld id="{577C0138-7A75-8149-9F79-A385D49B39ED}" type="datetimeFigureOut">
               <a:rPr lang="en-US" smtClean="0"/>
-              <a:t>4/22/20</a:t>
+              <a:t>4/29/20</a:t>
             </a:fld>
             <a:endParaRPr lang="en-US"/>
           </a:p>
@@ -2354,7 +2355,7 @@
           <a:p>
             <a:fld id="{577C0138-7A75-8149-9F79-A385D49B39ED}" type="datetimeFigureOut">
               <a:rPr lang="en-US" smtClean="0"/>
-              <a:t>4/22/20</a:t>
+              <a:t>4/29/20</a:t>
             </a:fld>
             <a:endParaRPr lang="en-US"/>
           </a:p>
@@ -2567,7 +2568,7 @@
           <a:p>
             <a:fld id="{577C0138-7A75-8149-9F79-A385D49B39ED}" type="datetimeFigureOut">
               <a:rPr lang="en-US" smtClean="0"/>
-              <a:t>4/22/20</a:t>
+              <a:t>4/29/20</a:t>
             </a:fld>
             <a:endParaRPr lang="en-US"/>
           </a:p>
@@ -3921,10 +3922,10 @@
       </p:grpSpPr>
       <p:pic>
         <p:nvPicPr>
-          <p:cNvPr id="3" name="Picture 2">
-            <a:extLst>
-              <a:ext uri="{FF2B5EF4-FFF2-40B4-BE49-F238E27FC236}">
-                <a16:creationId xmlns:a16="http://schemas.microsoft.com/office/drawing/2014/main" id="{FA03959C-F3D6-4649-BCD3-061E7BABC35D}"/>
+          <p:cNvPr id="7" name="Picture 6">
+            <a:extLst>
+              <a:ext uri="{FF2B5EF4-FFF2-40B4-BE49-F238E27FC236}">
+                <a16:creationId xmlns:a16="http://schemas.microsoft.com/office/drawing/2014/main" id="{514A6A12-603E-DD44-BCAC-38F09D0EDA07}"/>
               </a:ext>
             </a:extLst>
           </p:cNvPr>
@@ -3941,8 +3942,8 @@
         </p:blipFill>
         <p:spPr>
           <a:xfrm>
-            <a:off x="340523" y="17012811"/>
-            <a:ext cx="15963900" cy="11391900"/>
+            <a:off x="0" y="16777258"/>
+            <a:ext cx="16606384" cy="11850380"/>
           </a:xfrm>
           <a:prstGeom prst="rect">
             <a:avLst/>
@@ -4390,8 +4391,8 @@
         </p:nvCxnSpPr>
         <p:spPr>
           <a:xfrm flipH="1">
-            <a:off x="15395617" y="21833817"/>
-            <a:ext cx="331758" cy="296444"/>
+            <a:off x="15554540" y="21476004"/>
+            <a:ext cx="252349" cy="477054"/>
           </a:xfrm>
           <a:prstGeom prst="straightConnector1">
             <a:avLst/>
@@ -4429,7 +4430,7 @@
         </p:nvSpPr>
         <p:spPr>
           <a:xfrm>
-            <a:off x="15704284" y="21454530"/>
+            <a:off x="15346471" y="21056960"/>
             <a:ext cx="1996021" cy="477054"/>
           </a:xfrm>
           <a:prstGeom prst="rect">
@@ -4467,7 +4468,7 @@
         </p:nvCxnSpPr>
         <p:spPr>
           <a:xfrm flipH="1">
-            <a:off x="12190814" y="18612945"/>
+            <a:off x="12270328" y="18612945"/>
             <a:ext cx="347516" cy="0"/>
           </a:xfrm>
           <a:prstGeom prst="straightConnector1">
@@ -4506,7 +4507,7 @@
         </p:nvSpPr>
         <p:spPr>
           <a:xfrm>
-            <a:off x="12534042" y="18411654"/>
+            <a:off x="12613556" y="18411654"/>
             <a:ext cx="821059" cy="477054"/>
           </a:xfrm>
           <a:prstGeom prst="rect">
@@ -4543,7 +4544,7 @@
         </p:nvCxnSpPr>
         <p:spPr>
           <a:xfrm flipH="1" flipV="1">
-            <a:off x="10545911" y="24192737"/>
+            <a:off x="10625425" y="24272251"/>
             <a:ext cx="275404" cy="330983"/>
           </a:xfrm>
           <a:prstGeom prst="straightConnector1">
@@ -4582,7 +4583,7 @@
         </p:nvSpPr>
         <p:spPr>
           <a:xfrm>
-            <a:off x="10823280" y="24386700"/>
+            <a:off x="10902794" y="24426457"/>
             <a:ext cx="1001556" cy="477054"/>
           </a:xfrm>
           <a:prstGeom prst="rect">
@@ -4658,7 +4659,7 @@
         </p:nvCxnSpPr>
         <p:spPr>
           <a:xfrm flipH="1">
-            <a:off x="12298456" y="17526661"/>
+            <a:off x="12377970" y="17526661"/>
             <a:ext cx="136091" cy="273928"/>
           </a:xfrm>
           <a:prstGeom prst="straightConnector1">
@@ -4697,7 +4698,7 @@
         </p:nvSpPr>
         <p:spPr>
           <a:xfrm>
-            <a:off x="15832485" y="23308893"/>
+            <a:off x="15593943" y="24024511"/>
             <a:ext cx="1271567" cy="477054"/>
           </a:xfrm>
           <a:prstGeom prst="rect">
@@ -4734,8 +4735,8 @@
         </p:nvCxnSpPr>
         <p:spPr>
           <a:xfrm flipH="1" flipV="1">
-            <a:off x="15475026" y="23218748"/>
-            <a:ext cx="329750" cy="273254"/>
+            <a:off x="15687618" y="23596489"/>
+            <a:ext cx="77401" cy="412346"/>
           </a:xfrm>
           <a:prstGeom prst="straightConnector1">
             <a:avLst/>
@@ -4773,7 +4774,7 @@
         </p:nvSpPr>
         <p:spPr>
           <a:xfrm>
-            <a:off x="10767862" y="25316368"/>
+            <a:off x="10887133" y="25077826"/>
             <a:ext cx="2045753" cy="477054"/>
           </a:xfrm>
           <a:prstGeom prst="rect">
@@ -4811,7 +4812,7 @@
         </p:nvCxnSpPr>
         <p:spPr>
           <a:xfrm flipH="1" flipV="1">
-            <a:off x="10443134" y="25209060"/>
+            <a:off x="10562405" y="24970518"/>
             <a:ext cx="352437" cy="245853"/>
           </a:xfrm>
           <a:prstGeom prst="straightConnector1">
@@ -4850,7 +4851,7 @@
         </p:nvSpPr>
         <p:spPr>
           <a:xfrm>
-            <a:off x="10850989" y="23492002"/>
+            <a:off x="11010017" y="23611273"/>
             <a:ext cx="1300677" cy="477054"/>
           </a:xfrm>
           <a:prstGeom prst="rect">
@@ -4888,7 +4889,7 @@
         </p:nvCxnSpPr>
         <p:spPr>
           <a:xfrm flipH="1">
-            <a:off x="10436363" y="23730529"/>
+            <a:off x="10595391" y="23849800"/>
             <a:ext cx="414626" cy="148222"/>
           </a:xfrm>
           <a:prstGeom prst="straightConnector1">
@@ -4927,7 +4928,7 @@
         </p:nvSpPr>
         <p:spPr>
           <a:xfrm>
-            <a:off x="12561751" y="21482239"/>
+            <a:off x="12681022" y="21681024"/>
             <a:ext cx="1379224" cy="477054"/>
           </a:xfrm>
           <a:prstGeom prst="rect">
@@ -4965,7 +4966,7 @@
         </p:nvCxnSpPr>
         <p:spPr>
           <a:xfrm>
-            <a:off x="13801051" y="21901365"/>
+            <a:off x="13920322" y="22100150"/>
             <a:ext cx="287279" cy="296882"/>
           </a:xfrm>
           <a:prstGeom prst="straightConnector1">
@@ -5004,7 +5005,7 @@
         </p:nvSpPr>
         <p:spPr>
           <a:xfrm>
-            <a:off x="11083636" y="19063855"/>
+            <a:off x="11083636" y="19183126"/>
             <a:ext cx="1268937" cy="477054"/>
           </a:xfrm>
           <a:prstGeom prst="rect">
@@ -5041,7 +5042,7 @@
         </p:nvCxnSpPr>
         <p:spPr>
           <a:xfrm flipH="1" flipV="1">
-            <a:off x="11003110" y="18803320"/>
+            <a:off x="11082624" y="18922591"/>
             <a:ext cx="320948" cy="288244"/>
           </a:xfrm>
           <a:prstGeom prst="straightConnector1">
@@ -5070,6 +5071,1183 @@
     <p:extLst>
       <p:ext uri="{BB962C8B-B14F-4D97-AF65-F5344CB8AC3E}">
         <p14:creationId xmlns:p14="http://schemas.microsoft.com/office/powerpoint/2010/main" val="2439298202"/>
+      </p:ext>
+    </p:extLst>
+  </p:cSld>
+  <p:clrMapOvr>
+    <a:masterClrMapping/>
+  </p:clrMapOvr>
+</p:sld>
+</file>
+
+<file path=ppt/slides/slide3.xml><?xml version="1.0" encoding="utf-8"?>
+<p:sld xmlns:a="http://schemas.openxmlformats.org/drawingml/2006/main" xmlns:r="http://schemas.openxmlformats.org/officeDocument/2006/relationships" xmlns:p="http://schemas.openxmlformats.org/presentationml/2006/main">
+  <p:cSld>
+    <p:spTree>
+      <p:nvGrpSpPr>
+        <p:cNvPr id="1" name=""/>
+        <p:cNvGrpSpPr/>
+        <p:nvPr/>
+      </p:nvGrpSpPr>
+      <p:grpSpPr>
+        <a:xfrm>
+          <a:off x="0" y="0"/>
+          <a:ext cx="0" cy="0"/>
+          <a:chOff x="0" y="0"/>
+          <a:chExt cx="0" cy="0"/>
+        </a:xfrm>
+      </p:grpSpPr>
+      <p:pic>
+        <p:nvPicPr>
+          <p:cNvPr id="7" name="Picture 6">
+            <a:extLst>
+              <a:ext uri="{FF2B5EF4-FFF2-40B4-BE49-F238E27FC236}">
+                <a16:creationId xmlns:a16="http://schemas.microsoft.com/office/drawing/2014/main" id="{514A6A12-603E-DD44-BCAC-38F09D0EDA07}"/>
+              </a:ext>
+            </a:extLst>
+          </p:cNvPr>
+          <p:cNvPicPr>
+            <a:picLocks noChangeAspect="1"/>
+          </p:cNvPicPr>
+          <p:nvPr/>
+        </p:nvPicPr>
+        <p:blipFill>
+          <a:blip r:embed="rId2"/>
+          <a:stretch>
+            <a:fillRect/>
+          </a:stretch>
+        </p:blipFill>
+        <p:spPr>
+          <a:xfrm>
+            <a:off x="0" y="16777258"/>
+            <a:ext cx="16606384" cy="11850380"/>
+          </a:xfrm>
+          <a:prstGeom prst="rect">
+            <a:avLst/>
+          </a:prstGeom>
+        </p:spPr>
+      </p:pic>
+      <p:pic>
+        <p:nvPicPr>
+          <p:cNvPr id="46" name="Picture 45">
+            <a:extLst>
+              <a:ext uri="{FF2B5EF4-FFF2-40B4-BE49-F238E27FC236}">
+                <a16:creationId xmlns:a16="http://schemas.microsoft.com/office/drawing/2014/main" id="{63E0C7FF-C452-4D45-8CC0-B21104C8173E}"/>
+              </a:ext>
+            </a:extLst>
+          </p:cNvPr>
+          <p:cNvPicPr>
+            <a:picLocks noChangeAspect="1"/>
+          </p:cNvPicPr>
+          <p:nvPr/>
+        </p:nvPicPr>
+        <p:blipFill>
+          <a:blip r:embed="rId3"/>
+          <a:stretch>
+            <a:fillRect/>
+          </a:stretch>
+        </p:blipFill>
+        <p:spPr>
+          <a:xfrm>
+            <a:off x="13355101" y="9479281"/>
+            <a:ext cx="15143699" cy="7464295"/>
+          </a:xfrm>
+          <a:prstGeom prst="rect">
+            <a:avLst/>
+          </a:prstGeom>
+        </p:spPr>
+      </p:pic>
+      <p:pic>
+        <p:nvPicPr>
+          <p:cNvPr id="44" name="Picture 43">
+            <a:extLst>
+              <a:ext uri="{FF2B5EF4-FFF2-40B4-BE49-F238E27FC236}">
+                <a16:creationId xmlns:a16="http://schemas.microsoft.com/office/drawing/2014/main" id="{4839C8F1-1728-534E-B9C8-2BA39B74813F}"/>
+              </a:ext>
+            </a:extLst>
+          </p:cNvPr>
+          <p:cNvPicPr>
+            <a:picLocks noChangeAspect="1"/>
+          </p:cNvPicPr>
+          <p:nvPr/>
+        </p:nvPicPr>
+        <p:blipFill>
+          <a:blip r:embed="rId4"/>
+          <a:stretch>
+            <a:fillRect/>
+          </a:stretch>
+        </p:blipFill>
+        <p:spPr>
+          <a:xfrm>
+            <a:off x="46565" y="9593471"/>
+            <a:ext cx="13734731" cy="7464294"/>
+          </a:xfrm>
+          <a:prstGeom prst="rect">
+            <a:avLst/>
+          </a:prstGeom>
+        </p:spPr>
+      </p:pic>
+      <p:pic>
+        <p:nvPicPr>
+          <p:cNvPr id="6" name="Picture 5">
+            <a:extLst>
+              <a:ext uri="{FF2B5EF4-FFF2-40B4-BE49-F238E27FC236}">
+                <a16:creationId xmlns:a16="http://schemas.microsoft.com/office/drawing/2014/main" id="{D84BBCD3-21F5-EC47-AB86-14F34BCBC86D}"/>
+              </a:ext>
+            </a:extLst>
+          </p:cNvPr>
+          <p:cNvPicPr>
+            <a:picLocks noChangeAspect="1"/>
+          </p:cNvPicPr>
+          <p:nvPr/>
+        </p:nvPicPr>
+        <p:blipFill>
+          <a:blip r:embed="rId5"/>
+          <a:stretch>
+            <a:fillRect/>
+          </a:stretch>
+        </p:blipFill>
+        <p:spPr>
+          <a:xfrm>
+            <a:off x="12866095" y="521859"/>
+            <a:ext cx="15673366" cy="8888187"/>
+          </a:xfrm>
+          <a:prstGeom prst="rect">
+            <a:avLst/>
+          </a:prstGeom>
+        </p:spPr>
+      </p:pic>
+      <p:pic>
+        <p:nvPicPr>
+          <p:cNvPr id="4" name="Picture 3">
+            <a:extLst>
+              <a:ext uri="{FF2B5EF4-FFF2-40B4-BE49-F238E27FC236}">
+                <a16:creationId xmlns:a16="http://schemas.microsoft.com/office/drawing/2014/main" id="{35726FAD-8D2F-4441-8CF6-A4FF21D34DD7}"/>
+              </a:ext>
+            </a:extLst>
+          </p:cNvPr>
+          <p:cNvPicPr>
+            <a:picLocks noChangeAspect="1"/>
+          </p:cNvPicPr>
+          <p:nvPr/>
+        </p:nvPicPr>
+        <p:blipFill>
+          <a:blip r:embed="rId6"/>
+          <a:stretch>
+            <a:fillRect/>
+          </a:stretch>
+        </p:blipFill>
+        <p:spPr>
+          <a:xfrm>
+            <a:off x="306585" y="391230"/>
+            <a:ext cx="12850895" cy="8888187"/>
+          </a:xfrm>
+          <a:prstGeom prst="rect">
+            <a:avLst/>
+          </a:prstGeom>
+        </p:spPr>
+      </p:pic>
+      <p:sp>
+        <p:nvSpPr>
+          <p:cNvPr id="24" name="TextBox 23">
+            <a:extLst>
+              <a:ext uri="{FF2B5EF4-FFF2-40B4-BE49-F238E27FC236}">
+                <a16:creationId xmlns:a16="http://schemas.microsoft.com/office/drawing/2014/main" id="{E116B10B-E50B-334D-BC32-4A81C34527AE}"/>
+              </a:ext>
+            </a:extLst>
+          </p:cNvPr>
+          <p:cNvSpPr txBox="1"/>
+          <p:nvPr/>
+        </p:nvSpPr>
+        <p:spPr>
+          <a:xfrm>
+            <a:off x="1298358" y="260974"/>
+            <a:ext cx="340205" cy="519588"/>
+          </a:xfrm>
+          <a:prstGeom prst="rect">
+            <a:avLst/>
+          </a:prstGeom>
+          <a:noFill/>
+        </p:spPr>
+        <p:txBody>
+          <a:bodyPr wrap="square" rtlCol="0">
+            <a:spAutoFit/>
+          </a:bodyPr>
+          <a:lstStyle/>
+          <a:p>
+            <a:r>
+              <a:rPr lang="en-US" sz="2800" b="1" dirty="0"/>
+              <a:t>a</a:t>
+            </a:r>
+          </a:p>
+        </p:txBody>
+      </p:sp>
+      <p:sp>
+        <p:nvSpPr>
+          <p:cNvPr id="25" name="TextBox 24">
+            <a:extLst>
+              <a:ext uri="{FF2B5EF4-FFF2-40B4-BE49-F238E27FC236}">
+                <a16:creationId xmlns:a16="http://schemas.microsoft.com/office/drawing/2014/main" id="{5095E299-B4BC-B649-941A-77FB5AB3D5F8}"/>
+              </a:ext>
+            </a:extLst>
+          </p:cNvPr>
+          <p:cNvSpPr txBox="1"/>
+          <p:nvPr/>
+        </p:nvSpPr>
+        <p:spPr>
+          <a:xfrm>
+            <a:off x="17986982" y="17408021"/>
+            <a:ext cx="298480" cy="523220"/>
+          </a:xfrm>
+          <a:prstGeom prst="rect">
+            <a:avLst/>
+          </a:prstGeom>
+          <a:noFill/>
+        </p:spPr>
+        <p:txBody>
+          <a:bodyPr wrap="none" rtlCol="0">
+            <a:spAutoFit/>
+          </a:bodyPr>
+          <a:lstStyle/>
+          <a:p>
+            <a:r>
+              <a:rPr lang="en-US" sz="2800" b="1" dirty="0"/>
+              <a:t>f</a:t>
+            </a:r>
+          </a:p>
+        </p:txBody>
+      </p:sp>
+      <p:sp>
+        <p:nvSpPr>
+          <p:cNvPr id="26" name="TextBox 25">
+            <a:extLst>
+              <a:ext uri="{FF2B5EF4-FFF2-40B4-BE49-F238E27FC236}">
+                <a16:creationId xmlns:a16="http://schemas.microsoft.com/office/drawing/2014/main" id="{B29B5468-E719-5241-BBD8-8952B0AFC639}"/>
+              </a:ext>
+            </a:extLst>
+          </p:cNvPr>
+          <p:cNvSpPr txBox="1"/>
+          <p:nvPr/>
+        </p:nvSpPr>
+        <p:spPr>
+          <a:xfrm>
+            <a:off x="1228160" y="17721081"/>
+            <a:ext cx="343570" cy="519588"/>
+          </a:xfrm>
+          <a:prstGeom prst="rect">
+            <a:avLst/>
+          </a:prstGeom>
+          <a:noFill/>
+        </p:spPr>
+        <p:txBody>
+          <a:bodyPr wrap="square" rtlCol="0">
+            <a:spAutoFit/>
+          </a:bodyPr>
+          <a:lstStyle/>
+          <a:p>
+            <a:r>
+              <a:rPr lang="en-US" sz="2800" b="1" dirty="0"/>
+              <a:t>e</a:t>
+            </a:r>
+          </a:p>
+        </p:txBody>
+      </p:sp>
+      <p:sp>
+        <p:nvSpPr>
+          <p:cNvPr id="27" name="TextBox 26">
+            <a:extLst>
+              <a:ext uri="{FF2B5EF4-FFF2-40B4-BE49-F238E27FC236}">
+                <a16:creationId xmlns:a16="http://schemas.microsoft.com/office/drawing/2014/main" id="{43475BF6-D5F4-344F-9235-D248DE675CFD}"/>
+              </a:ext>
+            </a:extLst>
+          </p:cNvPr>
+          <p:cNvSpPr txBox="1"/>
+          <p:nvPr/>
+        </p:nvSpPr>
+        <p:spPr>
+          <a:xfrm>
+            <a:off x="16325269" y="9501567"/>
+            <a:ext cx="377026" cy="523220"/>
+          </a:xfrm>
+          <a:prstGeom prst="rect">
+            <a:avLst/>
+          </a:prstGeom>
+          <a:noFill/>
+        </p:spPr>
+        <p:txBody>
+          <a:bodyPr wrap="none" rtlCol="0">
+            <a:spAutoFit/>
+          </a:bodyPr>
+          <a:lstStyle/>
+          <a:p>
+            <a:r>
+              <a:rPr lang="en-US" sz="2800" b="1" dirty="0"/>
+              <a:t>d</a:t>
+            </a:r>
+          </a:p>
+        </p:txBody>
+      </p:sp>
+      <p:sp>
+        <p:nvSpPr>
+          <p:cNvPr id="28" name="TextBox 27">
+            <a:extLst>
+              <a:ext uri="{FF2B5EF4-FFF2-40B4-BE49-F238E27FC236}">
+                <a16:creationId xmlns:a16="http://schemas.microsoft.com/office/drawing/2014/main" id="{509B97EE-1662-F54A-A8E5-08ABDDF40339}"/>
+              </a:ext>
+            </a:extLst>
+          </p:cNvPr>
+          <p:cNvSpPr txBox="1"/>
+          <p:nvPr/>
+        </p:nvSpPr>
+        <p:spPr>
+          <a:xfrm>
+            <a:off x="1298345" y="9521611"/>
+            <a:ext cx="284258" cy="523220"/>
+          </a:xfrm>
+          <a:prstGeom prst="rect">
+            <a:avLst/>
+          </a:prstGeom>
+          <a:noFill/>
+        </p:spPr>
+        <p:txBody>
+          <a:bodyPr wrap="square" rtlCol="0">
+            <a:spAutoFit/>
+          </a:bodyPr>
+          <a:lstStyle/>
+          <a:p>
+            <a:r>
+              <a:rPr lang="en-US" sz="2800" b="1" dirty="0"/>
+              <a:t>c</a:t>
+            </a:r>
+          </a:p>
+        </p:txBody>
+      </p:sp>
+      <p:sp>
+        <p:nvSpPr>
+          <p:cNvPr id="29" name="TextBox 28">
+            <a:extLst>
+              <a:ext uri="{FF2B5EF4-FFF2-40B4-BE49-F238E27FC236}">
+                <a16:creationId xmlns:a16="http://schemas.microsoft.com/office/drawing/2014/main" id="{1176DB54-2E10-AA42-8C3C-FFD1FE6CC505}"/>
+              </a:ext>
+            </a:extLst>
+          </p:cNvPr>
+          <p:cNvSpPr txBox="1"/>
+          <p:nvPr/>
+        </p:nvSpPr>
+        <p:spPr>
+          <a:xfrm>
+            <a:off x="16136756" y="260974"/>
+            <a:ext cx="377026" cy="523220"/>
+          </a:xfrm>
+          <a:prstGeom prst="rect">
+            <a:avLst/>
+          </a:prstGeom>
+          <a:noFill/>
+        </p:spPr>
+        <p:txBody>
+          <a:bodyPr wrap="none" rtlCol="0">
+            <a:spAutoFit/>
+          </a:bodyPr>
+          <a:lstStyle/>
+          <a:p>
+            <a:r>
+              <a:rPr lang="en-US" sz="2800" b="1" dirty="0"/>
+              <a:t>b</a:t>
+            </a:r>
+          </a:p>
+        </p:txBody>
+      </p:sp>
+      <p:sp>
+        <p:nvSpPr>
+          <p:cNvPr id="16" name="TextBox 15">
+            <a:extLst>
+              <a:ext uri="{FF2B5EF4-FFF2-40B4-BE49-F238E27FC236}">
+                <a16:creationId xmlns:a16="http://schemas.microsoft.com/office/drawing/2014/main" id="{8CA66D28-72ED-4645-8B3D-01FA49C3AF54}"/>
+              </a:ext>
+            </a:extLst>
+          </p:cNvPr>
+          <p:cNvSpPr txBox="1"/>
+          <p:nvPr/>
+        </p:nvSpPr>
+        <p:spPr>
+          <a:xfrm>
+            <a:off x="17903682" y="23186570"/>
+            <a:ext cx="286500" cy="523220"/>
+          </a:xfrm>
+          <a:prstGeom prst="rect">
+            <a:avLst/>
+          </a:prstGeom>
+          <a:noFill/>
+        </p:spPr>
+        <p:txBody>
+          <a:bodyPr wrap="square" rtlCol="0">
+            <a:spAutoFit/>
+          </a:bodyPr>
+          <a:lstStyle/>
+          <a:p>
+            <a:r>
+              <a:rPr lang="en-US" sz="2800" b="1" dirty="0"/>
+              <a:t>g</a:t>
+            </a:r>
+          </a:p>
+        </p:txBody>
+      </p:sp>
+      <p:cxnSp>
+        <p:nvCxnSpPr>
+          <p:cNvPr id="5" name="Straight Arrow Connector 4">
+            <a:extLst>
+              <a:ext uri="{FF2B5EF4-FFF2-40B4-BE49-F238E27FC236}">
+                <a16:creationId xmlns:a16="http://schemas.microsoft.com/office/drawing/2014/main" id="{936103CF-651E-0A49-A172-CB0AC02A3927}"/>
+              </a:ext>
+            </a:extLst>
+          </p:cNvPr>
+          <p:cNvCxnSpPr>
+            <a:cxnSpLocks/>
+          </p:cNvCxnSpPr>
+          <p:nvPr/>
+        </p:nvCxnSpPr>
+        <p:spPr>
+          <a:xfrm flipH="1">
+            <a:off x="15554540" y="21476004"/>
+            <a:ext cx="252349" cy="477054"/>
+          </a:xfrm>
+          <a:prstGeom prst="straightConnector1">
+            <a:avLst/>
+          </a:prstGeom>
+          <a:ln>
+            <a:tailEnd type="triangle"/>
+          </a:ln>
+        </p:spPr>
+        <p:style>
+          <a:lnRef idx="1">
+            <a:schemeClr val="dk1"/>
+          </a:lnRef>
+          <a:fillRef idx="0">
+            <a:schemeClr val="dk1"/>
+          </a:fillRef>
+          <a:effectRef idx="0">
+            <a:schemeClr val="dk1"/>
+          </a:effectRef>
+          <a:fontRef idx="minor">
+            <a:schemeClr val="tx1"/>
+          </a:fontRef>
+        </p:style>
+      </p:cxnSp>
+      <p:sp>
+        <p:nvSpPr>
+          <p:cNvPr id="13" name="TextBox 12">
+            <a:extLst>
+              <a:ext uri="{FF2B5EF4-FFF2-40B4-BE49-F238E27FC236}">
+                <a16:creationId xmlns:a16="http://schemas.microsoft.com/office/drawing/2014/main" id="{93A57262-02E3-224A-8573-C0578CAA1C58}"/>
+              </a:ext>
+            </a:extLst>
+          </p:cNvPr>
+          <p:cNvSpPr txBox="1"/>
+          <p:nvPr/>
+        </p:nvSpPr>
+        <p:spPr>
+          <a:xfrm>
+            <a:off x="15346471" y="21056960"/>
+            <a:ext cx="1996021" cy="477054"/>
+          </a:xfrm>
+          <a:prstGeom prst="rect">
+            <a:avLst/>
+          </a:prstGeom>
+          <a:noFill/>
+        </p:spPr>
+        <p:txBody>
+          <a:bodyPr wrap="square" rtlCol="0">
+            <a:spAutoFit/>
+          </a:bodyPr>
+          <a:lstStyle/>
+          <a:p>
+            <a:r>
+              <a:rPr lang="en-US" sz="2500" dirty="0" err="1"/>
+              <a:t>Trimmomatic</a:t>
+            </a:r>
+            <a:endParaRPr lang="en-US" sz="2500" dirty="0"/>
+          </a:p>
+        </p:txBody>
+      </p:sp>
+      <p:cxnSp>
+        <p:nvCxnSpPr>
+          <p:cNvPr id="30" name="Straight Arrow Connector 29">
+            <a:extLst>
+              <a:ext uri="{FF2B5EF4-FFF2-40B4-BE49-F238E27FC236}">
+                <a16:creationId xmlns:a16="http://schemas.microsoft.com/office/drawing/2014/main" id="{33208FDD-04E0-3741-8AAD-7243FFEF0888}"/>
+              </a:ext>
+            </a:extLst>
+          </p:cNvPr>
+          <p:cNvCxnSpPr>
+            <a:cxnSpLocks/>
+          </p:cNvCxnSpPr>
+          <p:nvPr/>
+        </p:nvCxnSpPr>
+        <p:spPr>
+          <a:xfrm flipH="1">
+            <a:off x="12270328" y="18612945"/>
+            <a:ext cx="347516" cy="0"/>
+          </a:xfrm>
+          <a:prstGeom prst="straightConnector1">
+            <a:avLst/>
+          </a:prstGeom>
+          <a:ln>
+            <a:tailEnd type="triangle"/>
+          </a:ln>
+        </p:spPr>
+        <p:style>
+          <a:lnRef idx="1">
+            <a:schemeClr val="dk1"/>
+          </a:lnRef>
+          <a:fillRef idx="0">
+            <a:schemeClr val="dk1"/>
+          </a:fillRef>
+          <a:effectRef idx="0">
+            <a:schemeClr val="dk1"/>
+          </a:effectRef>
+          <a:fontRef idx="minor">
+            <a:schemeClr val="tx1"/>
+          </a:fontRef>
+        </p:style>
+      </p:cxnSp>
+      <p:sp>
+        <p:nvSpPr>
+          <p:cNvPr id="18" name="TextBox 17">
+            <a:extLst>
+              <a:ext uri="{FF2B5EF4-FFF2-40B4-BE49-F238E27FC236}">
+                <a16:creationId xmlns:a16="http://schemas.microsoft.com/office/drawing/2014/main" id="{BA48E7C5-89B9-0E49-836D-C3943FD636AE}"/>
+              </a:ext>
+            </a:extLst>
+          </p:cNvPr>
+          <p:cNvSpPr txBox="1"/>
+          <p:nvPr/>
+        </p:nvSpPr>
+        <p:spPr>
+          <a:xfrm>
+            <a:off x="12613556" y="18411654"/>
+            <a:ext cx="821059" cy="477054"/>
+          </a:xfrm>
+          <a:prstGeom prst="rect">
+            <a:avLst/>
+          </a:prstGeom>
+          <a:noFill/>
+        </p:spPr>
+        <p:txBody>
+          <a:bodyPr wrap="none" rtlCol="0">
+            <a:spAutoFit/>
+          </a:bodyPr>
+          <a:lstStyle/>
+          <a:p>
+            <a:r>
+              <a:rPr lang="en-US" sz="2500" dirty="0"/>
+              <a:t>STAR</a:t>
+            </a:r>
+          </a:p>
+        </p:txBody>
+      </p:sp>
+      <p:cxnSp>
+        <p:nvCxnSpPr>
+          <p:cNvPr id="32" name="Straight Arrow Connector 31">
+            <a:extLst>
+              <a:ext uri="{FF2B5EF4-FFF2-40B4-BE49-F238E27FC236}">
+                <a16:creationId xmlns:a16="http://schemas.microsoft.com/office/drawing/2014/main" id="{24940CBC-D973-8F48-B384-7D197D999A61}"/>
+              </a:ext>
+            </a:extLst>
+          </p:cNvPr>
+          <p:cNvCxnSpPr>
+            <a:cxnSpLocks/>
+          </p:cNvCxnSpPr>
+          <p:nvPr/>
+        </p:nvCxnSpPr>
+        <p:spPr>
+          <a:xfrm flipH="1" flipV="1">
+            <a:off x="10625425" y="24272251"/>
+            <a:ext cx="275404" cy="330983"/>
+          </a:xfrm>
+          <a:prstGeom prst="straightConnector1">
+            <a:avLst/>
+          </a:prstGeom>
+          <a:ln>
+            <a:tailEnd type="triangle"/>
+          </a:ln>
+        </p:spPr>
+        <p:style>
+          <a:lnRef idx="1">
+            <a:schemeClr val="dk1"/>
+          </a:lnRef>
+          <a:fillRef idx="0">
+            <a:schemeClr val="dk1"/>
+          </a:fillRef>
+          <a:effectRef idx="0">
+            <a:schemeClr val="dk1"/>
+          </a:effectRef>
+          <a:fontRef idx="minor">
+            <a:schemeClr val="tx1"/>
+          </a:fontRef>
+        </p:style>
+      </p:cxnSp>
+      <p:sp>
+        <p:nvSpPr>
+          <p:cNvPr id="22" name="TextBox 21">
+            <a:extLst>
+              <a:ext uri="{FF2B5EF4-FFF2-40B4-BE49-F238E27FC236}">
+                <a16:creationId xmlns:a16="http://schemas.microsoft.com/office/drawing/2014/main" id="{2A95455D-D47B-0C4D-90C7-4CF658710687}"/>
+              </a:ext>
+            </a:extLst>
+          </p:cNvPr>
+          <p:cNvSpPr txBox="1"/>
+          <p:nvPr/>
+        </p:nvSpPr>
+        <p:spPr>
+          <a:xfrm>
+            <a:off x="10902794" y="24426457"/>
+            <a:ext cx="1001556" cy="477054"/>
+          </a:xfrm>
+          <a:prstGeom prst="rect">
+            <a:avLst/>
+          </a:prstGeom>
+          <a:noFill/>
+        </p:spPr>
+        <p:txBody>
+          <a:bodyPr wrap="none" rtlCol="0">
+            <a:spAutoFit/>
+          </a:bodyPr>
+          <a:lstStyle/>
+          <a:p>
+            <a:r>
+              <a:rPr lang="en-US" sz="2500" dirty="0"/>
+              <a:t>Trinity</a:t>
+            </a:r>
+          </a:p>
+        </p:txBody>
+      </p:sp>
+      <p:sp>
+        <p:nvSpPr>
+          <p:cNvPr id="23" name="TextBox 22">
+            <a:extLst>
+              <a:ext uri="{FF2B5EF4-FFF2-40B4-BE49-F238E27FC236}">
+                <a16:creationId xmlns:a16="http://schemas.microsoft.com/office/drawing/2014/main" id="{E5182833-73FA-9C44-B001-DB8E1ECD0689}"/>
+              </a:ext>
+            </a:extLst>
+          </p:cNvPr>
+          <p:cNvSpPr txBox="1"/>
+          <p:nvPr/>
+        </p:nvSpPr>
+        <p:spPr>
+          <a:xfrm>
+            <a:off x="12298456" y="17140704"/>
+            <a:ext cx="1874744" cy="477054"/>
+          </a:xfrm>
+          <a:prstGeom prst="rect">
+            <a:avLst/>
+          </a:prstGeom>
+          <a:noFill/>
+        </p:spPr>
+        <p:txBody>
+          <a:bodyPr wrap="none" rtlCol="0">
+            <a:spAutoFit/>
+          </a:bodyPr>
+          <a:lstStyle/>
+          <a:p>
+            <a:r>
+              <a:rPr lang="en-US" sz="2500" dirty="0" err="1"/>
+              <a:t>Ht</a:t>
+            </a:r>
+            <a:r>
+              <a:rPr lang="en-US" sz="2500" dirty="0"/>
+              <a:t>-seq-count</a:t>
+            </a:r>
+          </a:p>
+        </p:txBody>
+      </p:sp>
+      <p:cxnSp>
+        <p:nvCxnSpPr>
+          <p:cNvPr id="33" name="Straight Arrow Connector 32">
+            <a:extLst>
+              <a:ext uri="{FF2B5EF4-FFF2-40B4-BE49-F238E27FC236}">
+                <a16:creationId xmlns:a16="http://schemas.microsoft.com/office/drawing/2014/main" id="{D395DFAC-B285-6841-A166-FB61C1E87EB9}"/>
+              </a:ext>
+            </a:extLst>
+          </p:cNvPr>
+          <p:cNvCxnSpPr>
+            <a:cxnSpLocks/>
+          </p:cNvCxnSpPr>
+          <p:nvPr/>
+        </p:nvCxnSpPr>
+        <p:spPr>
+          <a:xfrm flipH="1">
+            <a:off x="12377970" y="17526661"/>
+            <a:ext cx="136091" cy="273928"/>
+          </a:xfrm>
+          <a:prstGeom prst="straightConnector1">
+            <a:avLst/>
+          </a:prstGeom>
+          <a:ln>
+            <a:tailEnd type="triangle"/>
+          </a:ln>
+        </p:spPr>
+        <p:style>
+          <a:lnRef idx="1">
+            <a:schemeClr val="dk1"/>
+          </a:lnRef>
+          <a:fillRef idx="0">
+            <a:schemeClr val="dk1"/>
+          </a:fillRef>
+          <a:effectRef idx="0">
+            <a:schemeClr val="dk1"/>
+          </a:effectRef>
+          <a:fontRef idx="minor">
+            <a:schemeClr val="tx1"/>
+          </a:fontRef>
+        </p:style>
+      </p:cxnSp>
+      <p:sp>
+        <p:nvSpPr>
+          <p:cNvPr id="35" name="TextBox 34">
+            <a:extLst>
+              <a:ext uri="{FF2B5EF4-FFF2-40B4-BE49-F238E27FC236}">
+                <a16:creationId xmlns:a16="http://schemas.microsoft.com/office/drawing/2014/main" id="{FAE672D6-0E32-9B4D-A70F-0ED099B48446}"/>
+              </a:ext>
+            </a:extLst>
+          </p:cNvPr>
+          <p:cNvSpPr txBox="1"/>
+          <p:nvPr/>
+        </p:nvSpPr>
+        <p:spPr>
+          <a:xfrm>
+            <a:off x="15593943" y="24024511"/>
+            <a:ext cx="1271567" cy="477054"/>
+          </a:xfrm>
+          <a:prstGeom prst="rect">
+            <a:avLst/>
+          </a:prstGeom>
+          <a:noFill/>
+        </p:spPr>
+        <p:txBody>
+          <a:bodyPr wrap="none" rtlCol="0">
+            <a:spAutoFit/>
+          </a:bodyPr>
+          <a:lstStyle/>
+          <a:p>
+            <a:r>
+              <a:rPr lang="en-US" sz="2500" dirty="0"/>
+              <a:t>DESeq-2</a:t>
+            </a:r>
+          </a:p>
+        </p:txBody>
+      </p:sp>
+      <p:cxnSp>
+        <p:nvCxnSpPr>
+          <p:cNvPr id="36" name="Straight Arrow Connector 35">
+            <a:extLst>
+              <a:ext uri="{FF2B5EF4-FFF2-40B4-BE49-F238E27FC236}">
+                <a16:creationId xmlns:a16="http://schemas.microsoft.com/office/drawing/2014/main" id="{793968E2-81E1-5E47-8028-812BC9FB8D45}"/>
+              </a:ext>
+            </a:extLst>
+          </p:cNvPr>
+          <p:cNvCxnSpPr>
+            <a:cxnSpLocks/>
+          </p:cNvCxnSpPr>
+          <p:nvPr/>
+        </p:nvCxnSpPr>
+        <p:spPr>
+          <a:xfrm flipH="1" flipV="1">
+            <a:off x="15687618" y="23596489"/>
+            <a:ext cx="77401" cy="412346"/>
+          </a:xfrm>
+          <a:prstGeom prst="straightConnector1">
+            <a:avLst/>
+          </a:prstGeom>
+          <a:ln>
+            <a:tailEnd type="triangle"/>
+          </a:ln>
+        </p:spPr>
+        <p:style>
+          <a:lnRef idx="1">
+            <a:schemeClr val="dk1"/>
+          </a:lnRef>
+          <a:fillRef idx="0">
+            <a:schemeClr val="dk1"/>
+          </a:fillRef>
+          <a:effectRef idx="0">
+            <a:schemeClr val="dk1"/>
+          </a:effectRef>
+          <a:fontRef idx="minor">
+            <a:schemeClr val="tx1"/>
+          </a:fontRef>
+        </p:style>
+      </p:cxnSp>
+      <p:sp>
+        <p:nvSpPr>
+          <p:cNvPr id="39" name="TextBox 38">
+            <a:extLst>
+              <a:ext uri="{FF2B5EF4-FFF2-40B4-BE49-F238E27FC236}">
+                <a16:creationId xmlns:a16="http://schemas.microsoft.com/office/drawing/2014/main" id="{0578F0A3-F8B4-EF4A-9EEA-2841EED4D2F3}"/>
+              </a:ext>
+            </a:extLst>
+          </p:cNvPr>
+          <p:cNvSpPr txBox="1"/>
+          <p:nvPr/>
+        </p:nvSpPr>
+        <p:spPr>
+          <a:xfrm>
+            <a:off x="10887133" y="25077826"/>
+            <a:ext cx="2045753" cy="477054"/>
+          </a:xfrm>
+          <a:prstGeom prst="rect">
+            <a:avLst/>
+          </a:prstGeom>
+          <a:noFill/>
+        </p:spPr>
+        <p:txBody>
+          <a:bodyPr wrap="square" rtlCol="0">
+            <a:spAutoFit/>
+          </a:bodyPr>
+          <a:lstStyle/>
+          <a:p>
+            <a:r>
+              <a:rPr lang="en-US" sz="2500" dirty="0" err="1"/>
+              <a:t>CummeRbund</a:t>
+            </a:r>
+            <a:endParaRPr lang="en-US" sz="2500" dirty="0"/>
+          </a:p>
+        </p:txBody>
+      </p:sp>
+      <p:cxnSp>
+        <p:nvCxnSpPr>
+          <p:cNvPr id="40" name="Straight Arrow Connector 39">
+            <a:extLst>
+              <a:ext uri="{FF2B5EF4-FFF2-40B4-BE49-F238E27FC236}">
+                <a16:creationId xmlns:a16="http://schemas.microsoft.com/office/drawing/2014/main" id="{48FDFD8B-867B-EC4F-BF58-3AD9BB7EDE7E}"/>
+              </a:ext>
+            </a:extLst>
+          </p:cNvPr>
+          <p:cNvCxnSpPr>
+            <a:cxnSpLocks/>
+          </p:cNvCxnSpPr>
+          <p:nvPr/>
+        </p:nvCxnSpPr>
+        <p:spPr>
+          <a:xfrm flipH="1" flipV="1">
+            <a:off x="10562405" y="24970518"/>
+            <a:ext cx="352437" cy="245853"/>
+          </a:xfrm>
+          <a:prstGeom prst="straightConnector1">
+            <a:avLst/>
+          </a:prstGeom>
+          <a:ln>
+            <a:tailEnd type="triangle"/>
+          </a:ln>
+        </p:spPr>
+        <p:style>
+          <a:lnRef idx="1">
+            <a:schemeClr val="dk1"/>
+          </a:lnRef>
+          <a:fillRef idx="0">
+            <a:schemeClr val="dk1"/>
+          </a:fillRef>
+          <a:effectRef idx="0">
+            <a:schemeClr val="dk1"/>
+          </a:effectRef>
+          <a:fontRef idx="minor">
+            <a:schemeClr val="tx1"/>
+          </a:fontRef>
+        </p:style>
+      </p:cxnSp>
+      <p:sp>
+        <p:nvSpPr>
+          <p:cNvPr id="19" name="TextBox 18">
+            <a:extLst>
+              <a:ext uri="{FF2B5EF4-FFF2-40B4-BE49-F238E27FC236}">
+                <a16:creationId xmlns:a16="http://schemas.microsoft.com/office/drawing/2014/main" id="{F2AEB8F6-72A6-934F-B787-9191D362E54D}"/>
+              </a:ext>
+            </a:extLst>
+          </p:cNvPr>
+          <p:cNvSpPr txBox="1"/>
+          <p:nvPr/>
+        </p:nvSpPr>
+        <p:spPr>
+          <a:xfrm>
+            <a:off x="11010017" y="23611273"/>
+            <a:ext cx="1300677" cy="477054"/>
+          </a:xfrm>
+          <a:prstGeom prst="rect">
+            <a:avLst/>
+          </a:prstGeom>
+          <a:noFill/>
+        </p:spPr>
+        <p:txBody>
+          <a:bodyPr wrap="none" rtlCol="0">
+            <a:spAutoFit/>
+          </a:bodyPr>
+          <a:lstStyle/>
+          <a:p>
+            <a:r>
+              <a:rPr lang="en-US" sz="2500" dirty="0"/>
+              <a:t>Cufflinks</a:t>
+            </a:r>
+          </a:p>
+        </p:txBody>
+      </p:sp>
+      <p:cxnSp>
+        <p:nvCxnSpPr>
+          <p:cNvPr id="41" name="Straight Arrow Connector 40">
+            <a:extLst>
+              <a:ext uri="{FF2B5EF4-FFF2-40B4-BE49-F238E27FC236}">
+                <a16:creationId xmlns:a16="http://schemas.microsoft.com/office/drawing/2014/main" id="{4F734600-91AC-0047-AC89-9CB38FA8C379}"/>
+              </a:ext>
+            </a:extLst>
+          </p:cNvPr>
+          <p:cNvCxnSpPr>
+            <a:cxnSpLocks/>
+            <a:stCxn id="19" idx="1"/>
+          </p:cNvCxnSpPr>
+          <p:nvPr/>
+        </p:nvCxnSpPr>
+        <p:spPr>
+          <a:xfrm flipH="1">
+            <a:off x="10595391" y="23849800"/>
+            <a:ext cx="414626" cy="148222"/>
+          </a:xfrm>
+          <a:prstGeom prst="straightConnector1">
+            <a:avLst/>
+          </a:prstGeom>
+          <a:ln>
+            <a:tailEnd type="triangle"/>
+          </a:ln>
+        </p:spPr>
+        <p:style>
+          <a:lnRef idx="1">
+            <a:schemeClr val="dk1"/>
+          </a:lnRef>
+          <a:fillRef idx="0">
+            <a:schemeClr val="dk1"/>
+          </a:fillRef>
+          <a:effectRef idx="0">
+            <a:schemeClr val="dk1"/>
+          </a:effectRef>
+          <a:fontRef idx="minor">
+            <a:schemeClr val="tx1"/>
+          </a:fontRef>
+        </p:style>
+      </p:cxnSp>
+      <p:sp>
+        <p:nvSpPr>
+          <p:cNvPr id="31" name="TextBox 30">
+            <a:extLst>
+              <a:ext uri="{FF2B5EF4-FFF2-40B4-BE49-F238E27FC236}">
+                <a16:creationId xmlns:a16="http://schemas.microsoft.com/office/drawing/2014/main" id="{C5DF0605-23C9-2143-9086-7B50AA4C2EC7}"/>
+              </a:ext>
+            </a:extLst>
+          </p:cNvPr>
+          <p:cNvSpPr txBox="1"/>
+          <p:nvPr/>
+        </p:nvSpPr>
+        <p:spPr>
+          <a:xfrm>
+            <a:off x="12681022" y="21681024"/>
+            <a:ext cx="1379224" cy="477054"/>
+          </a:xfrm>
+          <a:prstGeom prst="rect">
+            <a:avLst/>
+          </a:prstGeom>
+          <a:noFill/>
+        </p:spPr>
+        <p:txBody>
+          <a:bodyPr wrap="none" rtlCol="0">
+            <a:spAutoFit/>
+          </a:bodyPr>
+          <a:lstStyle/>
+          <a:p>
+            <a:r>
+              <a:rPr lang="en-US" sz="2500" dirty="0" err="1"/>
+              <a:t>Samtools</a:t>
+            </a:r>
+            <a:endParaRPr lang="en-US" sz="2500" dirty="0"/>
+          </a:p>
+        </p:txBody>
+      </p:sp>
+      <p:cxnSp>
+        <p:nvCxnSpPr>
+          <p:cNvPr id="42" name="Straight Arrow Connector 41">
+            <a:extLst>
+              <a:ext uri="{FF2B5EF4-FFF2-40B4-BE49-F238E27FC236}">
+                <a16:creationId xmlns:a16="http://schemas.microsoft.com/office/drawing/2014/main" id="{65718F9F-FE0D-BE4F-9D49-67A70878732E}"/>
+              </a:ext>
+            </a:extLst>
+          </p:cNvPr>
+          <p:cNvCxnSpPr>
+            <a:cxnSpLocks/>
+          </p:cNvCxnSpPr>
+          <p:nvPr/>
+        </p:nvCxnSpPr>
+        <p:spPr>
+          <a:xfrm>
+            <a:off x="13920322" y="22100150"/>
+            <a:ext cx="287279" cy="296882"/>
+          </a:xfrm>
+          <a:prstGeom prst="straightConnector1">
+            <a:avLst/>
+          </a:prstGeom>
+          <a:ln>
+            <a:tailEnd type="triangle"/>
+          </a:ln>
+        </p:spPr>
+        <p:style>
+          <a:lnRef idx="1">
+            <a:schemeClr val="dk1"/>
+          </a:lnRef>
+          <a:fillRef idx="0">
+            <a:schemeClr val="dk1"/>
+          </a:fillRef>
+          <a:effectRef idx="0">
+            <a:schemeClr val="dk1"/>
+          </a:effectRef>
+          <a:fontRef idx="minor">
+            <a:schemeClr val="tx1"/>
+          </a:fontRef>
+        </p:style>
+      </p:cxnSp>
+      <p:sp>
+        <p:nvSpPr>
+          <p:cNvPr id="38" name="TextBox 37">
+            <a:extLst>
+              <a:ext uri="{FF2B5EF4-FFF2-40B4-BE49-F238E27FC236}">
+                <a16:creationId xmlns:a16="http://schemas.microsoft.com/office/drawing/2014/main" id="{D9E1F6FA-9B3C-B44E-B3CF-186CB7B752BC}"/>
+              </a:ext>
+            </a:extLst>
+          </p:cNvPr>
+          <p:cNvSpPr txBox="1"/>
+          <p:nvPr/>
+        </p:nvSpPr>
+        <p:spPr>
+          <a:xfrm>
+            <a:off x="11083636" y="19183126"/>
+            <a:ext cx="1268937" cy="477054"/>
+          </a:xfrm>
+          <a:prstGeom prst="rect">
+            <a:avLst/>
+          </a:prstGeom>
+          <a:noFill/>
+        </p:spPr>
+        <p:txBody>
+          <a:bodyPr wrap="none" rtlCol="0">
+            <a:spAutoFit/>
+          </a:bodyPr>
+          <a:lstStyle/>
+          <a:p>
+            <a:r>
+              <a:rPr lang="en-US" sz="2500" dirty="0"/>
+              <a:t>TopHat2</a:t>
+            </a:r>
+          </a:p>
+        </p:txBody>
+      </p:sp>
+      <p:cxnSp>
+        <p:nvCxnSpPr>
+          <p:cNvPr id="47" name="Straight Arrow Connector 46">
+            <a:extLst>
+              <a:ext uri="{FF2B5EF4-FFF2-40B4-BE49-F238E27FC236}">
+                <a16:creationId xmlns:a16="http://schemas.microsoft.com/office/drawing/2014/main" id="{F36D3651-04E4-1444-8052-43087CB8DD21}"/>
+              </a:ext>
+            </a:extLst>
+          </p:cNvPr>
+          <p:cNvCxnSpPr>
+            <a:cxnSpLocks/>
+          </p:cNvCxnSpPr>
+          <p:nvPr/>
+        </p:nvCxnSpPr>
+        <p:spPr>
+          <a:xfrm flipH="1" flipV="1">
+            <a:off x="11082624" y="18922591"/>
+            <a:ext cx="320948" cy="288244"/>
+          </a:xfrm>
+          <a:prstGeom prst="straightConnector1">
+            <a:avLst/>
+          </a:prstGeom>
+          <a:ln>
+            <a:tailEnd type="triangle"/>
+          </a:ln>
+        </p:spPr>
+        <p:style>
+          <a:lnRef idx="1">
+            <a:schemeClr val="dk1"/>
+          </a:lnRef>
+          <a:fillRef idx="0">
+            <a:schemeClr val="dk1"/>
+          </a:fillRef>
+          <a:effectRef idx="0">
+            <a:schemeClr val="dk1"/>
+          </a:effectRef>
+          <a:fontRef idx="minor">
+            <a:schemeClr val="tx1"/>
+          </a:fontRef>
+        </p:style>
+      </p:cxnSp>
+      <p:pic>
+        <p:nvPicPr>
+          <p:cNvPr id="11" name="Picture 10">
+            <a:extLst>
+              <a:ext uri="{FF2B5EF4-FFF2-40B4-BE49-F238E27FC236}">
+                <a16:creationId xmlns:a16="http://schemas.microsoft.com/office/drawing/2014/main" id="{23504B7A-8082-644F-9985-629E02776A6A}"/>
+              </a:ext>
+            </a:extLst>
+          </p:cNvPr>
+          <p:cNvPicPr>
+            <a:picLocks noChangeAspect="1"/>
+          </p:cNvPicPr>
+          <p:nvPr/>
+        </p:nvPicPr>
+        <p:blipFill>
+          <a:blip r:embed="rId7"/>
+          <a:stretch>
+            <a:fillRect/>
+          </a:stretch>
+        </p:blipFill>
+        <p:spPr>
+          <a:xfrm>
+            <a:off x="18801249" y="17012811"/>
+            <a:ext cx="8039407" cy="5759575"/>
+          </a:xfrm>
+          <a:prstGeom prst="rect">
+            <a:avLst/>
+          </a:prstGeom>
+        </p:spPr>
+      </p:pic>
+      <p:pic>
+        <p:nvPicPr>
+          <p:cNvPr id="20" name="Picture 19">
+            <a:extLst>
+              <a:ext uri="{FF2B5EF4-FFF2-40B4-BE49-F238E27FC236}">
+                <a16:creationId xmlns:a16="http://schemas.microsoft.com/office/drawing/2014/main" id="{CB653D57-FAE9-A44F-96C0-BCB141557A22}"/>
+              </a:ext>
+            </a:extLst>
+          </p:cNvPr>
+          <p:cNvPicPr>
+            <a:picLocks noChangeAspect="1"/>
+          </p:cNvPicPr>
+          <p:nvPr/>
+        </p:nvPicPr>
+        <p:blipFill>
+          <a:blip r:embed="rId8"/>
+          <a:stretch>
+            <a:fillRect/>
+          </a:stretch>
+        </p:blipFill>
+        <p:spPr>
+          <a:xfrm>
+            <a:off x="18801248" y="23050685"/>
+            <a:ext cx="9603237" cy="5206574"/>
+          </a:xfrm>
+          <a:prstGeom prst="rect">
+            <a:avLst/>
+          </a:prstGeom>
+        </p:spPr>
+      </p:pic>
+    </p:spTree>
+    <p:extLst>
+      <p:ext uri="{BB962C8B-B14F-4D97-AF65-F5344CB8AC3E}">
+        <p14:creationId xmlns:p14="http://schemas.microsoft.com/office/powerpoint/2010/main" val="1308412913"/>
       </p:ext>
     </p:extLst>
   </p:cSld>

--- a/figures/multipanel.pptx
+++ b/figures/multipanel.pptx
@@ -8,6 +8,7 @@
     <p:sldId id="256" r:id="rId2"/>
     <p:sldId id="257" r:id="rId3"/>
     <p:sldId id="258" r:id="rId4"/>
+    <p:sldId id="259" r:id="rId5"/>
   </p:sldIdLst>
   <p:sldSz cx="28346400" cy="28346400"/>
   <p:notesSz cx="6858000" cy="9144000"/>
@@ -245,7 +246,7 @@
           <a:p>
             <a:fld id="{577C0138-7A75-8149-9F79-A385D49B39ED}" type="datetimeFigureOut">
               <a:rPr lang="en-US" smtClean="0"/>
-              <a:t>4/29/20</a:t>
+              <a:t>6/17/20</a:t>
             </a:fld>
             <a:endParaRPr lang="en-US"/>
           </a:p>
@@ -415,7 +416,7 @@
           <a:p>
             <a:fld id="{577C0138-7A75-8149-9F79-A385D49B39ED}" type="datetimeFigureOut">
               <a:rPr lang="en-US" smtClean="0"/>
-              <a:t>4/29/20</a:t>
+              <a:t>6/17/20</a:t>
             </a:fld>
             <a:endParaRPr lang="en-US"/>
           </a:p>
@@ -595,7 +596,7 @@
           <a:p>
             <a:fld id="{577C0138-7A75-8149-9F79-A385D49B39ED}" type="datetimeFigureOut">
               <a:rPr lang="en-US" smtClean="0"/>
-              <a:t>4/29/20</a:t>
+              <a:t>6/17/20</a:t>
             </a:fld>
             <a:endParaRPr lang="en-US"/>
           </a:p>
@@ -765,7 +766,7 @@
           <a:p>
             <a:fld id="{577C0138-7A75-8149-9F79-A385D49B39ED}" type="datetimeFigureOut">
               <a:rPr lang="en-US" smtClean="0"/>
-              <a:t>4/29/20</a:t>
+              <a:t>6/17/20</a:t>
             </a:fld>
             <a:endParaRPr lang="en-US"/>
           </a:p>
@@ -1009,7 +1010,7 @@
           <a:p>
             <a:fld id="{577C0138-7A75-8149-9F79-A385D49B39ED}" type="datetimeFigureOut">
               <a:rPr lang="en-US" smtClean="0"/>
-              <a:t>4/29/20</a:t>
+              <a:t>6/17/20</a:t>
             </a:fld>
             <a:endParaRPr lang="en-US"/>
           </a:p>
@@ -1241,7 +1242,7 @@
           <a:p>
             <a:fld id="{577C0138-7A75-8149-9F79-A385D49B39ED}" type="datetimeFigureOut">
               <a:rPr lang="en-US" smtClean="0"/>
-              <a:t>4/29/20</a:t>
+              <a:t>6/17/20</a:t>
             </a:fld>
             <a:endParaRPr lang="en-US"/>
           </a:p>
@@ -1608,7 +1609,7 @@
           <a:p>
             <a:fld id="{577C0138-7A75-8149-9F79-A385D49B39ED}" type="datetimeFigureOut">
               <a:rPr lang="en-US" smtClean="0"/>
-              <a:t>4/29/20</a:t>
+              <a:t>6/17/20</a:t>
             </a:fld>
             <a:endParaRPr lang="en-US"/>
           </a:p>
@@ -1726,7 +1727,7 @@
           <a:p>
             <a:fld id="{577C0138-7A75-8149-9F79-A385D49B39ED}" type="datetimeFigureOut">
               <a:rPr lang="en-US" smtClean="0"/>
-              <a:t>4/29/20</a:t>
+              <a:t>6/17/20</a:t>
             </a:fld>
             <a:endParaRPr lang="en-US"/>
           </a:p>
@@ -1821,7 +1822,7 @@
           <a:p>
             <a:fld id="{577C0138-7A75-8149-9F79-A385D49B39ED}" type="datetimeFigureOut">
               <a:rPr lang="en-US" smtClean="0"/>
-              <a:t>4/29/20</a:t>
+              <a:t>6/17/20</a:t>
             </a:fld>
             <a:endParaRPr lang="en-US"/>
           </a:p>
@@ -2098,7 +2099,7 @@
           <a:p>
             <a:fld id="{577C0138-7A75-8149-9F79-A385D49B39ED}" type="datetimeFigureOut">
               <a:rPr lang="en-US" smtClean="0"/>
-              <a:t>4/29/20</a:t>
+              <a:t>6/17/20</a:t>
             </a:fld>
             <a:endParaRPr lang="en-US"/>
           </a:p>
@@ -2355,7 +2356,7 @@
           <a:p>
             <a:fld id="{577C0138-7A75-8149-9F79-A385D49B39ED}" type="datetimeFigureOut">
               <a:rPr lang="en-US" smtClean="0"/>
-              <a:t>4/29/20</a:t>
+              <a:t>6/17/20</a:t>
             </a:fld>
             <a:endParaRPr lang="en-US"/>
           </a:p>
@@ -2568,7 +2569,7 @@
           <a:p>
             <a:fld id="{577C0138-7A75-8149-9F79-A385D49B39ED}" type="datetimeFigureOut">
               <a:rPr lang="en-US" smtClean="0"/>
-              <a:t>4/29/20</a:t>
+              <a:t>6/17/20</a:t>
             </a:fld>
             <a:endParaRPr lang="en-US"/>
           </a:p>
@@ -6257,6 +6258,1340 @@
 </p:sld>
 </file>
 
+<file path=ppt/slides/slide4.xml><?xml version="1.0" encoding="utf-8"?>
+<p:sld xmlns:a="http://schemas.openxmlformats.org/drawingml/2006/main" xmlns:r="http://schemas.openxmlformats.org/officeDocument/2006/relationships" xmlns:p="http://schemas.openxmlformats.org/presentationml/2006/main">
+  <p:cSld>
+    <p:spTree>
+      <p:nvGrpSpPr>
+        <p:cNvPr id="1" name=""/>
+        <p:cNvGrpSpPr/>
+        <p:nvPr/>
+      </p:nvGrpSpPr>
+      <p:grpSpPr>
+        <a:xfrm>
+          <a:off x="0" y="0"/>
+          <a:ext cx="0" cy="0"/>
+          <a:chOff x="0" y="0"/>
+          <a:chExt cx="0" cy="0"/>
+        </a:xfrm>
+      </p:grpSpPr>
+      <p:pic>
+        <p:nvPicPr>
+          <p:cNvPr id="45" name="Picture 44">
+            <a:extLst>
+              <a:ext uri="{FF2B5EF4-FFF2-40B4-BE49-F238E27FC236}">
+                <a16:creationId xmlns:a16="http://schemas.microsoft.com/office/drawing/2014/main" id="{2B54D000-3447-7444-A2DF-8448823BE89C}"/>
+              </a:ext>
+            </a:extLst>
+          </p:cNvPr>
+          <p:cNvPicPr>
+            <a:picLocks noChangeAspect="1"/>
+          </p:cNvPicPr>
+          <p:nvPr/>
+        </p:nvPicPr>
+        <p:blipFill>
+          <a:blip r:embed="rId2"/>
+          <a:stretch>
+            <a:fillRect/>
+          </a:stretch>
+        </p:blipFill>
+        <p:spPr>
+          <a:xfrm>
+            <a:off x="7658" y="17145671"/>
+            <a:ext cx="15963900" cy="11391900"/>
+          </a:xfrm>
+          <a:prstGeom prst="rect">
+            <a:avLst/>
+          </a:prstGeom>
+        </p:spPr>
+      </p:pic>
+      <p:pic>
+        <p:nvPicPr>
+          <p:cNvPr id="3" name="Picture 2">
+            <a:extLst>
+              <a:ext uri="{FF2B5EF4-FFF2-40B4-BE49-F238E27FC236}">
+                <a16:creationId xmlns:a16="http://schemas.microsoft.com/office/drawing/2014/main" id="{6D7C9C0D-F924-0344-805C-19DB38D9CE79}"/>
+              </a:ext>
+            </a:extLst>
+          </p:cNvPr>
+          <p:cNvPicPr>
+            <a:picLocks noChangeAspect="1"/>
+          </p:cNvPicPr>
+          <p:nvPr/>
+        </p:nvPicPr>
+        <p:blipFill>
+          <a:blip r:embed="rId3"/>
+          <a:stretch>
+            <a:fillRect/>
+          </a:stretch>
+        </p:blipFill>
+        <p:spPr>
+          <a:xfrm>
+            <a:off x="568876" y="351513"/>
+            <a:ext cx="12862268" cy="8896053"/>
+          </a:xfrm>
+          <a:prstGeom prst="rect">
+            <a:avLst/>
+          </a:prstGeom>
+        </p:spPr>
+      </p:pic>
+      <p:pic>
+        <p:nvPicPr>
+          <p:cNvPr id="9" name="Picture 8">
+            <a:extLst>
+              <a:ext uri="{FF2B5EF4-FFF2-40B4-BE49-F238E27FC236}">
+                <a16:creationId xmlns:a16="http://schemas.microsoft.com/office/drawing/2014/main" id="{073D9AE4-A0B5-CB44-A457-00B768BF0767}"/>
+              </a:ext>
+            </a:extLst>
+          </p:cNvPr>
+          <p:cNvPicPr>
+            <a:picLocks noChangeAspect="1"/>
+          </p:cNvPicPr>
+          <p:nvPr/>
+        </p:nvPicPr>
+        <p:blipFill>
+          <a:blip r:embed="rId4"/>
+          <a:stretch>
+            <a:fillRect/>
+          </a:stretch>
+        </p:blipFill>
+        <p:spPr>
+          <a:xfrm>
+            <a:off x="13920322" y="624019"/>
+            <a:ext cx="14482983" cy="8888187"/>
+          </a:xfrm>
+          <a:prstGeom prst="rect">
+            <a:avLst/>
+          </a:prstGeom>
+        </p:spPr>
+      </p:pic>
+      <p:pic>
+        <p:nvPicPr>
+          <p:cNvPr id="12" name="Picture 11">
+            <a:extLst>
+              <a:ext uri="{FF2B5EF4-FFF2-40B4-BE49-F238E27FC236}">
+                <a16:creationId xmlns:a16="http://schemas.microsoft.com/office/drawing/2014/main" id="{0CDC93B2-18E1-864C-8FA6-285BB02248CB}"/>
+              </a:ext>
+            </a:extLst>
+          </p:cNvPr>
+          <p:cNvPicPr>
+            <a:picLocks noChangeAspect="1"/>
+          </p:cNvPicPr>
+          <p:nvPr/>
+        </p:nvPicPr>
+        <p:blipFill>
+          <a:blip r:embed="rId5"/>
+          <a:stretch>
+            <a:fillRect/>
+          </a:stretch>
+        </p:blipFill>
+        <p:spPr>
+          <a:xfrm>
+            <a:off x="-50800" y="9291358"/>
+            <a:ext cx="14006934" cy="8239373"/>
+          </a:xfrm>
+          <a:prstGeom prst="rect">
+            <a:avLst/>
+          </a:prstGeom>
+        </p:spPr>
+      </p:pic>
+      <p:pic>
+        <p:nvPicPr>
+          <p:cNvPr id="15" name="Picture 14">
+            <a:extLst>
+              <a:ext uri="{FF2B5EF4-FFF2-40B4-BE49-F238E27FC236}">
+                <a16:creationId xmlns:a16="http://schemas.microsoft.com/office/drawing/2014/main" id="{D670591C-81D3-AC4E-8526-2A0217A3C010}"/>
+              </a:ext>
+            </a:extLst>
+          </p:cNvPr>
+          <p:cNvPicPr>
+            <a:picLocks noChangeAspect="1"/>
+          </p:cNvPicPr>
+          <p:nvPr/>
+        </p:nvPicPr>
+        <p:blipFill>
+          <a:blip r:embed="rId6"/>
+          <a:stretch>
+            <a:fillRect/>
+          </a:stretch>
+        </p:blipFill>
+        <p:spPr>
+          <a:xfrm>
+            <a:off x="13512034" y="9305931"/>
+            <a:ext cx="15128024" cy="8073880"/>
+          </a:xfrm>
+          <a:prstGeom prst="rect">
+            <a:avLst/>
+          </a:prstGeom>
+        </p:spPr>
+      </p:pic>
+      <p:sp>
+        <p:nvSpPr>
+          <p:cNvPr id="24" name="TextBox 23">
+            <a:extLst>
+              <a:ext uri="{FF2B5EF4-FFF2-40B4-BE49-F238E27FC236}">
+                <a16:creationId xmlns:a16="http://schemas.microsoft.com/office/drawing/2014/main" id="{E116B10B-E50B-334D-BC32-4A81C34527AE}"/>
+              </a:ext>
+            </a:extLst>
+          </p:cNvPr>
+          <p:cNvSpPr txBox="1"/>
+          <p:nvPr/>
+        </p:nvSpPr>
+        <p:spPr>
+          <a:xfrm>
+            <a:off x="1298358" y="260974"/>
+            <a:ext cx="340205" cy="519588"/>
+          </a:xfrm>
+          <a:prstGeom prst="rect">
+            <a:avLst/>
+          </a:prstGeom>
+          <a:noFill/>
+        </p:spPr>
+        <p:txBody>
+          <a:bodyPr wrap="square" rtlCol="0">
+            <a:spAutoFit/>
+          </a:bodyPr>
+          <a:lstStyle/>
+          <a:p>
+            <a:r>
+              <a:rPr lang="en-US" sz="2800" b="1" dirty="0"/>
+              <a:t>a</a:t>
+            </a:r>
+          </a:p>
+        </p:txBody>
+      </p:sp>
+      <p:sp>
+        <p:nvSpPr>
+          <p:cNvPr id="25" name="TextBox 24">
+            <a:extLst>
+              <a:ext uri="{FF2B5EF4-FFF2-40B4-BE49-F238E27FC236}">
+                <a16:creationId xmlns:a16="http://schemas.microsoft.com/office/drawing/2014/main" id="{5095E299-B4BC-B649-941A-77FB5AB3D5F8}"/>
+              </a:ext>
+            </a:extLst>
+          </p:cNvPr>
+          <p:cNvSpPr txBox="1"/>
+          <p:nvPr/>
+        </p:nvSpPr>
+        <p:spPr>
+          <a:xfrm>
+            <a:off x="17986982" y="17306421"/>
+            <a:ext cx="298480" cy="523220"/>
+          </a:xfrm>
+          <a:prstGeom prst="rect">
+            <a:avLst/>
+          </a:prstGeom>
+          <a:noFill/>
+        </p:spPr>
+        <p:txBody>
+          <a:bodyPr wrap="none" rtlCol="0">
+            <a:spAutoFit/>
+          </a:bodyPr>
+          <a:lstStyle/>
+          <a:p>
+            <a:r>
+              <a:rPr lang="en-US" sz="2800" b="1" dirty="0"/>
+              <a:t>f</a:t>
+            </a:r>
+          </a:p>
+        </p:txBody>
+      </p:sp>
+      <p:sp>
+        <p:nvSpPr>
+          <p:cNvPr id="26" name="TextBox 25">
+            <a:extLst>
+              <a:ext uri="{FF2B5EF4-FFF2-40B4-BE49-F238E27FC236}">
+                <a16:creationId xmlns:a16="http://schemas.microsoft.com/office/drawing/2014/main" id="{B29B5468-E719-5241-BBD8-8952B0AFC639}"/>
+              </a:ext>
+            </a:extLst>
+          </p:cNvPr>
+          <p:cNvSpPr txBox="1"/>
+          <p:nvPr/>
+        </p:nvSpPr>
+        <p:spPr>
+          <a:xfrm>
+            <a:off x="1228160" y="17009881"/>
+            <a:ext cx="343570" cy="519588"/>
+          </a:xfrm>
+          <a:prstGeom prst="rect">
+            <a:avLst/>
+          </a:prstGeom>
+          <a:noFill/>
+        </p:spPr>
+        <p:txBody>
+          <a:bodyPr wrap="square" rtlCol="0">
+            <a:spAutoFit/>
+          </a:bodyPr>
+          <a:lstStyle/>
+          <a:p>
+            <a:r>
+              <a:rPr lang="en-US" sz="2800" b="1" dirty="0"/>
+              <a:t>e</a:t>
+            </a:r>
+          </a:p>
+        </p:txBody>
+      </p:sp>
+      <p:sp>
+        <p:nvSpPr>
+          <p:cNvPr id="27" name="TextBox 26">
+            <a:extLst>
+              <a:ext uri="{FF2B5EF4-FFF2-40B4-BE49-F238E27FC236}">
+                <a16:creationId xmlns:a16="http://schemas.microsoft.com/office/drawing/2014/main" id="{43475BF6-D5F4-344F-9235-D248DE675CFD}"/>
+              </a:ext>
+            </a:extLst>
+          </p:cNvPr>
+          <p:cNvSpPr txBox="1"/>
+          <p:nvPr/>
+        </p:nvSpPr>
+        <p:spPr>
+          <a:xfrm>
+            <a:off x="16325269" y="9501567"/>
+            <a:ext cx="377026" cy="523220"/>
+          </a:xfrm>
+          <a:prstGeom prst="rect">
+            <a:avLst/>
+          </a:prstGeom>
+          <a:noFill/>
+        </p:spPr>
+        <p:txBody>
+          <a:bodyPr wrap="none" rtlCol="0">
+            <a:spAutoFit/>
+          </a:bodyPr>
+          <a:lstStyle/>
+          <a:p>
+            <a:r>
+              <a:rPr lang="en-US" sz="2800" b="1" dirty="0"/>
+              <a:t>d</a:t>
+            </a:r>
+          </a:p>
+        </p:txBody>
+      </p:sp>
+      <p:sp>
+        <p:nvSpPr>
+          <p:cNvPr id="28" name="TextBox 27">
+            <a:extLst>
+              <a:ext uri="{FF2B5EF4-FFF2-40B4-BE49-F238E27FC236}">
+                <a16:creationId xmlns:a16="http://schemas.microsoft.com/office/drawing/2014/main" id="{509B97EE-1662-F54A-A8E5-08ABDDF40339}"/>
+              </a:ext>
+            </a:extLst>
+          </p:cNvPr>
+          <p:cNvSpPr txBox="1"/>
+          <p:nvPr/>
+        </p:nvSpPr>
+        <p:spPr>
+          <a:xfrm>
+            <a:off x="1298345" y="9521611"/>
+            <a:ext cx="284258" cy="523220"/>
+          </a:xfrm>
+          <a:prstGeom prst="rect">
+            <a:avLst/>
+          </a:prstGeom>
+          <a:noFill/>
+        </p:spPr>
+        <p:txBody>
+          <a:bodyPr wrap="square" rtlCol="0">
+            <a:spAutoFit/>
+          </a:bodyPr>
+          <a:lstStyle/>
+          <a:p>
+            <a:r>
+              <a:rPr lang="en-US" sz="2800" b="1" dirty="0"/>
+              <a:t>c</a:t>
+            </a:r>
+          </a:p>
+        </p:txBody>
+      </p:sp>
+      <p:sp>
+        <p:nvSpPr>
+          <p:cNvPr id="29" name="TextBox 28">
+            <a:extLst>
+              <a:ext uri="{FF2B5EF4-FFF2-40B4-BE49-F238E27FC236}">
+                <a16:creationId xmlns:a16="http://schemas.microsoft.com/office/drawing/2014/main" id="{1176DB54-2E10-AA42-8C3C-FFD1FE6CC505}"/>
+              </a:ext>
+            </a:extLst>
+          </p:cNvPr>
+          <p:cNvSpPr txBox="1"/>
+          <p:nvPr/>
+        </p:nvSpPr>
+        <p:spPr>
+          <a:xfrm>
+            <a:off x="16136756" y="260974"/>
+            <a:ext cx="377026" cy="523220"/>
+          </a:xfrm>
+          <a:prstGeom prst="rect">
+            <a:avLst/>
+          </a:prstGeom>
+          <a:noFill/>
+        </p:spPr>
+        <p:txBody>
+          <a:bodyPr wrap="none" rtlCol="0">
+            <a:spAutoFit/>
+          </a:bodyPr>
+          <a:lstStyle/>
+          <a:p>
+            <a:r>
+              <a:rPr lang="en-US" sz="2800" b="1" dirty="0"/>
+              <a:t>b</a:t>
+            </a:r>
+          </a:p>
+        </p:txBody>
+      </p:sp>
+      <p:sp>
+        <p:nvSpPr>
+          <p:cNvPr id="16" name="TextBox 15">
+            <a:extLst>
+              <a:ext uri="{FF2B5EF4-FFF2-40B4-BE49-F238E27FC236}">
+                <a16:creationId xmlns:a16="http://schemas.microsoft.com/office/drawing/2014/main" id="{8CA66D28-72ED-4645-8B3D-01FA49C3AF54}"/>
+              </a:ext>
+            </a:extLst>
+          </p:cNvPr>
+          <p:cNvSpPr txBox="1"/>
+          <p:nvPr/>
+        </p:nvSpPr>
+        <p:spPr>
+          <a:xfrm>
+            <a:off x="17903682" y="23084970"/>
+            <a:ext cx="286500" cy="523220"/>
+          </a:xfrm>
+          <a:prstGeom prst="rect">
+            <a:avLst/>
+          </a:prstGeom>
+          <a:noFill/>
+        </p:spPr>
+        <p:txBody>
+          <a:bodyPr wrap="square" rtlCol="0">
+            <a:spAutoFit/>
+          </a:bodyPr>
+          <a:lstStyle/>
+          <a:p>
+            <a:r>
+              <a:rPr lang="en-US" sz="2800" b="1" dirty="0"/>
+              <a:t>g</a:t>
+            </a:r>
+          </a:p>
+        </p:txBody>
+      </p:sp>
+      <p:pic>
+        <p:nvPicPr>
+          <p:cNvPr id="51" name="Picture 50">
+            <a:extLst>
+              <a:ext uri="{FF2B5EF4-FFF2-40B4-BE49-F238E27FC236}">
+                <a16:creationId xmlns:a16="http://schemas.microsoft.com/office/drawing/2014/main" id="{44D018F7-C26B-F045-BFBC-573988CEB05A}"/>
+              </a:ext>
+            </a:extLst>
+          </p:cNvPr>
+          <p:cNvPicPr>
+            <a:picLocks noChangeAspect="1"/>
+          </p:cNvPicPr>
+          <p:nvPr/>
+        </p:nvPicPr>
+        <p:blipFill>
+          <a:blip r:embed="rId7"/>
+          <a:stretch>
+            <a:fillRect/>
+          </a:stretch>
+        </p:blipFill>
+        <p:spPr>
+          <a:xfrm>
+            <a:off x="18504554" y="17379811"/>
+            <a:ext cx="9235254" cy="5684726"/>
+          </a:xfrm>
+          <a:prstGeom prst="rect">
+            <a:avLst/>
+          </a:prstGeom>
+        </p:spPr>
+      </p:pic>
+      <p:pic>
+        <p:nvPicPr>
+          <p:cNvPr id="37" name="Picture 36">
+            <a:extLst>
+              <a:ext uri="{FF2B5EF4-FFF2-40B4-BE49-F238E27FC236}">
+                <a16:creationId xmlns:a16="http://schemas.microsoft.com/office/drawing/2014/main" id="{7F675F6E-BDF2-0E42-A0A9-536C7B272F93}"/>
+              </a:ext>
+            </a:extLst>
+          </p:cNvPr>
+          <p:cNvPicPr>
+            <a:picLocks noChangeAspect="1"/>
+          </p:cNvPicPr>
+          <p:nvPr/>
+        </p:nvPicPr>
+        <p:blipFill>
+          <a:blip r:embed="rId8"/>
+          <a:stretch>
+            <a:fillRect/>
+          </a:stretch>
+        </p:blipFill>
+        <p:spPr>
+          <a:xfrm>
+            <a:off x="18514145" y="22841621"/>
+            <a:ext cx="9670437" cy="5295715"/>
+          </a:xfrm>
+          <a:prstGeom prst="rect">
+            <a:avLst/>
+          </a:prstGeom>
+        </p:spPr>
+      </p:pic>
+      <p:cxnSp>
+        <p:nvCxnSpPr>
+          <p:cNvPr id="55" name="Straight Arrow Connector 54">
+            <a:extLst>
+              <a:ext uri="{FF2B5EF4-FFF2-40B4-BE49-F238E27FC236}">
+                <a16:creationId xmlns:a16="http://schemas.microsoft.com/office/drawing/2014/main" id="{7BCDD366-63A0-A541-8F27-97B6C5F0D4EC}"/>
+              </a:ext>
+            </a:extLst>
+          </p:cNvPr>
+          <p:cNvCxnSpPr>
+            <a:cxnSpLocks/>
+          </p:cNvCxnSpPr>
+          <p:nvPr/>
+        </p:nvCxnSpPr>
+        <p:spPr>
+          <a:xfrm flipH="1">
+            <a:off x="12056533" y="17865171"/>
+            <a:ext cx="397950" cy="167672"/>
+          </a:xfrm>
+          <a:prstGeom prst="straightConnector1">
+            <a:avLst/>
+          </a:prstGeom>
+          <a:ln>
+            <a:tailEnd type="triangle"/>
+          </a:ln>
+        </p:spPr>
+        <p:style>
+          <a:lnRef idx="1">
+            <a:schemeClr val="dk1"/>
+          </a:lnRef>
+          <a:fillRef idx="0">
+            <a:schemeClr val="dk1"/>
+          </a:fillRef>
+          <a:effectRef idx="0">
+            <a:schemeClr val="dk1"/>
+          </a:effectRef>
+          <a:fontRef idx="minor">
+            <a:schemeClr val="tx1"/>
+          </a:fontRef>
+        </p:style>
+      </p:cxnSp>
+      <p:sp>
+        <p:nvSpPr>
+          <p:cNvPr id="56" name="TextBox 55">
+            <a:extLst>
+              <a:ext uri="{FF2B5EF4-FFF2-40B4-BE49-F238E27FC236}">
+                <a16:creationId xmlns:a16="http://schemas.microsoft.com/office/drawing/2014/main" id="{79208506-B3E2-3E43-B9FD-5469B8EA00D2}"/>
+              </a:ext>
+            </a:extLst>
+          </p:cNvPr>
+          <p:cNvSpPr txBox="1"/>
+          <p:nvPr/>
+        </p:nvSpPr>
+        <p:spPr>
+          <a:xfrm>
+            <a:off x="12454483" y="17597792"/>
+            <a:ext cx="1034001" cy="477054"/>
+          </a:xfrm>
+          <a:prstGeom prst="rect">
+            <a:avLst/>
+          </a:prstGeom>
+          <a:noFill/>
+        </p:spPr>
+        <p:txBody>
+          <a:bodyPr wrap="none" rtlCol="0">
+            <a:spAutoFit/>
+          </a:bodyPr>
+          <a:lstStyle/>
+          <a:p>
+            <a:r>
+              <a:rPr lang="en-US" sz="2500" dirty="0" err="1"/>
+              <a:t>Ht</a:t>
+            </a:r>
+            <a:r>
+              <a:rPr lang="en-US" sz="2500" dirty="0"/>
+              <a:t>-seq</a:t>
+            </a:r>
+          </a:p>
+        </p:txBody>
+      </p:sp>
+      <p:cxnSp>
+        <p:nvCxnSpPr>
+          <p:cNvPr id="57" name="Straight Arrow Connector 56">
+            <a:extLst>
+              <a:ext uri="{FF2B5EF4-FFF2-40B4-BE49-F238E27FC236}">
+                <a16:creationId xmlns:a16="http://schemas.microsoft.com/office/drawing/2014/main" id="{224873E4-7F05-8C49-94BA-FA6950C75268}"/>
+              </a:ext>
+            </a:extLst>
+          </p:cNvPr>
+          <p:cNvCxnSpPr/>
+          <p:nvPr/>
+        </p:nvCxnSpPr>
+        <p:spPr>
+          <a:xfrm flipH="1">
+            <a:off x="11611759" y="17632372"/>
+            <a:ext cx="372534" cy="300172"/>
+          </a:xfrm>
+          <a:prstGeom prst="straightConnector1">
+            <a:avLst/>
+          </a:prstGeom>
+          <a:ln>
+            <a:tailEnd type="triangle"/>
+          </a:ln>
+        </p:spPr>
+        <p:style>
+          <a:lnRef idx="1">
+            <a:schemeClr val="dk1"/>
+          </a:lnRef>
+          <a:fillRef idx="0">
+            <a:schemeClr val="dk1"/>
+          </a:fillRef>
+          <a:effectRef idx="0">
+            <a:schemeClr val="dk1"/>
+          </a:effectRef>
+          <a:fontRef idx="minor">
+            <a:schemeClr val="tx1"/>
+          </a:fontRef>
+        </p:style>
+      </p:cxnSp>
+      <p:sp>
+        <p:nvSpPr>
+          <p:cNvPr id="58" name="TextBox 57">
+            <a:extLst>
+              <a:ext uri="{FF2B5EF4-FFF2-40B4-BE49-F238E27FC236}">
+                <a16:creationId xmlns:a16="http://schemas.microsoft.com/office/drawing/2014/main" id="{E6A21BDA-A47E-CB47-B7E4-89E8D8F42E6A}"/>
+              </a:ext>
+            </a:extLst>
+          </p:cNvPr>
+          <p:cNvSpPr txBox="1"/>
+          <p:nvPr/>
+        </p:nvSpPr>
+        <p:spPr>
+          <a:xfrm>
+            <a:off x="11816641" y="17320755"/>
+            <a:ext cx="1874744" cy="477054"/>
+          </a:xfrm>
+          <a:prstGeom prst="rect">
+            <a:avLst/>
+          </a:prstGeom>
+          <a:noFill/>
+        </p:spPr>
+        <p:txBody>
+          <a:bodyPr wrap="none" rtlCol="0">
+            <a:spAutoFit/>
+          </a:bodyPr>
+          <a:lstStyle/>
+          <a:p>
+            <a:r>
+              <a:rPr lang="en-US" sz="2500" dirty="0" err="1"/>
+              <a:t>Ht</a:t>
+            </a:r>
+            <a:r>
+              <a:rPr lang="en-US" sz="2500" dirty="0"/>
+              <a:t>-seq-count</a:t>
+            </a:r>
+          </a:p>
+        </p:txBody>
+      </p:sp>
+      <p:sp>
+        <p:nvSpPr>
+          <p:cNvPr id="62" name="TextBox 61">
+            <a:extLst>
+              <a:ext uri="{FF2B5EF4-FFF2-40B4-BE49-F238E27FC236}">
+                <a16:creationId xmlns:a16="http://schemas.microsoft.com/office/drawing/2014/main" id="{E11A9E69-9D85-D54D-8958-3BF7A83E9157}"/>
+              </a:ext>
+            </a:extLst>
+          </p:cNvPr>
+          <p:cNvSpPr txBox="1"/>
+          <p:nvPr/>
+        </p:nvSpPr>
+        <p:spPr>
+          <a:xfrm>
+            <a:off x="15371379" y="18737073"/>
+            <a:ext cx="1173783" cy="477054"/>
+          </a:xfrm>
+          <a:prstGeom prst="rect">
+            <a:avLst/>
+          </a:prstGeom>
+          <a:noFill/>
+        </p:spPr>
+        <p:txBody>
+          <a:bodyPr wrap="none" rtlCol="0">
+            <a:spAutoFit/>
+          </a:bodyPr>
+          <a:lstStyle/>
+          <a:p>
+            <a:r>
+              <a:rPr lang="en-US" sz="2500" dirty="0"/>
+              <a:t>DESeq2</a:t>
+            </a:r>
+          </a:p>
+        </p:txBody>
+      </p:sp>
+      <p:cxnSp>
+        <p:nvCxnSpPr>
+          <p:cNvPr id="64" name="Straight Arrow Connector 63">
+            <a:extLst>
+              <a:ext uri="{FF2B5EF4-FFF2-40B4-BE49-F238E27FC236}">
+                <a16:creationId xmlns:a16="http://schemas.microsoft.com/office/drawing/2014/main" id="{642793B5-3746-C541-A711-3CCFE255BF99}"/>
+              </a:ext>
+            </a:extLst>
+          </p:cNvPr>
+          <p:cNvCxnSpPr/>
+          <p:nvPr/>
+        </p:nvCxnSpPr>
+        <p:spPr>
+          <a:xfrm flipH="1">
+            <a:off x="15104989" y="18976086"/>
+            <a:ext cx="328523" cy="0"/>
+          </a:xfrm>
+          <a:prstGeom prst="straightConnector1">
+            <a:avLst/>
+          </a:prstGeom>
+          <a:ln>
+            <a:tailEnd type="triangle"/>
+          </a:ln>
+        </p:spPr>
+        <p:style>
+          <a:lnRef idx="1">
+            <a:schemeClr val="dk1"/>
+          </a:lnRef>
+          <a:fillRef idx="0">
+            <a:schemeClr val="dk1"/>
+          </a:fillRef>
+          <a:effectRef idx="0">
+            <a:schemeClr val="dk1"/>
+          </a:effectRef>
+          <a:fontRef idx="minor">
+            <a:schemeClr val="tx1"/>
+          </a:fontRef>
+        </p:style>
+      </p:cxnSp>
+      <p:cxnSp>
+        <p:nvCxnSpPr>
+          <p:cNvPr id="65" name="Straight Arrow Connector 64">
+            <a:extLst>
+              <a:ext uri="{FF2B5EF4-FFF2-40B4-BE49-F238E27FC236}">
+                <a16:creationId xmlns:a16="http://schemas.microsoft.com/office/drawing/2014/main" id="{D8CF69DB-C2A1-5B40-8C15-ADF1062047B0}"/>
+              </a:ext>
+            </a:extLst>
+          </p:cNvPr>
+          <p:cNvCxnSpPr/>
+          <p:nvPr/>
+        </p:nvCxnSpPr>
+        <p:spPr>
+          <a:xfrm flipH="1">
+            <a:off x="11281729" y="18571893"/>
+            <a:ext cx="328523" cy="0"/>
+          </a:xfrm>
+          <a:prstGeom prst="straightConnector1">
+            <a:avLst/>
+          </a:prstGeom>
+          <a:ln>
+            <a:tailEnd type="triangle"/>
+          </a:ln>
+        </p:spPr>
+        <p:style>
+          <a:lnRef idx="1">
+            <a:schemeClr val="dk1"/>
+          </a:lnRef>
+          <a:fillRef idx="0">
+            <a:schemeClr val="dk1"/>
+          </a:fillRef>
+          <a:effectRef idx="0">
+            <a:schemeClr val="dk1"/>
+          </a:effectRef>
+          <a:fontRef idx="minor">
+            <a:schemeClr val="tx1"/>
+          </a:fontRef>
+        </p:style>
+      </p:cxnSp>
+      <p:sp>
+        <p:nvSpPr>
+          <p:cNvPr id="66" name="TextBox 65">
+            <a:extLst>
+              <a:ext uri="{FF2B5EF4-FFF2-40B4-BE49-F238E27FC236}">
+                <a16:creationId xmlns:a16="http://schemas.microsoft.com/office/drawing/2014/main" id="{7F277FD2-CA2F-DB41-8CC2-4DD18B503B8E}"/>
+              </a:ext>
+            </a:extLst>
+          </p:cNvPr>
+          <p:cNvSpPr txBox="1"/>
+          <p:nvPr/>
+        </p:nvSpPr>
+        <p:spPr>
+          <a:xfrm>
+            <a:off x="11628859" y="18333366"/>
+            <a:ext cx="1944122" cy="477054"/>
+          </a:xfrm>
+          <a:prstGeom prst="rect">
+            <a:avLst/>
+          </a:prstGeom>
+          <a:noFill/>
+        </p:spPr>
+        <p:txBody>
+          <a:bodyPr wrap="none" rtlCol="0">
+            <a:spAutoFit/>
+          </a:bodyPr>
+          <a:lstStyle/>
+          <a:p>
+            <a:r>
+              <a:rPr lang="en-US" sz="2500" dirty="0" err="1"/>
+              <a:t>Limma</a:t>
+            </a:r>
+            <a:r>
+              <a:rPr lang="en-US" sz="2500" dirty="0"/>
+              <a:t>/</a:t>
+            </a:r>
+            <a:r>
+              <a:rPr lang="en-US" sz="2500" dirty="0" err="1"/>
+              <a:t>Voom</a:t>
+            </a:r>
+            <a:endParaRPr lang="en-US" sz="2500" dirty="0"/>
+          </a:p>
+        </p:txBody>
+      </p:sp>
+      <p:cxnSp>
+        <p:nvCxnSpPr>
+          <p:cNvPr id="67" name="Straight Arrow Connector 66">
+            <a:extLst>
+              <a:ext uri="{FF2B5EF4-FFF2-40B4-BE49-F238E27FC236}">
+                <a16:creationId xmlns:a16="http://schemas.microsoft.com/office/drawing/2014/main" id="{1F9D4944-A884-8A4E-B9C2-A6F103BC3894}"/>
+              </a:ext>
+            </a:extLst>
+          </p:cNvPr>
+          <p:cNvCxnSpPr>
+            <a:cxnSpLocks/>
+          </p:cNvCxnSpPr>
+          <p:nvPr/>
+        </p:nvCxnSpPr>
+        <p:spPr>
+          <a:xfrm flipH="1" flipV="1">
+            <a:off x="11209698" y="18976086"/>
+            <a:ext cx="391025" cy="53009"/>
+          </a:xfrm>
+          <a:prstGeom prst="straightConnector1">
+            <a:avLst/>
+          </a:prstGeom>
+          <a:ln>
+            <a:tailEnd type="triangle"/>
+          </a:ln>
+        </p:spPr>
+        <p:style>
+          <a:lnRef idx="1">
+            <a:schemeClr val="dk1"/>
+          </a:lnRef>
+          <a:fillRef idx="0">
+            <a:schemeClr val="dk1"/>
+          </a:fillRef>
+          <a:effectRef idx="0">
+            <a:schemeClr val="dk1"/>
+          </a:effectRef>
+          <a:fontRef idx="minor">
+            <a:schemeClr val="tx1"/>
+          </a:fontRef>
+        </p:style>
+      </p:cxnSp>
+      <p:sp>
+        <p:nvSpPr>
+          <p:cNvPr id="68" name="TextBox 67">
+            <a:extLst>
+              <a:ext uri="{FF2B5EF4-FFF2-40B4-BE49-F238E27FC236}">
+                <a16:creationId xmlns:a16="http://schemas.microsoft.com/office/drawing/2014/main" id="{DBBF6511-4EB2-5C41-BB27-4F85535C7BBA}"/>
+              </a:ext>
+            </a:extLst>
+          </p:cNvPr>
+          <p:cNvSpPr txBox="1"/>
+          <p:nvPr/>
+        </p:nvSpPr>
+        <p:spPr>
+          <a:xfrm>
+            <a:off x="11596505" y="18790959"/>
+            <a:ext cx="988412" cy="477054"/>
+          </a:xfrm>
+          <a:prstGeom prst="rect">
+            <a:avLst/>
+          </a:prstGeom>
+          <a:noFill/>
+        </p:spPr>
+        <p:txBody>
+          <a:bodyPr wrap="none" rtlCol="0">
+            <a:spAutoFit/>
+          </a:bodyPr>
+          <a:lstStyle/>
+          <a:p>
+            <a:r>
+              <a:rPr lang="en-US" sz="2500" dirty="0" err="1"/>
+              <a:t>EdgeR</a:t>
+            </a:r>
+            <a:endParaRPr lang="en-US" sz="2500" dirty="0"/>
+          </a:p>
+        </p:txBody>
+      </p:sp>
+      <p:cxnSp>
+        <p:nvCxnSpPr>
+          <p:cNvPr id="70" name="Straight Arrow Connector 69">
+            <a:extLst>
+              <a:ext uri="{FF2B5EF4-FFF2-40B4-BE49-F238E27FC236}">
+                <a16:creationId xmlns:a16="http://schemas.microsoft.com/office/drawing/2014/main" id="{202E4145-1FB0-C740-8363-9EE9705C3A1C}"/>
+              </a:ext>
+            </a:extLst>
+          </p:cNvPr>
+          <p:cNvCxnSpPr/>
+          <p:nvPr/>
+        </p:nvCxnSpPr>
+        <p:spPr>
+          <a:xfrm flipH="1">
+            <a:off x="11507015" y="19512802"/>
+            <a:ext cx="328523" cy="0"/>
+          </a:xfrm>
+          <a:prstGeom prst="straightConnector1">
+            <a:avLst/>
+          </a:prstGeom>
+          <a:ln>
+            <a:tailEnd type="triangle"/>
+          </a:ln>
+        </p:spPr>
+        <p:style>
+          <a:lnRef idx="1">
+            <a:schemeClr val="dk1"/>
+          </a:lnRef>
+          <a:fillRef idx="0">
+            <a:schemeClr val="dk1"/>
+          </a:fillRef>
+          <a:effectRef idx="0">
+            <a:schemeClr val="dk1"/>
+          </a:effectRef>
+          <a:fontRef idx="minor">
+            <a:schemeClr val="tx1"/>
+          </a:fontRef>
+        </p:style>
+      </p:cxnSp>
+      <p:sp>
+        <p:nvSpPr>
+          <p:cNvPr id="71" name="TextBox 70">
+            <a:extLst>
+              <a:ext uri="{FF2B5EF4-FFF2-40B4-BE49-F238E27FC236}">
+                <a16:creationId xmlns:a16="http://schemas.microsoft.com/office/drawing/2014/main" id="{370D7EF7-2548-E14D-90E2-EF0328A3E3BC}"/>
+              </a:ext>
+            </a:extLst>
+          </p:cNvPr>
+          <p:cNvSpPr txBox="1"/>
+          <p:nvPr/>
+        </p:nvSpPr>
+        <p:spPr>
+          <a:xfrm>
+            <a:off x="11814388" y="19314032"/>
+            <a:ext cx="821059" cy="477054"/>
+          </a:xfrm>
+          <a:prstGeom prst="rect">
+            <a:avLst/>
+          </a:prstGeom>
+          <a:noFill/>
+        </p:spPr>
+        <p:txBody>
+          <a:bodyPr wrap="none" rtlCol="0">
+            <a:spAutoFit/>
+          </a:bodyPr>
+          <a:lstStyle/>
+          <a:p>
+            <a:r>
+              <a:rPr lang="en-US" sz="2500" dirty="0"/>
+              <a:t>STAR</a:t>
+            </a:r>
+          </a:p>
+        </p:txBody>
+      </p:sp>
+      <p:cxnSp>
+        <p:nvCxnSpPr>
+          <p:cNvPr id="76" name="Straight Arrow Connector 75">
+            <a:extLst>
+              <a:ext uri="{FF2B5EF4-FFF2-40B4-BE49-F238E27FC236}">
+                <a16:creationId xmlns:a16="http://schemas.microsoft.com/office/drawing/2014/main" id="{14A50CDE-9303-8342-996F-2DF592442155}"/>
+              </a:ext>
+            </a:extLst>
+          </p:cNvPr>
+          <p:cNvCxnSpPr>
+            <a:cxnSpLocks/>
+          </p:cNvCxnSpPr>
+          <p:nvPr/>
+        </p:nvCxnSpPr>
+        <p:spPr>
+          <a:xfrm>
+            <a:off x="14658109" y="22555200"/>
+            <a:ext cx="214338" cy="259527"/>
+          </a:xfrm>
+          <a:prstGeom prst="straightConnector1">
+            <a:avLst/>
+          </a:prstGeom>
+          <a:ln>
+            <a:tailEnd type="triangle"/>
+          </a:ln>
+        </p:spPr>
+        <p:style>
+          <a:lnRef idx="1">
+            <a:schemeClr val="dk1"/>
+          </a:lnRef>
+          <a:fillRef idx="0">
+            <a:schemeClr val="dk1"/>
+          </a:fillRef>
+          <a:effectRef idx="0">
+            <a:schemeClr val="dk1"/>
+          </a:effectRef>
+          <a:fontRef idx="minor">
+            <a:schemeClr val="tx1"/>
+          </a:fontRef>
+        </p:style>
+      </p:cxnSp>
+      <p:sp>
+        <p:nvSpPr>
+          <p:cNvPr id="80" name="TextBox 79">
+            <a:extLst>
+              <a:ext uri="{FF2B5EF4-FFF2-40B4-BE49-F238E27FC236}">
+                <a16:creationId xmlns:a16="http://schemas.microsoft.com/office/drawing/2014/main" id="{AD19092A-E39F-084B-B07B-9C29EA31596A}"/>
+              </a:ext>
+            </a:extLst>
+          </p:cNvPr>
+          <p:cNvSpPr txBox="1"/>
+          <p:nvPr/>
+        </p:nvSpPr>
+        <p:spPr>
+          <a:xfrm>
+            <a:off x="14178190" y="22198094"/>
+            <a:ext cx="1912318" cy="477054"/>
+          </a:xfrm>
+          <a:prstGeom prst="rect">
+            <a:avLst/>
+          </a:prstGeom>
+          <a:noFill/>
+        </p:spPr>
+        <p:txBody>
+          <a:bodyPr wrap="none" rtlCol="0">
+            <a:spAutoFit/>
+          </a:bodyPr>
+          <a:lstStyle/>
+          <a:p>
+            <a:r>
+              <a:rPr lang="en-US" sz="2500" dirty="0" err="1"/>
+              <a:t>Trimmomatic</a:t>
+            </a:r>
+            <a:endParaRPr lang="en-US" sz="2500" dirty="0"/>
+          </a:p>
+        </p:txBody>
+      </p:sp>
+      <p:cxnSp>
+        <p:nvCxnSpPr>
+          <p:cNvPr id="83" name="Straight Arrow Connector 82">
+            <a:extLst>
+              <a:ext uri="{FF2B5EF4-FFF2-40B4-BE49-F238E27FC236}">
+                <a16:creationId xmlns:a16="http://schemas.microsoft.com/office/drawing/2014/main" id="{C8EFEF45-61D9-9D4E-A0AE-9FDD0A801478}"/>
+              </a:ext>
+            </a:extLst>
+          </p:cNvPr>
+          <p:cNvCxnSpPr>
+            <a:cxnSpLocks/>
+          </p:cNvCxnSpPr>
+          <p:nvPr/>
+        </p:nvCxnSpPr>
+        <p:spPr>
+          <a:xfrm flipH="1">
+            <a:off x="13754062" y="23154245"/>
+            <a:ext cx="308302" cy="0"/>
+          </a:xfrm>
+          <a:prstGeom prst="straightConnector1">
+            <a:avLst/>
+          </a:prstGeom>
+          <a:ln>
+            <a:tailEnd type="triangle"/>
+          </a:ln>
+        </p:spPr>
+        <p:style>
+          <a:lnRef idx="1">
+            <a:schemeClr val="dk1"/>
+          </a:lnRef>
+          <a:fillRef idx="0">
+            <a:schemeClr val="dk1"/>
+          </a:fillRef>
+          <a:effectRef idx="0">
+            <a:schemeClr val="dk1"/>
+          </a:effectRef>
+          <a:fontRef idx="minor">
+            <a:schemeClr val="tx1"/>
+          </a:fontRef>
+        </p:style>
+      </p:cxnSp>
+      <p:sp>
+        <p:nvSpPr>
+          <p:cNvPr id="85" name="TextBox 84">
+            <a:extLst>
+              <a:ext uri="{FF2B5EF4-FFF2-40B4-BE49-F238E27FC236}">
+                <a16:creationId xmlns:a16="http://schemas.microsoft.com/office/drawing/2014/main" id="{6DADC516-874C-8F4B-B043-EE300528702D}"/>
+              </a:ext>
+            </a:extLst>
+          </p:cNvPr>
+          <p:cNvSpPr txBox="1"/>
+          <p:nvPr/>
+        </p:nvSpPr>
+        <p:spPr>
+          <a:xfrm>
+            <a:off x="14030208" y="22889737"/>
+            <a:ext cx="1379224" cy="477054"/>
+          </a:xfrm>
+          <a:prstGeom prst="rect">
+            <a:avLst/>
+          </a:prstGeom>
+          <a:noFill/>
+        </p:spPr>
+        <p:txBody>
+          <a:bodyPr wrap="none" rtlCol="0">
+            <a:spAutoFit/>
+          </a:bodyPr>
+          <a:lstStyle/>
+          <a:p>
+            <a:r>
+              <a:rPr lang="en-US" sz="2500" dirty="0" err="1"/>
+              <a:t>Samtools</a:t>
+            </a:r>
+            <a:endParaRPr lang="en-US" sz="2500" dirty="0"/>
+          </a:p>
+        </p:txBody>
+      </p:sp>
+      <p:cxnSp>
+        <p:nvCxnSpPr>
+          <p:cNvPr id="86" name="Straight Arrow Connector 85">
+            <a:extLst>
+              <a:ext uri="{FF2B5EF4-FFF2-40B4-BE49-F238E27FC236}">
+                <a16:creationId xmlns:a16="http://schemas.microsoft.com/office/drawing/2014/main" id="{D30C6F6B-6E27-3342-97EB-64ECD1698963}"/>
+              </a:ext>
+            </a:extLst>
+          </p:cNvPr>
+          <p:cNvCxnSpPr>
+            <a:cxnSpLocks/>
+          </p:cNvCxnSpPr>
+          <p:nvPr/>
+        </p:nvCxnSpPr>
+        <p:spPr>
+          <a:xfrm flipH="1">
+            <a:off x="9690627" y="23726187"/>
+            <a:ext cx="308302" cy="0"/>
+          </a:xfrm>
+          <a:prstGeom prst="straightConnector1">
+            <a:avLst/>
+          </a:prstGeom>
+          <a:ln>
+            <a:tailEnd type="triangle"/>
+          </a:ln>
+        </p:spPr>
+        <p:style>
+          <a:lnRef idx="1">
+            <a:schemeClr val="dk1"/>
+          </a:lnRef>
+          <a:fillRef idx="0">
+            <a:schemeClr val="dk1"/>
+          </a:fillRef>
+          <a:effectRef idx="0">
+            <a:schemeClr val="dk1"/>
+          </a:effectRef>
+          <a:fontRef idx="minor">
+            <a:schemeClr val="tx1"/>
+          </a:fontRef>
+        </p:style>
+      </p:cxnSp>
+      <p:sp>
+        <p:nvSpPr>
+          <p:cNvPr id="87" name="TextBox 86">
+            <a:extLst>
+              <a:ext uri="{FF2B5EF4-FFF2-40B4-BE49-F238E27FC236}">
+                <a16:creationId xmlns:a16="http://schemas.microsoft.com/office/drawing/2014/main" id="{69E4875C-D86C-7D43-8A43-E607D01B125F}"/>
+              </a:ext>
+            </a:extLst>
+          </p:cNvPr>
+          <p:cNvSpPr txBox="1"/>
+          <p:nvPr/>
+        </p:nvSpPr>
+        <p:spPr>
+          <a:xfrm>
+            <a:off x="9966773" y="23461679"/>
+            <a:ext cx="1001556" cy="477054"/>
+          </a:xfrm>
+          <a:prstGeom prst="rect">
+            <a:avLst/>
+          </a:prstGeom>
+          <a:noFill/>
+        </p:spPr>
+        <p:txBody>
+          <a:bodyPr wrap="none" rtlCol="0">
+            <a:spAutoFit/>
+          </a:bodyPr>
+          <a:lstStyle/>
+          <a:p>
+            <a:r>
+              <a:rPr lang="en-US" sz="2500" dirty="0"/>
+              <a:t>Trinity</a:t>
+            </a:r>
+          </a:p>
+        </p:txBody>
+      </p:sp>
+      <p:cxnSp>
+        <p:nvCxnSpPr>
+          <p:cNvPr id="88" name="Straight Arrow Connector 87">
+            <a:extLst>
+              <a:ext uri="{FF2B5EF4-FFF2-40B4-BE49-F238E27FC236}">
+                <a16:creationId xmlns:a16="http://schemas.microsoft.com/office/drawing/2014/main" id="{521E942E-30E2-FD4A-9F81-B24F4E85BD2D}"/>
+              </a:ext>
+            </a:extLst>
+          </p:cNvPr>
+          <p:cNvCxnSpPr>
+            <a:cxnSpLocks/>
+          </p:cNvCxnSpPr>
+          <p:nvPr/>
+        </p:nvCxnSpPr>
+        <p:spPr>
+          <a:xfrm flipH="1">
+            <a:off x="9568823" y="23331916"/>
+            <a:ext cx="397950" cy="167672"/>
+          </a:xfrm>
+          <a:prstGeom prst="straightConnector1">
+            <a:avLst/>
+          </a:prstGeom>
+          <a:ln>
+            <a:tailEnd type="triangle"/>
+          </a:ln>
+        </p:spPr>
+        <p:style>
+          <a:lnRef idx="1">
+            <a:schemeClr val="dk1"/>
+          </a:lnRef>
+          <a:fillRef idx="0">
+            <a:schemeClr val="dk1"/>
+          </a:fillRef>
+          <a:effectRef idx="0">
+            <a:schemeClr val="dk1"/>
+          </a:effectRef>
+          <a:fontRef idx="minor">
+            <a:schemeClr val="tx1"/>
+          </a:fontRef>
+        </p:style>
+      </p:cxnSp>
+      <p:sp>
+        <p:nvSpPr>
+          <p:cNvPr id="89" name="TextBox 88">
+            <a:extLst>
+              <a:ext uri="{FF2B5EF4-FFF2-40B4-BE49-F238E27FC236}">
+                <a16:creationId xmlns:a16="http://schemas.microsoft.com/office/drawing/2014/main" id="{45AE74DF-C21B-EA48-A8C0-FFC285108ECA}"/>
+              </a:ext>
+            </a:extLst>
+          </p:cNvPr>
+          <p:cNvSpPr txBox="1"/>
+          <p:nvPr/>
+        </p:nvSpPr>
+        <p:spPr>
+          <a:xfrm>
+            <a:off x="9966773" y="23064537"/>
+            <a:ext cx="1300677" cy="477054"/>
+          </a:xfrm>
+          <a:prstGeom prst="rect">
+            <a:avLst/>
+          </a:prstGeom>
+          <a:noFill/>
+        </p:spPr>
+        <p:txBody>
+          <a:bodyPr wrap="none" rtlCol="0">
+            <a:spAutoFit/>
+          </a:bodyPr>
+          <a:lstStyle/>
+          <a:p>
+            <a:r>
+              <a:rPr lang="en-US" sz="2500" dirty="0"/>
+              <a:t>Cufflinks</a:t>
+            </a:r>
+          </a:p>
+        </p:txBody>
+      </p:sp>
+      <p:cxnSp>
+        <p:nvCxnSpPr>
+          <p:cNvPr id="93" name="Straight Arrow Connector 92">
+            <a:extLst>
+              <a:ext uri="{FF2B5EF4-FFF2-40B4-BE49-F238E27FC236}">
+                <a16:creationId xmlns:a16="http://schemas.microsoft.com/office/drawing/2014/main" id="{F019CCA5-A699-5E48-9BE6-82E7E55E9B0F}"/>
+              </a:ext>
+            </a:extLst>
+          </p:cNvPr>
+          <p:cNvCxnSpPr>
+            <a:cxnSpLocks/>
+          </p:cNvCxnSpPr>
+          <p:nvPr/>
+        </p:nvCxnSpPr>
+        <p:spPr>
+          <a:xfrm flipH="1">
+            <a:off x="9662918" y="25320225"/>
+            <a:ext cx="308302" cy="0"/>
+          </a:xfrm>
+          <a:prstGeom prst="straightConnector1">
+            <a:avLst/>
+          </a:prstGeom>
+          <a:ln>
+            <a:tailEnd type="triangle"/>
+          </a:ln>
+        </p:spPr>
+        <p:style>
+          <a:lnRef idx="1">
+            <a:schemeClr val="dk1"/>
+          </a:lnRef>
+          <a:fillRef idx="0">
+            <a:schemeClr val="dk1"/>
+          </a:fillRef>
+          <a:effectRef idx="0">
+            <a:schemeClr val="dk1"/>
+          </a:effectRef>
+          <a:fontRef idx="minor">
+            <a:schemeClr val="tx1"/>
+          </a:fontRef>
+        </p:style>
+      </p:cxnSp>
+      <p:sp>
+        <p:nvSpPr>
+          <p:cNvPr id="94" name="TextBox 93">
+            <a:extLst>
+              <a:ext uri="{FF2B5EF4-FFF2-40B4-BE49-F238E27FC236}">
+                <a16:creationId xmlns:a16="http://schemas.microsoft.com/office/drawing/2014/main" id="{BF02D524-914E-AD48-9794-28A15008C541}"/>
+              </a:ext>
+            </a:extLst>
+          </p:cNvPr>
+          <p:cNvSpPr txBox="1"/>
+          <p:nvPr/>
+        </p:nvSpPr>
+        <p:spPr>
+          <a:xfrm>
+            <a:off x="9939064" y="25055717"/>
+            <a:ext cx="2045753" cy="477054"/>
+          </a:xfrm>
+          <a:prstGeom prst="rect">
+            <a:avLst/>
+          </a:prstGeom>
+          <a:noFill/>
+        </p:spPr>
+        <p:txBody>
+          <a:bodyPr wrap="none" rtlCol="0">
+            <a:spAutoFit/>
+          </a:bodyPr>
+          <a:lstStyle/>
+          <a:p>
+            <a:r>
+              <a:rPr lang="en-US" sz="2500" dirty="0" err="1"/>
+              <a:t>CummeRbund</a:t>
+            </a:r>
+            <a:endParaRPr lang="en-US" sz="2500" dirty="0"/>
+          </a:p>
+        </p:txBody>
+      </p:sp>
+    </p:spTree>
+    <p:extLst>
+      <p:ext uri="{BB962C8B-B14F-4D97-AF65-F5344CB8AC3E}">
+        <p14:creationId xmlns:p14="http://schemas.microsoft.com/office/powerpoint/2010/main" val="1330808473"/>
+      </p:ext>
+    </p:extLst>
+  </p:cSld>
+  <p:clrMapOvr>
+    <a:masterClrMapping/>
+  </p:clrMapOvr>
+</p:sld>
+</file>
+
 <file path=ppt/theme/theme1.xml><?xml version="1.0" encoding="utf-8"?>
 <a:theme xmlns:a="http://schemas.openxmlformats.org/drawingml/2006/main" name="Office Theme">
   <a:themeElements>

--- a/figures/multipanel.pptx
+++ b/figures/multipanel.pptx
@@ -4,11 +4,15 @@
   <p:sldMasterIdLst>
     <p:sldMasterId id="2147483912" r:id="rId1"/>
   </p:sldMasterIdLst>
+  <p:notesMasterIdLst>
+    <p:notesMasterId r:id="rId7"/>
+  </p:notesMasterIdLst>
   <p:sldIdLst>
     <p:sldId id="256" r:id="rId2"/>
     <p:sldId id="257" r:id="rId3"/>
     <p:sldId id="258" r:id="rId4"/>
     <p:sldId id="259" r:id="rId5"/>
+    <p:sldId id="260" r:id="rId6"/>
   </p:sldIdLst>
   <p:sldSz cx="28346400" cy="28346400"/>
   <p:notesSz cx="6858000" cy="9144000"/>
@@ -115,6 +119,439 @@
 </p:presentation>
 </file>
 
+<file path=ppt/notesMasters/notesMaster1.xml><?xml version="1.0" encoding="utf-8"?>
+<p:notesMaster xmlns:a="http://schemas.openxmlformats.org/drawingml/2006/main" xmlns:r="http://schemas.openxmlformats.org/officeDocument/2006/relationships" xmlns:p="http://schemas.openxmlformats.org/presentationml/2006/main">
+  <p:cSld>
+    <p:bg>
+      <p:bgRef idx="1001">
+        <a:schemeClr val="bg1"/>
+      </p:bgRef>
+    </p:bg>
+    <p:spTree>
+      <p:nvGrpSpPr>
+        <p:cNvPr id="1" name=""/>
+        <p:cNvGrpSpPr/>
+        <p:nvPr/>
+      </p:nvGrpSpPr>
+      <p:grpSpPr>
+        <a:xfrm>
+          <a:off x="0" y="0"/>
+          <a:ext cx="0" cy="0"/>
+          <a:chOff x="0" y="0"/>
+          <a:chExt cx="0" cy="0"/>
+        </a:xfrm>
+      </p:grpSpPr>
+      <p:sp>
+        <p:nvSpPr>
+          <p:cNvPr id="2" name="Header Placeholder 1"/>
+          <p:cNvSpPr>
+            <a:spLocks noGrp="1"/>
+          </p:cNvSpPr>
+          <p:nvPr>
+            <p:ph type="hdr" sz="quarter"/>
+          </p:nvPr>
+        </p:nvSpPr>
+        <p:spPr>
+          <a:xfrm>
+            <a:off x="0" y="0"/>
+            <a:ext cx="2971800" cy="458788"/>
+          </a:xfrm>
+          <a:prstGeom prst="rect">
+            <a:avLst/>
+          </a:prstGeom>
+        </p:spPr>
+        <p:txBody>
+          <a:bodyPr vert="horz" lIns="91440" tIns="45720" rIns="91440" bIns="45720" rtlCol="0"/>
+          <a:lstStyle>
+            <a:lvl1pPr algn="l">
+              <a:defRPr sz="1200"/>
+            </a:lvl1pPr>
+          </a:lstStyle>
+          <a:p>
+            <a:endParaRPr lang="en-US"/>
+          </a:p>
+        </p:txBody>
+      </p:sp>
+      <p:sp>
+        <p:nvSpPr>
+          <p:cNvPr id="3" name="Date Placeholder 2"/>
+          <p:cNvSpPr>
+            <a:spLocks noGrp="1"/>
+          </p:cNvSpPr>
+          <p:nvPr>
+            <p:ph type="dt" idx="1"/>
+          </p:nvPr>
+        </p:nvSpPr>
+        <p:spPr>
+          <a:xfrm>
+            <a:off x="3884613" y="0"/>
+            <a:ext cx="2971800" cy="458788"/>
+          </a:xfrm>
+          <a:prstGeom prst="rect">
+            <a:avLst/>
+          </a:prstGeom>
+        </p:spPr>
+        <p:txBody>
+          <a:bodyPr vert="horz" lIns="91440" tIns="45720" rIns="91440" bIns="45720" rtlCol="0"/>
+          <a:lstStyle>
+            <a:lvl1pPr algn="r">
+              <a:defRPr sz="1200"/>
+            </a:lvl1pPr>
+          </a:lstStyle>
+          <a:p>
+            <a:fld id="{DBE328A2-7FAD-6647-8FB9-7BA0058712E1}" type="datetimeFigureOut">
+              <a:rPr lang="en-US" smtClean="0"/>
+              <a:t>6/24/20</a:t>
+            </a:fld>
+            <a:endParaRPr lang="en-US"/>
+          </a:p>
+        </p:txBody>
+      </p:sp>
+      <p:sp>
+        <p:nvSpPr>
+          <p:cNvPr id="4" name="Slide Image Placeholder 3"/>
+          <p:cNvSpPr>
+            <a:spLocks noGrp="1" noRot="1" noChangeAspect="1"/>
+          </p:cNvSpPr>
+          <p:nvPr>
+            <p:ph type="sldImg" idx="2"/>
+          </p:nvPr>
+        </p:nvSpPr>
+        <p:spPr>
+          <a:xfrm>
+            <a:off x="1885950" y="1143000"/>
+            <a:ext cx="3086100" cy="3086100"/>
+          </a:xfrm>
+          <a:prstGeom prst="rect">
+            <a:avLst/>
+          </a:prstGeom>
+          <a:noFill/>
+          <a:ln w="12700">
+            <a:solidFill>
+              <a:prstClr val="black"/>
+            </a:solidFill>
+          </a:ln>
+        </p:spPr>
+        <p:txBody>
+          <a:bodyPr vert="horz" lIns="91440" tIns="45720" rIns="91440" bIns="45720" rtlCol="0" anchor="ctr"/>
+          <a:lstStyle/>
+          <a:p>
+            <a:endParaRPr lang="en-US"/>
+          </a:p>
+        </p:txBody>
+      </p:sp>
+      <p:sp>
+        <p:nvSpPr>
+          <p:cNvPr id="5" name="Notes Placeholder 4"/>
+          <p:cNvSpPr>
+            <a:spLocks noGrp="1"/>
+          </p:cNvSpPr>
+          <p:nvPr>
+            <p:ph type="body" sz="quarter" idx="3"/>
+          </p:nvPr>
+        </p:nvSpPr>
+        <p:spPr>
+          <a:xfrm>
+            <a:off x="685800" y="4400550"/>
+            <a:ext cx="5486400" cy="3600450"/>
+          </a:xfrm>
+          <a:prstGeom prst="rect">
+            <a:avLst/>
+          </a:prstGeom>
+        </p:spPr>
+        <p:txBody>
+          <a:bodyPr vert="horz" lIns="91440" tIns="45720" rIns="91440" bIns="45720" rtlCol="0"/>
+          <a:lstStyle/>
+          <a:p>
+            <a:pPr lvl="0"/>
+            <a:r>
+              <a:rPr lang="en-US"/>
+              <a:t>Click to edit Master text styles</a:t>
+            </a:r>
+          </a:p>
+          <a:p>
+            <a:pPr lvl="1"/>
+            <a:r>
+              <a:rPr lang="en-US"/>
+              <a:t>Second level</a:t>
+            </a:r>
+          </a:p>
+          <a:p>
+            <a:pPr lvl="2"/>
+            <a:r>
+              <a:rPr lang="en-US"/>
+              <a:t>Third level</a:t>
+            </a:r>
+          </a:p>
+          <a:p>
+            <a:pPr lvl="3"/>
+            <a:r>
+              <a:rPr lang="en-US"/>
+              <a:t>Fourth level</a:t>
+            </a:r>
+          </a:p>
+          <a:p>
+            <a:pPr lvl="4"/>
+            <a:r>
+              <a:rPr lang="en-US"/>
+              <a:t>Fifth level</a:t>
+            </a:r>
+          </a:p>
+        </p:txBody>
+      </p:sp>
+      <p:sp>
+        <p:nvSpPr>
+          <p:cNvPr id="6" name="Footer Placeholder 5"/>
+          <p:cNvSpPr>
+            <a:spLocks noGrp="1"/>
+          </p:cNvSpPr>
+          <p:nvPr>
+            <p:ph type="ftr" sz="quarter" idx="4"/>
+          </p:nvPr>
+        </p:nvSpPr>
+        <p:spPr>
+          <a:xfrm>
+            <a:off x="0" y="8685213"/>
+            <a:ext cx="2971800" cy="458787"/>
+          </a:xfrm>
+          <a:prstGeom prst="rect">
+            <a:avLst/>
+          </a:prstGeom>
+        </p:spPr>
+        <p:txBody>
+          <a:bodyPr vert="horz" lIns="91440" tIns="45720" rIns="91440" bIns="45720" rtlCol="0" anchor="b"/>
+          <a:lstStyle>
+            <a:lvl1pPr algn="l">
+              <a:defRPr sz="1200"/>
+            </a:lvl1pPr>
+          </a:lstStyle>
+          <a:p>
+            <a:endParaRPr lang="en-US"/>
+          </a:p>
+        </p:txBody>
+      </p:sp>
+      <p:sp>
+        <p:nvSpPr>
+          <p:cNvPr id="7" name="Slide Number Placeholder 6"/>
+          <p:cNvSpPr>
+            <a:spLocks noGrp="1"/>
+          </p:cNvSpPr>
+          <p:nvPr>
+            <p:ph type="sldNum" sz="quarter" idx="5"/>
+          </p:nvPr>
+        </p:nvSpPr>
+        <p:spPr>
+          <a:xfrm>
+            <a:off x="3884613" y="8685213"/>
+            <a:ext cx="2971800" cy="458787"/>
+          </a:xfrm>
+          <a:prstGeom prst="rect">
+            <a:avLst/>
+          </a:prstGeom>
+        </p:spPr>
+        <p:txBody>
+          <a:bodyPr vert="horz" lIns="91440" tIns="45720" rIns="91440" bIns="45720" rtlCol="0" anchor="b"/>
+          <a:lstStyle>
+            <a:lvl1pPr algn="r">
+              <a:defRPr sz="1200"/>
+            </a:lvl1pPr>
+          </a:lstStyle>
+          <a:p>
+            <a:fld id="{E108BF24-A219-EC4F-B52B-B69190919B24}" type="slidenum">
+              <a:rPr lang="en-US" smtClean="0"/>
+              <a:t>‹#›</a:t>
+            </a:fld>
+            <a:endParaRPr lang="en-US"/>
+          </a:p>
+        </p:txBody>
+      </p:sp>
+    </p:spTree>
+    <p:extLst>
+      <p:ext uri="{BB962C8B-B14F-4D97-AF65-F5344CB8AC3E}">
+        <p14:creationId xmlns:p14="http://schemas.microsoft.com/office/powerpoint/2010/main" val="839079111"/>
+      </p:ext>
+    </p:extLst>
+  </p:cSld>
+  <p:clrMap bg1="lt1" tx1="dk1" bg2="lt2" tx2="dk2" accent1="accent1" accent2="accent2" accent3="accent3" accent4="accent4" accent5="accent5" accent6="accent6" hlink="hlink" folHlink="folHlink"/>
+  <p:notesStyle>
+    <a:lvl1pPr marL="0" algn="l" defTabSz="914400" rtl="0" eaLnBrk="1" latinLnBrk="0" hangingPunct="1">
+      <a:defRPr sz="1200" kern="1200">
+        <a:solidFill>
+          <a:schemeClr val="tx1"/>
+        </a:solidFill>
+        <a:latin typeface="+mn-lt"/>
+        <a:ea typeface="+mn-ea"/>
+        <a:cs typeface="+mn-cs"/>
+      </a:defRPr>
+    </a:lvl1pPr>
+    <a:lvl2pPr marL="457200" algn="l" defTabSz="914400" rtl="0" eaLnBrk="1" latinLnBrk="0" hangingPunct="1">
+      <a:defRPr sz="1200" kern="1200">
+        <a:solidFill>
+          <a:schemeClr val="tx1"/>
+        </a:solidFill>
+        <a:latin typeface="+mn-lt"/>
+        <a:ea typeface="+mn-ea"/>
+        <a:cs typeface="+mn-cs"/>
+      </a:defRPr>
+    </a:lvl2pPr>
+    <a:lvl3pPr marL="914400" algn="l" defTabSz="914400" rtl="0" eaLnBrk="1" latinLnBrk="0" hangingPunct="1">
+      <a:defRPr sz="1200" kern="1200">
+        <a:solidFill>
+          <a:schemeClr val="tx1"/>
+        </a:solidFill>
+        <a:latin typeface="+mn-lt"/>
+        <a:ea typeface="+mn-ea"/>
+        <a:cs typeface="+mn-cs"/>
+      </a:defRPr>
+    </a:lvl3pPr>
+    <a:lvl4pPr marL="1371600" algn="l" defTabSz="914400" rtl="0" eaLnBrk="1" latinLnBrk="0" hangingPunct="1">
+      <a:defRPr sz="1200" kern="1200">
+        <a:solidFill>
+          <a:schemeClr val="tx1"/>
+        </a:solidFill>
+        <a:latin typeface="+mn-lt"/>
+        <a:ea typeface="+mn-ea"/>
+        <a:cs typeface="+mn-cs"/>
+      </a:defRPr>
+    </a:lvl4pPr>
+    <a:lvl5pPr marL="1828800" algn="l" defTabSz="914400" rtl="0" eaLnBrk="1" latinLnBrk="0" hangingPunct="1">
+      <a:defRPr sz="1200" kern="1200">
+        <a:solidFill>
+          <a:schemeClr val="tx1"/>
+        </a:solidFill>
+        <a:latin typeface="+mn-lt"/>
+        <a:ea typeface="+mn-ea"/>
+        <a:cs typeface="+mn-cs"/>
+      </a:defRPr>
+    </a:lvl5pPr>
+    <a:lvl6pPr marL="2286000" algn="l" defTabSz="914400" rtl="0" eaLnBrk="1" latinLnBrk="0" hangingPunct="1">
+      <a:defRPr sz="1200" kern="1200">
+        <a:solidFill>
+          <a:schemeClr val="tx1"/>
+        </a:solidFill>
+        <a:latin typeface="+mn-lt"/>
+        <a:ea typeface="+mn-ea"/>
+        <a:cs typeface="+mn-cs"/>
+      </a:defRPr>
+    </a:lvl6pPr>
+    <a:lvl7pPr marL="2743200" algn="l" defTabSz="914400" rtl="0" eaLnBrk="1" latinLnBrk="0" hangingPunct="1">
+      <a:defRPr sz="1200" kern="1200">
+        <a:solidFill>
+          <a:schemeClr val="tx1"/>
+        </a:solidFill>
+        <a:latin typeface="+mn-lt"/>
+        <a:ea typeface="+mn-ea"/>
+        <a:cs typeface="+mn-cs"/>
+      </a:defRPr>
+    </a:lvl7pPr>
+    <a:lvl8pPr marL="3200400" algn="l" defTabSz="914400" rtl="0" eaLnBrk="1" latinLnBrk="0" hangingPunct="1">
+      <a:defRPr sz="1200" kern="1200">
+        <a:solidFill>
+          <a:schemeClr val="tx1"/>
+        </a:solidFill>
+        <a:latin typeface="+mn-lt"/>
+        <a:ea typeface="+mn-ea"/>
+        <a:cs typeface="+mn-cs"/>
+      </a:defRPr>
+    </a:lvl8pPr>
+    <a:lvl9pPr marL="3657600" algn="l" defTabSz="914400" rtl="0" eaLnBrk="1" latinLnBrk="0" hangingPunct="1">
+      <a:defRPr sz="1200" kern="1200">
+        <a:solidFill>
+          <a:schemeClr val="tx1"/>
+        </a:solidFill>
+        <a:latin typeface="+mn-lt"/>
+        <a:ea typeface="+mn-ea"/>
+        <a:cs typeface="+mn-cs"/>
+      </a:defRPr>
+    </a:lvl9pPr>
+  </p:notesStyle>
+</p:notesMaster>
+</file>
+
+<file path=ppt/notesSlides/notesSlide1.xml><?xml version="1.0" encoding="utf-8"?>
+<p:notes xmlns:a="http://schemas.openxmlformats.org/drawingml/2006/main" xmlns:r="http://schemas.openxmlformats.org/officeDocument/2006/relationships" xmlns:p="http://schemas.openxmlformats.org/presentationml/2006/main">
+  <p:cSld>
+    <p:spTree>
+      <p:nvGrpSpPr>
+        <p:cNvPr id="1" name=""/>
+        <p:cNvGrpSpPr/>
+        <p:nvPr/>
+      </p:nvGrpSpPr>
+      <p:grpSpPr>
+        <a:xfrm>
+          <a:off x="0" y="0"/>
+          <a:ext cx="0" cy="0"/>
+          <a:chOff x="0" y="0"/>
+          <a:chExt cx="0" cy="0"/>
+        </a:xfrm>
+      </p:grpSpPr>
+      <p:sp>
+        <p:nvSpPr>
+          <p:cNvPr id="2" name="Slide Image Placeholder 1"/>
+          <p:cNvSpPr>
+            <a:spLocks noGrp="1" noRot="1" noChangeAspect="1"/>
+          </p:cNvSpPr>
+          <p:nvPr>
+            <p:ph type="sldImg"/>
+          </p:nvPr>
+        </p:nvSpPr>
+        <p:spPr/>
+      </p:sp>
+      <p:sp>
+        <p:nvSpPr>
+          <p:cNvPr id="3" name="Notes Placeholder 2"/>
+          <p:cNvSpPr>
+            <a:spLocks noGrp="1"/>
+          </p:cNvSpPr>
+          <p:nvPr>
+            <p:ph type="body" idx="1"/>
+          </p:nvPr>
+        </p:nvSpPr>
+        <p:spPr/>
+        <p:txBody>
+          <a:bodyPr/>
+          <a:lstStyle/>
+          <a:p>
+            <a:endParaRPr lang="en-US" dirty="0"/>
+          </a:p>
+        </p:txBody>
+      </p:sp>
+      <p:sp>
+        <p:nvSpPr>
+          <p:cNvPr id="4" name="Slide Number Placeholder 3"/>
+          <p:cNvSpPr>
+            <a:spLocks noGrp="1"/>
+          </p:cNvSpPr>
+          <p:nvPr>
+            <p:ph type="sldNum" sz="quarter" idx="5"/>
+          </p:nvPr>
+        </p:nvSpPr>
+        <p:spPr/>
+        <p:txBody>
+          <a:bodyPr/>
+          <a:lstStyle/>
+          <a:p>
+            <a:fld id="{E108BF24-A219-EC4F-B52B-B69190919B24}" type="slidenum">
+              <a:rPr lang="en-US" smtClean="0"/>
+              <a:t>5</a:t>
+            </a:fld>
+            <a:endParaRPr lang="en-US"/>
+          </a:p>
+        </p:txBody>
+      </p:sp>
+    </p:spTree>
+    <p:extLst>
+      <p:ext uri="{BB962C8B-B14F-4D97-AF65-F5344CB8AC3E}">
+        <p14:creationId xmlns:p14="http://schemas.microsoft.com/office/powerpoint/2010/main" val="755861924"/>
+      </p:ext>
+    </p:extLst>
+  </p:cSld>
+  <p:clrMapOvr>
+    <a:masterClrMapping/>
+  </p:clrMapOvr>
+</p:notes>
+</file>
+
 <file path=ppt/slideLayouts/slideLayout1.xml><?xml version="1.0" encoding="utf-8"?>
 <p:sldLayout xmlns:a="http://schemas.openxmlformats.org/drawingml/2006/main" xmlns:r="http://schemas.openxmlformats.org/officeDocument/2006/relationships" xmlns:p="http://schemas.openxmlformats.org/presentationml/2006/main" type="title" preserve="1">
   <p:cSld name="Title Slide">
@@ -246,7 +683,7 @@
           <a:p>
             <a:fld id="{577C0138-7A75-8149-9F79-A385D49B39ED}" type="datetimeFigureOut">
               <a:rPr lang="en-US" smtClean="0"/>
-              <a:t>6/17/20</a:t>
+              <a:t>6/24/20</a:t>
             </a:fld>
             <a:endParaRPr lang="en-US"/>
           </a:p>
@@ -416,7 +853,7 @@
           <a:p>
             <a:fld id="{577C0138-7A75-8149-9F79-A385D49B39ED}" type="datetimeFigureOut">
               <a:rPr lang="en-US" smtClean="0"/>
-              <a:t>6/17/20</a:t>
+              <a:t>6/24/20</a:t>
             </a:fld>
             <a:endParaRPr lang="en-US"/>
           </a:p>
@@ -596,7 +1033,7 @@
           <a:p>
             <a:fld id="{577C0138-7A75-8149-9F79-A385D49B39ED}" type="datetimeFigureOut">
               <a:rPr lang="en-US" smtClean="0"/>
-              <a:t>6/17/20</a:t>
+              <a:t>6/24/20</a:t>
             </a:fld>
             <a:endParaRPr lang="en-US"/>
           </a:p>
@@ -766,7 +1203,7 @@
           <a:p>
             <a:fld id="{577C0138-7A75-8149-9F79-A385D49B39ED}" type="datetimeFigureOut">
               <a:rPr lang="en-US" smtClean="0"/>
-              <a:t>6/17/20</a:t>
+              <a:t>6/24/20</a:t>
             </a:fld>
             <a:endParaRPr lang="en-US"/>
           </a:p>
@@ -1010,7 +1447,7 @@
           <a:p>
             <a:fld id="{577C0138-7A75-8149-9F79-A385D49B39ED}" type="datetimeFigureOut">
               <a:rPr lang="en-US" smtClean="0"/>
-              <a:t>6/17/20</a:t>
+              <a:t>6/24/20</a:t>
             </a:fld>
             <a:endParaRPr lang="en-US"/>
           </a:p>
@@ -1242,7 +1679,7 @@
           <a:p>
             <a:fld id="{577C0138-7A75-8149-9F79-A385D49B39ED}" type="datetimeFigureOut">
               <a:rPr lang="en-US" smtClean="0"/>
-              <a:t>6/17/20</a:t>
+              <a:t>6/24/20</a:t>
             </a:fld>
             <a:endParaRPr lang="en-US"/>
           </a:p>
@@ -1609,7 +2046,7 @@
           <a:p>
             <a:fld id="{577C0138-7A75-8149-9F79-A385D49B39ED}" type="datetimeFigureOut">
               <a:rPr lang="en-US" smtClean="0"/>
-              <a:t>6/17/20</a:t>
+              <a:t>6/24/20</a:t>
             </a:fld>
             <a:endParaRPr lang="en-US"/>
           </a:p>
@@ -1727,7 +2164,7 @@
           <a:p>
             <a:fld id="{577C0138-7A75-8149-9F79-A385D49B39ED}" type="datetimeFigureOut">
               <a:rPr lang="en-US" smtClean="0"/>
-              <a:t>6/17/20</a:t>
+              <a:t>6/24/20</a:t>
             </a:fld>
             <a:endParaRPr lang="en-US"/>
           </a:p>
@@ -1822,7 +2259,7 @@
           <a:p>
             <a:fld id="{577C0138-7A75-8149-9F79-A385D49B39ED}" type="datetimeFigureOut">
               <a:rPr lang="en-US" smtClean="0"/>
-              <a:t>6/17/20</a:t>
+              <a:t>6/24/20</a:t>
             </a:fld>
             <a:endParaRPr lang="en-US"/>
           </a:p>
@@ -2099,7 +2536,7 @@
           <a:p>
             <a:fld id="{577C0138-7A75-8149-9F79-A385D49B39ED}" type="datetimeFigureOut">
               <a:rPr lang="en-US" smtClean="0"/>
-              <a:t>6/17/20</a:t>
+              <a:t>6/24/20</a:t>
             </a:fld>
             <a:endParaRPr lang="en-US"/>
           </a:p>
@@ -2356,7 +2793,7 @@
           <a:p>
             <a:fld id="{577C0138-7A75-8149-9F79-A385D49B39ED}" type="datetimeFigureOut">
               <a:rPr lang="en-US" smtClean="0"/>
-              <a:t>6/17/20</a:t>
+              <a:t>6/24/20</a:t>
             </a:fld>
             <a:endParaRPr lang="en-US"/>
           </a:p>
@@ -2569,7 +3006,7 @@
           <a:p>
             <a:fld id="{577C0138-7A75-8149-9F79-A385D49B39ED}" type="datetimeFigureOut">
               <a:rPr lang="en-US" smtClean="0"/>
-              <a:t>6/17/20</a:t>
+              <a:t>6/24/20</a:t>
             </a:fld>
             <a:endParaRPr lang="en-US"/>
           </a:p>
@@ -7592,6 +8029,1342 @@
 </p:sld>
 </file>
 
+<file path=ppt/slides/slide5.xml><?xml version="1.0" encoding="utf-8"?>
+<p:sld xmlns:a="http://schemas.openxmlformats.org/drawingml/2006/main" xmlns:r="http://schemas.openxmlformats.org/officeDocument/2006/relationships" xmlns:p="http://schemas.openxmlformats.org/presentationml/2006/main">
+  <p:cSld>
+    <p:spTree>
+      <p:nvGrpSpPr>
+        <p:cNvPr id="1" name=""/>
+        <p:cNvGrpSpPr/>
+        <p:nvPr/>
+      </p:nvGrpSpPr>
+      <p:grpSpPr>
+        <a:xfrm>
+          <a:off x="0" y="0"/>
+          <a:ext cx="0" cy="0"/>
+          <a:chOff x="0" y="0"/>
+          <a:chExt cx="0" cy="0"/>
+        </a:xfrm>
+      </p:grpSpPr>
+      <p:pic>
+        <p:nvPicPr>
+          <p:cNvPr id="6" name="Picture 5">
+            <a:extLst>
+              <a:ext uri="{FF2B5EF4-FFF2-40B4-BE49-F238E27FC236}">
+                <a16:creationId xmlns:a16="http://schemas.microsoft.com/office/drawing/2014/main" id="{227F18FA-7F0F-974A-860E-6FD00242688E}"/>
+              </a:ext>
+            </a:extLst>
+          </p:cNvPr>
+          <p:cNvPicPr>
+            <a:picLocks noChangeAspect="1"/>
+          </p:cNvPicPr>
+          <p:nvPr/>
+        </p:nvPicPr>
+        <p:blipFill>
+          <a:blip r:embed="rId3"/>
+          <a:stretch>
+            <a:fillRect/>
+          </a:stretch>
+        </p:blipFill>
+        <p:spPr>
+          <a:xfrm>
+            <a:off x="15582577" y="34312"/>
+            <a:ext cx="12456328" cy="9569018"/>
+          </a:xfrm>
+          <a:prstGeom prst="rect">
+            <a:avLst/>
+          </a:prstGeom>
+        </p:spPr>
+      </p:pic>
+      <p:pic>
+        <p:nvPicPr>
+          <p:cNvPr id="11" name="Picture 10">
+            <a:extLst>
+              <a:ext uri="{FF2B5EF4-FFF2-40B4-BE49-F238E27FC236}">
+                <a16:creationId xmlns:a16="http://schemas.microsoft.com/office/drawing/2014/main" id="{588C1A01-AD7C-EC44-AF12-896D894E281E}"/>
+              </a:ext>
+            </a:extLst>
+          </p:cNvPr>
+          <p:cNvPicPr>
+            <a:picLocks noChangeAspect="1"/>
+          </p:cNvPicPr>
+          <p:nvPr/>
+        </p:nvPicPr>
+        <p:blipFill>
+          <a:blip r:embed="rId4"/>
+          <a:stretch>
+            <a:fillRect/>
+          </a:stretch>
+        </p:blipFill>
+        <p:spPr>
+          <a:xfrm>
+            <a:off x="14910079" y="9074352"/>
+            <a:ext cx="13654215" cy="8427492"/>
+          </a:xfrm>
+          <a:prstGeom prst="rect">
+            <a:avLst/>
+          </a:prstGeom>
+        </p:spPr>
+      </p:pic>
+      <p:pic>
+        <p:nvPicPr>
+          <p:cNvPr id="14" name="Picture 13">
+            <a:extLst>
+              <a:ext uri="{FF2B5EF4-FFF2-40B4-BE49-F238E27FC236}">
+                <a16:creationId xmlns:a16="http://schemas.microsoft.com/office/drawing/2014/main" id="{40F9601D-E6EA-1C4D-9F41-7DC86F55AEB7}"/>
+              </a:ext>
+            </a:extLst>
+          </p:cNvPr>
+          <p:cNvPicPr>
+            <a:picLocks noChangeAspect="1"/>
+          </p:cNvPicPr>
+          <p:nvPr/>
+        </p:nvPicPr>
+        <p:blipFill>
+          <a:blip r:embed="rId5"/>
+          <a:stretch>
+            <a:fillRect/>
+          </a:stretch>
+        </p:blipFill>
+        <p:spPr>
+          <a:xfrm>
+            <a:off x="1174105" y="16876544"/>
+            <a:ext cx="13459622" cy="11774656"/>
+          </a:xfrm>
+          <a:prstGeom prst="rect">
+            <a:avLst/>
+          </a:prstGeom>
+        </p:spPr>
+      </p:pic>
+      <p:pic>
+        <p:nvPicPr>
+          <p:cNvPr id="18" name="Picture 17">
+            <a:extLst>
+              <a:ext uri="{FF2B5EF4-FFF2-40B4-BE49-F238E27FC236}">
+                <a16:creationId xmlns:a16="http://schemas.microsoft.com/office/drawing/2014/main" id="{189E44BF-F7A6-3442-ADC2-06E456F9928A}"/>
+              </a:ext>
+            </a:extLst>
+          </p:cNvPr>
+          <p:cNvPicPr>
+            <a:picLocks noChangeAspect="1"/>
+          </p:cNvPicPr>
+          <p:nvPr/>
+        </p:nvPicPr>
+        <p:blipFill>
+          <a:blip r:embed="rId6"/>
+          <a:stretch>
+            <a:fillRect/>
+          </a:stretch>
+        </p:blipFill>
+        <p:spPr>
+          <a:xfrm>
+            <a:off x="18162488" y="17323571"/>
+            <a:ext cx="9260200" cy="5790022"/>
+          </a:xfrm>
+          <a:prstGeom prst="rect">
+            <a:avLst/>
+          </a:prstGeom>
+        </p:spPr>
+      </p:pic>
+      <p:pic>
+        <p:nvPicPr>
+          <p:cNvPr id="8" name="Picture 7">
+            <a:extLst>
+              <a:ext uri="{FF2B5EF4-FFF2-40B4-BE49-F238E27FC236}">
+                <a16:creationId xmlns:a16="http://schemas.microsoft.com/office/drawing/2014/main" id="{05A831A9-ABB4-5144-8927-55EA2C5520A2}"/>
+              </a:ext>
+            </a:extLst>
+          </p:cNvPr>
+          <p:cNvPicPr>
+            <a:picLocks noChangeAspect="1"/>
+          </p:cNvPicPr>
+          <p:nvPr/>
+        </p:nvPicPr>
+        <p:blipFill>
+          <a:blip r:embed="rId7"/>
+          <a:stretch>
+            <a:fillRect/>
+          </a:stretch>
+        </p:blipFill>
+        <p:spPr>
+          <a:xfrm>
+            <a:off x="1997859" y="9070684"/>
+            <a:ext cx="12764110" cy="8386140"/>
+          </a:xfrm>
+          <a:prstGeom prst="rect">
+            <a:avLst/>
+          </a:prstGeom>
+        </p:spPr>
+      </p:pic>
+      <p:pic>
+        <p:nvPicPr>
+          <p:cNvPr id="4" name="Picture 3">
+            <a:extLst>
+              <a:ext uri="{FF2B5EF4-FFF2-40B4-BE49-F238E27FC236}">
+                <a16:creationId xmlns:a16="http://schemas.microsoft.com/office/drawing/2014/main" id="{AD4BF4C9-0B4F-D946-9503-9319DCB95343}"/>
+              </a:ext>
+            </a:extLst>
+          </p:cNvPr>
+          <p:cNvPicPr>
+            <a:picLocks noChangeAspect="1"/>
+          </p:cNvPicPr>
+          <p:nvPr/>
+        </p:nvPicPr>
+        <p:blipFill>
+          <a:blip r:embed="rId8"/>
+          <a:stretch>
+            <a:fillRect/>
+          </a:stretch>
+        </p:blipFill>
+        <p:spPr>
+          <a:xfrm>
+            <a:off x="612295" y="340671"/>
+            <a:ext cx="14331058" cy="8963554"/>
+          </a:xfrm>
+          <a:prstGeom prst="rect">
+            <a:avLst/>
+          </a:prstGeom>
+        </p:spPr>
+      </p:pic>
+      <p:sp>
+        <p:nvSpPr>
+          <p:cNvPr id="24" name="TextBox 23">
+            <a:extLst>
+              <a:ext uri="{FF2B5EF4-FFF2-40B4-BE49-F238E27FC236}">
+                <a16:creationId xmlns:a16="http://schemas.microsoft.com/office/drawing/2014/main" id="{E116B10B-E50B-334D-BC32-4A81C34527AE}"/>
+              </a:ext>
+            </a:extLst>
+          </p:cNvPr>
+          <p:cNvSpPr txBox="1"/>
+          <p:nvPr/>
+        </p:nvSpPr>
+        <p:spPr>
+          <a:xfrm>
+            <a:off x="1298358" y="260974"/>
+            <a:ext cx="340205" cy="519588"/>
+          </a:xfrm>
+          <a:prstGeom prst="rect">
+            <a:avLst/>
+          </a:prstGeom>
+          <a:noFill/>
+        </p:spPr>
+        <p:txBody>
+          <a:bodyPr wrap="square" rtlCol="0">
+            <a:spAutoFit/>
+          </a:bodyPr>
+          <a:lstStyle/>
+          <a:p>
+            <a:r>
+              <a:rPr lang="en-US" sz="2800" b="1" dirty="0"/>
+              <a:t>a</a:t>
+            </a:r>
+          </a:p>
+        </p:txBody>
+      </p:sp>
+      <p:sp>
+        <p:nvSpPr>
+          <p:cNvPr id="25" name="TextBox 24">
+            <a:extLst>
+              <a:ext uri="{FF2B5EF4-FFF2-40B4-BE49-F238E27FC236}">
+                <a16:creationId xmlns:a16="http://schemas.microsoft.com/office/drawing/2014/main" id="{5095E299-B4BC-B649-941A-77FB5AB3D5F8}"/>
+              </a:ext>
+            </a:extLst>
+          </p:cNvPr>
+          <p:cNvSpPr txBox="1"/>
+          <p:nvPr/>
+        </p:nvSpPr>
+        <p:spPr>
+          <a:xfrm>
+            <a:off x="17783782" y="17306421"/>
+            <a:ext cx="298480" cy="523220"/>
+          </a:xfrm>
+          <a:prstGeom prst="rect">
+            <a:avLst/>
+          </a:prstGeom>
+          <a:noFill/>
+        </p:spPr>
+        <p:txBody>
+          <a:bodyPr wrap="none" rtlCol="0">
+            <a:spAutoFit/>
+          </a:bodyPr>
+          <a:lstStyle/>
+          <a:p>
+            <a:r>
+              <a:rPr lang="en-US" sz="2800" b="1" dirty="0"/>
+              <a:t>f</a:t>
+            </a:r>
+          </a:p>
+        </p:txBody>
+      </p:sp>
+      <p:sp>
+        <p:nvSpPr>
+          <p:cNvPr id="26" name="TextBox 25">
+            <a:extLst>
+              <a:ext uri="{FF2B5EF4-FFF2-40B4-BE49-F238E27FC236}">
+                <a16:creationId xmlns:a16="http://schemas.microsoft.com/office/drawing/2014/main" id="{B29B5468-E719-5241-BBD8-8952B0AFC639}"/>
+              </a:ext>
+            </a:extLst>
+          </p:cNvPr>
+          <p:cNvSpPr txBox="1"/>
+          <p:nvPr/>
+        </p:nvSpPr>
+        <p:spPr>
+          <a:xfrm>
+            <a:off x="1228160" y="17009881"/>
+            <a:ext cx="343570" cy="519588"/>
+          </a:xfrm>
+          <a:prstGeom prst="rect">
+            <a:avLst/>
+          </a:prstGeom>
+          <a:noFill/>
+        </p:spPr>
+        <p:txBody>
+          <a:bodyPr wrap="square" rtlCol="0">
+            <a:spAutoFit/>
+          </a:bodyPr>
+          <a:lstStyle/>
+          <a:p>
+            <a:r>
+              <a:rPr lang="en-US" sz="2800" b="1" dirty="0"/>
+              <a:t>e</a:t>
+            </a:r>
+          </a:p>
+        </p:txBody>
+      </p:sp>
+      <p:sp>
+        <p:nvSpPr>
+          <p:cNvPr id="27" name="TextBox 26">
+            <a:extLst>
+              <a:ext uri="{FF2B5EF4-FFF2-40B4-BE49-F238E27FC236}">
+                <a16:creationId xmlns:a16="http://schemas.microsoft.com/office/drawing/2014/main" id="{43475BF6-D5F4-344F-9235-D248DE675CFD}"/>
+              </a:ext>
+            </a:extLst>
+          </p:cNvPr>
+          <p:cNvSpPr txBox="1"/>
+          <p:nvPr/>
+        </p:nvSpPr>
+        <p:spPr>
+          <a:xfrm>
+            <a:off x="16325269" y="9501567"/>
+            <a:ext cx="377026" cy="523220"/>
+          </a:xfrm>
+          <a:prstGeom prst="rect">
+            <a:avLst/>
+          </a:prstGeom>
+          <a:noFill/>
+        </p:spPr>
+        <p:txBody>
+          <a:bodyPr wrap="none" rtlCol="0">
+            <a:spAutoFit/>
+          </a:bodyPr>
+          <a:lstStyle/>
+          <a:p>
+            <a:r>
+              <a:rPr lang="en-US" sz="2800" b="1" dirty="0"/>
+              <a:t>d</a:t>
+            </a:r>
+          </a:p>
+        </p:txBody>
+      </p:sp>
+      <p:sp>
+        <p:nvSpPr>
+          <p:cNvPr id="28" name="TextBox 27">
+            <a:extLst>
+              <a:ext uri="{FF2B5EF4-FFF2-40B4-BE49-F238E27FC236}">
+                <a16:creationId xmlns:a16="http://schemas.microsoft.com/office/drawing/2014/main" id="{509B97EE-1662-F54A-A8E5-08ABDDF40339}"/>
+              </a:ext>
+            </a:extLst>
+          </p:cNvPr>
+          <p:cNvSpPr txBox="1"/>
+          <p:nvPr/>
+        </p:nvSpPr>
+        <p:spPr>
+          <a:xfrm>
+            <a:off x="1298345" y="9521611"/>
+            <a:ext cx="284258" cy="523220"/>
+          </a:xfrm>
+          <a:prstGeom prst="rect">
+            <a:avLst/>
+          </a:prstGeom>
+          <a:noFill/>
+        </p:spPr>
+        <p:txBody>
+          <a:bodyPr wrap="square" rtlCol="0">
+            <a:spAutoFit/>
+          </a:bodyPr>
+          <a:lstStyle/>
+          <a:p>
+            <a:r>
+              <a:rPr lang="en-US" sz="2800" b="1" dirty="0"/>
+              <a:t>c</a:t>
+            </a:r>
+          </a:p>
+        </p:txBody>
+      </p:sp>
+      <p:sp>
+        <p:nvSpPr>
+          <p:cNvPr id="29" name="TextBox 28">
+            <a:extLst>
+              <a:ext uri="{FF2B5EF4-FFF2-40B4-BE49-F238E27FC236}">
+                <a16:creationId xmlns:a16="http://schemas.microsoft.com/office/drawing/2014/main" id="{1176DB54-2E10-AA42-8C3C-FFD1FE6CC505}"/>
+              </a:ext>
+            </a:extLst>
+          </p:cNvPr>
+          <p:cNvSpPr txBox="1"/>
+          <p:nvPr/>
+        </p:nvSpPr>
+        <p:spPr>
+          <a:xfrm>
+            <a:off x="16136756" y="260974"/>
+            <a:ext cx="377026" cy="523220"/>
+          </a:xfrm>
+          <a:prstGeom prst="rect">
+            <a:avLst/>
+          </a:prstGeom>
+          <a:noFill/>
+        </p:spPr>
+        <p:txBody>
+          <a:bodyPr wrap="none" rtlCol="0">
+            <a:spAutoFit/>
+          </a:bodyPr>
+          <a:lstStyle/>
+          <a:p>
+            <a:r>
+              <a:rPr lang="en-US" sz="2800" b="1" dirty="0"/>
+              <a:t>b</a:t>
+            </a:r>
+          </a:p>
+        </p:txBody>
+      </p:sp>
+      <p:sp>
+        <p:nvSpPr>
+          <p:cNvPr id="16" name="TextBox 15">
+            <a:extLst>
+              <a:ext uri="{FF2B5EF4-FFF2-40B4-BE49-F238E27FC236}">
+                <a16:creationId xmlns:a16="http://schemas.microsoft.com/office/drawing/2014/main" id="{8CA66D28-72ED-4645-8B3D-01FA49C3AF54}"/>
+              </a:ext>
+            </a:extLst>
+          </p:cNvPr>
+          <p:cNvSpPr txBox="1"/>
+          <p:nvPr/>
+        </p:nvSpPr>
+        <p:spPr>
+          <a:xfrm>
+            <a:off x="17700482" y="23084970"/>
+            <a:ext cx="286500" cy="523220"/>
+          </a:xfrm>
+          <a:prstGeom prst="rect">
+            <a:avLst/>
+          </a:prstGeom>
+          <a:noFill/>
+        </p:spPr>
+        <p:txBody>
+          <a:bodyPr wrap="square" rtlCol="0">
+            <a:spAutoFit/>
+          </a:bodyPr>
+          <a:lstStyle/>
+          <a:p>
+            <a:r>
+              <a:rPr lang="en-US" sz="2800" b="1" dirty="0"/>
+              <a:t>g</a:t>
+            </a:r>
+          </a:p>
+        </p:txBody>
+      </p:sp>
+      <p:cxnSp>
+        <p:nvCxnSpPr>
+          <p:cNvPr id="55" name="Straight Arrow Connector 54">
+            <a:extLst>
+              <a:ext uri="{FF2B5EF4-FFF2-40B4-BE49-F238E27FC236}">
+                <a16:creationId xmlns:a16="http://schemas.microsoft.com/office/drawing/2014/main" id="{7BCDD366-63A0-A541-8F27-97B6C5F0D4EC}"/>
+              </a:ext>
+            </a:extLst>
+          </p:cNvPr>
+          <p:cNvCxnSpPr>
+            <a:cxnSpLocks/>
+          </p:cNvCxnSpPr>
+          <p:nvPr/>
+        </p:nvCxnSpPr>
+        <p:spPr>
+          <a:xfrm flipH="1">
+            <a:off x="11063173" y="17450349"/>
+            <a:ext cx="397950" cy="167672"/>
+          </a:xfrm>
+          <a:prstGeom prst="straightConnector1">
+            <a:avLst/>
+          </a:prstGeom>
+          <a:ln>
+            <a:tailEnd type="triangle"/>
+          </a:ln>
+        </p:spPr>
+        <p:style>
+          <a:lnRef idx="1">
+            <a:schemeClr val="dk1"/>
+          </a:lnRef>
+          <a:fillRef idx="0">
+            <a:schemeClr val="dk1"/>
+          </a:fillRef>
+          <a:effectRef idx="0">
+            <a:schemeClr val="dk1"/>
+          </a:effectRef>
+          <a:fontRef idx="minor">
+            <a:schemeClr val="tx1"/>
+          </a:fontRef>
+        </p:style>
+      </p:cxnSp>
+      <p:sp>
+        <p:nvSpPr>
+          <p:cNvPr id="56" name="TextBox 55">
+            <a:extLst>
+              <a:ext uri="{FF2B5EF4-FFF2-40B4-BE49-F238E27FC236}">
+                <a16:creationId xmlns:a16="http://schemas.microsoft.com/office/drawing/2014/main" id="{79208506-B3E2-3E43-B9FD-5469B8EA00D2}"/>
+              </a:ext>
+            </a:extLst>
+          </p:cNvPr>
+          <p:cNvSpPr txBox="1"/>
+          <p:nvPr/>
+        </p:nvSpPr>
+        <p:spPr>
+          <a:xfrm>
+            <a:off x="11461123" y="17182970"/>
+            <a:ext cx="1034001" cy="477054"/>
+          </a:xfrm>
+          <a:prstGeom prst="rect">
+            <a:avLst/>
+          </a:prstGeom>
+          <a:noFill/>
+        </p:spPr>
+        <p:txBody>
+          <a:bodyPr wrap="none" rtlCol="0">
+            <a:spAutoFit/>
+          </a:bodyPr>
+          <a:lstStyle/>
+          <a:p>
+            <a:r>
+              <a:rPr lang="en-US" sz="2500" dirty="0" err="1"/>
+              <a:t>Ht</a:t>
+            </a:r>
+            <a:r>
+              <a:rPr lang="en-US" sz="2500" dirty="0"/>
+              <a:t>-seq</a:t>
+            </a:r>
+          </a:p>
+        </p:txBody>
+      </p:sp>
+      <p:sp>
+        <p:nvSpPr>
+          <p:cNvPr id="62" name="TextBox 61">
+            <a:extLst>
+              <a:ext uri="{FF2B5EF4-FFF2-40B4-BE49-F238E27FC236}">
+                <a16:creationId xmlns:a16="http://schemas.microsoft.com/office/drawing/2014/main" id="{E11A9E69-9D85-D54D-8958-3BF7A83E9157}"/>
+              </a:ext>
+            </a:extLst>
+          </p:cNvPr>
+          <p:cNvSpPr txBox="1"/>
+          <p:nvPr/>
+        </p:nvSpPr>
+        <p:spPr>
+          <a:xfrm>
+            <a:off x="14018049" y="18304911"/>
+            <a:ext cx="1173783" cy="477054"/>
+          </a:xfrm>
+          <a:prstGeom prst="rect">
+            <a:avLst/>
+          </a:prstGeom>
+          <a:noFill/>
+        </p:spPr>
+        <p:txBody>
+          <a:bodyPr wrap="none" rtlCol="0">
+            <a:spAutoFit/>
+          </a:bodyPr>
+          <a:lstStyle/>
+          <a:p>
+            <a:r>
+              <a:rPr lang="en-US" sz="2500" dirty="0"/>
+              <a:t>DESeq2</a:t>
+            </a:r>
+          </a:p>
+        </p:txBody>
+      </p:sp>
+      <p:cxnSp>
+        <p:nvCxnSpPr>
+          <p:cNvPr id="64" name="Straight Arrow Connector 63">
+            <a:extLst>
+              <a:ext uri="{FF2B5EF4-FFF2-40B4-BE49-F238E27FC236}">
+                <a16:creationId xmlns:a16="http://schemas.microsoft.com/office/drawing/2014/main" id="{642793B5-3746-C541-A711-3CCFE255BF99}"/>
+              </a:ext>
+            </a:extLst>
+          </p:cNvPr>
+          <p:cNvCxnSpPr/>
+          <p:nvPr/>
+        </p:nvCxnSpPr>
+        <p:spPr>
+          <a:xfrm flipH="1">
+            <a:off x="13751659" y="18543924"/>
+            <a:ext cx="328523" cy="0"/>
+          </a:xfrm>
+          <a:prstGeom prst="straightConnector1">
+            <a:avLst/>
+          </a:prstGeom>
+          <a:ln>
+            <a:tailEnd type="triangle"/>
+          </a:ln>
+        </p:spPr>
+        <p:style>
+          <a:lnRef idx="1">
+            <a:schemeClr val="dk1"/>
+          </a:lnRef>
+          <a:fillRef idx="0">
+            <a:schemeClr val="dk1"/>
+          </a:fillRef>
+          <a:effectRef idx="0">
+            <a:schemeClr val="dk1"/>
+          </a:effectRef>
+          <a:fontRef idx="minor">
+            <a:schemeClr val="tx1"/>
+          </a:fontRef>
+        </p:style>
+      </p:cxnSp>
+      <p:cxnSp>
+        <p:nvCxnSpPr>
+          <p:cNvPr id="65" name="Straight Arrow Connector 64">
+            <a:extLst>
+              <a:ext uri="{FF2B5EF4-FFF2-40B4-BE49-F238E27FC236}">
+                <a16:creationId xmlns:a16="http://schemas.microsoft.com/office/drawing/2014/main" id="{D8CF69DB-C2A1-5B40-8C15-ADF1062047B0}"/>
+              </a:ext>
+            </a:extLst>
+          </p:cNvPr>
+          <p:cNvCxnSpPr>
+            <a:cxnSpLocks/>
+          </p:cNvCxnSpPr>
+          <p:nvPr/>
+        </p:nvCxnSpPr>
+        <p:spPr>
+          <a:xfrm>
+            <a:off x="9810874" y="17990741"/>
+            <a:ext cx="346230" cy="277594"/>
+          </a:xfrm>
+          <a:prstGeom prst="straightConnector1">
+            <a:avLst/>
+          </a:prstGeom>
+          <a:ln>
+            <a:tailEnd type="triangle"/>
+          </a:ln>
+        </p:spPr>
+        <p:style>
+          <a:lnRef idx="1">
+            <a:schemeClr val="dk1"/>
+          </a:lnRef>
+          <a:fillRef idx="0">
+            <a:schemeClr val="dk1"/>
+          </a:fillRef>
+          <a:effectRef idx="0">
+            <a:schemeClr val="dk1"/>
+          </a:effectRef>
+          <a:fontRef idx="minor">
+            <a:schemeClr val="tx1"/>
+          </a:fontRef>
+        </p:style>
+      </p:cxnSp>
+      <p:sp>
+        <p:nvSpPr>
+          <p:cNvPr id="66" name="TextBox 65">
+            <a:extLst>
+              <a:ext uri="{FF2B5EF4-FFF2-40B4-BE49-F238E27FC236}">
+                <a16:creationId xmlns:a16="http://schemas.microsoft.com/office/drawing/2014/main" id="{7F277FD2-CA2F-DB41-8CC2-4DD18B503B8E}"/>
+              </a:ext>
+            </a:extLst>
+          </p:cNvPr>
+          <p:cNvSpPr txBox="1"/>
+          <p:nvPr/>
+        </p:nvSpPr>
+        <p:spPr>
+          <a:xfrm>
+            <a:off x="10861448" y="18304911"/>
+            <a:ext cx="1944122" cy="477054"/>
+          </a:xfrm>
+          <a:prstGeom prst="rect">
+            <a:avLst/>
+          </a:prstGeom>
+          <a:noFill/>
+        </p:spPr>
+        <p:txBody>
+          <a:bodyPr wrap="none" rtlCol="0">
+            <a:spAutoFit/>
+          </a:bodyPr>
+          <a:lstStyle/>
+          <a:p>
+            <a:r>
+              <a:rPr lang="en-US" sz="2500" dirty="0" err="1"/>
+              <a:t>Limma</a:t>
+            </a:r>
+            <a:r>
+              <a:rPr lang="en-US" sz="2500" dirty="0"/>
+              <a:t>/</a:t>
+            </a:r>
+            <a:r>
+              <a:rPr lang="en-US" sz="2500" dirty="0" err="1"/>
+              <a:t>Voom</a:t>
+            </a:r>
+            <a:endParaRPr lang="en-US" sz="2500" dirty="0"/>
+          </a:p>
+        </p:txBody>
+      </p:sp>
+      <p:cxnSp>
+        <p:nvCxnSpPr>
+          <p:cNvPr id="67" name="Straight Arrow Connector 66">
+            <a:extLst>
+              <a:ext uri="{FF2B5EF4-FFF2-40B4-BE49-F238E27FC236}">
+                <a16:creationId xmlns:a16="http://schemas.microsoft.com/office/drawing/2014/main" id="{1F9D4944-A884-8A4E-B9C2-A6F103BC3894}"/>
+              </a:ext>
+            </a:extLst>
+          </p:cNvPr>
+          <p:cNvCxnSpPr>
+            <a:cxnSpLocks/>
+          </p:cNvCxnSpPr>
+          <p:nvPr/>
+        </p:nvCxnSpPr>
+        <p:spPr>
+          <a:xfrm flipH="1" flipV="1">
+            <a:off x="10543534" y="18455532"/>
+            <a:ext cx="391025" cy="53009"/>
+          </a:xfrm>
+          <a:prstGeom prst="straightConnector1">
+            <a:avLst/>
+          </a:prstGeom>
+          <a:ln>
+            <a:tailEnd type="triangle"/>
+          </a:ln>
+        </p:spPr>
+        <p:style>
+          <a:lnRef idx="1">
+            <a:schemeClr val="dk1"/>
+          </a:lnRef>
+          <a:fillRef idx="0">
+            <a:schemeClr val="dk1"/>
+          </a:fillRef>
+          <a:effectRef idx="0">
+            <a:schemeClr val="dk1"/>
+          </a:effectRef>
+          <a:fontRef idx="minor">
+            <a:schemeClr val="tx1"/>
+          </a:fontRef>
+        </p:style>
+      </p:cxnSp>
+      <p:sp>
+        <p:nvSpPr>
+          <p:cNvPr id="68" name="TextBox 67">
+            <a:extLst>
+              <a:ext uri="{FF2B5EF4-FFF2-40B4-BE49-F238E27FC236}">
+                <a16:creationId xmlns:a16="http://schemas.microsoft.com/office/drawing/2014/main" id="{DBBF6511-4EB2-5C41-BB27-4F85535C7BBA}"/>
+              </a:ext>
+            </a:extLst>
+          </p:cNvPr>
+          <p:cNvSpPr txBox="1"/>
+          <p:nvPr/>
+        </p:nvSpPr>
+        <p:spPr>
+          <a:xfrm>
+            <a:off x="8985812" y="17644477"/>
+            <a:ext cx="988412" cy="477054"/>
+          </a:xfrm>
+          <a:prstGeom prst="rect">
+            <a:avLst/>
+          </a:prstGeom>
+          <a:noFill/>
+        </p:spPr>
+        <p:txBody>
+          <a:bodyPr wrap="none" rtlCol="0">
+            <a:spAutoFit/>
+          </a:bodyPr>
+          <a:lstStyle/>
+          <a:p>
+            <a:r>
+              <a:rPr lang="en-US" sz="2500" dirty="0" err="1"/>
+              <a:t>EdgeR</a:t>
+            </a:r>
+            <a:endParaRPr lang="en-US" sz="2500" dirty="0"/>
+          </a:p>
+        </p:txBody>
+      </p:sp>
+      <p:cxnSp>
+        <p:nvCxnSpPr>
+          <p:cNvPr id="70" name="Straight Arrow Connector 69">
+            <a:extLst>
+              <a:ext uri="{FF2B5EF4-FFF2-40B4-BE49-F238E27FC236}">
+                <a16:creationId xmlns:a16="http://schemas.microsoft.com/office/drawing/2014/main" id="{202E4145-1FB0-C740-8363-9EE9705C3A1C}"/>
+              </a:ext>
+            </a:extLst>
+          </p:cNvPr>
+          <p:cNvCxnSpPr>
+            <a:cxnSpLocks/>
+          </p:cNvCxnSpPr>
+          <p:nvPr/>
+        </p:nvCxnSpPr>
+        <p:spPr>
+          <a:xfrm flipH="1" flipV="1">
+            <a:off x="10543534" y="19139429"/>
+            <a:ext cx="316439" cy="329426"/>
+          </a:xfrm>
+          <a:prstGeom prst="straightConnector1">
+            <a:avLst/>
+          </a:prstGeom>
+          <a:ln>
+            <a:tailEnd type="triangle"/>
+          </a:ln>
+        </p:spPr>
+        <p:style>
+          <a:lnRef idx="1">
+            <a:schemeClr val="dk1"/>
+          </a:lnRef>
+          <a:fillRef idx="0">
+            <a:schemeClr val="dk1"/>
+          </a:fillRef>
+          <a:effectRef idx="0">
+            <a:schemeClr val="dk1"/>
+          </a:effectRef>
+          <a:fontRef idx="minor">
+            <a:schemeClr val="tx1"/>
+          </a:fontRef>
+        </p:style>
+      </p:cxnSp>
+      <p:sp>
+        <p:nvSpPr>
+          <p:cNvPr id="71" name="TextBox 70">
+            <a:extLst>
+              <a:ext uri="{FF2B5EF4-FFF2-40B4-BE49-F238E27FC236}">
+                <a16:creationId xmlns:a16="http://schemas.microsoft.com/office/drawing/2014/main" id="{370D7EF7-2548-E14D-90E2-EF0328A3E3BC}"/>
+              </a:ext>
+            </a:extLst>
+          </p:cNvPr>
+          <p:cNvSpPr txBox="1"/>
+          <p:nvPr/>
+        </p:nvSpPr>
+        <p:spPr>
+          <a:xfrm>
+            <a:off x="10843717" y="19285733"/>
+            <a:ext cx="821059" cy="477054"/>
+          </a:xfrm>
+          <a:prstGeom prst="rect">
+            <a:avLst/>
+          </a:prstGeom>
+          <a:noFill/>
+        </p:spPr>
+        <p:txBody>
+          <a:bodyPr wrap="none" rtlCol="0">
+            <a:spAutoFit/>
+          </a:bodyPr>
+          <a:lstStyle/>
+          <a:p>
+            <a:r>
+              <a:rPr lang="en-US" sz="2500" dirty="0"/>
+              <a:t>STAR</a:t>
+            </a:r>
+          </a:p>
+        </p:txBody>
+      </p:sp>
+      <p:cxnSp>
+        <p:nvCxnSpPr>
+          <p:cNvPr id="76" name="Straight Arrow Connector 75">
+            <a:extLst>
+              <a:ext uri="{FF2B5EF4-FFF2-40B4-BE49-F238E27FC236}">
+                <a16:creationId xmlns:a16="http://schemas.microsoft.com/office/drawing/2014/main" id="{14A50CDE-9303-8342-996F-2DF592442155}"/>
+              </a:ext>
+            </a:extLst>
+          </p:cNvPr>
+          <p:cNvCxnSpPr>
+            <a:cxnSpLocks/>
+          </p:cNvCxnSpPr>
+          <p:nvPr/>
+        </p:nvCxnSpPr>
+        <p:spPr>
+          <a:xfrm>
+            <a:off x="13266352" y="21926601"/>
+            <a:ext cx="214338" cy="259527"/>
+          </a:xfrm>
+          <a:prstGeom prst="straightConnector1">
+            <a:avLst/>
+          </a:prstGeom>
+          <a:ln>
+            <a:tailEnd type="triangle"/>
+          </a:ln>
+        </p:spPr>
+        <p:style>
+          <a:lnRef idx="1">
+            <a:schemeClr val="dk1"/>
+          </a:lnRef>
+          <a:fillRef idx="0">
+            <a:schemeClr val="dk1"/>
+          </a:fillRef>
+          <a:effectRef idx="0">
+            <a:schemeClr val="dk1"/>
+          </a:effectRef>
+          <a:fontRef idx="minor">
+            <a:schemeClr val="tx1"/>
+          </a:fontRef>
+        </p:style>
+      </p:cxnSp>
+      <p:sp>
+        <p:nvSpPr>
+          <p:cNvPr id="80" name="TextBox 79">
+            <a:extLst>
+              <a:ext uri="{FF2B5EF4-FFF2-40B4-BE49-F238E27FC236}">
+                <a16:creationId xmlns:a16="http://schemas.microsoft.com/office/drawing/2014/main" id="{AD19092A-E39F-084B-B07B-9C29EA31596A}"/>
+              </a:ext>
+            </a:extLst>
+          </p:cNvPr>
+          <p:cNvSpPr txBox="1"/>
+          <p:nvPr/>
+        </p:nvSpPr>
+        <p:spPr>
+          <a:xfrm>
+            <a:off x="12786433" y="21569495"/>
+            <a:ext cx="1912318" cy="477054"/>
+          </a:xfrm>
+          <a:prstGeom prst="rect">
+            <a:avLst/>
+          </a:prstGeom>
+          <a:noFill/>
+        </p:spPr>
+        <p:txBody>
+          <a:bodyPr wrap="none" rtlCol="0">
+            <a:spAutoFit/>
+          </a:bodyPr>
+          <a:lstStyle/>
+          <a:p>
+            <a:r>
+              <a:rPr lang="en-US" sz="2500" dirty="0" err="1"/>
+              <a:t>Trimmomatic</a:t>
+            </a:r>
+            <a:endParaRPr lang="en-US" sz="2500" dirty="0"/>
+          </a:p>
+        </p:txBody>
+      </p:sp>
+      <p:cxnSp>
+        <p:nvCxnSpPr>
+          <p:cNvPr id="83" name="Straight Arrow Connector 82">
+            <a:extLst>
+              <a:ext uri="{FF2B5EF4-FFF2-40B4-BE49-F238E27FC236}">
+                <a16:creationId xmlns:a16="http://schemas.microsoft.com/office/drawing/2014/main" id="{C8EFEF45-61D9-9D4E-A0AE-9FDD0A801478}"/>
+              </a:ext>
+            </a:extLst>
+          </p:cNvPr>
+          <p:cNvCxnSpPr>
+            <a:cxnSpLocks/>
+          </p:cNvCxnSpPr>
+          <p:nvPr/>
+        </p:nvCxnSpPr>
+        <p:spPr>
+          <a:xfrm>
+            <a:off x="11974923" y="22090527"/>
+            <a:ext cx="400600" cy="351633"/>
+          </a:xfrm>
+          <a:prstGeom prst="straightConnector1">
+            <a:avLst/>
+          </a:prstGeom>
+          <a:ln>
+            <a:tailEnd type="triangle"/>
+          </a:ln>
+        </p:spPr>
+        <p:style>
+          <a:lnRef idx="1">
+            <a:schemeClr val="dk1"/>
+          </a:lnRef>
+          <a:fillRef idx="0">
+            <a:schemeClr val="dk1"/>
+          </a:fillRef>
+          <a:effectRef idx="0">
+            <a:schemeClr val="dk1"/>
+          </a:effectRef>
+          <a:fontRef idx="minor">
+            <a:schemeClr val="tx1"/>
+          </a:fontRef>
+        </p:style>
+      </p:cxnSp>
+      <p:sp>
+        <p:nvSpPr>
+          <p:cNvPr id="85" name="TextBox 84">
+            <a:extLst>
+              <a:ext uri="{FF2B5EF4-FFF2-40B4-BE49-F238E27FC236}">
+                <a16:creationId xmlns:a16="http://schemas.microsoft.com/office/drawing/2014/main" id="{6DADC516-874C-8F4B-B043-EE300528702D}"/>
+              </a:ext>
+            </a:extLst>
+          </p:cNvPr>
+          <p:cNvSpPr txBox="1"/>
+          <p:nvPr/>
+        </p:nvSpPr>
+        <p:spPr>
+          <a:xfrm>
+            <a:off x="11101519" y="21679715"/>
+            <a:ext cx="1379224" cy="477054"/>
+          </a:xfrm>
+          <a:prstGeom prst="rect">
+            <a:avLst/>
+          </a:prstGeom>
+          <a:noFill/>
+        </p:spPr>
+        <p:txBody>
+          <a:bodyPr wrap="none" rtlCol="0">
+            <a:spAutoFit/>
+          </a:bodyPr>
+          <a:lstStyle/>
+          <a:p>
+            <a:r>
+              <a:rPr lang="en-US" sz="2500" dirty="0" err="1"/>
+              <a:t>Samtools</a:t>
+            </a:r>
+            <a:endParaRPr lang="en-US" sz="2500" dirty="0"/>
+          </a:p>
+        </p:txBody>
+      </p:sp>
+      <p:cxnSp>
+        <p:nvCxnSpPr>
+          <p:cNvPr id="86" name="Straight Arrow Connector 85">
+            <a:extLst>
+              <a:ext uri="{FF2B5EF4-FFF2-40B4-BE49-F238E27FC236}">
+                <a16:creationId xmlns:a16="http://schemas.microsoft.com/office/drawing/2014/main" id="{D30C6F6B-6E27-3342-97EB-64ECD1698963}"/>
+              </a:ext>
+            </a:extLst>
+          </p:cNvPr>
+          <p:cNvCxnSpPr>
+            <a:cxnSpLocks/>
+          </p:cNvCxnSpPr>
+          <p:nvPr/>
+        </p:nvCxnSpPr>
+        <p:spPr>
+          <a:xfrm flipH="1">
+            <a:off x="9167194" y="23120635"/>
+            <a:ext cx="308302" cy="0"/>
+          </a:xfrm>
+          <a:prstGeom prst="straightConnector1">
+            <a:avLst/>
+          </a:prstGeom>
+          <a:ln>
+            <a:tailEnd type="triangle"/>
+          </a:ln>
+        </p:spPr>
+        <p:style>
+          <a:lnRef idx="1">
+            <a:schemeClr val="dk1"/>
+          </a:lnRef>
+          <a:fillRef idx="0">
+            <a:schemeClr val="dk1"/>
+          </a:fillRef>
+          <a:effectRef idx="0">
+            <a:schemeClr val="dk1"/>
+          </a:effectRef>
+          <a:fontRef idx="minor">
+            <a:schemeClr val="tx1"/>
+          </a:fontRef>
+        </p:style>
+      </p:cxnSp>
+      <p:sp>
+        <p:nvSpPr>
+          <p:cNvPr id="87" name="TextBox 86">
+            <a:extLst>
+              <a:ext uri="{FF2B5EF4-FFF2-40B4-BE49-F238E27FC236}">
+                <a16:creationId xmlns:a16="http://schemas.microsoft.com/office/drawing/2014/main" id="{69E4875C-D86C-7D43-8A43-E607D01B125F}"/>
+              </a:ext>
+            </a:extLst>
+          </p:cNvPr>
+          <p:cNvSpPr txBox="1"/>
+          <p:nvPr/>
+        </p:nvSpPr>
+        <p:spPr>
+          <a:xfrm>
+            <a:off x="9443340" y="22856127"/>
+            <a:ext cx="1001556" cy="477054"/>
+          </a:xfrm>
+          <a:prstGeom prst="rect">
+            <a:avLst/>
+          </a:prstGeom>
+          <a:noFill/>
+        </p:spPr>
+        <p:txBody>
+          <a:bodyPr wrap="none" rtlCol="0">
+            <a:spAutoFit/>
+          </a:bodyPr>
+          <a:lstStyle/>
+          <a:p>
+            <a:r>
+              <a:rPr lang="en-US" sz="2500" dirty="0"/>
+              <a:t>Trinity</a:t>
+            </a:r>
+          </a:p>
+        </p:txBody>
+      </p:sp>
+      <p:cxnSp>
+        <p:nvCxnSpPr>
+          <p:cNvPr id="88" name="Straight Arrow Connector 87">
+            <a:extLst>
+              <a:ext uri="{FF2B5EF4-FFF2-40B4-BE49-F238E27FC236}">
+                <a16:creationId xmlns:a16="http://schemas.microsoft.com/office/drawing/2014/main" id="{521E942E-30E2-FD4A-9F81-B24F4E85BD2D}"/>
+              </a:ext>
+            </a:extLst>
+          </p:cNvPr>
+          <p:cNvCxnSpPr>
+            <a:cxnSpLocks/>
+          </p:cNvCxnSpPr>
+          <p:nvPr/>
+        </p:nvCxnSpPr>
+        <p:spPr>
+          <a:xfrm flipH="1">
+            <a:off x="9045390" y="22726364"/>
+            <a:ext cx="397950" cy="167672"/>
+          </a:xfrm>
+          <a:prstGeom prst="straightConnector1">
+            <a:avLst/>
+          </a:prstGeom>
+          <a:ln>
+            <a:tailEnd type="triangle"/>
+          </a:ln>
+        </p:spPr>
+        <p:style>
+          <a:lnRef idx="1">
+            <a:schemeClr val="dk1"/>
+          </a:lnRef>
+          <a:fillRef idx="0">
+            <a:schemeClr val="dk1"/>
+          </a:fillRef>
+          <a:effectRef idx="0">
+            <a:schemeClr val="dk1"/>
+          </a:effectRef>
+          <a:fontRef idx="minor">
+            <a:schemeClr val="tx1"/>
+          </a:fontRef>
+        </p:style>
+      </p:cxnSp>
+      <p:sp>
+        <p:nvSpPr>
+          <p:cNvPr id="89" name="TextBox 88">
+            <a:extLst>
+              <a:ext uri="{FF2B5EF4-FFF2-40B4-BE49-F238E27FC236}">
+                <a16:creationId xmlns:a16="http://schemas.microsoft.com/office/drawing/2014/main" id="{45AE74DF-C21B-EA48-A8C0-FFC285108ECA}"/>
+              </a:ext>
+            </a:extLst>
+          </p:cNvPr>
+          <p:cNvSpPr txBox="1"/>
+          <p:nvPr/>
+        </p:nvSpPr>
+        <p:spPr>
+          <a:xfrm>
+            <a:off x="9443340" y="22458985"/>
+            <a:ext cx="1300677" cy="477054"/>
+          </a:xfrm>
+          <a:prstGeom prst="rect">
+            <a:avLst/>
+          </a:prstGeom>
+          <a:noFill/>
+        </p:spPr>
+        <p:txBody>
+          <a:bodyPr wrap="none" rtlCol="0">
+            <a:spAutoFit/>
+          </a:bodyPr>
+          <a:lstStyle/>
+          <a:p>
+            <a:r>
+              <a:rPr lang="en-US" sz="2500" dirty="0"/>
+              <a:t>Cufflinks</a:t>
+            </a:r>
+          </a:p>
+        </p:txBody>
+      </p:sp>
+      <p:cxnSp>
+        <p:nvCxnSpPr>
+          <p:cNvPr id="93" name="Straight Arrow Connector 92">
+            <a:extLst>
+              <a:ext uri="{FF2B5EF4-FFF2-40B4-BE49-F238E27FC236}">
+                <a16:creationId xmlns:a16="http://schemas.microsoft.com/office/drawing/2014/main" id="{F019CCA5-A699-5E48-9BE6-82E7E55E9B0F}"/>
+              </a:ext>
+            </a:extLst>
+          </p:cNvPr>
+          <p:cNvCxnSpPr>
+            <a:cxnSpLocks/>
+          </p:cNvCxnSpPr>
+          <p:nvPr/>
+        </p:nvCxnSpPr>
+        <p:spPr>
+          <a:xfrm flipH="1">
+            <a:off x="9000776" y="23627363"/>
+            <a:ext cx="308302" cy="0"/>
+          </a:xfrm>
+          <a:prstGeom prst="straightConnector1">
+            <a:avLst/>
+          </a:prstGeom>
+          <a:ln>
+            <a:tailEnd type="triangle"/>
+          </a:ln>
+        </p:spPr>
+        <p:style>
+          <a:lnRef idx="1">
+            <a:schemeClr val="dk1"/>
+          </a:lnRef>
+          <a:fillRef idx="0">
+            <a:schemeClr val="dk1"/>
+          </a:fillRef>
+          <a:effectRef idx="0">
+            <a:schemeClr val="dk1"/>
+          </a:effectRef>
+          <a:fontRef idx="minor">
+            <a:schemeClr val="tx1"/>
+          </a:fontRef>
+        </p:style>
+      </p:cxnSp>
+      <p:sp>
+        <p:nvSpPr>
+          <p:cNvPr id="94" name="TextBox 93">
+            <a:extLst>
+              <a:ext uri="{FF2B5EF4-FFF2-40B4-BE49-F238E27FC236}">
+                <a16:creationId xmlns:a16="http://schemas.microsoft.com/office/drawing/2014/main" id="{BF02D524-914E-AD48-9794-28A15008C541}"/>
+              </a:ext>
+            </a:extLst>
+          </p:cNvPr>
+          <p:cNvSpPr txBox="1"/>
+          <p:nvPr/>
+        </p:nvSpPr>
+        <p:spPr>
+          <a:xfrm>
+            <a:off x="9276922" y="23362855"/>
+            <a:ext cx="2045753" cy="477054"/>
+          </a:xfrm>
+          <a:prstGeom prst="rect">
+            <a:avLst/>
+          </a:prstGeom>
+          <a:noFill/>
+        </p:spPr>
+        <p:txBody>
+          <a:bodyPr wrap="none" rtlCol="0">
+            <a:spAutoFit/>
+          </a:bodyPr>
+          <a:lstStyle/>
+          <a:p>
+            <a:r>
+              <a:rPr lang="en-US" sz="2500" dirty="0" err="1"/>
+              <a:t>CummeRbund</a:t>
+            </a:r>
+            <a:endParaRPr lang="en-US" sz="2500" dirty="0"/>
+          </a:p>
+        </p:txBody>
+      </p:sp>
+      <p:pic>
+        <p:nvPicPr>
+          <p:cNvPr id="20" name="Picture 19">
+            <a:extLst>
+              <a:ext uri="{FF2B5EF4-FFF2-40B4-BE49-F238E27FC236}">
+                <a16:creationId xmlns:a16="http://schemas.microsoft.com/office/drawing/2014/main" id="{E591639A-A633-6442-B0DC-69D6CDE38CA7}"/>
+              </a:ext>
+            </a:extLst>
+          </p:cNvPr>
+          <p:cNvPicPr>
+            <a:picLocks noChangeAspect="1"/>
+          </p:cNvPicPr>
+          <p:nvPr/>
+        </p:nvPicPr>
+        <p:blipFill>
+          <a:blip r:embed="rId9"/>
+          <a:stretch>
+            <a:fillRect/>
+          </a:stretch>
+        </p:blipFill>
+        <p:spPr>
+          <a:xfrm>
+            <a:off x="18302598" y="22865528"/>
+            <a:ext cx="9679192" cy="5322608"/>
+          </a:xfrm>
+          <a:prstGeom prst="rect">
+            <a:avLst/>
+          </a:prstGeom>
+        </p:spPr>
+      </p:pic>
+      <p:sp>
+        <p:nvSpPr>
+          <p:cNvPr id="59" name="TextBox 58">
+            <a:extLst>
+              <a:ext uri="{FF2B5EF4-FFF2-40B4-BE49-F238E27FC236}">
+                <a16:creationId xmlns:a16="http://schemas.microsoft.com/office/drawing/2014/main" id="{6D4CE0BE-45A3-9947-A131-9E1687487B56}"/>
+              </a:ext>
+            </a:extLst>
+          </p:cNvPr>
+          <p:cNvSpPr txBox="1"/>
+          <p:nvPr/>
+        </p:nvSpPr>
+        <p:spPr>
+          <a:xfrm>
+            <a:off x="9475080" y="19349265"/>
+            <a:ext cx="1268937" cy="477054"/>
+          </a:xfrm>
+          <a:prstGeom prst="rect">
+            <a:avLst/>
+          </a:prstGeom>
+          <a:noFill/>
+        </p:spPr>
+        <p:txBody>
+          <a:bodyPr wrap="none" rtlCol="0">
+            <a:spAutoFit/>
+          </a:bodyPr>
+          <a:lstStyle/>
+          <a:p>
+            <a:r>
+              <a:rPr lang="en-US" sz="2500" dirty="0"/>
+              <a:t>TopHat2</a:t>
+            </a:r>
+          </a:p>
+        </p:txBody>
+      </p:sp>
+      <p:cxnSp>
+        <p:nvCxnSpPr>
+          <p:cNvPr id="60" name="Straight Arrow Connector 59">
+            <a:extLst>
+              <a:ext uri="{FF2B5EF4-FFF2-40B4-BE49-F238E27FC236}">
+                <a16:creationId xmlns:a16="http://schemas.microsoft.com/office/drawing/2014/main" id="{960A0375-5024-3C41-AA48-4C5E6E7A6DD5}"/>
+              </a:ext>
+            </a:extLst>
+          </p:cNvPr>
+          <p:cNvCxnSpPr>
+            <a:cxnSpLocks/>
+          </p:cNvCxnSpPr>
+          <p:nvPr/>
+        </p:nvCxnSpPr>
+        <p:spPr>
+          <a:xfrm flipH="1" flipV="1">
+            <a:off x="9474068" y="19088730"/>
+            <a:ext cx="320948" cy="288244"/>
+          </a:xfrm>
+          <a:prstGeom prst="straightConnector1">
+            <a:avLst/>
+          </a:prstGeom>
+          <a:ln>
+            <a:tailEnd type="triangle"/>
+          </a:ln>
+        </p:spPr>
+        <p:style>
+          <a:lnRef idx="1">
+            <a:schemeClr val="dk1"/>
+          </a:lnRef>
+          <a:fillRef idx="0">
+            <a:schemeClr val="dk1"/>
+          </a:fillRef>
+          <a:effectRef idx="0">
+            <a:schemeClr val="dk1"/>
+          </a:effectRef>
+          <a:fontRef idx="minor">
+            <a:schemeClr val="tx1"/>
+          </a:fontRef>
+        </p:style>
+      </p:cxnSp>
+    </p:spTree>
+    <p:extLst>
+      <p:ext uri="{BB962C8B-B14F-4D97-AF65-F5344CB8AC3E}">
+        <p14:creationId xmlns:p14="http://schemas.microsoft.com/office/powerpoint/2010/main" val="2829843721"/>
+      </p:ext>
+    </p:extLst>
+  </p:cSld>
+  <p:clrMapOvr>
+    <a:masterClrMapping/>
+  </p:clrMapOvr>
+</p:sld>
+</file>
+
 <file path=ppt/theme/theme1.xml><?xml version="1.0" encoding="utf-8"?>
 <a:theme xmlns:a="http://schemas.openxmlformats.org/drawingml/2006/main" name="Office Theme">
   <a:themeElements>
@@ -7851,4 +9624,299 @@
     </a:ext>
   </a:extLst>
 </a:theme>
+</file>
+
+<file path=ppt/theme/theme2.xml><?xml version="1.0" encoding="utf-8"?>
+<a:theme xmlns:a="http://schemas.openxmlformats.org/drawingml/2006/main" name="Office Theme">
+  <a:themeElements>
+    <a:clrScheme name="Office">
+      <a:dk1>
+        <a:sysClr val="windowText" lastClr="000000"/>
+      </a:dk1>
+      <a:lt1>
+        <a:sysClr val="window" lastClr="FFFFFF"/>
+      </a:lt1>
+      <a:dk2>
+        <a:srgbClr val="44546A"/>
+      </a:dk2>
+      <a:lt2>
+        <a:srgbClr val="E7E6E6"/>
+      </a:lt2>
+      <a:accent1>
+        <a:srgbClr val="4472C4"/>
+      </a:accent1>
+      <a:accent2>
+        <a:srgbClr val="ED7D31"/>
+      </a:accent2>
+      <a:accent3>
+        <a:srgbClr val="A5A5A5"/>
+      </a:accent3>
+      <a:accent4>
+        <a:srgbClr val="FFC000"/>
+      </a:accent4>
+      <a:accent5>
+        <a:srgbClr val="5B9BD5"/>
+      </a:accent5>
+      <a:accent6>
+        <a:srgbClr val="70AD47"/>
+      </a:accent6>
+      <a:hlink>
+        <a:srgbClr val="0563C1"/>
+      </a:hlink>
+      <a:folHlink>
+        <a:srgbClr val="954F72"/>
+      </a:folHlink>
+    </a:clrScheme>
+    <a:fontScheme name="Office">
+      <a:majorFont>
+        <a:latin typeface="Calibri Light" panose="020F0302020204030204"/>
+        <a:ea typeface=""/>
+        <a:cs typeface=""/>
+        <a:font script="Jpan" typeface="游ゴシック Light"/>
+        <a:font script="Hang" typeface="맑은 고딕"/>
+        <a:font script="Hans" typeface="等线 Light"/>
+        <a:font script="Hant" typeface="新細明體"/>
+        <a:font script="Arab" typeface="Times New Roman"/>
+        <a:font script="Hebr" typeface="Times New Roman"/>
+        <a:font script="Thai" typeface="Angsana New"/>
+        <a:font script="Ethi" typeface="Nyala"/>
+        <a:font script="Beng" typeface="Vrinda"/>
+        <a:font script="Gujr" typeface="Shruti"/>
+        <a:font script="Khmr" typeface="MoolBoran"/>
+        <a:font script="Knda" typeface="Tunga"/>
+        <a:font script="Guru" typeface="Raavi"/>
+        <a:font script="Cans" typeface="Euphemia"/>
+        <a:font script="Cher" typeface="Plantagenet Cherokee"/>
+        <a:font script="Yiii" typeface="Microsoft Yi Baiti"/>
+        <a:font script="Tibt" typeface="Microsoft Himalaya"/>
+        <a:font script="Thaa" typeface="MV Boli"/>
+        <a:font script="Deva" typeface="Mangal"/>
+        <a:font script="Telu" typeface="Gautami"/>
+        <a:font script="Taml" typeface="Latha"/>
+        <a:font script="Syrc" typeface="Estrangelo Edessa"/>
+        <a:font script="Orya" typeface="Kalinga"/>
+        <a:font script="Mlym" typeface="Kartika"/>
+        <a:font script="Laoo" typeface="DokChampa"/>
+        <a:font script="Sinh" typeface="Iskoola Pota"/>
+        <a:font script="Mong" typeface="Mongolian Baiti"/>
+        <a:font script="Viet" typeface="Times New Roman"/>
+        <a:font script="Uigh" typeface="Microsoft Uighur"/>
+        <a:font script="Geor" typeface="Sylfaen"/>
+        <a:font script="Armn" typeface="Arial"/>
+        <a:font script="Bugi" typeface="Leelawadee UI"/>
+        <a:font script="Bopo" typeface="Microsoft JhengHei"/>
+        <a:font script="Java" typeface="Javanese Text"/>
+        <a:font script="Lisu" typeface="Segoe UI"/>
+        <a:font script="Mymr" typeface="Myanmar Text"/>
+        <a:font script="Nkoo" typeface="Ebrima"/>
+        <a:font script="Olck" typeface="Nirmala UI"/>
+        <a:font script="Osma" typeface="Ebrima"/>
+        <a:font script="Phag" typeface="Phagspa"/>
+        <a:font script="Syrn" typeface="Estrangelo Edessa"/>
+        <a:font script="Syrj" typeface="Estrangelo Edessa"/>
+        <a:font script="Syre" typeface="Estrangelo Edessa"/>
+        <a:font script="Sora" typeface="Nirmala UI"/>
+        <a:font script="Tale" typeface="Microsoft Tai Le"/>
+        <a:font script="Talu" typeface="Microsoft New Tai Lue"/>
+        <a:font script="Tfng" typeface="Ebrima"/>
+      </a:majorFont>
+      <a:minorFont>
+        <a:latin typeface="Calibri" panose="020F0502020204030204"/>
+        <a:ea typeface=""/>
+        <a:cs typeface=""/>
+        <a:font script="Jpan" typeface="游ゴシック"/>
+        <a:font script="Hang" typeface="맑은 고딕"/>
+        <a:font script="Hans" typeface="等线"/>
+        <a:font script="Hant" typeface="新細明體"/>
+        <a:font script="Arab" typeface="Arial"/>
+        <a:font script="Hebr" typeface="Arial"/>
+        <a:font script="Thai" typeface="Cordia New"/>
+        <a:font script="Ethi" typeface="Nyala"/>
+        <a:font script="Beng" typeface="Vrinda"/>
+        <a:font script="Gujr" typeface="Shruti"/>
+        <a:font script="Khmr" typeface="DaunPenh"/>
+        <a:font script="Knda" typeface="Tunga"/>
+        <a:font script="Guru" typeface="Raavi"/>
+        <a:font script="Cans" typeface="Euphemia"/>
+        <a:font script="Cher" typeface="Plantagenet Cherokee"/>
+        <a:font script="Yiii" typeface="Microsoft Yi Baiti"/>
+        <a:font script="Tibt" typeface="Microsoft Himalaya"/>
+        <a:font script="Thaa" typeface="MV Boli"/>
+        <a:font script="Deva" typeface="Mangal"/>
+        <a:font script="Telu" typeface="Gautami"/>
+        <a:font script="Taml" typeface="Latha"/>
+        <a:font script="Syrc" typeface="Estrangelo Edessa"/>
+        <a:font script="Orya" typeface="Kalinga"/>
+        <a:font script="Mlym" typeface="Kartika"/>
+        <a:font script="Laoo" typeface="DokChampa"/>
+        <a:font script="Sinh" typeface="Iskoola Pota"/>
+        <a:font script="Mong" typeface="Mongolian Baiti"/>
+        <a:font script="Viet" typeface="Arial"/>
+        <a:font script="Uigh" typeface="Microsoft Uighur"/>
+        <a:font script="Geor" typeface="Sylfaen"/>
+        <a:font script="Armn" typeface="Arial"/>
+        <a:font script="Bugi" typeface="Leelawadee UI"/>
+        <a:font script="Bopo" typeface="Microsoft JhengHei"/>
+        <a:font script="Java" typeface="Javanese Text"/>
+        <a:font script="Lisu" typeface="Segoe UI"/>
+        <a:font script="Mymr" typeface="Myanmar Text"/>
+        <a:font script="Nkoo" typeface="Ebrima"/>
+        <a:font script="Olck" typeface="Nirmala UI"/>
+        <a:font script="Osma" typeface="Ebrima"/>
+        <a:font script="Phag" typeface="Phagspa"/>
+        <a:font script="Syrn" typeface="Estrangelo Edessa"/>
+        <a:font script="Syrj" typeface="Estrangelo Edessa"/>
+        <a:font script="Syre" typeface="Estrangelo Edessa"/>
+        <a:font script="Sora" typeface="Nirmala UI"/>
+        <a:font script="Tale" typeface="Microsoft Tai Le"/>
+        <a:font script="Talu" typeface="Microsoft New Tai Lue"/>
+        <a:font script="Tfng" typeface="Ebrima"/>
+      </a:minorFont>
+    </a:fontScheme>
+    <a:fmtScheme name="Office">
+      <a:fillStyleLst>
+        <a:solidFill>
+          <a:schemeClr val="phClr"/>
+        </a:solidFill>
+        <a:gradFill rotWithShape="1">
+          <a:gsLst>
+            <a:gs pos="0">
+              <a:schemeClr val="phClr">
+                <a:lumMod val="110000"/>
+                <a:satMod val="105000"/>
+                <a:tint val="67000"/>
+              </a:schemeClr>
+            </a:gs>
+            <a:gs pos="50000">
+              <a:schemeClr val="phClr">
+                <a:lumMod val="105000"/>
+                <a:satMod val="103000"/>
+                <a:tint val="73000"/>
+              </a:schemeClr>
+            </a:gs>
+            <a:gs pos="100000">
+              <a:schemeClr val="phClr">
+                <a:lumMod val="105000"/>
+                <a:satMod val="109000"/>
+                <a:tint val="81000"/>
+              </a:schemeClr>
+            </a:gs>
+          </a:gsLst>
+          <a:lin ang="5400000" scaled="0"/>
+        </a:gradFill>
+        <a:gradFill rotWithShape="1">
+          <a:gsLst>
+            <a:gs pos="0">
+              <a:schemeClr val="phClr">
+                <a:satMod val="103000"/>
+                <a:lumMod val="102000"/>
+                <a:tint val="94000"/>
+              </a:schemeClr>
+            </a:gs>
+            <a:gs pos="50000">
+              <a:schemeClr val="phClr">
+                <a:satMod val="110000"/>
+                <a:lumMod val="100000"/>
+                <a:shade val="100000"/>
+              </a:schemeClr>
+            </a:gs>
+            <a:gs pos="100000">
+              <a:schemeClr val="phClr">
+                <a:lumMod val="99000"/>
+                <a:satMod val="120000"/>
+                <a:shade val="78000"/>
+              </a:schemeClr>
+            </a:gs>
+          </a:gsLst>
+          <a:lin ang="5400000" scaled="0"/>
+        </a:gradFill>
+      </a:fillStyleLst>
+      <a:lnStyleLst>
+        <a:ln w="6350" cap="flat" cmpd="sng" algn="ctr">
+          <a:solidFill>
+            <a:schemeClr val="phClr"/>
+          </a:solidFill>
+          <a:prstDash val="solid"/>
+          <a:miter lim="800000"/>
+        </a:ln>
+        <a:ln w="12700" cap="flat" cmpd="sng" algn="ctr">
+          <a:solidFill>
+            <a:schemeClr val="phClr"/>
+          </a:solidFill>
+          <a:prstDash val="solid"/>
+          <a:miter lim="800000"/>
+        </a:ln>
+        <a:ln w="19050" cap="flat" cmpd="sng" algn="ctr">
+          <a:solidFill>
+            <a:schemeClr val="phClr"/>
+          </a:solidFill>
+          <a:prstDash val="solid"/>
+          <a:miter lim="800000"/>
+        </a:ln>
+      </a:lnStyleLst>
+      <a:effectStyleLst>
+        <a:effectStyle>
+          <a:effectLst/>
+        </a:effectStyle>
+        <a:effectStyle>
+          <a:effectLst/>
+        </a:effectStyle>
+        <a:effectStyle>
+          <a:effectLst>
+            <a:outerShdw blurRad="57150" dist="19050" dir="5400000" algn="ctr" rotWithShape="0">
+              <a:srgbClr val="000000">
+                <a:alpha val="63000"/>
+              </a:srgbClr>
+            </a:outerShdw>
+          </a:effectLst>
+        </a:effectStyle>
+      </a:effectStyleLst>
+      <a:bgFillStyleLst>
+        <a:solidFill>
+          <a:schemeClr val="phClr"/>
+        </a:solidFill>
+        <a:solidFill>
+          <a:schemeClr val="phClr">
+            <a:tint val="95000"/>
+            <a:satMod val="170000"/>
+          </a:schemeClr>
+        </a:solidFill>
+        <a:gradFill rotWithShape="1">
+          <a:gsLst>
+            <a:gs pos="0">
+              <a:schemeClr val="phClr">
+                <a:tint val="93000"/>
+                <a:satMod val="150000"/>
+                <a:shade val="98000"/>
+                <a:lumMod val="102000"/>
+              </a:schemeClr>
+            </a:gs>
+            <a:gs pos="50000">
+              <a:schemeClr val="phClr">
+                <a:tint val="98000"/>
+                <a:satMod val="130000"/>
+                <a:shade val="90000"/>
+                <a:lumMod val="103000"/>
+              </a:schemeClr>
+            </a:gs>
+            <a:gs pos="100000">
+              <a:schemeClr val="phClr">
+                <a:shade val="63000"/>
+                <a:satMod val="120000"/>
+              </a:schemeClr>
+            </a:gs>
+          </a:gsLst>
+          <a:lin ang="5400000" scaled="0"/>
+        </a:gradFill>
+      </a:bgFillStyleLst>
+    </a:fmtScheme>
+  </a:themeElements>
+  <a:objectDefaults/>
+  <a:extraClrSchemeLst/>
+  <a:extLst>
+    <a:ext uri="{05A4C25C-085E-4340-85A3-A5531E510DB2}">
+      <thm15:themeFamily xmlns:thm15="http://schemas.microsoft.com/office/thememl/2012/main" name="Office Theme" id="{62F939B6-93AF-4DB8-9C6B-D6C7DFDC589F}" vid="{4A3C46E8-61CC-4603-A589-7422A47A8E4A}"/>
+    </a:ext>
+  </a:extLst>
+</a:theme>
 </file>
--- a/figures/multipanel.pptx
+++ b/figures/multipanel.pptx
@@ -2,10 +2,10 @@
 <file path=ppt/presentation.xml><?xml version="1.0" encoding="utf-8"?>
 <p:presentation xmlns:a="http://schemas.openxmlformats.org/drawingml/2006/main" xmlns:r="http://schemas.openxmlformats.org/officeDocument/2006/relationships" xmlns:p="http://schemas.openxmlformats.org/presentationml/2006/main" saveSubsetFonts="1" autoCompressPictures="0">
   <p:sldMasterIdLst>
-    <p:sldMasterId id="2147483912" r:id="rId1"/>
+    <p:sldMasterId id="2147483936" r:id="rId1"/>
   </p:sldMasterIdLst>
   <p:notesMasterIdLst>
-    <p:notesMasterId r:id="rId7"/>
+    <p:notesMasterId r:id="rId8"/>
   </p:notesMasterIdLst>
   <p:sldIdLst>
     <p:sldId id="256" r:id="rId2"/>
@@ -13,8 +13,9 @@
     <p:sldId id="258" r:id="rId4"/>
     <p:sldId id="259" r:id="rId5"/>
     <p:sldId id="260" r:id="rId6"/>
+    <p:sldId id="261" r:id="rId7"/>
   </p:sldIdLst>
-  <p:sldSz cx="28346400" cy="28346400"/>
+  <p:sldSz cx="9144000" cy="9144000"/>
   <p:notesSz cx="6858000" cy="9144000"/>
   <p:defaultTextStyle>
     <a:defPPr>
@@ -201,7 +202,7 @@
           <a:p>
             <a:fld id="{DBE328A2-7FAD-6647-8FB9-7BA0058712E1}" type="datetimeFigureOut">
               <a:rPr lang="en-US" smtClean="0"/>
-              <a:t>6/24/20</a:t>
+              <a:t>6/30/20</a:t>
             </a:fld>
             <a:endParaRPr lang="en-US"/>
           </a:p>
@@ -374,8 +375,8 @@
   </p:cSld>
   <p:clrMap bg1="lt1" tx1="dk1" bg2="lt2" tx2="dk2" accent1="accent1" accent2="accent2" accent3="accent3" accent4="accent4" accent5="accent5" accent6="accent6" hlink="hlink" folHlink="folHlink"/>
   <p:notesStyle>
-    <a:lvl1pPr marL="0" algn="l" defTabSz="914400" rtl="0" eaLnBrk="1" latinLnBrk="0" hangingPunct="1">
-      <a:defRPr sz="1200" kern="1200">
+    <a:lvl1pPr marL="0" algn="l" defTabSz="294894" rtl="0" eaLnBrk="1" latinLnBrk="0" hangingPunct="1">
+      <a:defRPr sz="388" kern="1200">
         <a:solidFill>
           <a:schemeClr val="tx1"/>
         </a:solidFill>
@@ -384,8 +385,8 @@
         <a:cs typeface="+mn-cs"/>
       </a:defRPr>
     </a:lvl1pPr>
-    <a:lvl2pPr marL="457200" algn="l" defTabSz="914400" rtl="0" eaLnBrk="1" latinLnBrk="0" hangingPunct="1">
-      <a:defRPr sz="1200" kern="1200">
+    <a:lvl2pPr marL="147448" algn="l" defTabSz="294894" rtl="0" eaLnBrk="1" latinLnBrk="0" hangingPunct="1">
+      <a:defRPr sz="388" kern="1200">
         <a:solidFill>
           <a:schemeClr val="tx1"/>
         </a:solidFill>
@@ -394,8 +395,8 @@
         <a:cs typeface="+mn-cs"/>
       </a:defRPr>
     </a:lvl2pPr>
-    <a:lvl3pPr marL="914400" algn="l" defTabSz="914400" rtl="0" eaLnBrk="1" latinLnBrk="0" hangingPunct="1">
-      <a:defRPr sz="1200" kern="1200">
+    <a:lvl3pPr marL="294894" algn="l" defTabSz="294894" rtl="0" eaLnBrk="1" latinLnBrk="0" hangingPunct="1">
+      <a:defRPr sz="388" kern="1200">
         <a:solidFill>
           <a:schemeClr val="tx1"/>
         </a:solidFill>
@@ -404,8 +405,8 @@
         <a:cs typeface="+mn-cs"/>
       </a:defRPr>
     </a:lvl3pPr>
-    <a:lvl4pPr marL="1371600" algn="l" defTabSz="914400" rtl="0" eaLnBrk="1" latinLnBrk="0" hangingPunct="1">
-      <a:defRPr sz="1200" kern="1200">
+    <a:lvl4pPr marL="442341" algn="l" defTabSz="294894" rtl="0" eaLnBrk="1" latinLnBrk="0" hangingPunct="1">
+      <a:defRPr sz="388" kern="1200">
         <a:solidFill>
           <a:schemeClr val="tx1"/>
         </a:solidFill>
@@ -414,8 +415,8 @@
         <a:cs typeface="+mn-cs"/>
       </a:defRPr>
     </a:lvl4pPr>
-    <a:lvl5pPr marL="1828800" algn="l" defTabSz="914400" rtl="0" eaLnBrk="1" latinLnBrk="0" hangingPunct="1">
-      <a:defRPr sz="1200" kern="1200">
+    <a:lvl5pPr marL="589788" algn="l" defTabSz="294894" rtl="0" eaLnBrk="1" latinLnBrk="0" hangingPunct="1">
+      <a:defRPr sz="388" kern="1200">
         <a:solidFill>
           <a:schemeClr val="tx1"/>
         </a:solidFill>
@@ -424,8 +425,8 @@
         <a:cs typeface="+mn-cs"/>
       </a:defRPr>
     </a:lvl5pPr>
-    <a:lvl6pPr marL="2286000" algn="l" defTabSz="914400" rtl="0" eaLnBrk="1" latinLnBrk="0" hangingPunct="1">
-      <a:defRPr sz="1200" kern="1200">
+    <a:lvl6pPr marL="737235" algn="l" defTabSz="294894" rtl="0" eaLnBrk="1" latinLnBrk="0" hangingPunct="1">
+      <a:defRPr sz="388" kern="1200">
         <a:solidFill>
           <a:schemeClr val="tx1"/>
         </a:solidFill>
@@ -434,8 +435,8 @@
         <a:cs typeface="+mn-cs"/>
       </a:defRPr>
     </a:lvl6pPr>
-    <a:lvl7pPr marL="2743200" algn="l" defTabSz="914400" rtl="0" eaLnBrk="1" latinLnBrk="0" hangingPunct="1">
-      <a:defRPr sz="1200" kern="1200">
+    <a:lvl7pPr marL="884683" algn="l" defTabSz="294894" rtl="0" eaLnBrk="1" latinLnBrk="0" hangingPunct="1">
+      <a:defRPr sz="388" kern="1200">
         <a:solidFill>
           <a:schemeClr val="tx1"/>
         </a:solidFill>
@@ -444,8 +445,8 @@
         <a:cs typeface="+mn-cs"/>
       </a:defRPr>
     </a:lvl7pPr>
-    <a:lvl8pPr marL="3200400" algn="l" defTabSz="914400" rtl="0" eaLnBrk="1" latinLnBrk="0" hangingPunct="1">
-      <a:defRPr sz="1200" kern="1200">
+    <a:lvl8pPr marL="1032129" algn="l" defTabSz="294894" rtl="0" eaLnBrk="1" latinLnBrk="0" hangingPunct="1">
+      <a:defRPr sz="388" kern="1200">
         <a:solidFill>
           <a:schemeClr val="tx1"/>
         </a:solidFill>
@@ -454,8 +455,8 @@
         <a:cs typeface="+mn-cs"/>
       </a:defRPr>
     </a:lvl8pPr>
-    <a:lvl9pPr marL="3657600" algn="l" defTabSz="914400" rtl="0" eaLnBrk="1" latinLnBrk="0" hangingPunct="1">
-      <a:defRPr sz="1200" kern="1200">
+    <a:lvl9pPr marL="1179576" algn="l" defTabSz="294894" rtl="0" eaLnBrk="1" latinLnBrk="0" hangingPunct="1">
+      <a:defRPr sz="388" kern="1200">
         <a:solidFill>
           <a:schemeClr val="tx1"/>
         </a:solidFill>
@@ -581,15 +582,15 @@
         </p:nvSpPr>
         <p:spPr>
           <a:xfrm>
-            <a:off x="2125980" y="4639100"/>
-            <a:ext cx="24094440" cy="9868747"/>
+            <a:off x="685800" y="1496484"/>
+            <a:ext cx="7772400" cy="3183467"/>
           </a:xfrm>
         </p:spPr>
         <p:txBody>
           <a:bodyPr anchor="b"/>
           <a:lstStyle>
             <a:lvl1pPr algn="ctr">
-              <a:defRPr sz="18600"/>
+              <a:defRPr sz="6000"/>
             </a:lvl1pPr>
           </a:lstStyle>
           <a:p>
@@ -613,8 +614,8 @@
         </p:nvSpPr>
         <p:spPr>
           <a:xfrm>
-            <a:off x="3543300" y="14888424"/>
-            <a:ext cx="21259800" cy="6843816"/>
+            <a:off x="1143000" y="4802717"/>
+            <a:ext cx="6858000" cy="2207683"/>
           </a:xfrm>
         </p:spPr>
         <p:txBody>
@@ -622,39 +623,39 @@
           <a:lstStyle>
             <a:lvl1pPr marL="0" indent="0" algn="ctr">
               <a:buNone/>
-              <a:defRPr sz="7440"/>
+              <a:defRPr sz="2400"/>
             </a:lvl1pPr>
-            <a:lvl2pPr marL="1417320" indent="0" algn="ctr">
+            <a:lvl2pPr marL="457200" indent="0" algn="ctr">
               <a:buNone/>
-              <a:defRPr sz="6200"/>
+              <a:defRPr sz="2000"/>
             </a:lvl2pPr>
-            <a:lvl3pPr marL="2834640" indent="0" algn="ctr">
+            <a:lvl3pPr marL="914400" indent="0" algn="ctr">
               <a:buNone/>
-              <a:defRPr sz="5580"/>
+              <a:defRPr sz="1800"/>
             </a:lvl3pPr>
-            <a:lvl4pPr marL="4251960" indent="0" algn="ctr">
+            <a:lvl4pPr marL="1371600" indent="0" algn="ctr">
               <a:buNone/>
-              <a:defRPr sz="4960"/>
+              <a:defRPr sz="1600"/>
             </a:lvl4pPr>
-            <a:lvl5pPr marL="5669280" indent="0" algn="ctr">
+            <a:lvl5pPr marL="1828800" indent="0" algn="ctr">
               <a:buNone/>
-              <a:defRPr sz="4960"/>
+              <a:defRPr sz="1600"/>
             </a:lvl5pPr>
-            <a:lvl6pPr marL="7086600" indent="0" algn="ctr">
+            <a:lvl6pPr marL="2286000" indent="0" algn="ctr">
               <a:buNone/>
-              <a:defRPr sz="4960"/>
+              <a:defRPr sz="1600"/>
             </a:lvl6pPr>
-            <a:lvl7pPr marL="8503920" indent="0" algn="ctr">
+            <a:lvl7pPr marL="2743200" indent="0" algn="ctr">
               <a:buNone/>
-              <a:defRPr sz="4960"/>
+              <a:defRPr sz="1600"/>
             </a:lvl7pPr>
-            <a:lvl8pPr marL="9921240" indent="0" algn="ctr">
+            <a:lvl8pPr marL="3200400" indent="0" algn="ctr">
               <a:buNone/>
-              <a:defRPr sz="4960"/>
+              <a:defRPr sz="1600"/>
             </a:lvl8pPr>
-            <a:lvl9pPr marL="11338560" indent="0" algn="ctr">
+            <a:lvl9pPr marL="3657600" indent="0" algn="ctr">
               <a:buNone/>
-              <a:defRPr sz="4960"/>
+              <a:defRPr sz="1600"/>
             </a:lvl9pPr>
           </a:lstStyle>
           <a:p>
@@ -683,7 +684,7 @@
           <a:p>
             <a:fld id="{577C0138-7A75-8149-9F79-A385D49B39ED}" type="datetimeFigureOut">
               <a:rPr lang="en-US" smtClean="0"/>
-              <a:t>6/24/20</a:t>
+              <a:t>6/30/20</a:t>
             </a:fld>
             <a:endParaRPr lang="en-US"/>
           </a:p>
@@ -734,7 +735,7 @@
     </p:spTree>
     <p:extLst>
       <p:ext uri="{BB962C8B-B14F-4D97-AF65-F5344CB8AC3E}">
-        <p14:creationId xmlns:p14="http://schemas.microsoft.com/office/powerpoint/2010/main" val="226246323"/>
+        <p14:creationId xmlns:p14="http://schemas.microsoft.com/office/powerpoint/2010/main" val="4200777547"/>
       </p:ext>
     </p:extLst>
   </p:cSld>
@@ -853,7 +854,7 @@
           <a:p>
             <a:fld id="{577C0138-7A75-8149-9F79-A385D49B39ED}" type="datetimeFigureOut">
               <a:rPr lang="en-US" smtClean="0"/>
-              <a:t>6/24/20</a:t>
+              <a:t>6/30/20</a:t>
             </a:fld>
             <a:endParaRPr lang="en-US"/>
           </a:p>
@@ -904,7 +905,7 @@
     </p:spTree>
     <p:extLst>
       <p:ext uri="{BB962C8B-B14F-4D97-AF65-F5344CB8AC3E}">
-        <p14:creationId xmlns:p14="http://schemas.microsoft.com/office/powerpoint/2010/main" val="1687104047"/>
+        <p14:creationId xmlns:p14="http://schemas.microsoft.com/office/powerpoint/2010/main" val="2379781811"/>
       </p:ext>
     </p:extLst>
   </p:cSld>
@@ -943,8 +944,8 @@
         </p:nvSpPr>
         <p:spPr>
           <a:xfrm>
-            <a:off x="20285394" y="1509183"/>
-            <a:ext cx="6112193" cy="24022264"/>
+            <a:off x="6543676" y="486834"/>
+            <a:ext cx="1971675" cy="7749117"/>
           </a:xfrm>
         </p:spPr>
         <p:txBody>
@@ -971,8 +972,8 @@
         </p:nvSpPr>
         <p:spPr>
           <a:xfrm>
-            <a:off x="1948816" y="1509183"/>
-            <a:ext cx="17982248" cy="24022264"/>
+            <a:off x="628651" y="486834"/>
+            <a:ext cx="5800725" cy="7749117"/>
           </a:xfrm>
         </p:spPr>
         <p:txBody>
@@ -1033,7 +1034,7 @@
           <a:p>
             <a:fld id="{577C0138-7A75-8149-9F79-A385D49B39ED}" type="datetimeFigureOut">
               <a:rPr lang="en-US" smtClean="0"/>
-              <a:t>6/24/20</a:t>
+              <a:t>6/30/20</a:t>
             </a:fld>
             <a:endParaRPr lang="en-US"/>
           </a:p>
@@ -1084,7 +1085,7 @@
     </p:spTree>
     <p:extLst>
       <p:ext uri="{BB962C8B-B14F-4D97-AF65-F5344CB8AC3E}">
-        <p14:creationId xmlns:p14="http://schemas.microsoft.com/office/powerpoint/2010/main" val="3062061364"/>
+        <p14:creationId xmlns:p14="http://schemas.microsoft.com/office/powerpoint/2010/main" val="1041214411"/>
       </p:ext>
     </p:extLst>
   </p:cSld>
@@ -1203,7 +1204,7 @@
           <a:p>
             <a:fld id="{577C0138-7A75-8149-9F79-A385D49B39ED}" type="datetimeFigureOut">
               <a:rPr lang="en-US" smtClean="0"/>
-              <a:t>6/24/20</a:t>
+              <a:t>6/30/20</a:t>
             </a:fld>
             <a:endParaRPr lang="en-US"/>
           </a:p>
@@ -1254,7 +1255,7 @@
     </p:spTree>
     <p:extLst>
       <p:ext uri="{BB962C8B-B14F-4D97-AF65-F5344CB8AC3E}">
-        <p14:creationId xmlns:p14="http://schemas.microsoft.com/office/powerpoint/2010/main" val="125354728"/>
+        <p14:creationId xmlns:p14="http://schemas.microsoft.com/office/powerpoint/2010/main" val="1495796428"/>
       </p:ext>
     </p:extLst>
   </p:cSld>
@@ -1293,15 +1294,15 @@
         </p:nvSpPr>
         <p:spPr>
           <a:xfrm>
-            <a:off x="1934053" y="7066923"/>
-            <a:ext cx="24448770" cy="11791313"/>
+            <a:off x="623888" y="2279653"/>
+            <a:ext cx="7886700" cy="3803649"/>
           </a:xfrm>
         </p:spPr>
         <p:txBody>
           <a:bodyPr anchor="b"/>
           <a:lstStyle>
             <a:lvl1pPr>
-              <a:defRPr sz="18600"/>
+              <a:defRPr sz="6000"/>
             </a:lvl1pPr>
           </a:lstStyle>
           <a:p>
@@ -1325,8 +1326,8 @@
         </p:nvSpPr>
         <p:spPr>
           <a:xfrm>
-            <a:off x="1934053" y="18969787"/>
-            <a:ext cx="24448770" cy="6200773"/>
+            <a:off x="623888" y="6119286"/>
+            <a:ext cx="7886700" cy="2000249"/>
           </a:xfrm>
         </p:spPr>
         <p:txBody>
@@ -1334,15 +1335,15 @@
           <a:lstStyle>
             <a:lvl1pPr marL="0" indent="0">
               <a:buNone/>
-              <a:defRPr sz="7440">
+              <a:defRPr sz="2400">
                 <a:solidFill>
                   <a:schemeClr val="tx1"/>
                 </a:solidFill>
               </a:defRPr>
             </a:lvl1pPr>
-            <a:lvl2pPr marL="1417320" indent="0">
+            <a:lvl2pPr marL="457200" indent="0">
               <a:buNone/>
-              <a:defRPr sz="6200">
+              <a:defRPr sz="2000">
                 <a:solidFill>
                   <a:schemeClr val="tx1">
                     <a:tint val="75000"/>
@@ -1350,9 +1351,9 @@
                 </a:solidFill>
               </a:defRPr>
             </a:lvl2pPr>
-            <a:lvl3pPr marL="2834640" indent="0">
+            <a:lvl3pPr marL="914400" indent="0">
               <a:buNone/>
-              <a:defRPr sz="5580">
+              <a:defRPr sz="1800">
                 <a:solidFill>
                   <a:schemeClr val="tx1">
                     <a:tint val="75000"/>
@@ -1360,9 +1361,9 @@
                 </a:solidFill>
               </a:defRPr>
             </a:lvl3pPr>
-            <a:lvl4pPr marL="4251960" indent="0">
+            <a:lvl4pPr marL="1371600" indent="0">
               <a:buNone/>
-              <a:defRPr sz="4960">
+              <a:defRPr sz="1600">
                 <a:solidFill>
                   <a:schemeClr val="tx1">
                     <a:tint val="75000"/>
@@ -1370,9 +1371,9 @@
                 </a:solidFill>
               </a:defRPr>
             </a:lvl4pPr>
-            <a:lvl5pPr marL="5669280" indent="0">
+            <a:lvl5pPr marL="1828800" indent="0">
               <a:buNone/>
-              <a:defRPr sz="4960">
+              <a:defRPr sz="1600">
                 <a:solidFill>
                   <a:schemeClr val="tx1">
                     <a:tint val="75000"/>
@@ -1380,9 +1381,9 @@
                 </a:solidFill>
               </a:defRPr>
             </a:lvl5pPr>
-            <a:lvl6pPr marL="7086600" indent="0">
+            <a:lvl6pPr marL="2286000" indent="0">
               <a:buNone/>
-              <a:defRPr sz="4960">
+              <a:defRPr sz="1600">
                 <a:solidFill>
                   <a:schemeClr val="tx1">
                     <a:tint val="75000"/>
@@ -1390,9 +1391,9 @@
                 </a:solidFill>
               </a:defRPr>
             </a:lvl6pPr>
-            <a:lvl7pPr marL="8503920" indent="0">
+            <a:lvl7pPr marL="2743200" indent="0">
               <a:buNone/>
-              <a:defRPr sz="4960">
+              <a:defRPr sz="1600">
                 <a:solidFill>
                   <a:schemeClr val="tx1">
                     <a:tint val="75000"/>
@@ -1400,9 +1401,9 @@
                 </a:solidFill>
               </a:defRPr>
             </a:lvl7pPr>
-            <a:lvl8pPr marL="9921240" indent="0">
+            <a:lvl8pPr marL="3200400" indent="0">
               <a:buNone/>
-              <a:defRPr sz="4960">
+              <a:defRPr sz="1600">
                 <a:solidFill>
                   <a:schemeClr val="tx1">
                     <a:tint val="75000"/>
@@ -1410,9 +1411,9 @@
                 </a:solidFill>
               </a:defRPr>
             </a:lvl8pPr>
-            <a:lvl9pPr marL="11338560" indent="0">
+            <a:lvl9pPr marL="3657600" indent="0">
               <a:buNone/>
-              <a:defRPr sz="4960">
+              <a:defRPr sz="1600">
                 <a:solidFill>
                   <a:schemeClr val="tx1">
                     <a:tint val="75000"/>
@@ -1447,7 +1448,7 @@
           <a:p>
             <a:fld id="{577C0138-7A75-8149-9F79-A385D49B39ED}" type="datetimeFigureOut">
               <a:rPr lang="en-US" smtClean="0"/>
-              <a:t>6/24/20</a:t>
+              <a:t>6/30/20</a:t>
             </a:fld>
             <a:endParaRPr lang="en-US"/>
           </a:p>
@@ -1498,7 +1499,7 @@
     </p:spTree>
     <p:extLst>
       <p:ext uri="{BB962C8B-B14F-4D97-AF65-F5344CB8AC3E}">
-        <p14:creationId xmlns:p14="http://schemas.microsoft.com/office/powerpoint/2010/main" val="2519014708"/>
+        <p14:creationId xmlns:p14="http://schemas.microsoft.com/office/powerpoint/2010/main" val="662075549"/>
       </p:ext>
     </p:extLst>
   </p:cSld>
@@ -1560,8 +1561,8 @@
         </p:nvSpPr>
         <p:spPr>
           <a:xfrm>
-            <a:off x="1948815" y="7545917"/>
-            <a:ext cx="12047220" cy="17985530"/>
+            <a:off x="628650" y="2434167"/>
+            <a:ext cx="3886200" cy="5801784"/>
           </a:xfrm>
         </p:spPr>
         <p:txBody>
@@ -1617,8 +1618,8 @@
         </p:nvSpPr>
         <p:spPr>
           <a:xfrm>
-            <a:off x="14350365" y="7545917"/>
-            <a:ext cx="12047220" cy="17985530"/>
+            <a:off x="4629150" y="2434167"/>
+            <a:ext cx="3886200" cy="5801784"/>
           </a:xfrm>
         </p:spPr>
         <p:txBody>
@@ -1679,7 +1680,7 @@
           <a:p>
             <a:fld id="{577C0138-7A75-8149-9F79-A385D49B39ED}" type="datetimeFigureOut">
               <a:rPr lang="en-US" smtClean="0"/>
-              <a:t>6/24/20</a:t>
+              <a:t>6/30/20</a:t>
             </a:fld>
             <a:endParaRPr lang="en-US"/>
           </a:p>
@@ -1730,7 +1731,7 @@
     </p:spTree>
     <p:extLst>
       <p:ext uri="{BB962C8B-B14F-4D97-AF65-F5344CB8AC3E}">
-        <p14:creationId xmlns:p14="http://schemas.microsoft.com/office/powerpoint/2010/main" val="2119497631"/>
+        <p14:creationId xmlns:p14="http://schemas.microsoft.com/office/powerpoint/2010/main" val="2329712327"/>
       </p:ext>
     </p:extLst>
   </p:cSld>
@@ -1769,8 +1770,8 @@
         </p:nvSpPr>
         <p:spPr>
           <a:xfrm>
-            <a:off x="1952507" y="1509189"/>
-            <a:ext cx="24448770" cy="5478994"/>
+            <a:off x="629841" y="486836"/>
+            <a:ext cx="7886700" cy="1767417"/>
           </a:xfrm>
         </p:spPr>
         <p:txBody>
@@ -1797,8 +1798,8 @@
         </p:nvSpPr>
         <p:spPr>
           <a:xfrm>
-            <a:off x="1952510" y="6948807"/>
-            <a:ext cx="11991854" cy="3405503"/>
+            <a:off x="629842" y="2241551"/>
+            <a:ext cx="3868340" cy="1098549"/>
           </a:xfrm>
         </p:spPr>
         <p:txBody>
@@ -1806,39 +1807,39 @@
           <a:lstStyle>
             <a:lvl1pPr marL="0" indent="0">
               <a:buNone/>
-              <a:defRPr sz="7440" b="1"/>
+              <a:defRPr sz="2400" b="1"/>
             </a:lvl1pPr>
-            <a:lvl2pPr marL="1417320" indent="0">
+            <a:lvl2pPr marL="457200" indent="0">
               <a:buNone/>
-              <a:defRPr sz="6200" b="1"/>
+              <a:defRPr sz="2000" b="1"/>
             </a:lvl2pPr>
-            <a:lvl3pPr marL="2834640" indent="0">
+            <a:lvl3pPr marL="914400" indent="0">
               <a:buNone/>
-              <a:defRPr sz="5580" b="1"/>
+              <a:defRPr sz="1800" b="1"/>
             </a:lvl3pPr>
-            <a:lvl4pPr marL="4251960" indent="0">
+            <a:lvl4pPr marL="1371600" indent="0">
               <a:buNone/>
-              <a:defRPr sz="4960" b="1"/>
+              <a:defRPr sz="1600" b="1"/>
             </a:lvl4pPr>
-            <a:lvl5pPr marL="5669280" indent="0">
+            <a:lvl5pPr marL="1828800" indent="0">
               <a:buNone/>
-              <a:defRPr sz="4960" b="1"/>
+              <a:defRPr sz="1600" b="1"/>
             </a:lvl5pPr>
-            <a:lvl6pPr marL="7086600" indent="0">
+            <a:lvl6pPr marL="2286000" indent="0">
               <a:buNone/>
-              <a:defRPr sz="4960" b="1"/>
+              <a:defRPr sz="1600" b="1"/>
             </a:lvl6pPr>
-            <a:lvl7pPr marL="8503920" indent="0">
+            <a:lvl7pPr marL="2743200" indent="0">
               <a:buNone/>
-              <a:defRPr sz="4960" b="1"/>
+              <a:defRPr sz="1600" b="1"/>
             </a:lvl7pPr>
-            <a:lvl8pPr marL="9921240" indent="0">
+            <a:lvl8pPr marL="3200400" indent="0">
               <a:buNone/>
-              <a:defRPr sz="4960" b="1"/>
+              <a:defRPr sz="1600" b="1"/>
             </a:lvl8pPr>
-            <a:lvl9pPr marL="11338560" indent="0">
+            <a:lvl9pPr marL="3657600" indent="0">
               <a:buNone/>
-              <a:defRPr sz="4960" b="1"/>
+              <a:defRPr sz="1600" b="1"/>
             </a:lvl9pPr>
           </a:lstStyle>
           <a:p>
@@ -1862,8 +1863,8 @@
         </p:nvSpPr>
         <p:spPr>
           <a:xfrm>
-            <a:off x="1952510" y="10354310"/>
-            <a:ext cx="11991854" cy="15229630"/>
+            <a:off x="629842" y="3340100"/>
+            <a:ext cx="3868340" cy="4912784"/>
           </a:xfrm>
         </p:spPr>
         <p:txBody>
@@ -1919,8 +1920,8 @@
         </p:nvSpPr>
         <p:spPr>
           <a:xfrm>
-            <a:off x="14350367" y="6948807"/>
-            <a:ext cx="12050912" cy="3405503"/>
+            <a:off x="4629151" y="2241551"/>
+            <a:ext cx="3887391" cy="1098549"/>
           </a:xfrm>
         </p:spPr>
         <p:txBody>
@@ -1928,39 +1929,39 @@
           <a:lstStyle>
             <a:lvl1pPr marL="0" indent="0">
               <a:buNone/>
-              <a:defRPr sz="7440" b="1"/>
+              <a:defRPr sz="2400" b="1"/>
             </a:lvl1pPr>
-            <a:lvl2pPr marL="1417320" indent="0">
+            <a:lvl2pPr marL="457200" indent="0">
               <a:buNone/>
-              <a:defRPr sz="6200" b="1"/>
+              <a:defRPr sz="2000" b="1"/>
             </a:lvl2pPr>
-            <a:lvl3pPr marL="2834640" indent="0">
+            <a:lvl3pPr marL="914400" indent="0">
               <a:buNone/>
-              <a:defRPr sz="5580" b="1"/>
+              <a:defRPr sz="1800" b="1"/>
             </a:lvl3pPr>
-            <a:lvl4pPr marL="4251960" indent="0">
+            <a:lvl4pPr marL="1371600" indent="0">
               <a:buNone/>
-              <a:defRPr sz="4960" b="1"/>
+              <a:defRPr sz="1600" b="1"/>
             </a:lvl4pPr>
-            <a:lvl5pPr marL="5669280" indent="0">
+            <a:lvl5pPr marL="1828800" indent="0">
               <a:buNone/>
-              <a:defRPr sz="4960" b="1"/>
+              <a:defRPr sz="1600" b="1"/>
             </a:lvl5pPr>
-            <a:lvl6pPr marL="7086600" indent="0">
+            <a:lvl6pPr marL="2286000" indent="0">
               <a:buNone/>
-              <a:defRPr sz="4960" b="1"/>
+              <a:defRPr sz="1600" b="1"/>
             </a:lvl6pPr>
-            <a:lvl7pPr marL="8503920" indent="0">
+            <a:lvl7pPr marL="2743200" indent="0">
               <a:buNone/>
-              <a:defRPr sz="4960" b="1"/>
+              <a:defRPr sz="1600" b="1"/>
             </a:lvl7pPr>
-            <a:lvl8pPr marL="9921240" indent="0">
+            <a:lvl8pPr marL="3200400" indent="0">
               <a:buNone/>
-              <a:defRPr sz="4960" b="1"/>
+              <a:defRPr sz="1600" b="1"/>
             </a:lvl8pPr>
-            <a:lvl9pPr marL="11338560" indent="0">
+            <a:lvl9pPr marL="3657600" indent="0">
               <a:buNone/>
-              <a:defRPr sz="4960" b="1"/>
+              <a:defRPr sz="1600" b="1"/>
             </a:lvl9pPr>
           </a:lstStyle>
           <a:p>
@@ -1984,8 +1985,8 @@
         </p:nvSpPr>
         <p:spPr>
           <a:xfrm>
-            <a:off x="14350367" y="10354310"/>
-            <a:ext cx="12050912" cy="15229630"/>
+            <a:off x="4629151" y="3340100"/>
+            <a:ext cx="3887391" cy="4912784"/>
           </a:xfrm>
         </p:spPr>
         <p:txBody>
@@ -2046,7 +2047,7 @@
           <a:p>
             <a:fld id="{577C0138-7A75-8149-9F79-A385D49B39ED}" type="datetimeFigureOut">
               <a:rPr lang="en-US" smtClean="0"/>
-              <a:t>6/24/20</a:t>
+              <a:t>6/30/20</a:t>
             </a:fld>
             <a:endParaRPr lang="en-US"/>
           </a:p>
@@ -2097,7 +2098,7 @@
     </p:spTree>
     <p:extLst>
       <p:ext uri="{BB962C8B-B14F-4D97-AF65-F5344CB8AC3E}">
-        <p14:creationId xmlns:p14="http://schemas.microsoft.com/office/powerpoint/2010/main" val="3015304023"/>
+        <p14:creationId xmlns:p14="http://schemas.microsoft.com/office/powerpoint/2010/main" val="725367650"/>
       </p:ext>
     </p:extLst>
   </p:cSld>
@@ -2164,7 +2165,7 @@
           <a:p>
             <a:fld id="{577C0138-7A75-8149-9F79-A385D49B39ED}" type="datetimeFigureOut">
               <a:rPr lang="en-US" smtClean="0"/>
-              <a:t>6/24/20</a:t>
+              <a:t>6/30/20</a:t>
             </a:fld>
             <a:endParaRPr lang="en-US"/>
           </a:p>
@@ -2215,7 +2216,7 @@
     </p:spTree>
     <p:extLst>
       <p:ext uri="{BB962C8B-B14F-4D97-AF65-F5344CB8AC3E}">
-        <p14:creationId xmlns:p14="http://schemas.microsoft.com/office/powerpoint/2010/main" val="800557962"/>
+        <p14:creationId xmlns:p14="http://schemas.microsoft.com/office/powerpoint/2010/main" val="2878581974"/>
       </p:ext>
     </p:extLst>
   </p:cSld>
@@ -2259,7 +2260,7 @@
           <a:p>
             <a:fld id="{577C0138-7A75-8149-9F79-A385D49B39ED}" type="datetimeFigureOut">
               <a:rPr lang="en-US" smtClean="0"/>
-              <a:t>6/24/20</a:t>
+              <a:t>6/30/20</a:t>
             </a:fld>
             <a:endParaRPr lang="en-US"/>
           </a:p>
@@ -2310,7 +2311,7 @@
     </p:spTree>
     <p:extLst>
       <p:ext uri="{BB962C8B-B14F-4D97-AF65-F5344CB8AC3E}">
-        <p14:creationId xmlns:p14="http://schemas.microsoft.com/office/powerpoint/2010/main" val="2951888669"/>
+        <p14:creationId xmlns:p14="http://schemas.microsoft.com/office/powerpoint/2010/main" val="2871449606"/>
       </p:ext>
     </p:extLst>
   </p:cSld>
@@ -2349,15 +2350,15 @@
         </p:nvSpPr>
         <p:spPr>
           <a:xfrm>
-            <a:off x="1952507" y="1889760"/>
-            <a:ext cx="9142452" cy="6614160"/>
+            <a:off x="629841" y="609600"/>
+            <a:ext cx="2949178" cy="2133600"/>
           </a:xfrm>
         </p:spPr>
         <p:txBody>
           <a:bodyPr anchor="b"/>
           <a:lstStyle>
             <a:lvl1pPr>
-              <a:defRPr sz="9920"/>
+              <a:defRPr sz="3200"/>
             </a:lvl1pPr>
           </a:lstStyle>
           <a:p>
@@ -2381,39 +2382,39 @@
         </p:nvSpPr>
         <p:spPr>
           <a:xfrm>
-            <a:off x="12050912" y="4081363"/>
-            <a:ext cx="14350365" cy="20144317"/>
+            <a:off x="3887391" y="1316569"/>
+            <a:ext cx="4629150" cy="6498167"/>
           </a:xfrm>
         </p:spPr>
         <p:txBody>
           <a:bodyPr/>
           <a:lstStyle>
             <a:lvl1pPr>
-              <a:defRPr sz="9920"/>
+              <a:defRPr sz="3200"/>
             </a:lvl1pPr>
             <a:lvl2pPr>
-              <a:defRPr sz="8680"/>
+              <a:defRPr sz="2800"/>
             </a:lvl2pPr>
             <a:lvl3pPr>
-              <a:defRPr sz="7440"/>
+              <a:defRPr sz="2400"/>
             </a:lvl3pPr>
             <a:lvl4pPr>
-              <a:defRPr sz="6200"/>
+              <a:defRPr sz="2000"/>
             </a:lvl4pPr>
             <a:lvl5pPr>
-              <a:defRPr sz="6200"/>
+              <a:defRPr sz="2000"/>
             </a:lvl5pPr>
             <a:lvl6pPr>
-              <a:defRPr sz="6200"/>
+              <a:defRPr sz="2000"/>
             </a:lvl6pPr>
             <a:lvl7pPr>
-              <a:defRPr sz="6200"/>
+              <a:defRPr sz="2000"/>
             </a:lvl7pPr>
             <a:lvl8pPr>
-              <a:defRPr sz="6200"/>
+              <a:defRPr sz="2000"/>
             </a:lvl8pPr>
             <a:lvl9pPr>
-              <a:defRPr sz="6200"/>
+              <a:defRPr sz="2000"/>
             </a:lvl9pPr>
           </a:lstStyle>
           <a:p>
@@ -2466,8 +2467,8 @@
         </p:nvSpPr>
         <p:spPr>
           <a:xfrm>
-            <a:off x="1952507" y="8503920"/>
-            <a:ext cx="9142452" cy="15754564"/>
+            <a:off x="629841" y="2743200"/>
+            <a:ext cx="2949178" cy="5082117"/>
           </a:xfrm>
         </p:spPr>
         <p:txBody>
@@ -2475,39 +2476,39 @@
           <a:lstStyle>
             <a:lvl1pPr marL="0" indent="0">
               <a:buNone/>
-              <a:defRPr sz="4960"/>
+              <a:defRPr sz="1600"/>
             </a:lvl1pPr>
-            <a:lvl2pPr marL="1417320" indent="0">
+            <a:lvl2pPr marL="457200" indent="0">
               <a:buNone/>
-              <a:defRPr sz="4340"/>
+              <a:defRPr sz="1400"/>
             </a:lvl2pPr>
-            <a:lvl3pPr marL="2834640" indent="0">
+            <a:lvl3pPr marL="914400" indent="0">
               <a:buNone/>
-              <a:defRPr sz="3720"/>
+              <a:defRPr sz="1200"/>
             </a:lvl3pPr>
-            <a:lvl4pPr marL="4251960" indent="0">
+            <a:lvl4pPr marL="1371600" indent="0">
               <a:buNone/>
-              <a:defRPr sz="3100"/>
+              <a:defRPr sz="1000"/>
             </a:lvl4pPr>
-            <a:lvl5pPr marL="5669280" indent="0">
+            <a:lvl5pPr marL="1828800" indent="0">
               <a:buNone/>
-              <a:defRPr sz="3100"/>
+              <a:defRPr sz="1000"/>
             </a:lvl5pPr>
-            <a:lvl6pPr marL="7086600" indent="0">
+            <a:lvl6pPr marL="2286000" indent="0">
               <a:buNone/>
-              <a:defRPr sz="3100"/>
+              <a:defRPr sz="1000"/>
             </a:lvl6pPr>
-            <a:lvl7pPr marL="8503920" indent="0">
+            <a:lvl7pPr marL="2743200" indent="0">
               <a:buNone/>
-              <a:defRPr sz="3100"/>
+              <a:defRPr sz="1000"/>
             </a:lvl7pPr>
-            <a:lvl8pPr marL="9921240" indent="0">
+            <a:lvl8pPr marL="3200400" indent="0">
               <a:buNone/>
-              <a:defRPr sz="3100"/>
+              <a:defRPr sz="1000"/>
             </a:lvl8pPr>
-            <a:lvl9pPr marL="11338560" indent="0">
+            <a:lvl9pPr marL="3657600" indent="0">
               <a:buNone/>
-              <a:defRPr sz="3100"/>
+              <a:defRPr sz="1000"/>
             </a:lvl9pPr>
           </a:lstStyle>
           <a:p>
@@ -2536,7 +2537,7 @@
           <a:p>
             <a:fld id="{577C0138-7A75-8149-9F79-A385D49B39ED}" type="datetimeFigureOut">
               <a:rPr lang="en-US" smtClean="0"/>
-              <a:t>6/24/20</a:t>
+              <a:t>6/30/20</a:t>
             </a:fld>
             <a:endParaRPr lang="en-US"/>
           </a:p>
@@ -2587,7 +2588,7 @@
     </p:spTree>
     <p:extLst>
       <p:ext uri="{BB962C8B-B14F-4D97-AF65-F5344CB8AC3E}">
-        <p14:creationId xmlns:p14="http://schemas.microsoft.com/office/powerpoint/2010/main" val="1597985121"/>
+        <p14:creationId xmlns:p14="http://schemas.microsoft.com/office/powerpoint/2010/main" val="4165982898"/>
       </p:ext>
     </p:extLst>
   </p:cSld>
@@ -2626,15 +2627,15 @@
         </p:nvSpPr>
         <p:spPr>
           <a:xfrm>
-            <a:off x="1952507" y="1889760"/>
-            <a:ext cx="9142452" cy="6614160"/>
+            <a:off x="629841" y="609600"/>
+            <a:ext cx="2949178" cy="2133600"/>
           </a:xfrm>
         </p:spPr>
         <p:txBody>
           <a:bodyPr anchor="b"/>
           <a:lstStyle>
             <a:lvl1pPr>
-              <a:defRPr sz="9920"/>
+              <a:defRPr sz="3200"/>
             </a:lvl1pPr>
           </a:lstStyle>
           <a:p>
@@ -2658,8 +2659,8 @@
         </p:nvSpPr>
         <p:spPr>
           <a:xfrm>
-            <a:off x="12050912" y="4081363"/>
-            <a:ext cx="14350365" cy="20144317"/>
+            <a:off x="3887391" y="1316569"/>
+            <a:ext cx="4629150" cy="6498167"/>
           </a:xfrm>
         </p:spPr>
         <p:txBody>
@@ -2667,39 +2668,39 @@
           <a:lstStyle>
             <a:lvl1pPr marL="0" indent="0">
               <a:buNone/>
-              <a:defRPr sz="9920"/>
+              <a:defRPr sz="3200"/>
             </a:lvl1pPr>
-            <a:lvl2pPr marL="1417320" indent="0">
+            <a:lvl2pPr marL="457200" indent="0">
               <a:buNone/>
-              <a:defRPr sz="8680"/>
+              <a:defRPr sz="2800"/>
             </a:lvl2pPr>
-            <a:lvl3pPr marL="2834640" indent="0">
+            <a:lvl3pPr marL="914400" indent="0">
               <a:buNone/>
-              <a:defRPr sz="7440"/>
+              <a:defRPr sz="2400"/>
             </a:lvl3pPr>
-            <a:lvl4pPr marL="4251960" indent="0">
+            <a:lvl4pPr marL="1371600" indent="0">
               <a:buNone/>
-              <a:defRPr sz="6200"/>
+              <a:defRPr sz="2000"/>
             </a:lvl4pPr>
-            <a:lvl5pPr marL="5669280" indent="0">
+            <a:lvl5pPr marL="1828800" indent="0">
               <a:buNone/>
-              <a:defRPr sz="6200"/>
+              <a:defRPr sz="2000"/>
             </a:lvl5pPr>
-            <a:lvl6pPr marL="7086600" indent="0">
+            <a:lvl6pPr marL="2286000" indent="0">
               <a:buNone/>
-              <a:defRPr sz="6200"/>
+              <a:defRPr sz="2000"/>
             </a:lvl6pPr>
-            <a:lvl7pPr marL="8503920" indent="0">
+            <a:lvl7pPr marL="2743200" indent="0">
               <a:buNone/>
-              <a:defRPr sz="6200"/>
+              <a:defRPr sz="2000"/>
             </a:lvl7pPr>
-            <a:lvl8pPr marL="9921240" indent="0">
+            <a:lvl8pPr marL="3200400" indent="0">
               <a:buNone/>
-              <a:defRPr sz="6200"/>
+              <a:defRPr sz="2000"/>
             </a:lvl8pPr>
-            <a:lvl9pPr marL="11338560" indent="0">
+            <a:lvl9pPr marL="3657600" indent="0">
               <a:buNone/>
-              <a:defRPr sz="6200"/>
+              <a:defRPr sz="2000"/>
             </a:lvl9pPr>
           </a:lstStyle>
           <a:p>
@@ -2723,8 +2724,8 @@
         </p:nvSpPr>
         <p:spPr>
           <a:xfrm>
-            <a:off x="1952507" y="8503920"/>
-            <a:ext cx="9142452" cy="15754564"/>
+            <a:off x="629841" y="2743200"/>
+            <a:ext cx="2949178" cy="5082117"/>
           </a:xfrm>
         </p:spPr>
         <p:txBody>
@@ -2732,39 +2733,39 @@
           <a:lstStyle>
             <a:lvl1pPr marL="0" indent="0">
               <a:buNone/>
-              <a:defRPr sz="4960"/>
+              <a:defRPr sz="1600"/>
             </a:lvl1pPr>
-            <a:lvl2pPr marL="1417320" indent="0">
+            <a:lvl2pPr marL="457200" indent="0">
               <a:buNone/>
-              <a:defRPr sz="4340"/>
+              <a:defRPr sz="1400"/>
             </a:lvl2pPr>
-            <a:lvl3pPr marL="2834640" indent="0">
+            <a:lvl3pPr marL="914400" indent="0">
               <a:buNone/>
-              <a:defRPr sz="3720"/>
+              <a:defRPr sz="1200"/>
             </a:lvl3pPr>
-            <a:lvl4pPr marL="4251960" indent="0">
+            <a:lvl4pPr marL="1371600" indent="0">
               <a:buNone/>
-              <a:defRPr sz="3100"/>
+              <a:defRPr sz="1000"/>
             </a:lvl4pPr>
-            <a:lvl5pPr marL="5669280" indent="0">
+            <a:lvl5pPr marL="1828800" indent="0">
               <a:buNone/>
-              <a:defRPr sz="3100"/>
+              <a:defRPr sz="1000"/>
             </a:lvl5pPr>
-            <a:lvl6pPr marL="7086600" indent="0">
+            <a:lvl6pPr marL="2286000" indent="0">
               <a:buNone/>
-              <a:defRPr sz="3100"/>
+              <a:defRPr sz="1000"/>
             </a:lvl6pPr>
-            <a:lvl7pPr marL="8503920" indent="0">
+            <a:lvl7pPr marL="2743200" indent="0">
               <a:buNone/>
-              <a:defRPr sz="3100"/>
+              <a:defRPr sz="1000"/>
             </a:lvl7pPr>
-            <a:lvl8pPr marL="9921240" indent="0">
+            <a:lvl8pPr marL="3200400" indent="0">
               <a:buNone/>
-              <a:defRPr sz="3100"/>
+              <a:defRPr sz="1000"/>
             </a:lvl8pPr>
-            <a:lvl9pPr marL="11338560" indent="0">
+            <a:lvl9pPr marL="3657600" indent="0">
               <a:buNone/>
-              <a:defRPr sz="3100"/>
+              <a:defRPr sz="1000"/>
             </a:lvl9pPr>
           </a:lstStyle>
           <a:p>
@@ -2793,7 +2794,7 @@
           <a:p>
             <a:fld id="{577C0138-7A75-8149-9F79-A385D49B39ED}" type="datetimeFigureOut">
               <a:rPr lang="en-US" smtClean="0"/>
-              <a:t>6/24/20</a:t>
+              <a:t>6/30/20</a:t>
             </a:fld>
             <a:endParaRPr lang="en-US"/>
           </a:p>
@@ -2844,7 +2845,7 @@
     </p:spTree>
     <p:extLst>
       <p:ext uri="{BB962C8B-B14F-4D97-AF65-F5344CB8AC3E}">
-        <p14:creationId xmlns:p14="http://schemas.microsoft.com/office/powerpoint/2010/main" val="3987358554"/>
+        <p14:creationId xmlns:p14="http://schemas.microsoft.com/office/powerpoint/2010/main" val="3795533040"/>
       </p:ext>
     </p:extLst>
   </p:cSld>
@@ -2888,8 +2889,8 @@
         </p:nvSpPr>
         <p:spPr>
           <a:xfrm>
-            <a:off x="1948815" y="1509189"/>
-            <a:ext cx="24448770" cy="5478994"/>
+            <a:off x="628650" y="486836"/>
+            <a:ext cx="7886700" cy="1767417"/>
           </a:xfrm>
           <a:prstGeom prst="rect">
             <a:avLst/>
@@ -2921,8 +2922,8 @@
         </p:nvSpPr>
         <p:spPr>
           <a:xfrm>
-            <a:off x="1948815" y="7545917"/>
-            <a:ext cx="24448770" cy="17985530"/>
+            <a:off x="628650" y="2434167"/>
+            <a:ext cx="7886700" cy="5801784"/>
           </a:xfrm>
           <a:prstGeom prst="rect">
             <a:avLst/>
@@ -2983,8 +2984,8 @@
         </p:nvSpPr>
         <p:spPr>
           <a:xfrm>
-            <a:off x="1948815" y="26272920"/>
-            <a:ext cx="6377940" cy="1509183"/>
+            <a:off x="628650" y="8475136"/>
+            <a:ext cx="2057400" cy="486833"/>
           </a:xfrm>
           <a:prstGeom prst="rect">
             <a:avLst/>
@@ -2994,7 +2995,7 @@
           <a:bodyPr vert="horz" lIns="91440" tIns="45720" rIns="91440" bIns="45720" rtlCol="0" anchor="ctr"/>
           <a:lstStyle>
             <a:lvl1pPr algn="l">
-              <a:defRPr sz="3720">
+              <a:defRPr sz="1200">
                 <a:solidFill>
                   <a:schemeClr val="tx1">
                     <a:tint val="75000"/>
@@ -3006,7 +3007,7 @@
           <a:p>
             <a:fld id="{577C0138-7A75-8149-9F79-A385D49B39ED}" type="datetimeFigureOut">
               <a:rPr lang="en-US" smtClean="0"/>
-              <a:t>6/24/20</a:t>
+              <a:t>6/30/20</a:t>
             </a:fld>
             <a:endParaRPr lang="en-US"/>
           </a:p>
@@ -3024,8 +3025,8 @@
         </p:nvSpPr>
         <p:spPr>
           <a:xfrm>
-            <a:off x="9389745" y="26272920"/>
-            <a:ext cx="9566910" cy="1509183"/>
+            <a:off x="3028950" y="8475136"/>
+            <a:ext cx="3086100" cy="486833"/>
           </a:xfrm>
           <a:prstGeom prst="rect">
             <a:avLst/>
@@ -3035,7 +3036,7 @@
           <a:bodyPr vert="horz" lIns="91440" tIns="45720" rIns="91440" bIns="45720" rtlCol="0" anchor="ctr"/>
           <a:lstStyle>
             <a:lvl1pPr algn="ctr">
-              <a:defRPr sz="3720">
+              <a:defRPr sz="1200">
                 <a:solidFill>
                   <a:schemeClr val="tx1">
                     <a:tint val="75000"/>
@@ -3061,8 +3062,8 @@
         </p:nvSpPr>
         <p:spPr>
           <a:xfrm>
-            <a:off x="20019645" y="26272920"/>
-            <a:ext cx="6377940" cy="1509183"/>
+            <a:off x="6457950" y="8475136"/>
+            <a:ext cx="2057400" cy="486833"/>
           </a:xfrm>
           <a:prstGeom prst="rect">
             <a:avLst/>
@@ -3072,7 +3073,7 @@
           <a:bodyPr vert="horz" lIns="91440" tIns="45720" rIns="91440" bIns="45720" rtlCol="0" anchor="ctr"/>
           <a:lstStyle>
             <a:lvl1pPr algn="r">
-              <a:defRPr sz="3720">
+              <a:defRPr sz="1200">
                 <a:solidFill>
                   <a:schemeClr val="tx1">
                     <a:tint val="75000"/>
@@ -3093,27 +3094,27 @@
     </p:spTree>
     <p:extLst>
       <p:ext uri="{BB962C8B-B14F-4D97-AF65-F5344CB8AC3E}">
-        <p14:creationId xmlns:p14="http://schemas.microsoft.com/office/powerpoint/2010/main" val="3603827800"/>
+        <p14:creationId xmlns:p14="http://schemas.microsoft.com/office/powerpoint/2010/main" val="4174351252"/>
       </p:ext>
     </p:extLst>
   </p:cSld>
   <p:clrMap bg1="lt1" tx1="dk1" bg2="lt2" tx2="dk2" accent1="accent1" accent2="accent2" accent3="accent3" accent4="accent4" accent5="accent5" accent6="accent6" hlink="hlink" folHlink="folHlink"/>
   <p:sldLayoutIdLst>
-    <p:sldLayoutId id="2147483913" r:id="rId1"/>
-    <p:sldLayoutId id="2147483914" r:id="rId2"/>
-    <p:sldLayoutId id="2147483915" r:id="rId3"/>
-    <p:sldLayoutId id="2147483916" r:id="rId4"/>
-    <p:sldLayoutId id="2147483917" r:id="rId5"/>
-    <p:sldLayoutId id="2147483918" r:id="rId6"/>
-    <p:sldLayoutId id="2147483919" r:id="rId7"/>
-    <p:sldLayoutId id="2147483920" r:id="rId8"/>
-    <p:sldLayoutId id="2147483921" r:id="rId9"/>
-    <p:sldLayoutId id="2147483922" r:id="rId10"/>
-    <p:sldLayoutId id="2147483923" r:id="rId11"/>
+    <p:sldLayoutId id="2147483937" r:id="rId1"/>
+    <p:sldLayoutId id="2147483938" r:id="rId2"/>
+    <p:sldLayoutId id="2147483939" r:id="rId3"/>
+    <p:sldLayoutId id="2147483940" r:id="rId4"/>
+    <p:sldLayoutId id="2147483941" r:id="rId5"/>
+    <p:sldLayoutId id="2147483942" r:id="rId6"/>
+    <p:sldLayoutId id="2147483943" r:id="rId7"/>
+    <p:sldLayoutId id="2147483944" r:id="rId8"/>
+    <p:sldLayoutId id="2147483945" r:id="rId9"/>
+    <p:sldLayoutId id="2147483946" r:id="rId10"/>
+    <p:sldLayoutId id="2147483947" r:id="rId11"/>
   </p:sldLayoutIdLst>
   <p:txStyles>
     <p:titleStyle>
-      <a:lvl1pPr algn="l" defTabSz="2834640" rtl="0" eaLnBrk="1" latinLnBrk="0" hangingPunct="1">
+      <a:lvl1pPr algn="l" defTabSz="914400" rtl="0" eaLnBrk="1" latinLnBrk="0" hangingPunct="1">
         <a:lnSpc>
           <a:spcPct val="90000"/>
         </a:lnSpc>
@@ -3121,7 +3122,7 @@
           <a:spcPct val="0"/>
         </a:spcBef>
         <a:buNone/>
-        <a:defRPr sz="13640" kern="1200">
+        <a:defRPr sz="4400" kern="1200">
           <a:solidFill>
             <a:schemeClr val="tx1"/>
           </a:solidFill>
@@ -3132,16 +3133,16 @@
       </a:lvl1pPr>
     </p:titleStyle>
     <p:bodyStyle>
-      <a:lvl1pPr marL="708660" indent="-708660" algn="l" defTabSz="2834640" rtl="0" eaLnBrk="1" latinLnBrk="0" hangingPunct="1">
+      <a:lvl1pPr marL="228600" indent="-228600" algn="l" defTabSz="914400" rtl="0" eaLnBrk="1" latinLnBrk="0" hangingPunct="1">
         <a:lnSpc>
           <a:spcPct val="90000"/>
         </a:lnSpc>
         <a:spcBef>
-          <a:spcPts val="3100"/>
+          <a:spcPts val="1000"/>
         </a:spcBef>
         <a:buFont typeface="Arial" panose="020B0604020202020204" pitchFamily="34" charset="0"/>
         <a:buChar char="•"/>
-        <a:defRPr sz="8680" kern="1200">
+        <a:defRPr sz="2800" kern="1200">
           <a:solidFill>
             <a:schemeClr val="tx1"/>
           </a:solidFill>
@@ -3150,16 +3151,16 @@
           <a:cs typeface="+mn-cs"/>
         </a:defRPr>
       </a:lvl1pPr>
-      <a:lvl2pPr marL="2125980" indent="-708660" algn="l" defTabSz="2834640" rtl="0" eaLnBrk="1" latinLnBrk="0" hangingPunct="1">
+      <a:lvl2pPr marL="685800" indent="-228600" algn="l" defTabSz="914400" rtl="0" eaLnBrk="1" latinLnBrk="0" hangingPunct="1">
         <a:lnSpc>
           <a:spcPct val="90000"/>
         </a:lnSpc>
         <a:spcBef>
-          <a:spcPts val="1550"/>
+          <a:spcPts val="500"/>
         </a:spcBef>
         <a:buFont typeface="Arial" panose="020B0604020202020204" pitchFamily="34" charset="0"/>
         <a:buChar char="•"/>
-        <a:defRPr sz="7440" kern="1200">
+        <a:defRPr sz="2400" kern="1200">
           <a:solidFill>
             <a:schemeClr val="tx1"/>
           </a:solidFill>
@@ -3168,16 +3169,16 @@
           <a:cs typeface="+mn-cs"/>
         </a:defRPr>
       </a:lvl2pPr>
-      <a:lvl3pPr marL="3543300" indent="-708660" algn="l" defTabSz="2834640" rtl="0" eaLnBrk="1" latinLnBrk="0" hangingPunct="1">
+      <a:lvl3pPr marL="1143000" indent="-228600" algn="l" defTabSz="914400" rtl="0" eaLnBrk="1" latinLnBrk="0" hangingPunct="1">
         <a:lnSpc>
           <a:spcPct val="90000"/>
         </a:lnSpc>
         <a:spcBef>
-          <a:spcPts val="1550"/>
+          <a:spcPts val="500"/>
         </a:spcBef>
         <a:buFont typeface="Arial" panose="020B0604020202020204" pitchFamily="34" charset="0"/>
         <a:buChar char="•"/>
-        <a:defRPr sz="6200" kern="1200">
+        <a:defRPr sz="2000" kern="1200">
           <a:solidFill>
             <a:schemeClr val="tx1"/>
           </a:solidFill>
@@ -3186,16 +3187,16 @@
           <a:cs typeface="+mn-cs"/>
         </a:defRPr>
       </a:lvl3pPr>
-      <a:lvl4pPr marL="4960620" indent="-708660" algn="l" defTabSz="2834640" rtl="0" eaLnBrk="1" latinLnBrk="0" hangingPunct="1">
+      <a:lvl4pPr marL="1600200" indent="-228600" algn="l" defTabSz="914400" rtl="0" eaLnBrk="1" latinLnBrk="0" hangingPunct="1">
         <a:lnSpc>
           <a:spcPct val="90000"/>
         </a:lnSpc>
         <a:spcBef>
-          <a:spcPts val="1550"/>
+          <a:spcPts val="500"/>
         </a:spcBef>
         <a:buFont typeface="Arial" panose="020B0604020202020204" pitchFamily="34" charset="0"/>
         <a:buChar char="•"/>
-        <a:defRPr sz="5580" kern="1200">
+        <a:defRPr sz="1800" kern="1200">
           <a:solidFill>
             <a:schemeClr val="tx1"/>
           </a:solidFill>
@@ -3204,16 +3205,16 @@
           <a:cs typeface="+mn-cs"/>
         </a:defRPr>
       </a:lvl4pPr>
-      <a:lvl5pPr marL="6377940" indent="-708660" algn="l" defTabSz="2834640" rtl="0" eaLnBrk="1" latinLnBrk="0" hangingPunct="1">
+      <a:lvl5pPr marL="2057400" indent="-228600" algn="l" defTabSz="914400" rtl="0" eaLnBrk="1" latinLnBrk="0" hangingPunct="1">
         <a:lnSpc>
           <a:spcPct val="90000"/>
         </a:lnSpc>
         <a:spcBef>
-          <a:spcPts val="1550"/>
+          <a:spcPts val="500"/>
         </a:spcBef>
         <a:buFont typeface="Arial" panose="020B0604020202020204" pitchFamily="34" charset="0"/>
         <a:buChar char="•"/>
-        <a:defRPr sz="5580" kern="1200">
+        <a:defRPr sz="1800" kern="1200">
           <a:solidFill>
             <a:schemeClr val="tx1"/>
           </a:solidFill>
@@ -3222,16 +3223,16 @@
           <a:cs typeface="+mn-cs"/>
         </a:defRPr>
       </a:lvl5pPr>
-      <a:lvl6pPr marL="7795260" indent="-708660" algn="l" defTabSz="2834640" rtl="0" eaLnBrk="1" latinLnBrk="0" hangingPunct="1">
+      <a:lvl6pPr marL="2514600" indent="-228600" algn="l" defTabSz="914400" rtl="0" eaLnBrk="1" latinLnBrk="0" hangingPunct="1">
         <a:lnSpc>
           <a:spcPct val="90000"/>
         </a:lnSpc>
         <a:spcBef>
-          <a:spcPts val="1550"/>
+          <a:spcPts val="500"/>
         </a:spcBef>
         <a:buFont typeface="Arial" panose="020B0604020202020204" pitchFamily="34" charset="0"/>
         <a:buChar char="•"/>
-        <a:defRPr sz="5580" kern="1200">
+        <a:defRPr sz="1800" kern="1200">
           <a:solidFill>
             <a:schemeClr val="tx1"/>
           </a:solidFill>
@@ -3240,16 +3241,16 @@
           <a:cs typeface="+mn-cs"/>
         </a:defRPr>
       </a:lvl6pPr>
-      <a:lvl7pPr marL="9212580" indent="-708660" algn="l" defTabSz="2834640" rtl="0" eaLnBrk="1" latinLnBrk="0" hangingPunct="1">
+      <a:lvl7pPr marL="2971800" indent="-228600" algn="l" defTabSz="914400" rtl="0" eaLnBrk="1" latinLnBrk="0" hangingPunct="1">
         <a:lnSpc>
           <a:spcPct val="90000"/>
         </a:lnSpc>
         <a:spcBef>
-          <a:spcPts val="1550"/>
+          <a:spcPts val="500"/>
         </a:spcBef>
         <a:buFont typeface="Arial" panose="020B0604020202020204" pitchFamily="34" charset="0"/>
         <a:buChar char="•"/>
-        <a:defRPr sz="5580" kern="1200">
+        <a:defRPr sz="1800" kern="1200">
           <a:solidFill>
             <a:schemeClr val="tx1"/>
           </a:solidFill>
@@ -3258,16 +3259,16 @@
           <a:cs typeface="+mn-cs"/>
         </a:defRPr>
       </a:lvl7pPr>
-      <a:lvl8pPr marL="10629900" indent="-708660" algn="l" defTabSz="2834640" rtl="0" eaLnBrk="1" latinLnBrk="0" hangingPunct="1">
+      <a:lvl8pPr marL="3429000" indent="-228600" algn="l" defTabSz="914400" rtl="0" eaLnBrk="1" latinLnBrk="0" hangingPunct="1">
         <a:lnSpc>
           <a:spcPct val="90000"/>
         </a:lnSpc>
         <a:spcBef>
-          <a:spcPts val="1550"/>
+          <a:spcPts val="500"/>
         </a:spcBef>
         <a:buFont typeface="Arial" panose="020B0604020202020204" pitchFamily="34" charset="0"/>
         <a:buChar char="•"/>
-        <a:defRPr sz="5580" kern="1200">
+        <a:defRPr sz="1800" kern="1200">
           <a:solidFill>
             <a:schemeClr val="tx1"/>
           </a:solidFill>
@@ -3276,16 +3277,16 @@
           <a:cs typeface="+mn-cs"/>
         </a:defRPr>
       </a:lvl8pPr>
-      <a:lvl9pPr marL="12047220" indent="-708660" algn="l" defTabSz="2834640" rtl="0" eaLnBrk="1" latinLnBrk="0" hangingPunct="1">
+      <a:lvl9pPr marL="3886200" indent="-228600" algn="l" defTabSz="914400" rtl="0" eaLnBrk="1" latinLnBrk="0" hangingPunct="1">
         <a:lnSpc>
           <a:spcPct val="90000"/>
         </a:lnSpc>
         <a:spcBef>
-          <a:spcPts val="1550"/>
+          <a:spcPts val="500"/>
         </a:spcBef>
         <a:buFont typeface="Arial" panose="020B0604020202020204" pitchFamily="34" charset="0"/>
         <a:buChar char="•"/>
-        <a:defRPr sz="5580" kern="1200">
+        <a:defRPr sz="1800" kern="1200">
           <a:solidFill>
             <a:schemeClr val="tx1"/>
           </a:solidFill>
@@ -3299,8 +3300,8 @@
       <a:defPPr>
         <a:defRPr lang="en-US"/>
       </a:defPPr>
-      <a:lvl1pPr marL="0" algn="l" defTabSz="2834640" rtl="0" eaLnBrk="1" latinLnBrk="0" hangingPunct="1">
-        <a:defRPr sz="5580" kern="1200">
+      <a:lvl1pPr marL="0" algn="l" defTabSz="914400" rtl="0" eaLnBrk="1" latinLnBrk="0" hangingPunct="1">
+        <a:defRPr sz="1800" kern="1200">
           <a:solidFill>
             <a:schemeClr val="tx1"/>
           </a:solidFill>
@@ -3309,8 +3310,8 @@
           <a:cs typeface="+mn-cs"/>
         </a:defRPr>
       </a:lvl1pPr>
-      <a:lvl2pPr marL="1417320" algn="l" defTabSz="2834640" rtl="0" eaLnBrk="1" latinLnBrk="0" hangingPunct="1">
-        <a:defRPr sz="5580" kern="1200">
+      <a:lvl2pPr marL="457200" algn="l" defTabSz="914400" rtl="0" eaLnBrk="1" latinLnBrk="0" hangingPunct="1">
+        <a:defRPr sz="1800" kern="1200">
           <a:solidFill>
             <a:schemeClr val="tx1"/>
           </a:solidFill>
@@ -3319,8 +3320,8 @@
           <a:cs typeface="+mn-cs"/>
         </a:defRPr>
       </a:lvl2pPr>
-      <a:lvl3pPr marL="2834640" algn="l" defTabSz="2834640" rtl="0" eaLnBrk="1" latinLnBrk="0" hangingPunct="1">
-        <a:defRPr sz="5580" kern="1200">
+      <a:lvl3pPr marL="914400" algn="l" defTabSz="914400" rtl="0" eaLnBrk="1" latinLnBrk="0" hangingPunct="1">
+        <a:defRPr sz="1800" kern="1200">
           <a:solidFill>
             <a:schemeClr val="tx1"/>
           </a:solidFill>
@@ -3329,8 +3330,8 @@
           <a:cs typeface="+mn-cs"/>
         </a:defRPr>
       </a:lvl3pPr>
-      <a:lvl4pPr marL="4251960" algn="l" defTabSz="2834640" rtl="0" eaLnBrk="1" latinLnBrk="0" hangingPunct="1">
-        <a:defRPr sz="5580" kern="1200">
+      <a:lvl4pPr marL="1371600" algn="l" defTabSz="914400" rtl="0" eaLnBrk="1" latinLnBrk="0" hangingPunct="1">
+        <a:defRPr sz="1800" kern="1200">
           <a:solidFill>
             <a:schemeClr val="tx1"/>
           </a:solidFill>
@@ -3339,8 +3340,8 @@
           <a:cs typeface="+mn-cs"/>
         </a:defRPr>
       </a:lvl4pPr>
-      <a:lvl5pPr marL="5669280" algn="l" defTabSz="2834640" rtl="0" eaLnBrk="1" latinLnBrk="0" hangingPunct="1">
-        <a:defRPr sz="5580" kern="1200">
+      <a:lvl5pPr marL="1828800" algn="l" defTabSz="914400" rtl="0" eaLnBrk="1" latinLnBrk="0" hangingPunct="1">
+        <a:defRPr sz="1800" kern="1200">
           <a:solidFill>
             <a:schemeClr val="tx1"/>
           </a:solidFill>
@@ -3349,8 +3350,8 @@
           <a:cs typeface="+mn-cs"/>
         </a:defRPr>
       </a:lvl5pPr>
-      <a:lvl6pPr marL="7086600" algn="l" defTabSz="2834640" rtl="0" eaLnBrk="1" latinLnBrk="0" hangingPunct="1">
-        <a:defRPr sz="5580" kern="1200">
+      <a:lvl6pPr marL="2286000" algn="l" defTabSz="914400" rtl="0" eaLnBrk="1" latinLnBrk="0" hangingPunct="1">
+        <a:defRPr sz="1800" kern="1200">
           <a:solidFill>
             <a:schemeClr val="tx1"/>
           </a:solidFill>
@@ -3359,8 +3360,8 @@
           <a:cs typeface="+mn-cs"/>
         </a:defRPr>
       </a:lvl6pPr>
-      <a:lvl7pPr marL="8503920" algn="l" defTabSz="2834640" rtl="0" eaLnBrk="1" latinLnBrk="0" hangingPunct="1">
-        <a:defRPr sz="5580" kern="1200">
+      <a:lvl7pPr marL="2743200" algn="l" defTabSz="914400" rtl="0" eaLnBrk="1" latinLnBrk="0" hangingPunct="1">
+        <a:defRPr sz="1800" kern="1200">
           <a:solidFill>
             <a:schemeClr val="tx1"/>
           </a:solidFill>
@@ -3369,8 +3370,8 @@
           <a:cs typeface="+mn-cs"/>
         </a:defRPr>
       </a:lvl7pPr>
-      <a:lvl8pPr marL="9921240" algn="l" defTabSz="2834640" rtl="0" eaLnBrk="1" latinLnBrk="0" hangingPunct="1">
-        <a:defRPr sz="5580" kern="1200">
+      <a:lvl8pPr marL="3200400" algn="l" defTabSz="914400" rtl="0" eaLnBrk="1" latinLnBrk="0" hangingPunct="1">
+        <a:defRPr sz="1800" kern="1200">
           <a:solidFill>
             <a:schemeClr val="tx1"/>
           </a:solidFill>
@@ -3379,8 +3380,8 @@
           <a:cs typeface="+mn-cs"/>
         </a:defRPr>
       </a:lvl8pPr>
-      <a:lvl9pPr marL="11338560" algn="l" defTabSz="2834640" rtl="0" eaLnBrk="1" latinLnBrk="0" hangingPunct="1">
-        <a:defRPr sz="5580" kern="1200">
+      <a:lvl9pPr marL="3657600" algn="l" defTabSz="914400" rtl="0" eaLnBrk="1" latinLnBrk="0" hangingPunct="1">
+        <a:defRPr sz="1800" kern="1200">
           <a:solidFill>
             <a:schemeClr val="tx1"/>
           </a:solidFill>
@@ -3433,8 +3434,8 @@
         </p:blipFill>
         <p:spPr>
           <a:xfrm>
-            <a:off x="16521723" y="17118461"/>
-            <a:ext cx="10083800" cy="5969000"/>
+            <a:off x="5329588" y="5522084"/>
+            <a:ext cx="3252839" cy="1925484"/>
           </a:xfrm>
           <a:prstGeom prst="rect">
             <a:avLst/>
@@ -3463,8 +3464,8 @@
         </p:blipFill>
         <p:spPr>
           <a:xfrm>
-            <a:off x="13355101" y="9479281"/>
-            <a:ext cx="15143699" cy="7464295"/>
+            <a:off x="4308098" y="3057832"/>
+            <a:ext cx="4885064" cy="2407838"/>
           </a:xfrm>
           <a:prstGeom prst="rect">
             <a:avLst/>
@@ -3493,8 +3494,8 @@
         </p:blipFill>
         <p:spPr>
           <a:xfrm>
-            <a:off x="46565" y="9593471"/>
-            <a:ext cx="13734731" cy="7464294"/>
+            <a:off x="15022" y="3094670"/>
+            <a:ext cx="4430559" cy="2407836"/>
           </a:xfrm>
           <a:prstGeom prst="rect">
             <a:avLst/>
@@ -3523,8 +3524,8 @@
         </p:blipFill>
         <p:spPr>
           <a:xfrm>
-            <a:off x="575282" y="17270861"/>
-            <a:ext cx="15938500" cy="11391900"/>
+            <a:off x="185576" y="5571246"/>
+            <a:ext cx="5141451" cy="3674806"/>
           </a:xfrm>
           <a:prstGeom prst="rect">
             <a:avLst/>
@@ -3553,8 +3554,8 @@
         </p:blipFill>
         <p:spPr>
           <a:xfrm>
-            <a:off x="12866095" y="521859"/>
-            <a:ext cx="15673366" cy="8888187"/>
+            <a:off x="4150353" y="168341"/>
+            <a:ext cx="5055925" cy="2867158"/>
           </a:xfrm>
           <a:prstGeom prst="rect">
             <a:avLst/>
@@ -3583,8 +3584,8 @@
         </p:blipFill>
         <p:spPr>
           <a:xfrm>
-            <a:off x="306585" y="391230"/>
-            <a:ext cx="12850895" cy="8888187"/>
+            <a:off x="98899" y="126204"/>
+            <a:ext cx="4145450" cy="2867158"/>
           </a:xfrm>
           <a:prstGeom prst="rect">
             <a:avLst/>
@@ -3605,8 +3606,8 @@
         </p:nvSpPr>
         <p:spPr>
           <a:xfrm>
-            <a:off x="1298358" y="260974"/>
-            <a:ext cx="340205" cy="519588"/>
+            <a:off x="418826" y="84185"/>
+            <a:ext cx="109744" cy="231474"/>
           </a:xfrm>
           <a:prstGeom prst="rect">
             <a:avLst/>
@@ -3620,7 +3621,7 @@
           <a:lstStyle/>
           <a:p>
             <a:r>
-              <a:rPr lang="en-US" sz="2800" b="1" dirty="0"/>
+              <a:rPr lang="en-US" sz="904" b="1" dirty="0"/>
               <a:t>a</a:t>
             </a:r>
           </a:p>
@@ -3640,8 +3641,8 @@
         </p:nvSpPr>
         <p:spPr>
           <a:xfrm>
-            <a:off x="17986982" y="17408021"/>
-            <a:ext cx="298480" cy="523220"/>
+            <a:off x="5802253" y="5615491"/>
+            <a:ext cx="221536" cy="231474"/>
           </a:xfrm>
           <a:prstGeom prst="rect">
             <a:avLst/>
@@ -3655,7 +3656,7 @@
           <a:lstStyle/>
           <a:p>
             <a:r>
-              <a:rPr lang="en-US" sz="2800" b="1" dirty="0"/>
+              <a:rPr lang="en-US" sz="904" b="1" dirty="0"/>
               <a:t>f</a:t>
             </a:r>
           </a:p>
@@ -3675,8 +3676,8 @@
         </p:nvSpPr>
         <p:spPr>
           <a:xfrm>
-            <a:off x="1228160" y="17721081"/>
-            <a:ext cx="343570" cy="519588"/>
+            <a:off x="396182" y="5716477"/>
+            <a:ext cx="110829" cy="231474"/>
           </a:xfrm>
           <a:prstGeom prst="rect">
             <a:avLst/>
@@ -3690,7 +3691,7 @@
           <a:lstStyle/>
           <a:p>
             <a:r>
-              <a:rPr lang="en-US" sz="2800" b="1" dirty="0"/>
+              <a:rPr lang="en-US" sz="904" b="1" dirty="0"/>
               <a:t>e</a:t>
             </a:r>
           </a:p>
@@ -3710,8 +3711,8 @@
         </p:nvSpPr>
         <p:spPr>
           <a:xfrm>
-            <a:off x="16325269" y="9501567"/>
-            <a:ext cx="377026" cy="523220"/>
+            <a:off x="5266216" y="3065021"/>
+            <a:ext cx="247184" cy="231474"/>
           </a:xfrm>
           <a:prstGeom prst="rect">
             <a:avLst/>
@@ -3725,7 +3726,7 @@
           <a:lstStyle/>
           <a:p>
             <a:r>
-              <a:rPr lang="en-US" sz="2800" b="1" dirty="0"/>
+              <a:rPr lang="en-US" sz="904" b="1" dirty="0"/>
               <a:t>d</a:t>
             </a:r>
           </a:p>
@@ -3745,8 +3746,8 @@
         </p:nvSpPr>
         <p:spPr>
           <a:xfrm>
-            <a:off x="1298345" y="9521611"/>
-            <a:ext cx="284258" cy="523220"/>
+            <a:off x="418822" y="3071487"/>
+            <a:ext cx="91696" cy="231474"/>
           </a:xfrm>
           <a:prstGeom prst="rect">
             <a:avLst/>
@@ -3760,7 +3761,7 @@
           <a:lstStyle/>
           <a:p>
             <a:r>
-              <a:rPr lang="en-US" sz="2800" b="1" dirty="0"/>
+              <a:rPr lang="en-US" sz="904" b="1" dirty="0"/>
               <a:t>c</a:t>
             </a:r>
           </a:p>
@@ -3780,8 +3781,8 @@
         </p:nvSpPr>
         <p:spPr>
           <a:xfrm>
-            <a:off x="16136756" y="260974"/>
-            <a:ext cx="377026" cy="523220"/>
+            <a:off x="5205405" y="84185"/>
+            <a:ext cx="247184" cy="231474"/>
           </a:xfrm>
           <a:prstGeom prst="rect">
             <a:avLst/>
@@ -3795,7 +3796,7 @@
           <a:lstStyle/>
           <a:p>
             <a:r>
-              <a:rPr lang="en-US" sz="2800" b="1" dirty="0"/>
+              <a:rPr lang="en-US" sz="904" b="1" dirty="0"/>
               <a:t>b</a:t>
             </a:r>
           </a:p>
@@ -3823,8 +3824,8 @@
         </p:blipFill>
         <p:spPr>
           <a:xfrm>
-            <a:off x="18611722" y="22911120"/>
-            <a:ext cx="7530527" cy="5802210"/>
+            <a:off x="6003781" y="7390685"/>
+            <a:ext cx="2429203" cy="1871681"/>
           </a:xfrm>
           <a:prstGeom prst="rect">
             <a:avLst/>
@@ -3845,8 +3846,8 @@
         </p:nvSpPr>
         <p:spPr>
           <a:xfrm>
-            <a:off x="17903682" y="23186570"/>
-            <a:ext cx="286500" cy="523220"/>
+            <a:off x="5775382" y="7479539"/>
+            <a:ext cx="92419" cy="231474"/>
           </a:xfrm>
           <a:prstGeom prst="rect">
             <a:avLst/>
@@ -3860,7 +3861,7 @@
           <a:lstStyle/>
           <a:p>
             <a:r>
-              <a:rPr lang="en-US" sz="2800" b="1" dirty="0"/>
+              <a:rPr lang="en-US" sz="904" b="1" dirty="0"/>
               <a:t>g</a:t>
             </a:r>
           </a:p>
@@ -3882,8 +3883,8 @@
         </p:nvCxnSpPr>
         <p:spPr>
           <a:xfrm>
-            <a:off x="9393382" y="17931241"/>
-            <a:ext cx="397858" cy="75503"/>
+            <a:off x="3030125" y="5784272"/>
+            <a:ext cx="128341" cy="24356"/>
           </a:xfrm>
           <a:prstGeom prst="straightConnector1">
             <a:avLst/>
@@ -3921,8 +3922,8 @@
         </p:nvSpPr>
         <p:spPr>
           <a:xfrm>
-            <a:off x="7488079" y="17684504"/>
-            <a:ext cx="1996021" cy="477054"/>
+            <a:off x="2415510" y="5704679"/>
+            <a:ext cx="643878" cy="340350"/>
           </a:xfrm>
           <a:prstGeom prst="rect">
             <a:avLst/>
@@ -3936,10 +3937,10 @@
           <a:lstStyle/>
           <a:p>
             <a:r>
-              <a:rPr lang="en-US" sz="2500" dirty="0" err="1"/>
+              <a:rPr lang="en-US" sz="806" dirty="0" err="1"/>
               <a:t>Trimmomatic</a:t>
             </a:r>
-            <a:endParaRPr lang="en-US" sz="2500" dirty="0"/>
+            <a:endParaRPr lang="en-US" sz="806" dirty="0"/>
           </a:p>
         </p:txBody>
       </p:sp>
@@ -3959,8 +3960,8 @@
         </p:nvCxnSpPr>
         <p:spPr>
           <a:xfrm flipH="1">
-            <a:off x="5022506" y="19951178"/>
-            <a:ext cx="347516" cy="0"/>
+            <a:off x="1620162" y="6435864"/>
+            <a:ext cx="112103" cy="0"/>
           </a:xfrm>
           <a:prstGeom prst="straightConnector1">
             <a:avLst/>
@@ -3998,8 +3999,8 @@
         </p:nvSpPr>
         <p:spPr>
           <a:xfrm>
-            <a:off x="5365734" y="19749887"/>
-            <a:ext cx="821059" cy="477054"/>
+            <a:off x="1730882" y="6370932"/>
+            <a:ext cx="397866" cy="216341"/>
           </a:xfrm>
           <a:prstGeom prst="rect">
             <a:avLst/>
@@ -4013,7 +4014,7 @@
           <a:lstStyle/>
           <a:p>
             <a:r>
-              <a:rPr lang="en-US" sz="2500" dirty="0"/>
+              <a:rPr lang="en-US" sz="806" dirty="0"/>
               <a:t>STAR</a:t>
             </a:r>
           </a:p>
@@ -4035,8 +4036,8 @@
         </p:nvCxnSpPr>
         <p:spPr>
           <a:xfrm flipH="1">
-            <a:off x="11914593" y="20582312"/>
-            <a:ext cx="205362" cy="220279"/>
+            <a:off x="3843418" y="6639456"/>
+            <a:ext cx="66246" cy="71058"/>
           </a:xfrm>
           <a:prstGeom prst="straightConnector1">
             <a:avLst/>
@@ -4074,8 +4075,8 @@
         </p:nvSpPr>
         <p:spPr>
           <a:xfrm>
-            <a:off x="12094211" y="20251329"/>
-            <a:ext cx="1001556" cy="477054"/>
+            <a:off x="3901357" y="6532687"/>
+            <a:ext cx="453970" cy="216341"/>
           </a:xfrm>
           <a:prstGeom prst="rect">
             <a:avLst/>
@@ -4089,7 +4090,7 @@
           <a:lstStyle/>
           <a:p>
             <a:r>
-              <a:rPr lang="en-US" sz="2500" dirty="0"/>
+              <a:rPr lang="en-US" sz="806" dirty="0"/>
               <a:t>Trinity</a:t>
             </a:r>
           </a:p>
@@ -4109,8 +4110,8 @@
         </p:nvSpPr>
         <p:spPr>
           <a:xfrm>
-            <a:off x="4336156" y="19120802"/>
-            <a:ext cx="1874744" cy="477054"/>
+            <a:off x="1398761" y="6168002"/>
+            <a:ext cx="736099" cy="216341"/>
           </a:xfrm>
           <a:prstGeom prst="rect">
             <a:avLst/>
@@ -4124,11 +4125,11 @@
           <a:lstStyle/>
           <a:p>
             <a:r>
-              <a:rPr lang="en-US" sz="2500" dirty="0" err="1"/>
+              <a:rPr lang="en-US" sz="806" dirty="0" err="1"/>
               <a:t>Ht</a:t>
             </a:r>
             <a:r>
-              <a:rPr lang="en-US" sz="2500" dirty="0"/>
+              <a:rPr lang="en-US" sz="806" dirty="0"/>
               <a:t>-seq-count</a:t>
             </a:r>
           </a:p>
@@ -4150,8 +4151,8 @@
         </p:nvCxnSpPr>
         <p:spPr>
           <a:xfrm flipH="1">
-            <a:off x="4336156" y="19506759"/>
-            <a:ext cx="136091" cy="273928"/>
+            <a:off x="1398760" y="6292503"/>
+            <a:ext cx="43900" cy="88364"/>
           </a:xfrm>
           <a:prstGeom prst="straightConnector1">
             <a:avLst/>
@@ -4189,8 +4190,8 @@
         </p:nvSpPr>
         <p:spPr>
           <a:xfrm>
-            <a:off x="11272061" y="17667978"/>
-            <a:ext cx="1271567" cy="477054"/>
+            <a:off x="3636149" y="5699348"/>
+            <a:ext cx="537327" cy="216341"/>
           </a:xfrm>
           <a:prstGeom prst="rect">
             <a:avLst/>
@@ -4204,7 +4205,7 @@
           <a:lstStyle/>
           <a:p>
             <a:r>
-              <a:rPr lang="en-US" sz="2500" dirty="0"/>
+              <a:rPr lang="en-US" sz="806" dirty="0"/>
               <a:t>DESeq-2</a:t>
             </a:r>
           </a:p>
@@ -4226,8 +4227,8 @@
         </p:nvCxnSpPr>
         <p:spPr>
           <a:xfrm flipH="1">
-            <a:off x="10901378" y="17885894"/>
-            <a:ext cx="403098" cy="89639"/>
+            <a:off x="3516575" y="5769645"/>
+            <a:ext cx="130031" cy="28916"/>
           </a:xfrm>
           <a:prstGeom prst="straightConnector1">
             <a:avLst/>
@@ -4265,8 +4266,8 @@
         </p:nvSpPr>
         <p:spPr>
           <a:xfrm>
-            <a:off x="13982007" y="20802591"/>
-            <a:ext cx="2045753" cy="477054"/>
+            <a:off x="4510326" y="6710515"/>
+            <a:ext cx="785793" cy="216341"/>
           </a:xfrm>
           <a:prstGeom prst="rect">
             <a:avLst/>
@@ -4280,10 +4281,10 @@
           <a:lstStyle/>
           <a:p>
             <a:r>
-              <a:rPr lang="en-US" sz="2500" dirty="0" err="1"/>
+              <a:rPr lang="en-US" sz="806" dirty="0" err="1"/>
               <a:t>CummeRbund</a:t>
             </a:r>
-            <a:endParaRPr lang="en-US" sz="2500" dirty="0"/>
+            <a:endParaRPr lang="en-US" sz="806" dirty="0"/>
           </a:p>
         </p:txBody>
       </p:sp>
@@ -4303,8 +4304,8 @@
         </p:nvCxnSpPr>
         <p:spPr>
           <a:xfrm>
-            <a:off x="13544461" y="20954636"/>
-            <a:ext cx="437546" cy="32621"/>
+            <a:off x="4369182" y="6759560"/>
+            <a:ext cx="141144" cy="10523"/>
           </a:xfrm>
           <a:prstGeom prst="straightConnector1">
             <a:avLst/>
@@ -4380,8 +4381,8 @@
         </p:blipFill>
         <p:spPr>
           <a:xfrm>
-            <a:off x="0" y="16777258"/>
-            <a:ext cx="16606384" cy="11850380"/>
+            <a:off x="0" y="5412019"/>
+            <a:ext cx="5356898" cy="3822704"/>
           </a:xfrm>
           <a:prstGeom prst="rect">
             <a:avLst/>
@@ -4410,8 +4411,8 @@
         </p:blipFill>
         <p:spPr>
           <a:xfrm>
-            <a:off x="16521723" y="17118461"/>
-            <a:ext cx="10083800" cy="5969000"/>
+            <a:off x="5329588" y="5522084"/>
+            <a:ext cx="3252839" cy="1925484"/>
           </a:xfrm>
           <a:prstGeom prst="rect">
             <a:avLst/>
@@ -4440,8 +4441,8 @@
         </p:blipFill>
         <p:spPr>
           <a:xfrm>
-            <a:off x="13355101" y="9479281"/>
-            <a:ext cx="15143699" cy="7464295"/>
+            <a:off x="4308098" y="3057832"/>
+            <a:ext cx="4885064" cy="2407838"/>
           </a:xfrm>
           <a:prstGeom prst="rect">
             <a:avLst/>
@@ -4470,8 +4471,8 @@
         </p:blipFill>
         <p:spPr>
           <a:xfrm>
-            <a:off x="46565" y="9593471"/>
-            <a:ext cx="13734731" cy="7464294"/>
+            <a:off x="15022" y="3094670"/>
+            <a:ext cx="4430559" cy="2407836"/>
           </a:xfrm>
           <a:prstGeom prst="rect">
             <a:avLst/>
@@ -4500,8 +4501,8 @@
         </p:blipFill>
         <p:spPr>
           <a:xfrm>
-            <a:off x="12866095" y="521859"/>
-            <a:ext cx="15673366" cy="8888187"/>
+            <a:off x="4150353" y="168341"/>
+            <a:ext cx="5055925" cy="2867158"/>
           </a:xfrm>
           <a:prstGeom prst="rect">
             <a:avLst/>
@@ -4530,8 +4531,8 @@
         </p:blipFill>
         <p:spPr>
           <a:xfrm>
-            <a:off x="306585" y="391230"/>
-            <a:ext cx="12850895" cy="8888187"/>
+            <a:off x="98899" y="126204"/>
+            <a:ext cx="4145450" cy="2867158"/>
           </a:xfrm>
           <a:prstGeom prst="rect">
             <a:avLst/>
@@ -4552,8 +4553,8 @@
         </p:nvSpPr>
         <p:spPr>
           <a:xfrm>
-            <a:off x="1298358" y="260974"/>
-            <a:ext cx="340205" cy="519588"/>
+            <a:off x="418826" y="84185"/>
+            <a:ext cx="109744" cy="231474"/>
           </a:xfrm>
           <a:prstGeom prst="rect">
             <a:avLst/>
@@ -4567,7 +4568,7 @@
           <a:lstStyle/>
           <a:p>
             <a:r>
-              <a:rPr lang="en-US" sz="2800" b="1" dirty="0"/>
+              <a:rPr lang="en-US" sz="904" b="1" dirty="0"/>
               <a:t>a</a:t>
             </a:r>
           </a:p>
@@ -4587,8 +4588,8 @@
         </p:nvSpPr>
         <p:spPr>
           <a:xfrm>
-            <a:off x="17986982" y="17408021"/>
-            <a:ext cx="298480" cy="523220"/>
+            <a:off x="5802253" y="5615491"/>
+            <a:ext cx="221536" cy="231474"/>
           </a:xfrm>
           <a:prstGeom prst="rect">
             <a:avLst/>
@@ -4602,7 +4603,7 @@
           <a:lstStyle/>
           <a:p>
             <a:r>
-              <a:rPr lang="en-US" sz="2800" b="1" dirty="0"/>
+              <a:rPr lang="en-US" sz="904" b="1" dirty="0"/>
               <a:t>f</a:t>
             </a:r>
           </a:p>
@@ -4622,8 +4623,8 @@
         </p:nvSpPr>
         <p:spPr>
           <a:xfrm>
-            <a:off x="1228160" y="17721081"/>
-            <a:ext cx="343570" cy="519588"/>
+            <a:off x="396182" y="5716477"/>
+            <a:ext cx="110829" cy="231474"/>
           </a:xfrm>
           <a:prstGeom prst="rect">
             <a:avLst/>
@@ -4637,7 +4638,7 @@
           <a:lstStyle/>
           <a:p>
             <a:r>
-              <a:rPr lang="en-US" sz="2800" b="1" dirty="0"/>
+              <a:rPr lang="en-US" sz="904" b="1" dirty="0"/>
               <a:t>e</a:t>
             </a:r>
           </a:p>
@@ -4657,8 +4658,8 @@
         </p:nvSpPr>
         <p:spPr>
           <a:xfrm>
-            <a:off x="16325269" y="9501567"/>
-            <a:ext cx="377026" cy="523220"/>
+            <a:off x="5266216" y="3065021"/>
+            <a:ext cx="247184" cy="231474"/>
           </a:xfrm>
           <a:prstGeom prst="rect">
             <a:avLst/>
@@ -4672,7 +4673,7 @@
           <a:lstStyle/>
           <a:p>
             <a:r>
-              <a:rPr lang="en-US" sz="2800" b="1" dirty="0"/>
+              <a:rPr lang="en-US" sz="904" b="1" dirty="0"/>
               <a:t>d</a:t>
             </a:r>
           </a:p>
@@ -4692,8 +4693,8 @@
         </p:nvSpPr>
         <p:spPr>
           <a:xfrm>
-            <a:off x="1298345" y="9521611"/>
-            <a:ext cx="284258" cy="523220"/>
+            <a:off x="418822" y="3071487"/>
+            <a:ext cx="91696" cy="231474"/>
           </a:xfrm>
           <a:prstGeom prst="rect">
             <a:avLst/>
@@ -4707,7 +4708,7 @@
           <a:lstStyle/>
           <a:p>
             <a:r>
-              <a:rPr lang="en-US" sz="2800" b="1" dirty="0"/>
+              <a:rPr lang="en-US" sz="904" b="1" dirty="0"/>
               <a:t>c</a:t>
             </a:r>
           </a:p>
@@ -4727,8 +4728,8 @@
         </p:nvSpPr>
         <p:spPr>
           <a:xfrm>
-            <a:off x="16136756" y="260974"/>
-            <a:ext cx="377026" cy="523220"/>
+            <a:off x="5205405" y="84185"/>
+            <a:ext cx="247184" cy="231474"/>
           </a:xfrm>
           <a:prstGeom prst="rect">
             <a:avLst/>
@@ -4742,7 +4743,7 @@
           <a:lstStyle/>
           <a:p>
             <a:r>
-              <a:rPr lang="en-US" sz="2800" b="1" dirty="0"/>
+              <a:rPr lang="en-US" sz="904" b="1" dirty="0"/>
               <a:t>b</a:t>
             </a:r>
           </a:p>
@@ -4770,8 +4771,8 @@
         </p:blipFill>
         <p:spPr>
           <a:xfrm>
-            <a:off x="18611722" y="22911120"/>
-            <a:ext cx="7530527" cy="5802210"/>
+            <a:off x="6003781" y="7390685"/>
+            <a:ext cx="2429203" cy="1871681"/>
           </a:xfrm>
           <a:prstGeom prst="rect">
             <a:avLst/>
@@ -4792,8 +4793,8 @@
         </p:nvSpPr>
         <p:spPr>
           <a:xfrm>
-            <a:off x="17903682" y="23186570"/>
-            <a:ext cx="286500" cy="523220"/>
+            <a:off x="5775382" y="7479539"/>
+            <a:ext cx="92419" cy="231474"/>
           </a:xfrm>
           <a:prstGeom prst="rect">
             <a:avLst/>
@@ -4807,7 +4808,7 @@
           <a:lstStyle/>
           <a:p>
             <a:r>
-              <a:rPr lang="en-US" sz="2800" b="1" dirty="0"/>
+              <a:rPr lang="en-US" sz="904" b="1" dirty="0"/>
               <a:t>g</a:t>
             </a:r>
           </a:p>
@@ -4829,8 +4830,8 @@
         </p:nvCxnSpPr>
         <p:spPr>
           <a:xfrm flipH="1">
-            <a:off x="15554540" y="21476004"/>
-            <a:ext cx="252349" cy="477054"/>
+            <a:off x="5017594" y="6927743"/>
+            <a:ext cx="81403" cy="153889"/>
           </a:xfrm>
           <a:prstGeom prst="straightConnector1">
             <a:avLst/>
@@ -4868,8 +4869,8 @@
         </p:nvSpPr>
         <p:spPr>
           <a:xfrm>
-            <a:off x="15346471" y="21056960"/>
-            <a:ext cx="1996021" cy="477054"/>
+            <a:off x="4950475" y="6792567"/>
+            <a:ext cx="643878" cy="340350"/>
           </a:xfrm>
           <a:prstGeom prst="rect">
             <a:avLst/>
@@ -4883,10 +4884,10 @@
           <a:lstStyle/>
           <a:p>
             <a:r>
-              <a:rPr lang="en-US" sz="2500" dirty="0" err="1"/>
+              <a:rPr lang="en-US" sz="806" dirty="0" err="1"/>
               <a:t>Trimmomatic</a:t>
             </a:r>
-            <a:endParaRPr lang="en-US" sz="2500" dirty="0"/>
+            <a:endParaRPr lang="en-US" sz="806" dirty="0"/>
           </a:p>
         </p:txBody>
       </p:sp>
@@ -4906,8 +4907,8 @@
         </p:nvCxnSpPr>
         <p:spPr>
           <a:xfrm flipH="1">
-            <a:off x="12270328" y="18612945"/>
-            <a:ext cx="347516" cy="0"/>
+            <a:off x="3958170" y="6004176"/>
+            <a:ext cx="112103" cy="0"/>
           </a:xfrm>
           <a:prstGeom prst="straightConnector1">
             <a:avLst/>
@@ -4945,8 +4946,8 @@
         </p:nvSpPr>
         <p:spPr>
           <a:xfrm>
-            <a:off x="12613556" y="18411654"/>
-            <a:ext cx="821059" cy="477054"/>
+            <a:off x="4068889" y="5939245"/>
+            <a:ext cx="397866" cy="216341"/>
           </a:xfrm>
           <a:prstGeom prst="rect">
             <a:avLst/>
@@ -4960,7 +4961,7 @@
           <a:lstStyle/>
           <a:p>
             <a:r>
-              <a:rPr lang="en-US" sz="2500" dirty="0"/>
+              <a:rPr lang="en-US" sz="806" dirty="0"/>
               <a:t>STAR</a:t>
             </a:r>
           </a:p>
@@ -4982,8 +4983,8 @@
         </p:nvCxnSpPr>
         <p:spPr>
           <a:xfrm flipH="1" flipV="1">
-            <a:off x="10625425" y="24272251"/>
-            <a:ext cx="275404" cy="330983"/>
+            <a:off x="3427556" y="7829759"/>
+            <a:ext cx="88840" cy="106769"/>
           </a:xfrm>
           <a:prstGeom prst="straightConnector1">
             <a:avLst/>
@@ -5021,8 +5022,8 @@
         </p:nvSpPr>
         <p:spPr>
           <a:xfrm>
-            <a:off x="10902794" y="24426457"/>
-            <a:ext cx="1001556" cy="477054"/>
+            <a:off x="3517030" y="7879503"/>
+            <a:ext cx="453970" cy="216341"/>
           </a:xfrm>
           <a:prstGeom prst="rect">
             <a:avLst/>
@@ -5036,7 +5037,7 @@
           <a:lstStyle/>
           <a:p>
             <a:r>
-              <a:rPr lang="en-US" sz="2500" dirty="0"/>
+              <a:rPr lang="en-US" sz="806" dirty="0"/>
               <a:t>Trinity</a:t>
             </a:r>
           </a:p>
@@ -5056,8 +5057,8 @@
         </p:nvSpPr>
         <p:spPr>
           <a:xfrm>
-            <a:off x="12298456" y="17140704"/>
-            <a:ext cx="1874744" cy="477054"/>
+            <a:off x="3967244" y="5529261"/>
+            <a:ext cx="736099" cy="216341"/>
           </a:xfrm>
           <a:prstGeom prst="rect">
             <a:avLst/>
@@ -5071,11 +5072,11 @@
           <a:lstStyle/>
           <a:p>
             <a:r>
-              <a:rPr lang="en-US" sz="2500" dirty="0" err="1"/>
+              <a:rPr lang="en-US" sz="806" dirty="0" err="1"/>
               <a:t>Ht</a:t>
             </a:r>
             <a:r>
-              <a:rPr lang="en-US" sz="2500" dirty="0"/>
+              <a:rPr lang="en-US" sz="806" dirty="0"/>
               <a:t>-seq-count</a:t>
             </a:r>
           </a:p>
@@ -5097,8 +5098,8 @@
         </p:nvCxnSpPr>
         <p:spPr>
           <a:xfrm flipH="1">
-            <a:off x="12377970" y="17526661"/>
-            <a:ext cx="136091" cy="273928"/>
+            <a:off x="3992894" y="5653762"/>
+            <a:ext cx="43900" cy="88364"/>
           </a:xfrm>
           <a:prstGeom prst="straightConnector1">
             <a:avLst/>
@@ -5136,8 +5137,8 @@
         </p:nvSpPr>
         <p:spPr>
           <a:xfrm>
-            <a:off x="15593943" y="24024511"/>
-            <a:ext cx="1271567" cy="477054"/>
+            <a:off x="5030304" y="7749843"/>
+            <a:ext cx="537327" cy="216341"/>
           </a:xfrm>
           <a:prstGeom prst="rect">
             <a:avLst/>
@@ -5151,7 +5152,7 @@
           <a:lstStyle/>
           <a:p>
             <a:r>
-              <a:rPr lang="en-US" sz="2500" dirty="0"/>
+              <a:rPr lang="en-US" sz="806" dirty="0"/>
               <a:t>DESeq-2</a:t>
             </a:r>
           </a:p>
@@ -5173,8 +5174,8 @@
         </p:nvCxnSpPr>
         <p:spPr>
           <a:xfrm flipH="1" flipV="1">
-            <a:off x="15687618" y="23596489"/>
-            <a:ext cx="77401" cy="412346"/>
+            <a:off x="5060522" y="7611770"/>
+            <a:ext cx="24968" cy="133015"/>
           </a:xfrm>
           <a:prstGeom prst="straightConnector1">
             <a:avLst/>
@@ -5212,8 +5213,8 @@
         </p:nvSpPr>
         <p:spPr>
           <a:xfrm>
-            <a:off x="10887133" y="25077826"/>
-            <a:ext cx="2045753" cy="477054"/>
+            <a:off x="3511979" y="8089621"/>
+            <a:ext cx="659920" cy="340350"/>
           </a:xfrm>
           <a:prstGeom prst="rect">
             <a:avLst/>
@@ -5227,10 +5228,10 @@
           <a:lstStyle/>
           <a:p>
             <a:r>
-              <a:rPr lang="en-US" sz="2500" dirty="0" err="1"/>
+              <a:rPr lang="en-US" sz="806" dirty="0" err="1"/>
               <a:t>CummeRbund</a:t>
             </a:r>
-            <a:endParaRPr lang="en-US" sz="2500" dirty="0"/>
+            <a:endParaRPr lang="en-US" sz="806" dirty="0"/>
           </a:p>
         </p:txBody>
       </p:sp>
@@ -5250,8 +5251,8 @@
         </p:nvCxnSpPr>
         <p:spPr>
           <a:xfrm flipH="1" flipV="1">
-            <a:off x="10562405" y="24970518"/>
-            <a:ext cx="352437" cy="245853"/>
+            <a:off x="3407228" y="8055006"/>
+            <a:ext cx="113689" cy="79308"/>
           </a:xfrm>
           <a:prstGeom prst="straightConnector1">
             <a:avLst/>
@@ -5289,8 +5290,8 @@
         </p:nvSpPr>
         <p:spPr>
           <a:xfrm>
-            <a:off x="11010017" y="23611273"/>
-            <a:ext cx="1300677" cy="477054"/>
+            <a:off x="3551620" y="7616541"/>
+            <a:ext cx="546945" cy="216341"/>
           </a:xfrm>
           <a:prstGeom prst="rect">
             <a:avLst/>
@@ -5304,7 +5305,7 @@
           <a:lstStyle/>
           <a:p>
             <a:r>
-              <a:rPr lang="en-US" sz="2500" dirty="0"/>
+              <a:rPr lang="en-US" sz="806" dirty="0"/>
               <a:t>Cufflinks</a:t>
             </a:r>
           </a:p>
@@ -5327,8 +5328,8 @@
         </p:nvCxnSpPr>
         <p:spPr>
           <a:xfrm flipH="1">
-            <a:off x="10595391" y="23849800"/>
-            <a:ext cx="414626" cy="148222"/>
+            <a:off x="3417869" y="7724712"/>
+            <a:ext cx="133751" cy="16586"/>
           </a:xfrm>
           <a:prstGeom prst="straightConnector1">
             <a:avLst/>
@@ -5366,8 +5367,8 @@
         </p:nvSpPr>
         <p:spPr>
           <a:xfrm>
-            <a:off x="12681022" y="21681024"/>
-            <a:ext cx="1379224" cy="477054"/>
+            <a:off x="4090653" y="6993880"/>
+            <a:ext cx="574196" cy="216341"/>
           </a:xfrm>
           <a:prstGeom prst="rect">
             <a:avLst/>
@@ -5381,10 +5382,10 @@
           <a:lstStyle/>
           <a:p>
             <a:r>
-              <a:rPr lang="en-US" sz="2500" dirty="0" err="1"/>
+              <a:rPr lang="en-US" sz="806" dirty="0" err="1"/>
               <a:t>Samtools</a:t>
             </a:r>
-            <a:endParaRPr lang="en-US" sz="2500" dirty="0"/>
+            <a:endParaRPr lang="en-US" sz="806" dirty="0"/>
           </a:p>
         </p:txBody>
       </p:sp>
@@ -5404,8 +5405,8 @@
         </p:nvCxnSpPr>
         <p:spPr>
           <a:xfrm>
-            <a:off x="13920322" y="22100150"/>
-            <a:ext cx="287279" cy="296882"/>
+            <a:off x="4490427" y="7129081"/>
+            <a:ext cx="92671" cy="95769"/>
           </a:xfrm>
           <a:prstGeom prst="straightConnector1">
             <a:avLst/>
@@ -5443,8 +5444,8 @@
         </p:nvSpPr>
         <p:spPr>
           <a:xfrm>
-            <a:off x="11083636" y="19183126"/>
-            <a:ext cx="1268937" cy="477054"/>
+            <a:off x="3575366" y="6188106"/>
+            <a:ext cx="545342" cy="216341"/>
           </a:xfrm>
           <a:prstGeom prst="rect">
             <a:avLst/>
@@ -5458,7 +5459,7 @@
           <a:lstStyle/>
           <a:p>
             <a:r>
-              <a:rPr lang="en-US" sz="2500" dirty="0"/>
+              <a:rPr lang="en-US" sz="806" dirty="0"/>
               <a:t>TopHat2</a:t>
             </a:r>
           </a:p>
@@ -5480,8 +5481,8 @@
         </p:nvCxnSpPr>
         <p:spPr>
           <a:xfrm flipH="1" flipV="1">
-            <a:off x="11082624" y="18922591"/>
-            <a:ext cx="320948" cy="288244"/>
+            <a:off x="3575041" y="6104061"/>
+            <a:ext cx="103531" cy="92983"/>
           </a:xfrm>
           <a:prstGeom prst="straightConnector1">
             <a:avLst/>
@@ -5557,8 +5558,8 @@
         </p:blipFill>
         <p:spPr>
           <a:xfrm>
-            <a:off x="0" y="16777258"/>
-            <a:ext cx="16606384" cy="11850380"/>
+            <a:off x="0" y="5412019"/>
+            <a:ext cx="5356898" cy="3822704"/>
           </a:xfrm>
           <a:prstGeom prst="rect">
             <a:avLst/>
@@ -5587,8 +5588,8 @@
         </p:blipFill>
         <p:spPr>
           <a:xfrm>
-            <a:off x="13355101" y="9479281"/>
-            <a:ext cx="15143699" cy="7464295"/>
+            <a:off x="4308098" y="3057832"/>
+            <a:ext cx="4885064" cy="2407838"/>
           </a:xfrm>
           <a:prstGeom prst="rect">
             <a:avLst/>
@@ -5617,8 +5618,8 @@
         </p:blipFill>
         <p:spPr>
           <a:xfrm>
-            <a:off x="46565" y="9593471"/>
-            <a:ext cx="13734731" cy="7464294"/>
+            <a:off x="15022" y="3094670"/>
+            <a:ext cx="4430559" cy="2407836"/>
           </a:xfrm>
           <a:prstGeom prst="rect">
             <a:avLst/>
@@ -5647,8 +5648,8 @@
         </p:blipFill>
         <p:spPr>
           <a:xfrm>
-            <a:off x="12866095" y="521859"/>
-            <a:ext cx="15673366" cy="8888187"/>
+            <a:off x="4150353" y="168341"/>
+            <a:ext cx="5055925" cy="2867158"/>
           </a:xfrm>
           <a:prstGeom prst="rect">
             <a:avLst/>
@@ -5677,8 +5678,8 @@
         </p:blipFill>
         <p:spPr>
           <a:xfrm>
-            <a:off x="306585" y="391230"/>
-            <a:ext cx="12850895" cy="8888187"/>
+            <a:off x="98899" y="126204"/>
+            <a:ext cx="4145450" cy="2867158"/>
           </a:xfrm>
           <a:prstGeom prst="rect">
             <a:avLst/>
@@ -5699,8 +5700,8 @@
         </p:nvSpPr>
         <p:spPr>
           <a:xfrm>
-            <a:off x="1298358" y="260974"/>
-            <a:ext cx="340205" cy="519588"/>
+            <a:off x="418826" y="84185"/>
+            <a:ext cx="109744" cy="231474"/>
           </a:xfrm>
           <a:prstGeom prst="rect">
             <a:avLst/>
@@ -5714,7 +5715,7 @@
           <a:lstStyle/>
           <a:p>
             <a:r>
-              <a:rPr lang="en-US" sz="2800" b="1" dirty="0"/>
+              <a:rPr lang="en-US" sz="904" b="1" dirty="0"/>
               <a:t>a</a:t>
             </a:r>
           </a:p>
@@ -5734,8 +5735,8 @@
         </p:nvSpPr>
         <p:spPr>
           <a:xfrm>
-            <a:off x="17986982" y="17408021"/>
-            <a:ext cx="298480" cy="523220"/>
+            <a:off x="5802253" y="5615491"/>
+            <a:ext cx="221536" cy="231474"/>
           </a:xfrm>
           <a:prstGeom prst="rect">
             <a:avLst/>
@@ -5749,7 +5750,7 @@
           <a:lstStyle/>
           <a:p>
             <a:r>
-              <a:rPr lang="en-US" sz="2800" b="1" dirty="0"/>
+              <a:rPr lang="en-US" sz="904" b="1" dirty="0"/>
               <a:t>f</a:t>
             </a:r>
           </a:p>
@@ -5769,8 +5770,8 @@
         </p:nvSpPr>
         <p:spPr>
           <a:xfrm>
-            <a:off x="1228160" y="17721081"/>
-            <a:ext cx="343570" cy="519588"/>
+            <a:off x="396182" y="5716477"/>
+            <a:ext cx="110829" cy="231474"/>
           </a:xfrm>
           <a:prstGeom prst="rect">
             <a:avLst/>
@@ -5784,7 +5785,7 @@
           <a:lstStyle/>
           <a:p>
             <a:r>
-              <a:rPr lang="en-US" sz="2800" b="1" dirty="0"/>
+              <a:rPr lang="en-US" sz="904" b="1" dirty="0"/>
               <a:t>e</a:t>
             </a:r>
           </a:p>
@@ -5804,8 +5805,8 @@
         </p:nvSpPr>
         <p:spPr>
           <a:xfrm>
-            <a:off x="16325269" y="9501567"/>
-            <a:ext cx="377026" cy="523220"/>
+            <a:off x="5266216" y="3065021"/>
+            <a:ext cx="247184" cy="231474"/>
           </a:xfrm>
           <a:prstGeom prst="rect">
             <a:avLst/>
@@ -5819,7 +5820,7 @@
           <a:lstStyle/>
           <a:p>
             <a:r>
-              <a:rPr lang="en-US" sz="2800" b="1" dirty="0"/>
+              <a:rPr lang="en-US" sz="904" b="1" dirty="0"/>
               <a:t>d</a:t>
             </a:r>
           </a:p>
@@ -5839,8 +5840,8 @@
         </p:nvSpPr>
         <p:spPr>
           <a:xfrm>
-            <a:off x="1298345" y="9521611"/>
-            <a:ext cx="284258" cy="523220"/>
+            <a:off x="418822" y="3071487"/>
+            <a:ext cx="91696" cy="231474"/>
           </a:xfrm>
           <a:prstGeom prst="rect">
             <a:avLst/>
@@ -5854,7 +5855,7 @@
           <a:lstStyle/>
           <a:p>
             <a:r>
-              <a:rPr lang="en-US" sz="2800" b="1" dirty="0"/>
+              <a:rPr lang="en-US" sz="904" b="1" dirty="0"/>
               <a:t>c</a:t>
             </a:r>
           </a:p>
@@ -5874,8 +5875,8 @@
         </p:nvSpPr>
         <p:spPr>
           <a:xfrm>
-            <a:off x="16136756" y="260974"/>
-            <a:ext cx="377026" cy="523220"/>
+            <a:off x="5205405" y="84185"/>
+            <a:ext cx="247184" cy="231474"/>
           </a:xfrm>
           <a:prstGeom prst="rect">
             <a:avLst/>
@@ -5889,7 +5890,7 @@
           <a:lstStyle/>
           <a:p>
             <a:r>
-              <a:rPr lang="en-US" sz="2800" b="1" dirty="0"/>
+              <a:rPr lang="en-US" sz="904" b="1" dirty="0"/>
               <a:t>b</a:t>
             </a:r>
           </a:p>
@@ -5909,8 +5910,8 @@
         </p:nvSpPr>
         <p:spPr>
           <a:xfrm>
-            <a:off x="17903682" y="23186570"/>
-            <a:ext cx="286500" cy="523220"/>
+            <a:off x="5775382" y="7479539"/>
+            <a:ext cx="92419" cy="231474"/>
           </a:xfrm>
           <a:prstGeom prst="rect">
             <a:avLst/>
@@ -5924,7 +5925,7 @@
           <a:lstStyle/>
           <a:p>
             <a:r>
-              <a:rPr lang="en-US" sz="2800" b="1" dirty="0"/>
+              <a:rPr lang="en-US" sz="904" b="1" dirty="0"/>
               <a:t>g</a:t>
             </a:r>
           </a:p>
@@ -5946,8 +5947,8 @@
         </p:nvCxnSpPr>
         <p:spPr>
           <a:xfrm flipH="1">
-            <a:off x="15554540" y="21476004"/>
-            <a:ext cx="252349" cy="477054"/>
+            <a:off x="5017594" y="6927743"/>
+            <a:ext cx="81403" cy="153889"/>
           </a:xfrm>
           <a:prstGeom prst="straightConnector1">
             <a:avLst/>
@@ -5985,8 +5986,8 @@
         </p:nvSpPr>
         <p:spPr>
           <a:xfrm>
-            <a:off x="15346471" y="21056960"/>
-            <a:ext cx="1996021" cy="477054"/>
+            <a:off x="4950475" y="6792567"/>
+            <a:ext cx="643878" cy="340350"/>
           </a:xfrm>
           <a:prstGeom prst="rect">
             <a:avLst/>
@@ -6000,10 +6001,10 @@
           <a:lstStyle/>
           <a:p>
             <a:r>
-              <a:rPr lang="en-US" sz="2500" dirty="0" err="1"/>
+              <a:rPr lang="en-US" sz="806" dirty="0" err="1"/>
               <a:t>Trimmomatic</a:t>
             </a:r>
-            <a:endParaRPr lang="en-US" sz="2500" dirty="0"/>
+            <a:endParaRPr lang="en-US" sz="806" dirty="0"/>
           </a:p>
         </p:txBody>
       </p:sp>
@@ -6023,8 +6024,8 @@
         </p:nvCxnSpPr>
         <p:spPr>
           <a:xfrm flipH="1">
-            <a:off x="12270328" y="18612945"/>
-            <a:ext cx="347516" cy="0"/>
+            <a:off x="3958170" y="6004176"/>
+            <a:ext cx="112103" cy="0"/>
           </a:xfrm>
           <a:prstGeom prst="straightConnector1">
             <a:avLst/>
@@ -6062,8 +6063,8 @@
         </p:nvSpPr>
         <p:spPr>
           <a:xfrm>
-            <a:off x="12613556" y="18411654"/>
-            <a:ext cx="821059" cy="477054"/>
+            <a:off x="4068889" y="5939245"/>
+            <a:ext cx="397866" cy="216341"/>
           </a:xfrm>
           <a:prstGeom prst="rect">
             <a:avLst/>
@@ -6077,7 +6078,7 @@
           <a:lstStyle/>
           <a:p>
             <a:r>
-              <a:rPr lang="en-US" sz="2500" dirty="0"/>
+              <a:rPr lang="en-US" sz="806" dirty="0"/>
               <a:t>STAR</a:t>
             </a:r>
           </a:p>
@@ -6099,8 +6100,8 @@
         </p:nvCxnSpPr>
         <p:spPr>
           <a:xfrm flipH="1" flipV="1">
-            <a:off x="10625425" y="24272251"/>
-            <a:ext cx="275404" cy="330983"/>
+            <a:off x="3427556" y="7829759"/>
+            <a:ext cx="88840" cy="106769"/>
           </a:xfrm>
           <a:prstGeom prst="straightConnector1">
             <a:avLst/>
@@ -6138,8 +6139,8 @@
         </p:nvSpPr>
         <p:spPr>
           <a:xfrm>
-            <a:off x="10902794" y="24426457"/>
-            <a:ext cx="1001556" cy="477054"/>
+            <a:off x="3517030" y="7879503"/>
+            <a:ext cx="453970" cy="216341"/>
           </a:xfrm>
           <a:prstGeom prst="rect">
             <a:avLst/>
@@ -6153,7 +6154,7 @@
           <a:lstStyle/>
           <a:p>
             <a:r>
-              <a:rPr lang="en-US" sz="2500" dirty="0"/>
+              <a:rPr lang="en-US" sz="806" dirty="0"/>
               <a:t>Trinity</a:t>
             </a:r>
           </a:p>
@@ -6173,8 +6174,8 @@
         </p:nvSpPr>
         <p:spPr>
           <a:xfrm>
-            <a:off x="12298456" y="17140704"/>
-            <a:ext cx="1874744" cy="477054"/>
+            <a:off x="3967244" y="5529261"/>
+            <a:ext cx="736099" cy="216341"/>
           </a:xfrm>
           <a:prstGeom prst="rect">
             <a:avLst/>
@@ -6188,11 +6189,11 @@
           <a:lstStyle/>
           <a:p>
             <a:r>
-              <a:rPr lang="en-US" sz="2500" dirty="0" err="1"/>
+              <a:rPr lang="en-US" sz="806" dirty="0" err="1"/>
               <a:t>Ht</a:t>
             </a:r>
             <a:r>
-              <a:rPr lang="en-US" sz="2500" dirty="0"/>
+              <a:rPr lang="en-US" sz="806" dirty="0"/>
               <a:t>-seq-count</a:t>
             </a:r>
           </a:p>
@@ -6214,8 +6215,8 @@
         </p:nvCxnSpPr>
         <p:spPr>
           <a:xfrm flipH="1">
-            <a:off x="12377970" y="17526661"/>
-            <a:ext cx="136091" cy="273928"/>
+            <a:off x="3992894" y="5653762"/>
+            <a:ext cx="43900" cy="88364"/>
           </a:xfrm>
           <a:prstGeom prst="straightConnector1">
             <a:avLst/>
@@ -6253,8 +6254,8 @@
         </p:nvSpPr>
         <p:spPr>
           <a:xfrm>
-            <a:off x="15593943" y="24024511"/>
-            <a:ext cx="1271567" cy="477054"/>
+            <a:off x="5030304" y="7749843"/>
+            <a:ext cx="537327" cy="216341"/>
           </a:xfrm>
           <a:prstGeom prst="rect">
             <a:avLst/>
@@ -6268,7 +6269,7 @@
           <a:lstStyle/>
           <a:p>
             <a:r>
-              <a:rPr lang="en-US" sz="2500" dirty="0"/>
+              <a:rPr lang="en-US" sz="806" dirty="0"/>
               <a:t>DESeq-2</a:t>
             </a:r>
           </a:p>
@@ -6290,8 +6291,8 @@
         </p:nvCxnSpPr>
         <p:spPr>
           <a:xfrm flipH="1" flipV="1">
-            <a:off x="15687618" y="23596489"/>
-            <a:ext cx="77401" cy="412346"/>
+            <a:off x="5060522" y="7611770"/>
+            <a:ext cx="24968" cy="133015"/>
           </a:xfrm>
           <a:prstGeom prst="straightConnector1">
             <a:avLst/>
@@ -6329,8 +6330,8 @@
         </p:nvSpPr>
         <p:spPr>
           <a:xfrm>
-            <a:off x="10887133" y="25077826"/>
-            <a:ext cx="2045753" cy="477054"/>
+            <a:off x="3511979" y="8089621"/>
+            <a:ext cx="659920" cy="340350"/>
           </a:xfrm>
           <a:prstGeom prst="rect">
             <a:avLst/>
@@ -6344,10 +6345,10 @@
           <a:lstStyle/>
           <a:p>
             <a:r>
-              <a:rPr lang="en-US" sz="2500" dirty="0" err="1"/>
+              <a:rPr lang="en-US" sz="806" dirty="0" err="1"/>
               <a:t>CummeRbund</a:t>
             </a:r>
-            <a:endParaRPr lang="en-US" sz="2500" dirty="0"/>
+            <a:endParaRPr lang="en-US" sz="806" dirty="0"/>
           </a:p>
         </p:txBody>
       </p:sp>
@@ -6367,8 +6368,8 @@
         </p:nvCxnSpPr>
         <p:spPr>
           <a:xfrm flipH="1" flipV="1">
-            <a:off x="10562405" y="24970518"/>
-            <a:ext cx="352437" cy="245853"/>
+            <a:off x="3407228" y="8055006"/>
+            <a:ext cx="113689" cy="79308"/>
           </a:xfrm>
           <a:prstGeom prst="straightConnector1">
             <a:avLst/>
@@ -6406,8 +6407,8 @@
         </p:nvSpPr>
         <p:spPr>
           <a:xfrm>
-            <a:off x="11010017" y="23611273"/>
-            <a:ext cx="1300677" cy="477054"/>
+            <a:off x="3551620" y="7616541"/>
+            <a:ext cx="546945" cy="216341"/>
           </a:xfrm>
           <a:prstGeom prst="rect">
             <a:avLst/>
@@ -6421,7 +6422,7 @@
           <a:lstStyle/>
           <a:p>
             <a:r>
-              <a:rPr lang="en-US" sz="2500" dirty="0"/>
+              <a:rPr lang="en-US" sz="806" dirty="0"/>
               <a:t>Cufflinks</a:t>
             </a:r>
           </a:p>
@@ -6444,8 +6445,8 @@
         </p:nvCxnSpPr>
         <p:spPr>
           <a:xfrm flipH="1">
-            <a:off x="10595391" y="23849800"/>
-            <a:ext cx="414626" cy="148222"/>
+            <a:off x="3417869" y="7724712"/>
+            <a:ext cx="133751" cy="16586"/>
           </a:xfrm>
           <a:prstGeom prst="straightConnector1">
             <a:avLst/>
@@ -6483,8 +6484,8 @@
         </p:nvSpPr>
         <p:spPr>
           <a:xfrm>
-            <a:off x="12681022" y="21681024"/>
-            <a:ext cx="1379224" cy="477054"/>
+            <a:off x="4090653" y="6993880"/>
+            <a:ext cx="574196" cy="216341"/>
           </a:xfrm>
           <a:prstGeom prst="rect">
             <a:avLst/>
@@ -6498,10 +6499,10 @@
           <a:lstStyle/>
           <a:p>
             <a:r>
-              <a:rPr lang="en-US" sz="2500" dirty="0" err="1"/>
+              <a:rPr lang="en-US" sz="806" dirty="0" err="1"/>
               <a:t>Samtools</a:t>
             </a:r>
-            <a:endParaRPr lang="en-US" sz="2500" dirty="0"/>
+            <a:endParaRPr lang="en-US" sz="806" dirty="0"/>
           </a:p>
         </p:txBody>
       </p:sp>
@@ -6521,8 +6522,8 @@
         </p:nvCxnSpPr>
         <p:spPr>
           <a:xfrm>
-            <a:off x="13920322" y="22100150"/>
-            <a:ext cx="287279" cy="296882"/>
+            <a:off x="4490427" y="7129081"/>
+            <a:ext cx="92671" cy="95769"/>
           </a:xfrm>
           <a:prstGeom prst="straightConnector1">
             <a:avLst/>
@@ -6560,8 +6561,8 @@
         </p:nvSpPr>
         <p:spPr>
           <a:xfrm>
-            <a:off x="11083636" y="19183126"/>
-            <a:ext cx="1268937" cy="477054"/>
+            <a:off x="3575366" y="6188106"/>
+            <a:ext cx="545342" cy="216341"/>
           </a:xfrm>
           <a:prstGeom prst="rect">
             <a:avLst/>
@@ -6575,7 +6576,7 @@
           <a:lstStyle/>
           <a:p>
             <a:r>
-              <a:rPr lang="en-US" sz="2500" dirty="0"/>
+              <a:rPr lang="en-US" sz="806" dirty="0"/>
               <a:t>TopHat2</a:t>
             </a:r>
           </a:p>
@@ -6597,8 +6598,8 @@
         </p:nvCxnSpPr>
         <p:spPr>
           <a:xfrm flipH="1" flipV="1">
-            <a:off x="11082624" y="18922591"/>
-            <a:ext cx="320948" cy="288244"/>
+            <a:off x="3575041" y="6104061"/>
+            <a:ext cx="103531" cy="92983"/>
           </a:xfrm>
           <a:prstGeom prst="straightConnector1">
             <a:avLst/>
@@ -6644,8 +6645,8 @@
         </p:blipFill>
         <p:spPr>
           <a:xfrm>
-            <a:off x="18801249" y="17012811"/>
-            <a:ext cx="8039407" cy="5759575"/>
+            <a:off x="6064919" y="5488004"/>
+            <a:ext cx="2593358" cy="1857928"/>
           </a:xfrm>
           <a:prstGeom prst="rect">
             <a:avLst/>
@@ -6674,8 +6675,8 @@
         </p:blipFill>
         <p:spPr>
           <a:xfrm>
-            <a:off x="18801248" y="23050685"/>
-            <a:ext cx="9603237" cy="5206574"/>
+            <a:off x="6064919" y="7435705"/>
+            <a:ext cx="3097819" cy="1679540"/>
           </a:xfrm>
           <a:prstGeom prst="rect">
             <a:avLst/>
@@ -6734,8 +6735,8 @@
         </p:blipFill>
         <p:spPr>
           <a:xfrm>
-            <a:off x="7658" y="17145671"/>
-            <a:ext cx="15963900" cy="11391900"/>
+            <a:off x="2470" y="5530862"/>
+            <a:ext cx="5149645" cy="3674806"/>
           </a:xfrm>
           <a:prstGeom prst="rect">
             <a:avLst/>
@@ -6764,8 +6765,8 @@
         </p:blipFill>
         <p:spPr>
           <a:xfrm>
-            <a:off x="568876" y="351513"/>
-            <a:ext cx="12862268" cy="8896053"/>
+            <a:off x="183509" y="113391"/>
+            <a:ext cx="4149119" cy="2869695"/>
           </a:xfrm>
           <a:prstGeom prst="rect">
             <a:avLst/>
@@ -6794,8 +6795,8 @@
         </p:blipFill>
         <p:spPr>
           <a:xfrm>
-            <a:off x="13920322" y="624019"/>
-            <a:ext cx="14482983" cy="8888187"/>
+            <a:off x="4490426" y="201296"/>
+            <a:ext cx="4671930" cy="2867158"/>
           </a:xfrm>
           <a:prstGeom prst="rect">
             <a:avLst/>
@@ -6824,8 +6825,8 @@
         </p:blipFill>
         <p:spPr>
           <a:xfrm>
-            <a:off x="-50800" y="9291358"/>
-            <a:ext cx="14006934" cy="8239373"/>
+            <a:off x="-16387" y="2997212"/>
+            <a:ext cx="4518366" cy="2657863"/>
           </a:xfrm>
           <a:prstGeom prst="rect">
             <a:avLst/>
@@ -6854,8 +6855,8 @@
         </p:blipFill>
         <p:spPr>
           <a:xfrm>
-            <a:off x="13512034" y="9305931"/>
-            <a:ext cx="15128024" cy="8073880"/>
+            <a:off x="4358721" y="3001914"/>
+            <a:ext cx="4880008" cy="2604478"/>
           </a:xfrm>
           <a:prstGeom prst="rect">
             <a:avLst/>
@@ -6876,8 +6877,8 @@
         </p:nvSpPr>
         <p:spPr>
           <a:xfrm>
-            <a:off x="1298358" y="260974"/>
-            <a:ext cx="340205" cy="519588"/>
+            <a:off x="418826" y="84185"/>
+            <a:ext cx="109744" cy="231474"/>
           </a:xfrm>
           <a:prstGeom prst="rect">
             <a:avLst/>
@@ -6891,7 +6892,7 @@
           <a:lstStyle/>
           <a:p>
             <a:r>
-              <a:rPr lang="en-US" sz="2800" b="1" dirty="0"/>
+              <a:rPr lang="en-US" sz="904" b="1" dirty="0"/>
               <a:t>a</a:t>
             </a:r>
           </a:p>
@@ -6911,8 +6912,8 @@
         </p:nvSpPr>
         <p:spPr>
           <a:xfrm>
-            <a:off x="17986982" y="17306421"/>
-            <a:ext cx="298480" cy="523220"/>
+            <a:off x="5802253" y="5582716"/>
+            <a:ext cx="221536" cy="231474"/>
           </a:xfrm>
           <a:prstGeom prst="rect">
             <a:avLst/>
@@ -6926,7 +6927,7 @@
           <a:lstStyle/>
           <a:p>
             <a:r>
-              <a:rPr lang="en-US" sz="2800" b="1" dirty="0"/>
+              <a:rPr lang="en-US" sz="904" b="1" dirty="0"/>
               <a:t>f</a:t>
             </a:r>
           </a:p>
@@ -6946,8 +6947,8 @@
         </p:nvSpPr>
         <p:spPr>
           <a:xfrm>
-            <a:off x="1228160" y="17009881"/>
-            <a:ext cx="343570" cy="519588"/>
+            <a:off x="396182" y="5487059"/>
+            <a:ext cx="110829" cy="231474"/>
           </a:xfrm>
           <a:prstGeom prst="rect">
             <a:avLst/>
@@ -6961,7 +6962,7 @@
           <a:lstStyle/>
           <a:p>
             <a:r>
-              <a:rPr lang="en-US" sz="2800" b="1" dirty="0"/>
+              <a:rPr lang="en-US" sz="904" b="1" dirty="0"/>
               <a:t>e</a:t>
             </a:r>
           </a:p>
@@ -6981,8 +6982,8 @@
         </p:nvSpPr>
         <p:spPr>
           <a:xfrm>
-            <a:off x="16325269" y="9501567"/>
-            <a:ext cx="377026" cy="523220"/>
+            <a:off x="5266216" y="3065021"/>
+            <a:ext cx="247184" cy="231474"/>
           </a:xfrm>
           <a:prstGeom prst="rect">
             <a:avLst/>
@@ -6996,7 +6997,7 @@
           <a:lstStyle/>
           <a:p>
             <a:r>
-              <a:rPr lang="en-US" sz="2800" b="1" dirty="0"/>
+              <a:rPr lang="en-US" sz="904" b="1" dirty="0"/>
               <a:t>d</a:t>
             </a:r>
           </a:p>
@@ -7016,8 +7017,8 @@
         </p:nvSpPr>
         <p:spPr>
           <a:xfrm>
-            <a:off x="1298345" y="9521611"/>
-            <a:ext cx="284258" cy="523220"/>
+            <a:off x="418822" y="3071487"/>
+            <a:ext cx="91696" cy="231474"/>
           </a:xfrm>
           <a:prstGeom prst="rect">
             <a:avLst/>
@@ -7031,7 +7032,7 @@
           <a:lstStyle/>
           <a:p>
             <a:r>
-              <a:rPr lang="en-US" sz="2800" b="1" dirty="0"/>
+              <a:rPr lang="en-US" sz="904" b="1" dirty="0"/>
               <a:t>c</a:t>
             </a:r>
           </a:p>
@@ -7051,8 +7052,8 @@
         </p:nvSpPr>
         <p:spPr>
           <a:xfrm>
-            <a:off x="16136756" y="260974"/>
-            <a:ext cx="377026" cy="523220"/>
+            <a:off x="5205405" y="84185"/>
+            <a:ext cx="247184" cy="231474"/>
           </a:xfrm>
           <a:prstGeom prst="rect">
             <a:avLst/>
@@ -7066,7 +7067,7 @@
           <a:lstStyle/>
           <a:p>
             <a:r>
-              <a:rPr lang="en-US" sz="2800" b="1" dirty="0"/>
+              <a:rPr lang="en-US" sz="904" b="1" dirty="0"/>
               <a:t>b</a:t>
             </a:r>
           </a:p>
@@ -7086,8 +7087,8 @@
         </p:nvSpPr>
         <p:spPr>
           <a:xfrm>
-            <a:off x="17903682" y="23084970"/>
-            <a:ext cx="286500" cy="523220"/>
+            <a:off x="5775382" y="7446765"/>
+            <a:ext cx="92419" cy="231474"/>
           </a:xfrm>
           <a:prstGeom prst="rect">
             <a:avLst/>
@@ -7101,7 +7102,7 @@
           <a:lstStyle/>
           <a:p>
             <a:r>
-              <a:rPr lang="en-US" sz="2800" b="1" dirty="0"/>
+              <a:rPr lang="en-US" sz="904" b="1" dirty="0"/>
               <a:t>g</a:t>
             </a:r>
           </a:p>
@@ -7129,8 +7130,8 @@
         </p:blipFill>
         <p:spPr>
           <a:xfrm>
-            <a:off x="18504554" y="17379811"/>
-            <a:ext cx="9235254" cy="5684726"/>
+            <a:off x="5969212" y="5606391"/>
+            <a:ext cx="2979114" cy="1833783"/>
           </a:xfrm>
           <a:prstGeom prst="rect">
             <a:avLst/>
@@ -7159,8 +7160,8 @@
         </p:blipFill>
         <p:spPr>
           <a:xfrm>
-            <a:off x="18514145" y="22841621"/>
-            <a:ext cx="9670437" cy="5295715"/>
+            <a:off x="5972306" y="7368265"/>
+            <a:ext cx="3119496" cy="1708295"/>
           </a:xfrm>
           <a:prstGeom prst="rect">
             <a:avLst/>
@@ -7183,8 +7184,8 @@
         </p:nvCxnSpPr>
         <p:spPr>
           <a:xfrm flipH="1">
-            <a:off x="12056533" y="17865171"/>
-            <a:ext cx="397950" cy="167672"/>
+            <a:off x="3889205" y="5762959"/>
+            <a:ext cx="128371" cy="54088"/>
           </a:xfrm>
           <a:prstGeom prst="straightConnector1">
             <a:avLst/>
@@ -7222,8 +7223,8 @@
         </p:nvSpPr>
         <p:spPr>
           <a:xfrm>
-            <a:off x="12454483" y="17597792"/>
-            <a:ext cx="1034001" cy="477054"/>
+            <a:off x="4017575" y="5676708"/>
+            <a:ext cx="461986" cy="216341"/>
           </a:xfrm>
           <a:prstGeom prst="rect">
             <a:avLst/>
@@ -7237,11 +7238,11 @@
           <a:lstStyle/>
           <a:p>
             <a:r>
-              <a:rPr lang="en-US" sz="2500" dirty="0" err="1"/>
+              <a:rPr lang="en-US" sz="806" dirty="0" err="1"/>
               <a:t>Ht</a:t>
             </a:r>
             <a:r>
-              <a:rPr lang="en-US" sz="2500" dirty="0"/>
+              <a:rPr lang="en-US" sz="806" dirty="0"/>
               <a:t>-seq</a:t>
             </a:r>
           </a:p>
@@ -7261,8 +7262,8 @@
         </p:nvCxnSpPr>
         <p:spPr>
           <a:xfrm flipH="1">
-            <a:off x="11611759" y="17632372"/>
-            <a:ext cx="372534" cy="300172"/>
+            <a:off x="3745729" y="5687861"/>
+            <a:ext cx="120173" cy="96830"/>
           </a:xfrm>
           <a:prstGeom prst="straightConnector1">
             <a:avLst/>
@@ -7300,8 +7301,8 @@
         </p:nvSpPr>
         <p:spPr>
           <a:xfrm>
-            <a:off x="11816641" y="17320755"/>
-            <a:ext cx="1874744" cy="477054"/>
+            <a:off x="3811821" y="5587341"/>
+            <a:ext cx="736099" cy="216341"/>
           </a:xfrm>
           <a:prstGeom prst="rect">
             <a:avLst/>
@@ -7315,11 +7316,11 @@
           <a:lstStyle/>
           <a:p>
             <a:r>
-              <a:rPr lang="en-US" sz="2500" dirty="0" err="1"/>
+              <a:rPr lang="en-US" sz="806" dirty="0" err="1"/>
               <a:t>Ht</a:t>
             </a:r>
             <a:r>
-              <a:rPr lang="en-US" sz="2500" dirty="0"/>
+              <a:rPr lang="en-US" sz="806" dirty="0"/>
               <a:t>-seq-count</a:t>
             </a:r>
           </a:p>
@@ -7339,8 +7340,8 @@
         </p:nvSpPr>
         <p:spPr>
           <a:xfrm>
-            <a:off x="15371379" y="18737073"/>
-            <a:ext cx="1173783" cy="477054"/>
+            <a:off x="4958511" y="6044218"/>
+            <a:ext cx="505267" cy="216341"/>
           </a:xfrm>
           <a:prstGeom prst="rect">
             <a:avLst/>
@@ -7354,7 +7355,7 @@
           <a:lstStyle/>
           <a:p>
             <a:r>
-              <a:rPr lang="en-US" sz="2500" dirty="0"/>
+              <a:rPr lang="en-US" sz="806" dirty="0"/>
               <a:t>DESeq2</a:t>
             </a:r>
           </a:p>
@@ -7374,8 +7375,8 @@
         </p:nvCxnSpPr>
         <p:spPr>
           <a:xfrm flipH="1">
-            <a:off x="15104989" y="18976086"/>
-            <a:ext cx="328523" cy="0"/>
+            <a:off x="4872578" y="6121318"/>
+            <a:ext cx="105975" cy="0"/>
           </a:xfrm>
           <a:prstGeom prst="straightConnector1">
             <a:avLst/>
@@ -7413,8 +7414,8 @@
         </p:nvCxnSpPr>
         <p:spPr>
           <a:xfrm flipH="1">
-            <a:off x="11281729" y="18571893"/>
-            <a:ext cx="328523" cy="0"/>
+            <a:off x="3639268" y="5990934"/>
+            <a:ext cx="105975" cy="0"/>
           </a:xfrm>
           <a:prstGeom prst="straightConnector1">
             <a:avLst/>
@@ -7452,8 +7453,8 @@
         </p:nvSpPr>
         <p:spPr>
           <a:xfrm>
-            <a:off x="11628859" y="18333366"/>
-            <a:ext cx="1944122" cy="477054"/>
+            <a:off x="3751245" y="5913990"/>
+            <a:ext cx="760144" cy="216341"/>
           </a:xfrm>
           <a:prstGeom prst="rect">
             <a:avLst/>
@@ -7467,18 +7468,18 @@
           <a:lstStyle/>
           <a:p>
             <a:r>
-              <a:rPr lang="en-US" sz="2500" dirty="0" err="1"/>
+              <a:rPr lang="en-US" sz="806" dirty="0" err="1"/>
               <a:t>Limma</a:t>
             </a:r>
             <a:r>
-              <a:rPr lang="en-US" sz="2500" dirty="0"/>
+              <a:rPr lang="en-US" sz="806" dirty="0"/>
               <a:t>/</a:t>
             </a:r>
             <a:r>
-              <a:rPr lang="en-US" sz="2500" dirty="0" err="1"/>
+              <a:rPr lang="en-US" sz="806" dirty="0" err="1"/>
               <a:t>Voom</a:t>
             </a:r>
-            <a:endParaRPr lang="en-US" sz="2500" dirty="0"/>
+            <a:endParaRPr lang="en-US" sz="806" dirty="0"/>
           </a:p>
         </p:txBody>
       </p:sp>
@@ -7498,8 +7499,8 @@
         </p:nvCxnSpPr>
         <p:spPr>
           <a:xfrm flipH="1" flipV="1">
-            <a:off x="11209698" y="18976086"/>
-            <a:ext cx="391025" cy="53009"/>
+            <a:off x="3616031" y="6121318"/>
+            <a:ext cx="126138" cy="17100"/>
           </a:xfrm>
           <a:prstGeom prst="straightConnector1">
             <a:avLst/>
@@ -7537,8 +7538,8 @@
         </p:nvSpPr>
         <p:spPr>
           <a:xfrm>
-            <a:off x="11596505" y="18790959"/>
-            <a:ext cx="988412" cy="477054"/>
+            <a:off x="3740808" y="6061601"/>
+            <a:ext cx="444352" cy="216341"/>
           </a:xfrm>
           <a:prstGeom prst="rect">
             <a:avLst/>
@@ -7552,10 +7553,10 @@
           <a:lstStyle/>
           <a:p>
             <a:r>
-              <a:rPr lang="en-US" sz="2500" dirty="0" err="1"/>
+              <a:rPr lang="en-US" sz="806" dirty="0" err="1"/>
               <a:t>EdgeR</a:t>
             </a:r>
-            <a:endParaRPr lang="en-US" sz="2500" dirty="0"/>
+            <a:endParaRPr lang="en-US" sz="806" dirty="0"/>
           </a:p>
         </p:txBody>
       </p:sp>
@@ -7573,8 +7574,8 @@
         </p:nvCxnSpPr>
         <p:spPr>
           <a:xfrm flipH="1">
-            <a:off x="11507015" y="19512802"/>
-            <a:ext cx="328523" cy="0"/>
+            <a:off x="3711940" y="6294453"/>
+            <a:ext cx="105975" cy="0"/>
           </a:xfrm>
           <a:prstGeom prst="straightConnector1">
             <a:avLst/>
@@ -7612,8 +7613,8 @@
         </p:nvSpPr>
         <p:spPr>
           <a:xfrm>
-            <a:off x="11814388" y="19314032"/>
-            <a:ext cx="821059" cy="477054"/>
+            <a:off x="3811094" y="6230333"/>
+            <a:ext cx="397866" cy="216341"/>
           </a:xfrm>
           <a:prstGeom prst="rect">
             <a:avLst/>
@@ -7627,7 +7628,7 @@
           <a:lstStyle/>
           <a:p>
             <a:r>
-              <a:rPr lang="en-US" sz="2500" dirty="0"/>
+              <a:rPr lang="en-US" sz="806" dirty="0"/>
               <a:t>STAR</a:t>
             </a:r>
           </a:p>
@@ -7649,8 +7650,8 @@
         </p:nvCxnSpPr>
         <p:spPr>
           <a:xfrm>
-            <a:off x="14658109" y="22555200"/>
-            <a:ext cx="214338" cy="259527"/>
+            <a:off x="4728423" y="7275872"/>
+            <a:ext cx="69141" cy="83719"/>
           </a:xfrm>
           <a:prstGeom prst="straightConnector1">
             <a:avLst/>
@@ -7688,8 +7689,8 @@
         </p:nvSpPr>
         <p:spPr>
           <a:xfrm>
-            <a:off x="14178190" y="22198094"/>
-            <a:ext cx="1912318" cy="477054"/>
+            <a:off x="4573610" y="7160676"/>
+            <a:ext cx="750526" cy="216341"/>
           </a:xfrm>
           <a:prstGeom prst="rect">
             <a:avLst/>
@@ -7703,10 +7704,10 @@
           <a:lstStyle/>
           <a:p>
             <a:r>
-              <a:rPr lang="en-US" sz="2500" dirty="0" err="1"/>
+              <a:rPr lang="en-US" sz="806" dirty="0" err="1"/>
               <a:t>Trimmomatic</a:t>
             </a:r>
-            <a:endParaRPr lang="en-US" sz="2500" dirty="0"/>
+            <a:endParaRPr lang="en-US" sz="806" dirty="0"/>
           </a:p>
         </p:txBody>
       </p:sp>
@@ -7726,8 +7727,8 @@
         </p:nvCxnSpPr>
         <p:spPr>
           <a:xfrm flipH="1">
-            <a:off x="13754062" y="23154245"/>
-            <a:ext cx="308302" cy="0"/>
+            <a:off x="4436794" y="7469111"/>
+            <a:ext cx="99453" cy="0"/>
           </a:xfrm>
           <a:prstGeom prst="straightConnector1">
             <a:avLst/>
@@ -7765,8 +7766,8 @@
         </p:nvSpPr>
         <p:spPr>
           <a:xfrm>
-            <a:off x="14030208" y="22889737"/>
-            <a:ext cx="1379224" cy="477054"/>
+            <a:off x="4525874" y="7383787"/>
+            <a:ext cx="574196" cy="216341"/>
           </a:xfrm>
           <a:prstGeom prst="rect">
             <a:avLst/>
@@ -7780,10 +7781,10 @@
           <a:lstStyle/>
           <a:p>
             <a:r>
-              <a:rPr lang="en-US" sz="2500" dirty="0" err="1"/>
+              <a:rPr lang="en-US" sz="806" dirty="0" err="1"/>
               <a:t>Samtools</a:t>
             </a:r>
-            <a:endParaRPr lang="en-US" sz="2500" dirty="0"/>
+            <a:endParaRPr lang="en-US" sz="806" dirty="0"/>
           </a:p>
         </p:txBody>
       </p:sp>
@@ -7803,8 +7804,8 @@
         </p:nvCxnSpPr>
         <p:spPr>
           <a:xfrm flipH="1">
-            <a:off x="9690627" y="23726187"/>
-            <a:ext cx="308302" cy="0"/>
+            <a:off x="3126009" y="7653609"/>
+            <a:ext cx="99453" cy="0"/>
           </a:xfrm>
           <a:prstGeom prst="straightConnector1">
             <a:avLst/>
@@ -7842,8 +7843,8 @@
         </p:nvSpPr>
         <p:spPr>
           <a:xfrm>
-            <a:off x="9966773" y="23461679"/>
-            <a:ext cx="1001556" cy="477054"/>
+            <a:off x="3215087" y="7568285"/>
+            <a:ext cx="453970" cy="216341"/>
           </a:xfrm>
           <a:prstGeom prst="rect">
             <a:avLst/>
@@ -7857,7 +7858,7 @@
           <a:lstStyle/>
           <a:p>
             <a:r>
-              <a:rPr lang="en-US" sz="2500" dirty="0"/>
+              <a:rPr lang="en-US" sz="806" dirty="0"/>
               <a:t>Trinity</a:t>
             </a:r>
           </a:p>
@@ -7879,8 +7880,8 @@
         </p:nvCxnSpPr>
         <p:spPr>
           <a:xfrm flipH="1">
-            <a:off x="9568823" y="23331916"/>
-            <a:ext cx="397950" cy="167672"/>
+            <a:off x="3086718" y="7526425"/>
+            <a:ext cx="128371" cy="54088"/>
           </a:xfrm>
           <a:prstGeom prst="straightConnector1">
             <a:avLst/>
@@ -7918,8 +7919,8 @@
         </p:nvSpPr>
         <p:spPr>
           <a:xfrm>
-            <a:off x="9966773" y="23064537"/>
-            <a:ext cx="1300677" cy="477054"/>
+            <a:off x="3215088" y="7440175"/>
+            <a:ext cx="546945" cy="216341"/>
           </a:xfrm>
           <a:prstGeom prst="rect">
             <a:avLst/>
@@ -7933,7 +7934,7 @@
           <a:lstStyle/>
           <a:p>
             <a:r>
-              <a:rPr lang="en-US" sz="2500" dirty="0"/>
+              <a:rPr lang="en-US" sz="806" dirty="0"/>
               <a:t>Cufflinks</a:t>
             </a:r>
           </a:p>
@@ -7955,8 +7956,8 @@
         </p:nvCxnSpPr>
         <p:spPr>
           <a:xfrm flipH="1">
-            <a:off x="9662918" y="25320225"/>
-            <a:ext cx="308302" cy="0"/>
+            <a:off x="3117070" y="8167815"/>
+            <a:ext cx="99453" cy="0"/>
           </a:xfrm>
           <a:prstGeom prst="straightConnector1">
             <a:avLst/>
@@ -7994,8 +7995,8 @@
         </p:nvSpPr>
         <p:spPr>
           <a:xfrm>
-            <a:off x="9939064" y="25055717"/>
-            <a:ext cx="2045753" cy="477054"/>
+            <a:off x="3206151" y="8082491"/>
+            <a:ext cx="785793" cy="216341"/>
           </a:xfrm>
           <a:prstGeom prst="rect">
             <a:avLst/>
@@ -8009,10 +8010,10 @@
           <a:lstStyle/>
           <a:p>
             <a:r>
-              <a:rPr lang="en-US" sz="2500" dirty="0" err="1"/>
+              <a:rPr lang="en-US" sz="806" dirty="0" err="1"/>
               <a:t>CummeRbund</a:t>
             </a:r>
-            <a:endParaRPr lang="en-US" sz="2500" dirty="0"/>
+            <a:endParaRPr lang="en-US" sz="806" dirty="0"/>
           </a:p>
         </p:txBody>
       </p:sp>
@@ -8068,8 +8069,8 @@
         </p:blipFill>
         <p:spPr>
           <a:xfrm>
-            <a:off x="15582577" y="34312"/>
-            <a:ext cx="12456328" cy="9569018"/>
+            <a:off x="5069570" y="-38093"/>
+            <a:ext cx="3876915" cy="3086780"/>
           </a:xfrm>
           <a:prstGeom prst="rect">
             <a:avLst/>
@@ -8098,8 +8099,8 @@
         </p:blipFill>
         <p:spPr>
           <a:xfrm>
-            <a:off x="14910079" y="9074352"/>
-            <a:ext cx="13654215" cy="8427492"/>
+            <a:off x="4841975" y="2912696"/>
+            <a:ext cx="4404585" cy="2718546"/>
           </a:xfrm>
           <a:prstGeom prst="rect">
             <a:avLst/>
@@ -8128,8 +8129,8 @@
         </p:blipFill>
         <p:spPr>
           <a:xfrm>
-            <a:off x="1174105" y="16876544"/>
-            <a:ext cx="13459622" cy="11774656"/>
+            <a:off x="214873" y="5444047"/>
+            <a:ext cx="4341814" cy="3798276"/>
           </a:xfrm>
           <a:prstGeom prst="rect">
             <a:avLst/>
@@ -8158,8 +8159,8 @@
         </p:blipFill>
         <p:spPr>
           <a:xfrm>
-            <a:off x="18162488" y="17323571"/>
-            <a:ext cx="9260200" cy="5790022"/>
+            <a:off x="5694997" y="5588249"/>
+            <a:ext cx="2987161" cy="1867749"/>
           </a:xfrm>
           <a:prstGeom prst="rect">
             <a:avLst/>
@@ -8188,8 +8189,8 @@
         </p:blipFill>
         <p:spPr>
           <a:xfrm>
-            <a:off x="1997859" y="9070684"/>
-            <a:ext cx="12764110" cy="8386140"/>
+            <a:off x="529249" y="2926720"/>
+            <a:ext cx="4117455" cy="2705206"/>
           </a:xfrm>
           <a:prstGeom prst="rect">
             <a:avLst/>
@@ -8218,8 +8219,8 @@
         </p:blipFill>
         <p:spPr>
           <a:xfrm>
-            <a:off x="612295" y="340671"/>
-            <a:ext cx="14331058" cy="8963554"/>
+            <a:off x="33644" y="109894"/>
+            <a:ext cx="4622923" cy="2891469"/>
           </a:xfrm>
           <a:prstGeom prst="rect">
             <a:avLst/>
@@ -8240,8 +8241,8 @@
         </p:nvSpPr>
         <p:spPr>
           <a:xfrm>
-            <a:off x="1298358" y="260974"/>
-            <a:ext cx="340205" cy="519588"/>
+            <a:off x="254954" y="84185"/>
+            <a:ext cx="109744" cy="231474"/>
           </a:xfrm>
           <a:prstGeom prst="rect">
             <a:avLst/>
@@ -8255,7 +8256,7 @@
           <a:lstStyle/>
           <a:p>
             <a:r>
-              <a:rPr lang="en-US" sz="2800" b="1" dirty="0"/>
+              <a:rPr lang="en-US" sz="904" b="1" dirty="0"/>
               <a:t>a</a:t>
             </a:r>
           </a:p>
@@ -8275,8 +8276,8 @@
         </p:nvSpPr>
         <p:spPr>
           <a:xfrm>
-            <a:off x="17783782" y="17306421"/>
-            <a:ext cx="298480" cy="523220"/>
+            <a:off x="5572833" y="5582716"/>
+            <a:ext cx="221536" cy="231474"/>
           </a:xfrm>
           <a:prstGeom prst="rect">
             <a:avLst/>
@@ -8290,7 +8291,7 @@
           <a:lstStyle/>
           <a:p>
             <a:r>
-              <a:rPr lang="en-US" sz="2800" b="1" dirty="0"/>
+              <a:rPr lang="en-US" sz="904" b="1" dirty="0"/>
               <a:t>f</a:t>
             </a:r>
           </a:p>
@@ -8310,8 +8311,8 @@
         </p:nvSpPr>
         <p:spPr>
           <a:xfrm>
-            <a:off x="1228160" y="17009881"/>
-            <a:ext cx="343570" cy="519588"/>
+            <a:off x="232311" y="5487059"/>
+            <a:ext cx="110829" cy="231474"/>
           </a:xfrm>
           <a:prstGeom prst="rect">
             <a:avLst/>
@@ -8325,7 +8326,7 @@
           <a:lstStyle/>
           <a:p>
             <a:r>
-              <a:rPr lang="en-US" sz="2800" b="1" dirty="0"/>
+              <a:rPr lang="en-US" sz="904" b="1" dirty="0"/>
               <a:t>e</a:t>
             </a:r>
           </a:p>
@@ -8345,8 +8346,8 @@
         </p:nvSpPr>
         <p:spPr>
           <a:xfrm>
-            <a:off x="16325269" y="9501567"/>
-            <a:ext cx="377026" cy="523220"/>
+            <a:off x="5102345" y="3015860"/>
+            <a:ext cx="247184" cy="231474"/>
           </a:xfrm>
           <a:prstGeom prst="rect">
             <a:avLst/>
@@ -8360,7 +8361,7 @@
           <a:lstStyle/>
           <a:p>
             <a:r>
-              <a:rPr lang="en-US" sz="2800" b="1" dirty="0"/>
+              <a:rPr lang="en-US" sz="904" b="1" dirty="0"/>
               <a:t>d</a:t>
             </a:r>
           </a:p>
@@ -8380,8 +8381,8 @@
         </p:nvSpPr>
         <p:spPr>
           <a:xfrm>
-            <a:off x="1298345" y="9521611"/>
-            <a:ext cx="284258" cy="523220"/>
+            <a:off x="254951" y="3022326"/>
+            <a:ext cx="91696" cy="231474"/>
           </a:xfrm>
           <a:prstGeom prst="rect">
             <a:avLst/>
@@ -8395,7 +8396,7 @@
           <a:lstStyle/>
           <a:p>
             <a:r>
-              <a:rPr lang="en-US" sz="2800" b="1" dirty="0"/>
+              <a:rPr lang="en-US" sz="904" b="1" dirty="0"/>
               <a:t>c</a:t>
             </a:r>
           </a:p>
@@ -8415,8 +8416,8 @@
         </p:nvSpPr>
         <p:spPr>
           <a:xfrm>
-            <a:off x="16136756" y="260974"/>
-            <a:ext cx="377026" cy="523220"/>
+            <a:off x="5041534" y="84185"/>
+            <a:ext cx="247184" cy="231474"/>
           </a:xfrm>
           <a:prstGeom prst="rect">
             <a:avLst/>
@@ -8430,7 +8431,7 @@
           <a:lstStyle/>
           <a:p>
             <a:r>
-              <a:rPr lang="en-US" sz="2800" b="1" dirty="0"/>
+              <a:rPr lang="en-US" sz="904" b="1" dirty="0"/>
               <a:t>b</a:t>
             </a:r>
           </a:p>
@@ -8450,8 +8451,8 @@
         </p:nvSpPr>
         <p:spPr>
           <a:xfrm>
-            <a:off x="17700482" y="23084970"/>
-            <a:ext cx="286500" cy="523220"/>
+            <a:off x="5545963" y="7446765"/>
+            <a:ext cx="92419" cy="231474"/>
           </a:xfrm>
           <a:prstGeom prst="rect">
             <a:avLst/>
@@ -8465,7 +8466,7 @@
           <a:lstStyle/>
           <a:p>
             <a:r>
-              <a:rPr lang="en-US" sz="2800" b="1" dirty="0"/>
+              <a:rPr lang="en-US" sz="904" b="1" dirty="0"/>
               <a:t>g</a:t>
             </a:r>
           </a:p>
@@ -8487,8 +8488,8 @@
         </p:nvCxnSpPr>
         <p:spPr>
           <a:xfrm flipH="1">
-            <a:off x="11063173" y="17450349"/>
-            <a:ext cx="397950" cy="167672"/>
+            <a:off x="3404896" y="5629145"/>
+            <a:ext cx="128371" cy="54088"/>
           </a:xfrm>
           <a:prstGeom prst="straightConnector1">
             <a:avLst/>
@@ -8526,8 +8527,8 @@
         </p:nvSpPr>
         <p:spPr>
           <a:xfrm>
-            <a:off x="11461123" y="17182970"/>
-            <a:ext cx="1034001" cy="477054"/>
+            <a:off x="3533266" y="5542895"/>
+            <a:ext cx="461986" cy="216341"/>
           </a:xfrm>
           <a:prstGeom prst="rect">
             <a:avLst/>
@@ -8541,11 +8542,11 @@
           <a:lstStyle/>
           <a:p>
             <a:r>
-              <a:rPr lang="en-US" sz="2500" dirty="0" err="1"/>
+              <a:rPr lang="en-US" sz="806" dirty="0" err="1"/>
               <a:t>Ht</a:t>
             </a:r>
             <a:r>
-              <a:rPr lang="en-US" sz="2500" dirty="0"/>
+              <a:rPr lang="en-US" sz="806" dirty="0"/>
               <a:t>-seq</a:t>
             </a:r>
           </a:p>
@@ -8565,8 +8566,8 @@
         </p:nvSpPr>
         <p:spPr>
           <a:xfrm>
-            <a:off x="14018049" y="18304911"/>
-            <a:ext cx="1173783" cy="477054"/>
+            <a:off x="4358081" y="5904811"/>
+            <a:ext cx="505267" cy="216341"/>
           </a:xfrm>
           <a:prstGeom prst="rect">
             <a:avLst/>
@@ -8580,7 +8581,7 @@
           <a:lstStyle/>
           <a:p>
             <a:r>
-              <a:rPr lang="en-US" sz="2500" dirty="0"/>
+              <a:rPr lang="en-US" sz="806" dirty="0"/>
               <a:t>DESeq2</a:t>
             </a:r>
           </a:p>
@@ -8600,8 +8601,8 @@
         </p:nvCxnSpPr>
         <p:spPr>
           <a:xfrm flipH="1">
-            <a:off x="13751659" y="18543924"/>
-            <a:ext cx="328523" cy="0"/>
+            <a:off x="4272149" y="5981911"/>
+            <a:ext cx="105975" cy="0"/>
           </a:xfrm>
           <a:prstGeom prst="straightConnector1">
             <a:avLst/>
@@ -8641,8 +8642,8 @@
         </p:nvCxnSpPr>
         <p:spPr>
           <a:xfrm>
-            <a:off x="9810874" y="17990741"/>
-            <a:ext cx="346230" cy="277594"/>
+            <a:off x="3000927" y="5803466"/>
+            <a:ext cx="111688" cy="89546"/>
           </a:xfrm>
           <a:prstGeom prst="straightConnector1">
             <a:avLst/>
@@ -8680,8 +8681,8 @@
         </p:nvSpPr>
         <p:spPr>
           <a:xfrm>
-            <a:off x="10861448" y="18304911"/>
-            <a:ext cx="1944122" cy="477054"/>
+            <a:off x="3339823" y="5904811"/>
+            <a:ext cx="760144" cy="216341"/>
           </a:xfrm>
           <a:prstGeom prst="rect">
             <a:avLst/>
@@ -8695,18 +8696,18 @@
           <a:lstStyle/>
           <a:p>
             <a:r>
-              <a:rPr lang="en-US" sz="2500" dirty="0" err="1"/>
+              <a:rPr lang="en-US" sz="806" dirty="0" err="1"/>
               <a:t>Limma</a:t>
             </a:r>
             <a:r>
-              <a:rPr lang="en-US" sz="2500" dirty="0"/>
+              <a:rPr lang="en-US" sz="806" dirty="0"/>
               <a:t>/</a:t>
             </a:r>
             <a:r>
-              <a:rPr lang="en-US" sz="2500" dirty="0" err="1"/>
+              <a:rPr lang="en-US" sz="806" dirty="0" err="1"/>
               <a:t>Voom</a:t>
             </a:r>
-            <a:endParaRPr lang="en-US" sz="2500" dirty="0"/>
+            <a:endParaRPr lang="en-US" sz="806" dirty="0"/>
           </a:p>
         </p:txBody>
       </p:sp>
@@ -8726,8 +8727,8 @@
         </p:nvCxnSpPr>
         <p:spPr>
           <a:xfrm flipH="1" flipV="1">
-            <a:off x="10543534" y="18455532"/>
-            <a:ext cx="391025" cy="53009"/>
+            <a:off x="3237269" y="5953398"/>
+            <a:ext cx="126138" cy="17100"/>
           </a:xfrm>
           <a:prstGeom prst="straightConnector1">
             <a:avLst/>
@@ -8765,8 +8766,8 @@
         </p:nvSpPr>
         <p:spPr>
           <a:xfrm>
-            <a:off x="8985812" y="17644477"/>
-            <a:ext cx="988412" cy="477054"/>
+            <a:off x="2734778" y="5691767"/>
+            <a:ext cx="444352" cy="216341"/>
           </a:xfrm>
           <a:prstGeom prst="rect">
             <a:avLst/>
@@ -8780,10 +8781,10 @@
           <a:lstStyle/>
           <a:p>
             <a:r>
-              <a:rPr lang="en-US" sz="2500" dirty="0" err="1"/>
+              <a:rPr lang="en-US" sz="806" dirty="0" err="1"/>
               <a:t>EdgeR</a:t>
             </a:r>
-            <a:endParaRPr lang="en-US" sz="2500" dirty="0"/>
+            <a:endParaRPr lang="en-US" sz="806" dirty="0"/>
           </a:p>
         </p:txBody>
       </p:sp>
@@ -8803,8 +8804,8 @@
         </p:nvCxnSpPr>
         <p:spPr>
           <a:xfrm flipH="1" flipV="1">
-            <a:off x="10543534" y="19139429"/>
-            <a:ext cx="316439" cy="329426"/>
+            <a:off x="3237269" y="6174011"/>
+            <a:ext cx="102078" cy="106266"/>
           </a:xfrm>
           <a:prstGeom prst="straightConnector1">
             <a:avLst/>
@@ -8842,8 +8843,8 @@
         </p:nvSpPr>
         <p:spPr>
           <a:xfrm>
-            <a:off x="10843717" y="19285733"/>
-            <a:ext cx="821059" cy="477054"/>
+            <a:off x="3334102" y="6221205"/>
+            <a:ext cx="397866" cy="216341"/>
           </a:xfrm>
           <a:prstGeom prst="rect">
             <a:avLst/>
@@ -8857,7 +8858,7 @@
           <a:lstStyle/>
           <a:p>
             <a:r>
-              <a:rPr lang="en-US" sz="2500" dirty="0"/>
+              <a:rPr lang="en-US" sz="806" dirty="0"/>
               <a:t>STAR</a:t>
             </a:r>
           </a:p>
@@ -8879,8 +8880,8 @@
         </p:nvCxnSpPr>
         <p:spPr>
           <a:xfrm>
-            <a:off x="13266352" y="21926601"/>
-            <a:ext cx="214338" cy="259527"/>
+            <a:off x="4115598" y="7073098"/>
+            <a:ext cx="69141" cy="83719"/>
           </a:xfrm>
           <a:prstGeom prst="straightConnector1">
             <a:avLst/>
@@ -8918,8 +8919,8 @@
         </p:nvSpPr>
         <p:spPr>
           <a:xfrm>
-            <a:off x="12786433" y="21569495"/>
-            <a:ext cx="1912318" cy="477054"/>
+            <a:off x="3960785" y="6957902"/>
+            <a:ext cx="750526" cy="216341"/>
           </a:xfrm>
           <a:prstGeom prst="rect">
             <a:avLst/>
@@ -8933,10 +8934,10 @@
           <a:lstStyle/>
           <a:p>
             <a:r>
-              <a:rPr lang="en-US" sz="2500" dirty="0" err="1"/>
+              <a:rPr lang="en-US" sz="806" dirty="0" err="1"/>
               <a:t>Trimmomatic</a:t>
             </a:r>
-            <a:endParaRPr lang="en-US" sz="2500" dirty="0"/>
+            <a:endParaRPr lang="en-US" sz="806" dirty="0"/>
           </a:p>
         </p:txBody>
       </p:sp>
@@ -8956,8 +8957,8 @@
         </p:nvCxnSpPr>
         <p:spPr>
           <a:xfrm>
-            <a:off x="11974923" y="22090527"/>
-            <a:ext cx="400600" cy="351633"/>
+            <a:off x="3699008" y="7125976"/>
+            <a:ext cx="129226" cy="113430"/>
           </a:xfrm>
           <a:prstGeom prst="straightConnector1">
             <a:avLst/>
@@ -8995,8 +8996,8 @@
         </p:nvSpPr>
         <p:spPr>
           <a:xfrm>
-            <a:off x="11101519" y="21679715"/>
-            <a:ext cx="1379224" cy="477054"/>
+            <a:off x="3417264" y="6993457"/>
+            <a:ext cx="574196" cy="216341"/>
           </a:xfrm>
           <a:prstGeom prst="rect">
             <a:avLst/>
@@ -9010,10 +9011,10 @@
           <a:lstStyle/>
           <a:p>
             <a:r>
-              <a:rPr lang="en-US" sz="2500" dirty="0" err="1"/>
+              <a:rPr lang="en-US" sz="806" dirty="0" err="1"/>
               <a:t>Samtools</a:t>
             </a:r>
-            <a:endParaRPr lang="en-US" sz="2500" dirty="0"/>
+            <a:endParaRPr lang="en-US" sz="806" dirty="0"/>
           </a:p>
         </p:txBody>
       </p:sp>
@@ -9033,8 +9034,8 @@
         </p:nvCxnSpPr>
         <p:spPr>
           <a:xfrm flipH="1">
-            <a:off x="9167194" y="23120635"/>
-            <a:ext cx="308302" cy="0"/>
+            <a:off x="2793289" y="7458269"/>
+            <a:ext cx="99453" cy="0"/>
           </a:xfrm>
           <a:prstGeom prst="straightConnector1">
             <a:avLst/>
@@ -9072,8 +9073,8 @@
         </p:nvSpPr>
         <p:spPr>
           <a:xfrm>
-            <a:off x="9443340" y="22856127"/>
-            <a:ext cx="1001556" cy="477054"/>
+            <a:off x="2882367" y="7372945"/>
+            <a:ext cx="453970" cy="216341"/>
           </a:xfrm>
           <a:prstGeom prst="rect">
             <a:avLst/>
@@ -9087,7 +9088,7 @@
           <a:lstStyle/>
           <a:p>
             <a:r>
-              <a:rPr lang="en-US" sz="2500" dirty="0"/>
+              <a:rPr lang="en-US" sz="806" dirty="0"/>
               <a:t>Trinity</a:t>
             </a:r>
           </a:p>
@@ -9109,8 +9110,8 @@
         </p:nvCxnSpPr>
         <p:spPr>
           <a:xfrm flipH="1">
-            <a:off x="9045390" y="22726364"/>
-            <a:ext cx="397950" cy="167672"/>
+            <a:off x="2753997" y="7331085"/>
+            <a:ext cx="128371" cy="54088"/>
           </a:xfrm>
           <a:prstGeom prst="straightConnector1">
             <a:avLst/>
@@ -9148,8 +9149,8 @@
         </p:nvSpPr>
         <p:spPr>
           <a:xfrm>
-            <a:off x="9443340" y="22458985"/>
-            <a:ext cx="1300677" cy="477054"/>
+            <a:off x="2882368" y="7244835"/>
+            <a:ext cx="546945" cy="216341"/>
           </a:xfrm>
           <a:prstGeom prst="rect">
             <a:avLst/>
@@ -9163,7 +9164,7 @@
           <a:lstStyle/>
           <a:p>
             <a:r>
-              <a:rPr lang="en-US" sz="2500" dirty="0"/>
+              <a:rPr lang="en-US" sz="806" dirty="0"/>
               <a:t>Cufflinks</a:t>
             </a:r>
           </a:p>
@@ -9185,8 +9186,8 @@
         </p:nvCxnSpPr>
         <p:spPr>
           <a:xfrm flipH="1">
-            <a:off x="9000776" y="23627363"/>
-            <a:ext cx="308302" cy="0"/>
+            <a:off x="2739605" y="7621730"/>
+            <a:ext cx="99453" cy="0"/>
           </a:xfrm>
           <a:prstGeom prst="straightConnector1">
             <a:avLst/>
@@ -9224,8 +9225,8 @@
         </p:nvSpPr>
         <p:spPr>
           <a:xfrm>
-            <a:off x="9276922" y="23362855"/>
-            <a:ext cx="2045753" cy="477054"/>
+            <a:off x="2828685" y="7536406"/>
+            <a:ext cx="785793" cy="216341"/>
           </a:xfrm>
           <a:prstGeom prst="rect">
             <a:avLst/>
@@ -9239,19 +9240,95 @@
           <a:lstStyle/>
           <a:p>
             <a:r>
-              <a:rPr lang="en-US" sz="2500" dirty="0" err="1"/>
+              <a:rPr lang="en-US" sz="806" dirty="0" err="1"/>
               <a:t>CummeRbund</a:t>
             </a:r>
-            <a:endParaRPr lang="en-US" sz="2500" dirty="0"/>
-          </a:p>
-        </p:txBody>
-      </p:sp>
+            <a:endParaRPr lang="en-US" sz="806" dirty="0"/>
+          </a:p>
+        </p:txBody>
+      </p:sp>
+      <p:sp>
+        <p:nvSpPr>
+          <p:cNvPr id="59" name="TextBox 58">
+            <a:extLst>
+              <a:ext uri="{FF2B5EF4-FFF2-40B4-BE49-F238E27FC236}">
+                <a16:creationId xmlns:a16="http://schemas.microsoft.com/office/drawing/2014/main" id="{6D4CE0BE-45A3-9947-A131-9E1687487B56}"/>
+              </a:ext>
+            </a:extLst>
+          </p:cNvPr>
+          <p:cNvSpPr txBox="1"/>
+          <p:nvPr/>
+        </p:nvSpPr>
+        <p:spPr>
+          <a:xfrm>
+            <a:off x="2892606" y="6241700"/>
+            <a:ext cx="545342" cy="216341"/>
+          </a:xfrm>
+          <a:prstGeom prst="rect">
+            <a:avLst/>
+          </a:prstGeom>
+          <a:noFill/>
+        </p:spPr>
+        <p:txBody>
+          <a:bodyPr wrap="none" rtlCol="0">
+            <a:spAutoFit/>
+          </a:bodyPr>
+          <a:lstStyle/>
+          <a:p>
+            <a:r>
+              <a:rPr lang="en-US" sz="806" dirty="0"/>
+              <a:t>TopHat2</a:t>
+            </a:r>
+          </a:p>
+        </p:txBody>
+      </p:sp>
+      <p:cxnSp>
+        <p:nvCxnSpPr>
+          <p:cNvPr id="60" name="Straight Arrow Connector 59">
+            <a:extLst>
+              <a:ext uri="{FF2B5EF4-FFF2-40B4-BE49-F238E27FC236}">
+                <a16:creationId xmlns:a16="http://schemas.microsoft.com/office/drawing/2014/main" id="{960A0375-5024-3C41-AA48-4C5E6E7A6DD5}"/>
+              </a:ext>
+            </a:extLst>
+          </p:cNvPr>
+          <p:cNvCxnSpPr>
+            <a:cxnSpLocks/>
+          </p:cNvCxnSpPr>
+          <p:nvPr/>
+        </p:nvCxnSpPr>
+        <p:spPr>
+          <a:xfrm flipH="1" flipV="1">
+            <a:off x="2892281" y="6157655"/>
+            <a:ext cx="103531" cy="92983"/>
+          </a:xfrm>
+          <a:prstGeom prst="straightConnector1">
+            <a:avLst/>
+          </a:prstGeom>
+          <a:ln>
+            <a:tailEnd type="triangle"/>
+          </a:ln>
+        </p:spPr>
+        <p:style>
+          <a:lnRef idx="1">
+            <a:schemeClr val="dk1"/>
+          </a:lnRef>
+          <a:fillRef idx="0">
+            <a:schemeClr val="dk1"/>
+          </a:fillRef>
+          <a:effectRef idx="0">
+            <a:schemeClr val="dk1"/>
+          </a:effectRef>
+          <a:fontRef idx="minor">
+            <a:schemeClr val="tx1"/>
+          </a:fontRef>
+        </p:style>
+      </p:cxnSp>
       <p:pic>
         <p:nvPicPr>
-          <p:cNvPr id="20" name="Picture 19">
-            <a:extLst>
-              <a:ext uri="{FF2B5EF4-FFF2-40B4-BE49-F238E27FC236}">
-                <a16:creationId xmlns:a16="http://schemas.microsoft.com/office/drawing/2014/main" id="{E591639A-A633-6442-B0DC-69D6CDE38CA7}"/>
+          <p:cNvPr id="3" name="Picture 2">
+            <a:extLst>
+              <a:ext uri="{FF2B5EF4-FFF2-40B4-BE49-F238E27FC236}">
+                <a16:creationId xmlns:a16="http://schemas.microsoft.com/office/drawing/2014/main" id="{3FB6B28A-6955-144A-BA74-B11C6720FA9F}"/>
               </a:ext>
             </a:extLst>
           </p:cNvPr>
@@ -9268,94 +9345,248 @@
         </p:blipFill>
         <p:spPr>
           <a:xfrm>
-            <a:off x="18302598" y="22865528"/>
-            <a:ext cx="9679192" cy="5322608"/>
+            <a:off x="5747973" y="7398723"/>
+            <a:ext cx="3120836" cy="1707859"/>
           </a:xfrm>
           <a:prstGeom prst="rect">
             <a:avLst/>
           </a:prstGeom>
         </p:spPr>
       </p:pic>
-      <p:sp>
-        <p:nvSpPr>
-          <p:cNvPr id="59" name="TextBox 58">
-            <a:extLst>
-              <a:ext uri="{FF2B5EF4-FFF2-40B4-BE49-F238E27FC236}">
-                <a16:creationId xmlns:a16="http://schemas.microsoft.com/office/drawing/2014/main" id="{6D4CE0BE-45A3-9947-A131-9E1687487B56}"/>
-              </a:ext>
-            </a:extLst>
-          </p:cNvPr>
-          <p:cNvSpPr txBox="1"/>
-          <p:nvPr/>
-        </p:nvSpPr>
-        <p:spPr>
-          <a:xfrm>
-            <a:off x="9475080" y="19349265"/>
-            <a:ext cx="1268937" cy="477054"/>
-          </a:xfrm>
-          <a:prstGeom prst="rect">
-            <a:avLst/>
-          </a:prstGeom>
-          <a:noFill/>
-        </p:spPr>
-        <p:txBody>
-          <a:bodyPr wrap="none" rtlCol="0">
-            <a:spAutoFit/>
-          </a:bodyPr>
-          <a:lstStyle/>
-          <a:p>
-            <a:r>
-              <a:rPr lang="en-US" sz="2500" dirty="0"/>
-              <a:t>TopHat2</a:t>
-            </a:r>
-          </a:p>
-        </p:txBody>
-      </p:sp>
-      <p:cxnSp>
-        <p:nvCxnSpPr>
-          <p:cNvPr id="60" name="Straight Arrow Connector 59">
-            <a:extLst>
-              <a:ext uri="{FF2B5EF4-FFF2-40B4-BE49-F238E27FC236}">
-                <a16:creationId xmlns:a16="http://schemas.microsoft.com/office/drawing/2014/main" id="{960A0375-5024-3C41-AA48-4C5E6E7A6DD5}"/>
-              </a:ext>
-            </a:extLst>
-          </p:cNvPr>
-          <p:cNvCxnSpPr>
-            <a:cxnSpLocks/>
-          </p:cNvCxnSpPr>
-          <p:nvPr/>
-        </p:nvCxnSpPr>
-        <p:spPr>
-          <a:xfrm flipH="1" flipV="1">
-            <a:off x="9474068" y="19088730"/>
-            <a:ext cx="320948" cy="288244"/>
-          </a:xfrm>
-          <a:prstGeom prst="straightConnector1">
-            <a:avLst/>
-          </a:prstGeom>
-          <a:ln>
-            <a:tailEnd type="triangle"/>
+    </p:spTree>
+    <p:extLst>
+      <p:ext uri="{BB962C8B-B14F-4D97-AF65-F5344CB8AC3E}">
+        <p14:creationId xmlns:p14="http://schemas.microsoft.com/office/powerpoint/2010/main" val="2829843721"/>
+      </p:ext>
+    </p:extLst>
+  </p:cSld>
+  <p:clrMapOvr>
+    <a:masterClrMapping/>
+  </p:clrMapOvr>
+</p:sld>
+</file>
+
+<file path=ppt/slides/slide6.xml><?xml version="1.0" encoding="utf-8"?>
+<p:sld xmlns:a="http://schemas.openxmlformats.org/drawingml/2006/main" xmlns:r="http://schemas.openxmlformats.org/officeDocument/2006/relationships" xmlns:p="http://schemas.openxmlformats.org/presentationml/2006/main">
+  <p:cSld>
+    <p:spTree>
+      <p:nvGrpSpPr>
+        <p:cNvPr id="1" name=""/>
+        <p:cNvGrpSpPr/>
+        <p:nvPr/>
+      </p:nvGrpSpPr>
+      <p:grpSpPr>
+        <a:xfrm>
+          <a:off x="0" y="0"/>
+          <a:ext cx="0" cy="0"/>
+          <a:chOff x="0" y="0"/>
+          <a:chExt cx="0" cy="0"/>
+        </a:xfrm>
+      </p:grpSpPr>
+      <p:pic>
+        <p:nvPicPr>
+          <p:cNvPr id="5" name="Picture 4">
+            <a:extLst>
+              <a:ext uri="{FF2B5EF4-FFF2-40B4-BE49-F238E27FC236}">
+                <a16:creationId xmlns:a16="http://schemas.microsoft.com/office/drawing/2014/main" id="{9C3D8C94-21D0-ED4E-BCA8-DB0F893B4DC1}"/>
+              </a:ext>
+            </a:extLst>
+          </p:cNvPr>
+          <p:cNvPicPr>
+            <a:picLocks noChangeAspect="1"/>
+          </p:cNvPicPr>
+          <p:nvPr/>
+        </p:nvPicPr>
+        <p:blipFill>
+          <a:blip r:embed="rId2"/>
+          <a:stretch>
+            <a:fillRect/>
+          </a:stretch>
+        </p:blipFill>
+        <p:spPr>
+          <a:xfrm>
+            <a:off x="-451742" y="130629"/>
+            <a:ext cx="9766529" cy="9160330"/>
+          </a:xfrm>
+          <a:prstGeom prst="rect">
+            <a:avLst/>
+          </a:prstGeom>
+        </p:spPr>
+      </p:pic>
+      <mc:AlternateContent xmlns:mc="http://schemas.openxmlformats.org/markup-compatibility/2006">
+        <mc:Choice xmlns:a14="http://schemas.microsoft.com/office/drawing/2010/main" Requires="a14">
+          <p:sp>
+            <p:nvSpPr>
+              <p:cNvPr id="7" name="TextBox 6">
+                <a:extLst>
+                  <a:ext uri="{FF2B5EF4-FFF2-40B4-BE49-F238E27FC236}">
+                    <a16:creationId xmlns:a16="http://schemas.microsoft.com/office/drawing/2014/main" id="{E0793BC2-413C-CA42-9EBD-4435A5BA88C2}"/>
+                  </a:ext>
+                </a:extLst>
+              </p:cNvPr>
+              <p:cNvSpPr txBox="1"/>
+              <p:nvPr/>
+            </p:nvSpPr>
+            <p:spPr>
+              <a:xfrm>
+                <a:off x="4175321" y="1256626"/>
+                <a:ext cx="1846980" cy="525208"/>
+              </a:xfrm>
+              <a:prstGeom prst="rect">
+                <a:avLst/>
+              </a:prstGeom>
+              <a:noFill/>
+            </p:spPr>
+            <p:txBody>
+              <a:bodyPr wrap="none" rtlCol="0">
+                <a:spAutoFit/>
+              </a:bodyPr>
+              <a:lstStyle/>
+              <a:p>
+                <a:r>
+                  <a:rPr lang="en-US" sz="2813" dirty="0"/>
+                  <a:t>p=</a:t>
+                </a:r>
+                <a:r>
+                  <a:rPr lang="en-US" sz="2500" dirty="0"/>
+                  <a:t>1.85</a:t>
+                </a:r>
+                <a14:m>
+                  <m:oMath xmlns:m="http://schemas.openxmlformats.org/officeDocument/2006/math">
+                    <m:r>
+                      <a:rPr lang="en-US" sz="2500" i="1">
+                        <a:latin typeface="Cambria Math" panose="02040503050406030204" pitchFamily="18" charset="0"/>
+                        <a:ea typeface="Cambria Math" panose="02040503050406030204" pitchFamily="18" charset="0"/>
+                      </a:rPr>
+                      <m:t>×</m:t>
+                    </m:r>
+                  </m:oMath>
+                </a14:m>
+                <a:r>
+                  <a:rPr lang="en-US" sz="2500" dirty="0"/>
+                  <a:t>10</a:t>
+                </a:r>
+                <a:r>
+                  <a:rPr lang="en-US" sz="2500" baseline="30000" dirty="0"/>
+                  <a:t>-7</a:t>
+                </a:r>
+                <a:endParaRPr lang="en-US" sz="2813" dirty="0"/>
+              </a:p>
+            </p:txBody>
+          </p:sp>
+        </mc:Choice>
+        <mc:Fallback>
+          <p:sp>
+            <p:nvSpPr>
+              <p:cNvPr id="7" name="TextBox 6">
+                <a:extLst>
+                  <a:ext uri="{FF2B5EF4-FFF2-40B4-BE49-F238E27FC236}">
+                    <a16:creationId xmlns:a16="http://schemas.microsoft.com/office/drawing/2014/main" id="{E0793BC2-413C-CA42-9EBD-4435A5BA88C2}"/>
+                  </a:ext>
+                </a:extLst>
+              </p:cNvPr>
+              <p:cNvSpPr txBox="1">
+                <a:spLocks noRot="1" noChangeAspect="1" noMove="1" noResize="1" noEditPoints="1" noAdjustHandles="1" noChangeArrowheads="1" noChangeShapeType="1" noTextEdit="1"/>
+              </p:cNvSpPr>
+              <p:nvPr/>
+            </p:nvSpPr>
+            <p:spPr>
+              <a:xfrm>
+                <a:off x="4175321" y="1256626"/>
+                <a:ext cx="1846980" cy="525208"/>
+              </a:xfrm>
+              <a:prstGeom prst="rect">
+                <a:avLst/>
+              </a:prstGeom>
+              <a:blipFill>
+                <a:blip r:embed="rId3"/>
+                <a:stretch>
+                  <a:fillRect l="-6849" t="-11905" r="-685" b="-28571"/>
+                </a:stretch>
+              </a:blipFill>
+            </p:spPr>
+            <p:txBody>
+              <a:bodyPr/>
+              <a:lstStyle/>
+              <a:p>
+                <a:r>
+                  <a:rPr lang="en-US">
+                    <a:noFill/>
+                  </a:rPr>
+                  <a:t> </a:t>
+                </a:r>
+              </a:p>
+            </p:txBody>
+          </p:sp>
+        </mc:Fallback>
+      </mc:AlternateContent>
+      <p:sp>
+        <p:nvSpPr>
+          <p:cNvPr id="8" name="Left Bracket 7">
+            <a:extLst>
+              <a:ext uri="{FF2B5EF4-FFF2-40B4-BE49-F238E27FC236}">
+                <a16:creationId xmlns:a16="http://schemas.microsoft.com/office/drawing/2014/main" id="{2E017194-11BB-0F48-97E3-115F5570BD1B}"/>
+              </a:ext>
+            </a:extLst>
+          </p:cNvPr>
+          <p:cNvSpPr/>
+          <p:nvPr/>
+        </p:nvSpPr>
+        <p:spPr>
+          <a:xfrm rot="5400000">
+            <a:off x="4981294" y="56310"/>
+            <a:ext cx="209869" cy="3610778"/>
+          </a:xfrm>
+          <a:prstGeom prst="leftBracket">
+            <a:avLst/>
+          </a:prstGeom>
+          <a:ln w="38100">
+            <a:solidFill>
+              <a:srgbClr val="434243"/>
+            </a:solidFill>
           </a:ln>
         </p:spPr>
         <p:style>
-          <a:lnRef idx="1">
+          <a:lnRef idx="3">
             <a:schemeClr val="dk1"/>
           </a:lnRef>
           <a:fillRef idx="0">
             <a:schemeClr val="dk1"/>
           </a:fillRef>
-          <a:effectRef idx="0">
+          <a:effectRef idx="2">
             <a:schemeClr val="dk1"/>
           </a:effectRef>
           <a:fontRef idx="minor">
             <a:schemeClr val="tx1"/>
           </a:fontRef>
         </p:style>
-      </p:cxnSp>
+        <p:txBody>
+          <a:bodyPr rot="0" spcFirstLastPara="0" vertOverflow="overflow" horzOverflow="overflow" vert="horz" wrap="square" lIns="114300" tIns="57150" rIns="114300" bIns="57150" numCol="1" spcCol="0" rtlCol="0" fromWordArt="0" anchor="ctr" anchorCtr="0" forceAA="0" compatLnSpc="1">
+            <a:prstTxWarp prst="textNoShape">
+              <a:avLst/>
+            </a:prstTxWarp>
+            <a:noAutofit/>
+          </a:bodyPr>
+          <a:lstStyle/>
+          <a:p>
+            <a:pPr algn="ctr"/>
+            <a:endParaRPr lang="en-US" sz="2813">
+              <a:ln w="0"/>
+              <a:effectLst>
+                <a:outerShdw blurRad="38100" dist="19050" dir="2700000" algn="tl" rotWithShape="0">
+                  <a:schemeClr val="dk1">
+                    <a:alpha val="40000"/>
+                  </a:schemeClr>
+                </a:outerShdw>
+              </a:effectLst>
+            </a:endParaRPr>
+          </a:p>
+        </p:txBody>
+      </p:sp>
     </p:spTree>
     <p:extLst>
       <p:ext uri="{BB962C8B-B14F-4D97-AF65-F5344CB8AC3E}">
-        <p14:creationId xmlns:p14="http://schemas.microsoft.com/office/powerpoint/2010/main" val="2829843721"/>
+        <p14:creationId xmlns:p14="http://schemas.microsoft.com/office/powerpoint/2010/main" val="3406830537"/>
       </p:ext>
     </p:extLst>
   </p:cSld>

--- a/figures/multipanel.pptx
+++ b/figures/multipanel.pptx
@@ -2,10 +2,10 @@
 <file path=ppt/presentation.xml><?xml version="1.0" encoding="utf-8"?>
 <p:presentation xmlns:a="http://schemas.openxmlformats.org/drawingml/2006/main" xmlns:r="http://schemas.openxmlformats.org/officeDocument/2006/relationships" xmlns:p="http://schemas.openxmlformats.org/presentationml/2006/main" saveSubsetFonts="1" autoCompressPictures="0">
   <p:sldMasterIdLst>
-    <p:sldMasterId id="2147483936" r:id="rId1"/>
+    <p:sldMasterId id="2147484008" r:id="rId1"/>
   </p:sldMasterIdLst>
   <p:notesMasterIdLst>
-    <p:notesMasterId r:id="rId8"/>
+    <p:notesMasterId r:id="rId9"/>
   </p:notesMasterIdLst>
   <p:sldIdLst>
     <p:sldId id="256" r:id="rId2"/>
@@ -13,9 +13,10 @@
     <p:sldId id="258" r:id="rId4"/>
     <p:sldId id="259" r:id="rId5"/>
     <p:sldId id="260" r:id="rId6"/>
-    <p:sldId id="261" r:id="rId7"/>
+    <p:sldId id="262" r:id="rId7"/>
+    <p:sldId id="261" r:id="rId8"/>
   </p:sldIdLst>
-  <p:sldSz cx="9144000" cy="9144000"/>
+  <p:sldSz cx="22860000" cy="18288000"/>
   <p:notesSz cx="6858000" cy="9144000"/>
   <p:defaultTextStyle>
     <a:defPPr>
@@ -202,7 +203,7 @@
           <a:p>
             <a:fld id="{DBE328A2-7FAD-6647-8FB9-7BA0058712E1}" type="datetimeFigureOut">
               <a:rPr lang="en-US" smtClean="0"/>
-              <a:t>6/30/20</a:t>
+              <a:t>7/7/20</a:t>
             </a:fld>
             <a:endParaRPr lang="en-US"/>
           </a:p>
@@ -220,8 +221,8 @@
         </p:nvSpPr>
         <p:spPr>
           <a:xfrm>
-            <a:off x="1885950" y="1143000"/>
-            <a:ext cx="3086100" cy="3086100"/>
+            <a:off x="1500188" y="1143000"/>
+            <a:ext cx="3857625" cy="3086100"/>
           </a:xfrm>
           <a:prstGeom prst="rect">
             <a:avLst/>
@@ -375,8 +376,8 @@
   </p:cSld>
   <p:clrMap bg1="lt1" tx1="dk1" bg2="lt2" tx2="dk2" accent1="accent1" accent2="accent2" accent3="accent3" accent4="accent4" accent5="accent5" accent6="accent6" hlink="hlink" folHlink="folHlink"/>
   <p:notesStyle>
-    <a:lvl1pPr marL="0" algn="l" defTabSz="294894" rtl="0" eaLnBrk="1" latinLnBrk="0" hangingPunct="1">
-      <a:defRPr sz="388" kern="1200">
+    <a:lvl1pPr marL="0" algn="l" defTabSz="737216" rtl="0" eaLnBrk="1" latinLnBrk="0" hangingPunct="1">
+      <a:defRPr sz="970" kern="1200">
         <a:solidFill>
           <a:schemeClr val="tx1"/>
         </a:solidFill>
@@ -385,8 +386,8 @@
         <a:cs typeface="+mn-cs"/>
       </a:defRPr>
     </a:lvl1pPr>
-    <a:lvl2pPr marL="147448" algn="l" defTabSz="294894" rtl="0" eaLnBrk="1" latinLnBrk="0" hangingPunct="1">
-      <a:defRPr sz="388" kern="1200">
+    <a:lvl2pPr marL="368611" algn="l" defTabSz="737216" rtl="0" eaLnBrk="1" latinLnBrk="0" hangingPunct="1">
+      <a:defRPr sz="970" kern="1200">
         <a:solidFill>
           <a:schemeClr val="tx1"/>
         </a:solidFill>
@@ -395,8 +396,8 @@
         <a:cs typeface="+mn-cs"/>
       </a:defRPr>
     </a:lvl2pPr>
-    <a:lvl3pPr marL="294894" algn="l" defTabSz="294894" rtl="0" eaLnBrk="1" latinLnBrk="0" hangingPunct="1">
-      <a:defRPr sz="388" kern="1200">
+    <a:lvl3pPr marL="737216" algn="l" defTabSz="737216" rtl="0" eaLnBrk="1" latinLnBrk="0" hangingPunct="1">
+      <a:defRPr sz="970" kern="1200">
         <a:solidFill>
           <a:schemeClr val="tx1"/>
         </a:solidFill>
@@ -405,8 +406,8 @@
         <a:cs typeface="+mn-cs"/>
       </a:defRPr>
     </a:lvl3pPr>
-    <a:lvl4pPr marL="442341" algn="l" defTabSz="294894" rtl="0" eaLnBrk="1" latinLnBrk="0" hangingPunct="1">
-      <a:defRPr sz="388" kern="1200">
+    <a:lvl4pPr marL="1105826" algn="l" defTabSz="737216" rtl="0" eaLnBrk="1" latinLnBrk="0" hangingPunct="1">
+      <a:defRPr sz="970" kern="1200">
         <a:solidFill>
           <a:schemeClr val="tx1"/>
         </a:solidFill>
@@ -415,8 +416,8 @@
         <a:cs typeface="+mn-cs"/>
       </a:defRPr>
     </a:lvl4pPr>
-    <a:lvl5pPr marL="589788" algn="l" defTabSz="294894" rtl="0" eaLnBrk="1" latinLnBrk="0" hangingPunct="1">
-      <a:defRPr sz="388" kern="1200">
+    <a:lvl5pPr marL="1474434" algn="l" defTabSz="737216" rtl="0" eaLnBrk="1" latinLnBrk="0" hangingPunct="1">
+      <a:defRPr sz="970" kern="1200">
         <a:solidFill>
           <a:schemeClr val="tx1"/>
         </a:solidFill>
@@ -425,8 +426,8 @@
         <a:cs typeface="+mn-cs"/>
       </a:defRPr>
     </a:lvl5pPr>
-    <a:lvl6pPr marL="737235" algn="l" defTabSz="294894" rtl="0" eaLnBrk="1" latinLnBrk="0" hangingPunct="1">
-      <a:defRPr sz="388" kern="1200">
+    <a:lvl6pPr marL="1843043" algn="l" defTabSz="737216" rtl="0" eaLnBrk="1" latinLnBrk="0" hangingPunct="1">
+      <a:defRPr sz="970" kern="1200">
         <a:solidFill>
           <a:schemeClr val="tx1"/>
         </a:solidFill>
@@ -435,8 +436,8 @@
         <a:cs typeface="+mn-cs"/>
       </a:defRPr>
     </a:lvl6pPr>
-    <a:lvl7pPr marL="884683" algn="l" defTabSz="294894" rtl="0" eaLnBrk="1" latinLnBrk="0" hangingPunct="1">
-      <a:defRPr sz="388" kern="1200">
+    <a:lvl7pPr marL="2211653" algn="l" defTabSz="737216" rtl="0" eaLnBrk="1" latinLnBrk="0" hangingPunct="1">
+      <a:defRPr sz="970" kern="1200">
         <a:solidFill>
           <a:schemeClr val="tx1"/>
         </a:solidFill>
@@ -445,8 +446,8 @@
         <a:cs typeface="+mn-cs"/>
       </a:defRPr>
     </a:lvl7pPr>
-    <a:lvl8pPr marL="1032129" algn="l" defTabSz="294894" rtl="0" eaLnBrk="1" latinLnBrk="0" hangingPunct="1">
-      <a:defRPr sz="388" kern="1200">
+    <a:lvl8pPr marL="2580259" algn="l" defTabSz="737216" rtl="0" eaLnBrk="1" latinLnBrk="0" hangingPunct="1">
+      <a:defRPr sz="970" kern="1200">
         <a:solidFill>
           <a:schemeClr val="tx1"/>
         </a:solidFill>
@@ -455,8 +456,8 @@
         <a:cs typeface="+mn-cs"/>
       </a:defRPr>
     </a:lvl8pPr>
-    <a:lvl9pPr marL="1179576" algn="l" defTabSz="294894" rtl="0" eaLnBrk="1" latinLnBrk="0" hangingPunct="1">
-      <a:defRPr sz="388" kern="1200">
+    <a:lvl9pPr marL="2948866" algn="l" defTabSz="737216" rtl="0" eaLnBrk="1" latinLnBrk="0" hangingPunct="1">
+      <a:defRPr sz="970" kern="1200">
         <a:solidFill>
           <a:schemeClr val="tx1"/>
         </a:solidFill>
@@ -496,7 +497,12 @@
             <p:ph type="sldImg"/>
           </p:nvPr>
         </p:nvSpPr>
-        <p:spPr/>
+        <p:spPr>
+          <a:xfrm>
+            <a:off x="1500188" y="1143000"/>
+            <a:ext cx="3857625" cy="3086100"/>
+          </a:xfrm>
+        </p:spPr>
       </p:sp>
       <p:sp>
         <p:nvSpPr>
@@ -582,15 +588,15 @@
         </p:nvSpPr>
         <p:spPr>
           <a:xfrm>
-            <a:off x="685800" y="1496484"/>
-            <a:ext cx="7772400" cy="3183467"/>
+            <a:off x="1714500" y="2992968"/>
+            <a:ext cx="19431000" cy="6366933"/>
           </a:xfrm>
         </p:spPr>
         <p:txBody>
           <a:bodyPr anchor="b"/>
           <a:lstStyle>
             <a:lvl1pPr algn="ctr">
-              <a:defRPr sz="6000"/>
+              <a:defRPr sz="15000"/>
             </a:lvl1pPr>
           </a:lstStyle>
           <a:p>
@@ -614,8 +620,8 @@
         </p:nvSpPr>
         <p:spPr>
           <a:xfrm>
-            <a:off x="1143000" y="4802717"/>
-            <a:ext cx="6858000" cy="2207683"/>
+            <a:off x="2857500" y="9605435"/>
+            <a:ext cx="17145000" cy="4415365"/>
           </a:xfrm>
         </p:spPr>
         <p:txBody>
@@ -623,39 +629,39 @@
           <a:lstStyle>
             <a:lvl1pPr marL="0" indent="0" algn="ctr">
               <a:buNone/>
-              <a:defRPr sz="2400"/>
+              <a:defRPr sz="6000"/>
             </a:lvl1pPr>
-            <a:lvl2pPr marL="457200" indent="0" algn="ctr">
+            <a:lvl2pPr marL="1143000" indent="0" algn="ctr">
               <a:buNone/>
-              <a:defRPr sz="2000"/>
+              <a:defRPr sz="5000"/>
             </a:lvl2pPr>
-            <a:lvl3pPr marL="914400" indent="0" algn="ctr">
+            <a:lvl3pPr marL="2286000" indent="0" algn="ctr">
               <a:buNone/>
-              <a:defRPr sz="1800"/>
+              <a:defRPr sz="4500"/>
             </a:lvl3pPr>
-            <a:lvl4pPr marL="1371600" indent="0" algn="ctr">
+            <a:lvl4pPr marL="3429000" indent="0" algn="ctr">
               <a:buNone/>
-              <a:defRPr sz="1600"/>
+              <a:defRPr sz="4000"/>
             </a:lvl4pPr>
-            <a:lvl5pPr marL="1828800" indent="0" algn="ctr">
+            <a:lvl5pPr marL="4572000" indent="0" algn="ctr">
               <a:buNone/>
-              <a:defRPr sz="1600"/>
+              <a:defRPr sz="4000"/>
             </a:lvl5pPr>
-            <a:lvl6pPr marL="2286000" indent="0" algn="ctr">
+            <a:lvl6pPr marL="5715000" indent="0" algn="ctr">
               <a:buNone/>
-              <a:defRPr sz="1600"/>
+              <a:defRPr sz="4000"/>
             </a:lvl6pPr>
-            <a:lvl7pPr marL="2743200" indent="0" algn="ctr">
+            <a:lvl7pPr marL="6858000" indent="0" algn="ctr">
               <a:buNone/>
-              <a:defRPr sz="1600"/>
+              <a:defRPr sz="4000"/>
             </a:lvl7pPr>
-            <a:lvl8pPr marL="3200400" indent="0" algn="ctr">
+            <a:lvl8pPr marL="8001000" indent="0" algn="ctr">
               <a:buNone/>
-              <a:defRPr sz="1600"/>
+              <a:defRPr sz="4000"/>
             </a:lvl8pPr>
-            <a:lvl9pPr marL="3657600" indent="0" algn="ctr">
+            <a:lvl9pPr marL="9144000" indent="0" algn="ctr">
               <a:buNone/>
-              <a:defRPr sz="1600"/>
+              <a:defRPr sz="4000"/>
             </a:lvl9pPr>
           </a:lstStyle>
           <a:p>
@@ -684,7 +690,7 @@
           <a:p>
             <a:fld id="{577C0138-7A75-8149-9F79-A385D49B39ED}" type="datetimeFigureOut">
               <a:rPr lang="en-US" smtClean="0"/>
-              <a:t>6/30/20</a:t>
+              <a:t>7/7/20</a:t>
             </a:fld>
             <a:endParaRPr lang="en-US"/>
           </a:p>
@@ -735,7 +741,7 @@
     </p:spTree>
     <p:extLst>
       <p:ext uri="{BB962C8B-B14F-4D97-AF65-F5344CB8AC3E}">
-        <p14:creationId xmlns:p14="http://schemas.microsoft.com/office/powerpoint/2010/main" val="4200777547"/>
+        <p14:creationId xmlns:p14="http://schemas.microsoft.com/office/powerpoint/2010/main" val="3572150568"/>
       </p:ext>
     </p:extLst>
   </p:cSld>
@@ -854,7 +860,7 @@
           <a:p>
             <a:fld id="{577C0138-7A75-8149-9F79-A385D49B39ED}" type="datetimeFigureOut">
               <a:rPr lang="en-US" smtClean="0"/>
-              <a:t>6/30/20</a:t>
+              <a:t>7/7/20</a:t>
             </a:fld>
             <a:endParaRPr lang="en-US"/>
           </a:p>
@@ -905,7 +911,7 @@
     </p:spTree>
     <p:extLst>
       <p:ext uri="{BB962C8B-B14F-4D97-AF65-F5344CB8AC3E}">
-        <p14:creationId xmlns:p14="http://schemas.microsoft.com/office/powerpoint/2010/main" val="2379781811"/>
+        <p14:creationId xmlns:p14="http://schemas.microsoft.com/office/powerpoint/2010/main" val="980273184"/>
       </p:ext>
     </p:extLst>
   </p:cSld>
@@ -944,8 +950,8 @@
         </p:nvSpPr>
         <p:spPr>
           <a:xfrm>
-            <a:off x="6543676" y="486834"/>
-            <a:ext cx="1971675" cy="7749117"/>
+            <a:off x="16359189" y="973667"/>
+            <a:ext cx="4929188" cy="15498235"/>
           </a:xfrm>
         </p:spPr>
         <p:txBody>
@@ -972,8 +978,8 @@
         </p:nvSpPr>
         <p:spPr>
           <a:xfrm>
-            <a:off x="628651" y="486834"/>
-            <a:ext cx="5800725" cy="7749117"/>
+            <a:off x="1571626" y="973667"/>
+            <a:ext cx="14501813" cy="15498235"/>
           </a:xfrm>
         </p:spPr>
         <p:txBody>
@@ -1034,7 +1040,7 @@
           <a:p>
             <a:fld id="{577C0138-7A75-8149-9F79-A385D49B39ED}" type="datetimeFigureOut">
               <a:rPr lang="en-US" smtClean="0"/>
-              <a:t>6/30/20</a:t>
+              <a:t>7/7/20</a:t>
             </a:fld>
             <a:endParaRPr lang="en-US"/>
           </a:p>
@@ -1085,7 +1091,7 @@
     </p:spTree>
     <p:extLst>
       <p:ext uri="{BB962C8B-B14F-4D97-AF65-F5344CB8AC3E}">
-        <p14:creationId xmlns:p14="http://schemas.microsoft.com/office/powerpoint/2010/main" val="1041214411"/>
+        <p14:creationId xmlns:p14="http://schemas.microsoft.com/office/powerpoint/2010/main" val="1259343111"/>
       </p:ext>
     </p:extLst>
   </p:cSld>
@@ -1204,7 +1210,7 @@
           <a:p>
             <a:fld id="{577C0138-7A75-8149-9F79-A385D49B39ED}" type="datetimeFigureOut">
               <a:rPr lang="en-US" smtClean="0"/>
-              <a:t>6/30/20</a:t>
+              <a:t>7/7/20</a:t>
             </a:fld>
             <a:endParaRPr lang="en-US"/>
           </a:p>
@@ -1255,7 +1261,7 @@
     </p:spTree>
     <p:extLst>
       <p:ext uri="{BB962C8B-B14F-4D97-AF65-F5344CB8AC3E}">
-        <p14:creationId xmlns:p14="http://schemas.microsoft.com/office/powerpoint/2010/main" val="1495796428"/>
+        <p14:creationId xmlns:p14="http://schemas.microsoft.com/office/powerpoint/2010/main" val="75361908"/>
       </p:ext>
     </p:extLst>
   </p:cSld>
@@ -1294,15 +1300,15 @@
         </p:nvSpPr>
         <p:spPr>
           <a:xfrm>
-            <a:off x="623888" y="2279653"/>
-            <a:ext cx="7886700" cy="3803649"/>
+            <a:off x="1559720" y="4559305"/>
+            <a:ext cx="19716750" cy="7607299"/>
           </a:xfrm>
         </p:spPr>
         <p:txBody>
           <a:bodyPr anchor="b"/>
           <a:lstStyle>
             <a:lvl1pPr>
-              <a:defRPr sz="6000"/>
+              <a:defRPr sz="15000"/>
             </a:lvl1pPr>
           </a:lstStyle>
           <a:p>
@@ -1326,8 +1332,8 @@
         </p:nvSpPr>
         <p:spPr>
           <a:xfrm>
-            <a:off x="623888" y="6119286"/>
-            <a:ext cx="7886700" cy="2000249"/>
+            <a:off x="1559720" y="12238572"/>
+            <a:ext cx="19716750" cy="4000499"/>
           </a:xfrm>
         </p:spPr>
         <p:txBody>
@@ -1335,15 +1341,15 @@
           <a:lstStyle>
             <a:lvl1pPr marL="0" indent="0">
               <a:buNone/>
-              <a:defRPr sz="2400">
+              <a:defRPr sz="6000">
                 <a:solidFill>
                   <a:schemeClr val="tx1"/>
                 </a:solidFill>
               </a:defRPr>
             </a:lvl1pPr>
-            <a:lvl2pPr marL="457200" indent="0">
+            <a:lvl2pPr marL="1143000" indent="0">
               <a:buNone/>
-              <a:defRPr sz="2000">
+              <a:defRPr sz="5000">
                 <a:solidFill>
                   <a:schemeClr val="tx1">
                     <a:tint val="75000"/>
@@ -1351,9 +1357,9 @@
                 </a:solidFill>
               </a:defRPr>
             </a:lvl2pPr>
-            <a:lvl3pPr marL="914400" indent="0">
+            <a:lvl3pPr marL="2286000" indent="0">
               <a:buNone/>
-              <a:defRPr sz="1800">
+              <a:defRPr sz="4500">
                 <a:solidFill>
                   <a:schemeClr val="tx1">
                     <a:tint val="75000"/>
@@ -1361,9 +1367,9 @@
                 </a:solidFill>
               </a:defRPr>
             </a:lvl3pPr>
-            <a:lvl4pPr marL="1371600" indent="0">
+            <a:lvl4pPr marL="3429000" indent="0">
               <a:buNone/>
-              <a:defRPr sz="1600">
+              <a:defRPr sz="4000">
                 <a:solidFill>
                   <a:schemeClr val="tx1">
                     <a:tint val="75000"/>
@@ -1371,9 +1377,9 @@
                 </a:solidFill>
               </a:defRPr>
             </a:lvl4pPr>
-            <a:lvl5pPr marL="1828800" indent="0">
+            <a:lvl5pPr marL="4572000" indent="0">
               <a:buNone/>
-              <a:defRPr sz="1600">
+              <a:defRPr sz="4000">
                 <a:solidFill>
                   <a:schemeClr val="tx1">
                     <a:tint val="75000"/>
@@ -1381,9 +1387,9 @@
                 </a:solidFill>
               </a:defRPr>
             </a:lvl5pPr>
-            <a:lvl6pPr marL="2286000" indent="0">
+            <a:lvl6pPr marL="5715000" indent="0">
               <a:buNone/>
-              <a:defRPr sz="1600">
+              <a:defRPr sz="4000">
                 <a:solidFill>
                   <a:schemeClr val="tx1">
                     <a:tint val="75000"/>
@@ -1391,9 +1397,9 @@
                 </a:solidFill>
               </a:defRPr>
             </a:lvl6pPr>
-            <a:lvl7pPr marL="2743200" indent="0">
+            <a:lvl7pPr marL="6858000" indent="0">
               <a:buNone/>
-              <a:defRPr sz="1600">
+              <a:defRPr sz="4000">
                 <a:solidFill>
                   <a:schemeClr val="tx1">
                     <a:tint val="75000"/>
@@ -1401,9 +1407,9 @@
                 </a:solidFill>
               </a:defRPr>
             </a:lvl7pPr>
-            <a:lvl8pPr marL="3200400" indent="0">
+            <a:lvl8pPr marL="8001000" indent="0">
               <a:buNone/>
-              <a:defRPr sz="1600">
+              <a:defRPr sz="4000">
                 <a:solidFill>
                   <a:schemeClr val="tx1">
                     <a:tint val="75000"/>
@@ -1411,9 +1417,9 @@
                 </a:solidFill>
               </a:defRPr>
             </a:lvl8pPr>
-            <a:lvl9pPr marL="3657600" indent="0">
+            <a:lvl9pPr marL="9144000" indent="0">
               <a:buNone/>
-              <a:defRPr sz="1600">
+              <a:defRPr sz="4000">
                 <a:solidFill>
                   <a:schemeClr val="tx1">
                     <a:tint val="75000"/>
@@ -1448,7 +1454,7 @@
           <a:p>
             <a:fld id="{577C0138-7A75-8149-9F79-A385D49B39ED}" type="datetimeFigureOut">
               <a:rPr lang="en-US" smtClean="0"/>
-              <a:t>6/30/20</a:t>
+              <a:t>7/7/20</a:t>
             </a:fld>
             <a:endParaRPr lang="en-US"/>
           </a:p>
@@ -1499,7 +1505,7 @@
     </p:spTree>
     <p:extLst>
       <p:ext uri="{BB962C8B-B14F-4D97-AF65-F5344CB8AC3E}">
-        <p14:creationId xmlns:p14="http://schemas.microsoft.com/office/powerpoint/2010/main" val="662075549"/>
+        <p14:creationId xmlns:p14="http://schemas.microsoft.com/office/powerpoint/2010/main" val="3264028495"/>
       </p:ext>
     </p:extLst>
   </p:cSld>
@@ -1561,8 +1567,8 @@
         </p:nvSpPr>
         <p:spPr>
           <a:xfrm>
-            <a:off x="628650" y="2434167"/>
-            <a:ext cx="3886200" cy="5801784"/>
+            <a:off x="1571625" y="4868333"/>
+            <a:ext cx="9715500" cy="11603568"/>
           </a:xfrm>
         </p:spPr>
         <p:txBody>
@@ -1618,8 +1624,8 @@
         </p:nvSpPr>
         <p:spPr>
           <a:xfrm>
-            <a:off x="4629150" y="2434167"/>
-            <a:ext cx="3886200" cy="5801784"/>
+            <a:off x="11572875" y="4868333"/>
+            <a:ext cx="9715500" cy="11603568"/>
           </a:xfrm>
         </p:spPr>
         <p:txBody>
@@ -1680,7 +1686,7 @@
           <a:p>
             <a:fld id="{577C0138-7A75-8149-9F79-A385D49B39ED}" type="datetimeFigureOut">
               <a:rPr lang="en-US" smtClean="0"/>
-              <a:t>6/30/20</a:t>
+              <a:t>7/7/20</a:t>
             </a:fld>
             <a:endParaRPr lang="en-US"/>
           </a:p>
@@ -1731,7 +1737,7 @@
     </p:spTree>
     <p:extLst>
       <p:ext uri="{BB962C8B-B14F-4D97-AF65-F5344CB8AC3E}">
-        <p14:creationId xmlns:p14="http://schemas.microsoft.com/office/powerpoint/2010/main" val="2329712327"/>
+        <p14:creationId xmlns:p14="http://schemas.microsoft.com/office/powerpoint/2010/main" val="786625282"/>
       </p:ext>
     </p:extLst>
   </p:cSld>
@@ -1770,8 +1776,8 @@
         </p:nvSpPr>
         <p:spPr>
           <a:xfrm>
-            <a:off x="629841" y="486836"/>
-            <a:ext cx="7886700" cy="1767417"/>
+            <a:off x="1574603" y="973671"/>
+            <a:ext cx="19716750" cy="3534835"/>
           </a:xfrm>
         </p:spPr>
         <p:txBody>
@@ -1798,8 +1804,8 @@
         </p:nvSpPr>
         <p:spPr>
           <a:xfrm>
-            <a:off x="629842" y="2241551"/>
-            <a:ext cx="3868340" cy="1098549"/>
+            <a:off x="1574605" y="4483101"/>
+            <a:ext cx="9670850" cy="2197099"/>
           </a:xfrm>
         </p:spPr>
         <p:txBody>
@@ -1807,39 +1813,39 @@
           <a:lstStyle>
             <a:lvl1pPr marL="0" indent="0">
               <a:buNone/>
-              <a:defRPr sz="2400" b="1"/>
+              <a:defRPr sz="6000" b="1"/>
             </a:lvl1pPr>
-            <a:lvl2pPr marL="457200" indent="0">
+            <a:lvl2pPr marL="1143000" indent="0">
               <a:buNone/>
-              <a:defRPr sz="2000" b="1"/>
+              <a:defRPr sz="5000" b="1"/>
             </a:lvl2pPr>
-            <a:lvl3pPr marL="914400" indent="0">
+            <a:lvl3pPr marL="2286000" indent="0">
               <a:buNone/>
-              <a:defRPr sz="1800" b="1"/>
+              <a:defRPr sz="4500" b="1"/>
             </a:lvl3pPr>
-            <a:lvl4pPr marL="1371600" indent="0">
+            <a:lvl4pPr marL="3429000" indent="0">
               <a:buNone/>
-              <a:defRPr sz="1600" b="1"/>
+              <a:defRPr sz="4000" b="1"/>
             </a:lvl4pPr>
-            <a:lvl5pPr marL="1828800" indent="0">
+            <a:lvl5pPr marL="4572000" indent="0">
               <a:buNone/>
-              <a:defRPr sz="1600" b="1"/>
+              <a:defRPr sz="4000" b="1"/>
             </a:lvl5pPr>
-            <a:lvl6pPr marL="2286000" indent="0">
+            <a:lvl6pPr marL="5715000" indent="0">
               <a:buNone/>
-              <a:defRPr sz="1600" b="1"/>
+              <a:defRPr sz="4000" b="1"/>
             </a:lvl6pPr>
-            <a:lvl7pPr marL="2743200" indent="0">
+            <a:lvl7pPr marL="6858000" indent="0">
               <a:buNone/>
-              <a:defRPr sz="1600" b="1"/>
+              <a:defRPr sz="4000" b="1"/>
             </a:lvl7pPr>
-            <a:lvl8pPr marL="3200400" indent="0">
+            <a:lvl8pPr marL="8001000" indent="0">
               <a:buNone/>
-              <a:defRPr sz="1600" b="1"/>
+              <a:defRPr sz="4000" b="1"/>
             </a:lvl8pPr>
-            <a:lvl9pPr marL="3657600" indent="0">
+            <a:lvl9pPr marL="9144000" indent="0">
               <a:buNone/>
-              <a:defRPr sz="1600" b="1"/>
+              <a:defRPr sz="4000" b="1"/>
             </a:lvl9pPr>
           </a:lstStyle>
           <a:p>
@@ -1863,8 +1869,8 @@
         </p:nvSpPr>
         <p:spPr>
           <a:xfrm>
-            <a:off x="629842" y="3340100"/>
-            <a:ext cx="3868340" cy="4912784"/>
+            <a:off x="1574605" y="6680200"/>
+            <a:ext cx="9670850" cy="9825568"/>
           </a:xfrm>
         </p:spPr>
         <p:txBody>
@@ -1920,8 +1926,8 @@
         </p:nvSpPr>
         <p:spPr>
           <a:xfrm>
-            <a:off x="4629151" y="2241551"/>
-            <a:ext cx="3887391" cy="1098549"/>
+            <a:off x="11572876" y="4483101"/>
+            <a:ext cx="9718478" cy="2197099"/>
           </a:xfrm>
         </p:spPr>
         <p:txBody>
@@ -1929,39 +1935,39 @@
           <a:lstStyle>
             <a:lvl1pPr marL="0" indent="0">
               <a:buNone/>
-              <a:defRPr sz="2400" b="1"/>
+              <a:defRPr sz="6000" b="1"/>
             </a:lvl1pPr>
-            <a:lvl2pPr marL="457200" indent="0">
+            <a:lvl2pPr marL="1143000" indent="0">
               <a:buNone/>
-              <a:defRPr sz="2000" b="1"/>
+              <a:defRPr sz="5000" b="1"/>
             </a:lvl2pPr>
-            <a:lvl3pPr marL="914400" indent="0">
+            <a:lvl3pPr marL="2286000" indent="0">
               <a:buNone/>
-              <a:defRPr sz="1800" b="1"/>
+              <a:defRPr sz="4500" b="1"/>
             </a:lvl3pPr>
-            <a:lvl4pPr marL="1371600" indent="0">
+            <a:lvl4pPr marL="3429000" indent="0">
               <a:buNone/>
-              <a:defRPr sz="1600" b="1"/>
+              <a:defRPr sz="4000" b="1"/>
             </a:lvl4pPr>
-            <a:lvl5pPr marL="1828800" indent="0">
+            <a:lvl5pPr marL="4572000" indent="0">
               <a:buNone/>
-              <a:defRPr sz="1600" b="1"/>
+              <a:defRPr sz="4000" b="1"/>
             </a:lvl5pPr>
-            <a:lvl6pPr marL="2286000" indent="0">
+            <a:lvl6pPr marL="5715000" indent="0">
               <a:buNone/>
-              <a:defRPr sz="1600" b="1"/>
+              <a:defRPr sz="4000" b="1"/>
             </a:lvl6pPr>
-            <a:lvl7pPr marL="2743200" indent="0">
+            <a:lvl7pPr marL="6858000" indent="0">
               <a:buNone/>
-              <a:defRPr sz="1600" b="1"/>
+              <a:defRPr sz="4000" b="1"/>
             </a:lvl7pPr>
-            <a:lvl8pPr marL="3200400" indent="0">
+            <a:lvl8pPr marL="8001000" indent="0">
               <a:buNone/>
-              <a:defRPr sz="1600" b="1"/>
+              <a:defRPr sz="4000" b="1"/>
             </a:lvl8pPr>
-            <a:lvl9pPr marL="3657600" indent="0">
+            <a:lvl9pPr marL="9144000" indent="0">
               <a:buNone/>
-              <a:defRPr sz="1600" b="1"/>
+              <a:defRPr sz="4000" b="1"/>
             </a:lvl9pPr>
           </a:lstStyle>
           <a:p>
@@ -1985,8 +1991,8 @@
         </p:nvSpPr>
         <p:spPr>
           <a:xfrm>
-            <a:off x="4629151" y="3340100"/>
-            <a:ext cx="3887391" cy="4912784"/>
+            <a:off x="11572876" y="6680200"/>
+            <a:ext cx="9718478" cy="9825568"/>
           </a:xfrm>
         </p:spPr>
         <p:txBody>
@@ -2047,7 +2053,7 @@
           <a:p>
             <a:fld id="{577C0138-7A75-8149-9F79-A385D49B39ED}" type="datetimeFigureOut">
               <a:rPr lang="en-US" smtClean="0"/>
-              <a:t>6/30/20</a:t>
+              <a:t>7/7/20</a:t>
             </a:fld>
             <a:endParaRPr lang="en-US"/>
           </a:p>
@@ -2098,7 +2104,7 @@
     </p:spTree>
     <p:extLst>
       <p:ext uri="{BB962C8B-B14F-4D97-AF65-F5344CB8AC3E}">
-        <p14:creationId xmlns:p14="http://schemas.microsoft.com/office/powerpoint/2010/main" val="725367650"/>
+        <p14:creationId xmlns:p14="http://schemas.microsoft.com/office/powerpoint/2010/main" val="4271423970"/>
       </p:ext>
     </p:extLst>
   </p:cSld>
@@ -2165,7 +2171,7 @@
           <a:p>
             <a:fld id="{577C0138-7A75-8149-9F79-A385D49B39ED}" type="datetimeFigureOut">
               <a:rPr lang="en-US" smtClean="0"/>
-              <a:t>6/30/20</a:t>
+              <a:t>7/7/20</a:t>
             </a:fld>
             <a:endParaRPr lang="en-US"/>
           </a:p>
@@ -2216,7 +2222,7 @@
     </p:spTree>
     <p:extLst>
       <p:ext uri="{BB962C8B-B14F-4D97-AF65-F5344CB8AC3E}">
-        <p14:creationId xmlns:p14="http://schemas.microsoft.com/office/powerpoint/2010/main" val="2878581974"/>
+        <p14:creationId xmlns:p14="http://schemas.microsoft.com/office/powerpoint/2010/main" val="3618609383"/>
       </p:ext>
     </p:extLst>
   </p:cSld>
@@ -2260,7 +2266,7 @@
           <a:p>
             <a:fld id="{577C0138-7A75-8149-9F79-A385D49B39ED}" type="datetimeFigureOut">
               <a:rPr lang="en-US" smtClean="0"/>
-              <a:t>6/30/20</a:t>
+              <a:t>7/7/20</a:t>
             </a:fld>
             <a:endParaRPr lang="en-US"/>
           </a:p>
@@ -2311,7 +2317,7 @@
     </p:spTree>
     <p:extLst>
       <p:ext uri="{BB962C8B-B14F-4D97-AF65-F5344CB8AC3E}">
-        <p14:creationId xmlns:p14="http://schemas.microsoft.com/office/powerpoint/2010/main" val="2871449606"/>
+        <p14:creationId xmlns:p14="http://schemas.microsoft.com/office/powerpoint/2010/main" val="736494587"/>
       </p:ext>
     </p:extLst>
   </p:cSld>
@@ -2350,15 +2356,15 @@
         </p:nvSpPr>
         <p:spPr>
           <a:xfrm>
-            <a:off x="629841" y="609600"/>
-            <a:ext cx="2949178" cy="2133600"/>
+            <a:off x="1574603" y="1219200"/>
+            <a:ext cx="7372945" cy="4267200"/>
           </a:xfrm>
         </p:spPr>
         <p:txBody>
           <a:bodyPr anchor="b"/>
           <a:lstStyle>
             <a:lvl1pPr>
-              <a:defRPr sz="3200"/>
+              <a:defRPr sz="8000"/>
             </a:lvl1pPr>
           </a:lstStyle>
           <a:p>
@@ -2382,39 +2388,39 @@
         </p:nvSpPr>
         <p:spPr>
           <a:xfrm>
-            <a:off x="3887391" y="1316569"/>
-            <a:ext cx="4629150" cy="6498167"/>
+            <a:off x="9718477" y="2633138"/>
+            <a:ext cx="11572875" cy="12996333"/>
           </a:xfrm>
         </p:spPr>
         <p:txBody>
           <a:bodyPr/>
           <a:lstStyle>
             <a:lvl1pPr>
-              <a:defRPr sz="3200"/>
+              <a:defRPr sz="8000"/>
             </a:lvl1pPr>
             <a:lvl2pPr>
-              <a:defRPr sz="2800"/>
+              <a:defRPr sz="7000"/>
             </a:lvl2pPr>
             <a:lvl3pPr>
-              <a:defRPr sz="2400"/>
+              <a:defRPr sz="6000"/>
             </a:lvl3pPr>
             <a:lvl4pPr>
-              <a:defRPr sz="2000"/>
+              <a:defRPr sz="5000"/>
             </a:lvl4pPr>
             <a:lvl5pPr>
-              <a:defRPr sz="2000"/>
+              <a:defRPr sz="5000"/>
             </a:lvl5pPr>
             <a:lvl6pPr>
-              <a:defRPr sz="2000"/>
+              <a:defRPr sz="5000"/>
             </a:lvl6pPr>
             <a:lvl7pPr>
-              <a:defRPr sz="2000"/>
+              <a:defRPr sz="5000"/>
             </a:lvl7pPr>
             <a:lvl8pPr>
-              <a:defRPr sz="2000"/>
+              <a:defRPr sz="5000"/>
             </a:lvl8pPr>
             <a:lvl9pPr>
-              <a:defRPr sz="2000"/>
+              <a:defRPr sz="5000"/>
             </a:lvl9pPr>
           </a:lstStyle>
           <a:p>
@@ -2467,8 +2473,8 @@
         </p:nvSpPr>
         <p:spPr>
           <a:xfrm>
-            <a:off x="629841" y="2743200"/>
-            <a:ext cx="2949178" cy="5082117"/>
+            <a:off x="1574603" y="5486400"/>
+            <a:ext cx="7372945" cy="10164235"/>
           </a:xfrm>
         </p:spPr>
         <p:txBody>
@@ -2476,39 +2482,39 @@
           <a:lstStyle>
             <a:lvl1pPr marL="0" indent="0">
               <a:buNone/>
-              <a:defRPr sz="1600"/>
+              <a:defRPr sz="4000"/>
             </a:lvl1pPr>
-            <a:lvl2pPr marL="457200" indent="0">
+            <a:lvl2pPr marL="1143000" indent="0">
               <a:buNone/>
-              <a:defRPr sz="1400"/>
+              <a:defRPr sz="3500"/>
             </a:lvl2pPr>
-            <a:lvl3pPr marL="914400" indent="0">
+            <a:lvl3pPr marL="2286000" indent="0">
               <a:buNone/>
-              <a:defRPr sz="1200"/>
+              <a:defRPr sz="3000"/>
             </a:lvl3pPr>
-            <a:lvl4pPr marL="1371600" indent="0">
+            <a:lvl4pPr marL="3429000" indent="0">
               <a:buNone/>
-              <a:defRPr sz="1000"/>
+              <a:defRPr sz="2500"/>
             </a:lvl4pPr>
-            <a:lvl5pPr marL="1828800" indent="0">
+            <a:lvl5pPr marL="4572000" indent="0">
               <a:buNone/>
-              <a:defRPr sz="1000"/>
+              <a:defRPr sz="2500"/>
             </a:lvl5pPr>
-            <a:lvl6pPr marL="2286000" indent="0">
+            <a:lvl6pPr marL="5715000" indent="0">
               <a:buNone/>
-              <a:defRPr sz="1000"/>
+              <a:defRPr sz="2500"/>
             </a:lvl6pPr>
-            <a:lvl7pPr marL="2743200" indent="0">
+            <a:lvl7pPr marL="6858000" indent="0">
               <a:buNone/>
-              <a:defRPr sz="1000"/>
+              <a:defRPr sz="2500"/>
             </a:lvl7pPr>
-            <a:lvl8pPr marL="3200400" indent="0">
+            <a:lvl8pPr marL="8001000" indent="0">
               <a:buNone/>
-              <a:defRPr sz="1000"/>
+              <a:defRPr sz="2500"/>
             </a:lvl8pPr>
-            <a:lvl9pPr marL="3657600" indent="0">
+            <a:lvl9pPr marL="9144000" indent="0">
               <a:buNone/>
-              <a:defRPr sz="1000"/>
+              <a:defRPr sz="2500"/>
             </a:lvl9pPr>
           </a:lstStyle>
           <a:p>
@@ -2537,7 +2543,7 @@
           <a:p>
             <a:fld id="{577C0138-7A75-8149-9F79-A385D49B39ED}" type="datetimeFigureOut">
               <a:rPr lang="en-US" smtClean="0"/>
-              <a:t>6/30/20</a:t>
+              <a:t>7/7/20</a:t>
             </a:fld>
             <a:endParaRPr lang="en-US"/>
           </a:p>
@@ -2588,7 +2594,7 @@
     </p:spTree>
     <p:extLst>
       <p:ext uri="{BB962C8B-B14F-4D97-AF65-F5344CB8AC3E}">
-        <p14:creationId xmlns:p14="http://schemas.microsoft.com/office/powerpoint/2010/main" val="4165982898"/>
+        <p14:creationId xmlns:p14="http://schemas.microsoft.com/office/powerpoint/2010/main" val="2278299876"/>
       </p:ext>
     </p:extLst>
   </p:cSld>
@@ -2627,15 +2633,15 @@
         </p:nvSpPr>
         <p:spPr>
           <a:xfrm>
-            <a:off x="629841" y="609600"/>
-            <a:ext cx="2949178" cy="2133600"/>
+            <a:off x="1574603" y="1219200"/>
+            <a:ext cx="7372945" cy="4267200"/>
           </a:xfrm>
         </p:spPr>
         <p:txBody>
           <a:bodyPr anchor="b"/>
           <a:lstStyle>
             <a:lvl1pPr>
-              <a:defRPr sz="3200"/>
+              <a:defRPr sz="8000"/>
             </a:lvl1pPr>
           </a:lstStyle>
           <a:p>
@@ -2659,8 +2665,8 @@
         </p:nvSpPr>
         <p:spPr>
           <a:xfrm>
-            <a:off x="3887391" y="1316569"/>
-            <a:ext cx="4629150" cy="6498167"/>
+            <a:off x="9718477" y="2633138"/>
+            <a:ext cx="11572875" cy="12996333"/>
           </a:xfrm>
         </p:spPr>
         <p:txBody>
@@ -2668,39 +2674,39 @@
           <a:lstStyle>
             <a:lvl1pPr marL="0" indent="0">
               <a:buNone/>
-              <a:defRPr sz="3200"/>
+              <a:defRPr sz="8000"/>
             </a:lvl1pPr>
-            <a:lvl2pPr marL="457200" indent="0">
+            <a:lvl2pPr marL="1143000" indent="0">
               <a:buNone/>
-              <a:defRPr sz="2800"/>
+              <a:defRPr sz="7000"/>
             </a:lvl2pPr>
-            <a:lvl3pPr marL="914400" indent="0">
+            <a:lvl3pPr marL="2286000" indent="0">
               <a:buNone/>
-              <a:defRPr sz="2400"/>
+              <a:defRPr sz="6000"/>
             </a:lvl3pPr>
-            <a:lvl4pPr marL="1371600" indent="0">
+            <a:lvl4pPr marL="3429000" indent="0">
               <a:buNone/>
-              <a:defRPr sz="2000"/>
+              <a:defRPr sz="5000"/>
             </a:lvl4pPr>
-            <a:lvl5pPr marL="1828800" indent="0">
+            <a:lvl5pPr marL="4572000" indent="0">
               <a:buNone/>
-              <a:defRPr sz="2000"/>
+              <a:defRPr sz="5000"/>
             </a:lvl5pPr>
-            <a:lvl6pPr marL="2286000" indent="0">
+            <a:lvl6pPr marL="5715000" indent="0">
               <a:buNone/>
-              <a:defRPr sz="2000"/>
+              <a:defRPr sz="5000"/>
             </a:lvl6pPr>
-            <a:lvl7pPr marL="2743200" indent="0">
+            <a:lvl7pPr marL="6858000" indent="0">
               <a:buNone/>
-              <a:defRPr sz="2000"/>
+              <a:defRPr sz="5000"/>
             </a:lvl7pPr>
-            <a:lvl8pPr marL="3200400" indent="0">
+            <a:lvl8pPr marL="8001000" indent="0">
               <a:buNone/>
-              <a:defRPr sz="2000"/>
+              <a:defRPr sz="5000"/>
             </a:lvl8pPr>
-            <a:lvl9pPr marL="3657600" indent="0">
+            <a:lvl9pPr marL="9144000" indent="0">
               <a:buNone/>
-              <a:defRPr sz="2000"/>
+              <a:defRPr sz="5000"/>
             </a:lvl9pPr>
           </a:lstStyle>
           <a:p>
@@ -2724,8 +2730,8 @@
         </p:nvSpPr>
         <p:spPr>
           <a:xfrm>
-            <a:off x="629841" y="2743200"/>
-            <a:ext cx="2949178" cy="5082117"/>
+            <a:off x="1574603" y="5486400"/>
+            <a:ext cx="7372945" cy="10164235"/>
           </a:xfrm>
         </p:spPr>
         <p:txBody>
@@ -2733,39 +2739,39 @@
           <a:lstStyle>
             <a:lvl1pPr marL="0" indent="0">
               <a:buNone/>
-              <a:defRPr sz="1600"/>
+              <a:defRPr sz="4000"/>
             </a:lvl1pPr>
-            <a:lvl2pPr marL="457200" indent="0">
+            <a:lvl2pPr marL="1143000" indent="0">
               <a:buNone/>
-              <a:defRPr sz="1400"/>
+              <a:defRPr sz="3500"/>
             </a:lvl2pPr>
-            <a:lvl3pPr marL="914400" indent="0">
+            <a:lvl3pPr marL="2286000" indent="0">
               <a:buNone/>
-              <a:defRPr sz="1200"/>
+              <a:defRPr sz="3000"/>
             </a:lvl3pPr>
-            <a:lvl4pPr marL="1371600" indent="0">
+            <a:lvl4pPr marL="3429000" indent="0">
               <a:buNone/>
-              <a:defRPr sz="1000"/>
+              <a:defRPr sz="2500"/>
             </a:lvl4pPr>
-            <a:lvl5pPr marL="1828800" indent="0">
+            <a:lvl5pPr marL="4572000" indent="0">
               <a:buNone/>
-              <a:defRPr sz="1000"/>
+              <a:defRPr sz="2500"/>
             </a:lvl5pPr>
-            <a:lvl6pPr marL="2286000" indent="0">
+            <a:lvl6pPr marL="5715000" indent="0">
               <a:buNone/>
-              <a:defRPr sz="1000"/>
+              <a:defRPr sz="2500"/>
             </a:lvl6pPr>
-            <a:lvl7pPr marL="2743200" indent="0">
+            <a:lvl7pPr marL="6858000" indent="0">
               <a:buNone/>
-              <a:defRPr sz="1000"/>
+              <a:defRPr sz="2500"/>
             </a:lvl7pPr>
-            <a:lvl8pPr marL="3200400" indent="0">
+            <a:lvl8pPr marL="8001000" indent="0">
               <a:buNone/>
-              <a:defRPr sz="1000"/>
+              <a:defRPr sz="2500"/>
             </a:lvl8pPr>
-            <a:lvl9pPr marL="3657600" indent="0">
+            <a:lvl9pPr marL="9144000" indent="0">
               <a:buNone/>
-              <a:defRPr sz="1000"/>
+              <a:defRPr sz="2500"/>
             </a:lvl9pPr>
           </a:lstStyle>
           <a:p>
@@ -2794,7 +2800,7 @@
           <a:p>
             <a:fld id="{577C0138-7A75-8149-9F79-A385D49B39ED}" type="datetimeFigureOut">
               <a:rPr lang="en-US" smtClean="0"/>
-              <a:t>6/30/20</a:t>
+              <a:t>7/7/20</a:t>
             </a:fld>
             <a:endParaRPr lang="en-US"/>
           </a:p>
@@ -2845,7 +2851,7 @@
     </p:spTree>
     <p:extLst>
       <p:ext uri="{BB962C8B-B14F-4D97-AF65-F5344CB8AC3E}">
-        <p14:creationId xmlns:p14="http://schemas.microsoft.com/office/powerpoint/2010/main" val="3795533040"/>
+        <p14:creationId xmlns:p14="http://schemas.microsoft.com/office/powerpoint/2010/main" val="3016656030"/>
       </p:ext>
     </p:extLst>
   </p:cSld>
@@ -2889,8 +2895,8 @@
         </p:nvSpPr>
         <p:spPr>
           <a:xfrm>
-            <a:off x="628650" y="486836"/>
-            <a:ext cx="7886700" cy="1767417"/>
+            <a:off x="1571625" y="973671"/>
+            <a:ext cx="19716750" cy="3534835"/>
           </a:xfrm>
           <a:prstGeom prst="rect">
             <a:avLst/>
@@ -2922,8 +2928,8 @@
         </p:nvSpPr>
         <p:spPr>
           <a:xfrm>
-            <a:off x="628650" y="2434167"/>
-            <a:ext cx="7886700" cy="5801784"/>
+            <a:off x="1571625" y="4868333"/>
+            <a:ext cx="19716750" cy="11603568"/>
           </a:xfrm>
           <a:prstGeom prst="rect">
             <a:avLst/>
@@ -2984,8 +2990,8 @@
         </p:nvSpPr>
         <p:spPr>
           <a:xfrm>
-            <a:off x="628650" y="8475136"/>
-            <a:ext cx="2057400" cy="486833"/>
+            <a:off x="1571625" y="16950271"/>
+            <a:ext cx="5143500" cy="973667"/>
           </a:xfrm>
           <a:prstGeom prst="rect">
             <a:avLst/>
@@ -2995,7 +3001,7 @@
           <a:bodyPr vert="horz" lIns="91440" tIns="45720" rIns="91440" bIns="45720" rtlCol="0" anchor="ctr"/>
           <a:lstStyle>
             <a:lvl1pPr algn="l">
-              <a:defRPr sz="1200">
+              <a:defRPr sz="3000">
                 <a:solidFill>
                   <a:schemeClr val="tx1">
                     <a:tint val="75000"/>
@@ -3007,7 +3013,7 @@
           <a:p>
             <a:fld id="{577C0138-7A75-8149-9F79-A385D49B39ED}" type="datetimeFigureOut">
               <a:rPr lang="en-US" smtClean="0"/>
-              <a:t>6/30/20</a:t>
+              <a:t>7/7/20</a:t>
             </a:fld>
             <a:endParaRPr lang="en-US"/>
           </a:p>
@@ -3025,8 +3031,8 @@
         </p:nvSpPr>
         <p:spPr>
           <a:xfrm>
-            <a:off x="3028950" y="8475136"/>
-            <a:ext cx="3086100" cy="486833"/>
+            <a:off x="7572375" y="16950271"/>
+            <a:ext cx="7715250" cy="973667"/>
           </a:xfrm>
           <a:prstGeom prst="rect">
             <a:avLst/>
@@ -3036,7 +3042,7 @@
           <a:bodyPr vert="horz" lIns="91440" tIns="45720" rIns="91440" bIns="45720" rtlCol="0" anchor="ctr"/>
           <a:lstStyle>
             <a:lvl1pPr algn="ctr">
-              <a:defRPr sz="1200">
+              <a:defRPr sz="3000">
                 <a:solidFill>
                   <a:schemeClr val="tx1">
                     <a:tint val="75000"/>
@@ -3062,8 +3068,8 @@
         </p:nvSpPr>
         <p:spPr>
           <a:xfrm>
-            <a:off x="6457950" y="8475136"/>
-            <a:ext cx="2057400" cy="486833"/>
+            <a:off x="16144875" y="16950271"/>
+            <a:ext cx="5143500" cy="973667"/>
           </a:xfrm>
           <a:prstGeom prst="rect">
             <a:avLst/>
@@ -3073,7 +3079,7 @@
           <a:bodyPr vert="horz" lIns="91440" tIns="45720" rIns="91440" bIns="45720" rtlCol="0" anchor="ctr"/>
           <a:lstStyle>
             <a:lvl1pPr algn="r">
-              <a:defRPr sz="1200">
+              <a:defRPr sz="3000">
                 <a:solidFill>
                   <a:schemeClr val="tx1">
                     <a:tint val="75000"/>
@@ -3094,27 +3100,27 @@
     </p:spTree>
     <p:extLst>
       <p:ext uri="{BB962C8B-B14F-4D97-AF65-F5344CB8AC3E}">
-        <p14:creationId xmlns:p14="http://schemas.microsoft.com/office/powerpoint/2010/main" val="4174351252"/>
+        <p14:creationId xmlns:p14="http://schemas.microsoft.com/office/powerpoint/2010/main" val="354364475"/>
       </p:ext>
     </p:extLst>
   </p:cSld>
   <p:clrMap bg1="lt1" tx1="dk1" bg2="lt2" tx2="dk2" accent1="accent1" accent2="accent2" accent3="accent3" accent4="accent4" accent5="accent5" accent6="accent6" hlink="hlink" folHlink="folHlink"/>
   <p:sldLayoutIdLst>
-    <p:sldLayoutId id="2147483937" r:id="rId1"/>
-    <p:sldLayoutId id="2147483938" r:id="rId2"/>
-    <p:sldLayoutId id="2147483939" r:id="rId3"/>
-    <p:sldLayoutId id="2147483940" r:id="rId4"/>
-    <p:sldLayoutId id="2147483941" r:id="rId5"/>
-    <p:sldLayoutId id="2147483942" r:id="rId6"/>
-    <p:sldLayoutId id="2147483943" r:id="rId7"/>
-    <p:sldLayoutId id="2147483944" r:id="rId8"/>
-    <p:sldLayoutId id="2147483945" r:id="rId9"/>
-    <p:sldLayoutId id="2147483946" r:id="rId10"/>
-    <p:sldLayoutId id="2147483947" r:id="rId11"/>
+    <p:sldLayoutId id="2147484009" r:id="rId1"/>
+    <p:sldLayoutId id="2147484010" r:id="rId2"/>
+    <p:sldLayoutId id="2147484011" r:id="rId3"/>
+    <p:sldLayoutId id="2147484012" r:id="rId4"/>
+    <p:sldLayoutId id="2147484013" r:id="rId5"/>
+    <p:sldLayoutId id="2147484014" r:id="rId6"/>
+    <p:sldLayoutId id="2147484015" r:id="rId7"/>
+    <p:sldLayoutId id="2147484016" r:id="rId8"/>
+    <p:sldLayoutId id="2147484017" r:id="rId9"/>
+    <p:sldLayoutId id="2147484018" r:id="rId10"/>
+    <p:sldLayoutId id="2147484019" r:id="rId11"/>
   </p:sldLayoutIdLst>
   <p:txStyles>
     <p:titleStyle>
-      <a:lvl1pPr algn="l" defTabSz="914400" rtl="0" eaLnBrk="1" latinLnBrk="0" hangingPunct="1">
+      <a:lvl1pPr algn="l" defTabSz="2286000" rtl="0" eaLnBrk="1" latinLnBrk="0" hangingPunct="1">
         <a:lnSpc>
           <a:spcPct val="90000"/>
         </a:lnSpc>
@@ -3122,7 +3128,7 @@
           <a:spcPct val="0"/>
         </a:spcBef>
         <a:buNone/>
-        <a:defRPr sz="4400" kern="1200">
+        <a:defRPr sz="11000" kern="1200">
           <a:solidFill>
             <a:schemeClr val="tx1"/>
           </a:solidFill>
@@ -3133,16 +3139,16 @@
       </a:lvl1pPr>
     </p:titleStyle>
     <p:bodyStyle>
-      <a:lvl1pPr marL="228600" indent="-228600" algn="l" defTabSz="914400" rtl="0" eaLnBrk="1" latinLnBrk="0" hangingPunct="1">
+      <a:lvl1pPr marL="571500" indent="-571500" algn="l" defTabSz="2286000" rtl="0" eaLnBrk="1" latinLnBrk="0" hangingPunct="1">
         <a:lnSpc>
           <a:spcPct val="90000"/>
         </a:lnSpc>
         <a:spcBef>
-          <a:spcPts val="1000"/>
+          <a:spcPts val="2500"/>
         </a:spcBef>
         <a:buFont typeface="Arial" panose="020B0604020202020204" pitchFamily="34" charset="0"/>
         <a:buChar char="•"/>
-        <a:defRPr sz="2800" kern="1200">
+        <a:defRPr sz="7000" kern="1200">
           <a:solidFill>
             <a:schemeClr val="tx1"/>
           </a:solidFill>
@@ -3151,16 +3157,16 @@
           <a:cs typeface="+mn-cs"/>
         </a:defRPr>
       </a:lvl1pPr>
-      <a:lvl2pPr marL="685800" indent="-228600" algn="l" defTabSz="914400" rtl="0" eaLnBrk="1" latinLnBrk="0" hangingPunct="1">
+      <a:lvl2pPr marL="1714500" indent="-571500" algn="l" defTabSz="2286000" rtl="0" eaLnBrk="1" latinLnBrk="0" hangingPunct="1">
         <a:lnSpc>
           <a:spcPct val="90000"/>
         </a:lnSpc>
         <a:spcBef>
-          <a:spcPts val="500"/>
+          <a:spcPts val="1250"/>
         </a:spcBef>
         <a:buFont typeface="Arial" panose="020B0604020202020204" pitchFamily="34" charset="0"/>
         <a:buChar char="•"/>
-        <a:defRPr sz="2400" kern="1200">
+        <a:defRPr sz="6000" kern="1200">
           <a:solidFill>
             <a:schemeClr val="tx1"/>
           </a:solidFill>
@@ -3169,16 +3175,16 @@
           <a:cs typeface="+mn-cs"/>
         </a:defRPr>
       </a:lvl2pPr>
-      <a:lvl3pPr marL="1143000" indent="-228600" algn="l" defTabSz="914400" rtl="0" eaLnBrk="1" latinLnBrk="0" hangingPunct="1">
+      <a:lvl3pPr marL="2857500" indent="-571500" algn="l" defTabSz="2286000" rtl="0" eaLnBrk="1" latinLnBrk="0" hangingPunct="1">
         <a:lnSpc>
           <a:spcPct val="90000"/>
         </a:lnSpc>
         <a:spcBef>
-          <a:spcPts val="500"/>
+          <a:spcPts val="1250"/>
         </a:spcBef>
         <a:buFont typeface="Arial" panose="020B0604020202020204" pitchFamily="34" charset="0"/>
         <a:buChar char="•"/>
-        <a:defRPr sz="2000" kern="1200">
+        <a:defRPr sz="5000" kern="1200">
           <a:solidFill>
             <a:schemeClr val="tx1"/>
           </a:solidFill>
@@ -3187,16 +3193,16 @@
           <a:cs typeface="+mn-cs"/>
         </a:defRPr>
       </a:lvl3pPr>
-      <a:lvl4pPr marL="1600200" indent="-228600" algn="l" defTabSz="914400" rtl="0" eaLnBrk="1" latinLnBrk="0" hangingPunct="1">
+      <a:lvl4pPr marL="4000500" indent="-571500" algn="l" defTabSz="2286000" rtl="0" eaLnBrk="1" latinLnBrk="0" hangingPunct="1">
         <a:lnSpc>
           <a:spcPct val="90000"/>
         </a:lnSpc>
         <a:spcBef>
-          <a:spcPts val="500"/>
+          <a:spcPts val="1250"/>
         </a:spcBef>
         <a:buFont typeface="Arial" panose="020B0604020202020204" pitchFamily="34" charset="0"/>
         <a:buChar char="•"/>
-        <a:defRPr sz="1800" kern="1200">
+        <a:defRPr sz="4500" kern="1200">
           <a:solidFill>
             <a:schemeClr val="tx1"/>
           </a:solidFill>
@@ -3205,16 +3211,16 @@
           <a:cs typeface="+mn-cs"/>
         </a:defRPr>
       </a:lvl4pPr>
-      <a:lvl5pPr marL="2057400" indent="-228600" algn="l" defTabSz="914400" rtl="0" eaLnBrk="1" latinLnBrk="0" hangingPunct="1">
+      <a:lvl5pPr marL="5143500" indent="-571500" algn="l" defTabSz="2286000" rtl="0" eaLnBrk="1" latinLnBrk="0" hangingPunct="1">
         <a:lnSpc>
           <a:spcPct val="90000"/>
         </a:lnSpc>
         <a:spcBef>
-          <a:spcPts val="500"/>
+          <a:spcPts val="1250"/>
         </a:spcBef>
         <a:buFont typeface="Arial" panose="020B0604020202020204" pitchFamily="34" charset="0"/>
         <a:buChar char="•"/>
-        <a:defRPr sz="1800" kern="1200">
+        <a:defRPr sz="4500" kern="1200">
           <a:solidFill>
             <a:schemeClr val="tx1"/>
           </a:solidFill>
@@ -3223,16 +3229,16 @@
           <a:cs typeface="+mn-cs"/>
         </a:defRPr>
       </a:lvl5pPr>
-      <a:lvl6pPr marL="2514600" indent="-228600" algn="l" defTabSz="914400" rtl="0" eaLnBrk="1" latinLnBrk="0" hangingPunct="1">
+      <a:lvl6pPr marL="6286500" indent="-571500" algn="l" defTabSz="2286000" rtl="0" eaLnBrk="1" latinLnBrk="0" hangingPunct="1">
         <a:lnSpc>
           <a:spcPct val="90000"/>
         </a:lnSpc>
         <a:spcBef>
-          <a:spcPts val="500"/>
+          <a:spcPts val="1250"/>
         </a:spcBef>
         <a:buFont typeface="Arial" panose="020B0604020202020204" pitchFamily="34" charset="0"/>
         <a:buChar char="•"/>
-        <a:defRPr sz="1800" kern="1200">
+        <a:defRPr sz="4500" kern="1200">
           <a:solidFill>
             <a:schemeClr val="tx1"/>
           </a:solidFill>
@@ -3241,16 +3247,16 @@
           <a:cs typeface="+mn-cs"/>
         </a:defRPr>
       </a:lvl6pPr>
-      <a:lvl7pPr marL="2971800" indent="-228600" algn="l" defTabSz="914400" rtl="0" eaLnBrk="1" latinLnBrk="0" hangingPunct="1">
+      <a:lvl7pPr marL="7429500" indent="-571500" algn="l" defTabSz="2286000" rtl="0" eaLnBrk="1" latinLnBrk="0" hangingPunct="1">
         <a:lnSpc>
           <a:spcPct val="90000"/>
         </a:lnSpc>
         <a:spcBef>
-          <a:spcPts val="500"/>
+          <a:spcPts val="1250"/>
         </a:spcBef>
         <a:buFont typeface="Arial" panose="020B0604020202020204" pitchFamily="34" charset="0"/>
         <a:buChar char="•"/>
-        <a:defRPr sz="1800" kern="1200">
+        <a:defRPr sz="4500" kern="1200">
           <a:solidFill>
             <a:schemeClr val="tx1"/>
           </a:solidFill>
@@ -3259,16 +3265,16 @@
           <a:cs typeface="+mn-cs"/>
         </a:defRPr>
       </a:lvl7pPr>
-      <a:lvl8pPr marL="3429000" indent="-228600" algn="l" defTabSz="914400" rtl="0" eaLnBrk="1" latinLnBrk="0" hangingPunct="1">
+      <a:lvl8pPr marL="8572500" indent="-571500" algn="l" defTabSz="2286000" rtl="0" eaLnBrk="1" latinLnBrk="0" hangingPunct="1">
         <a:lnSpc>
           <a:spcPct val="90000"/>
         </a:lnSpc>
         <a:spcBef>
-          <a:spcPts val="500"/>
+          <a:spcPts val="1250"/>
         </a:spcBef>
         <a:buFont typeface="Arial" panose="020B0604020202020204" pitchFamily="34" charset="0"/>
         <a:buChar char="•"/>
-        <a:defRPr sz="1800" kern="1200">
+        <a:defRPr sz="4500" kern="1200">
           <a:solidFill>
             <a:schemeClr val="tx1"/>
           </a:solidFill>
@@ -3277,16 +3283,16 @@
           <a:cs typeface="+mn-cs"/>
         </a:defRPr>
       </a:lvl8pPr>
-      <a:lvl9pPr marL="3886200" indent="-228600" algn="l" defTabSz="914400" rtl="0" eaLnBrk="1" latinLnBrk="0" hangingPunct="1">
+      <a:lvl9pPr marL="9715500" indent="-571500" algn="l" defTabSz="2286000" rtl="0" eaLnBrk="1" latinLnBrk="0" hangingPunct="1">
         <a:lnSpc>
           <a:spcPct val="90000"/>
         </a:lnSpc>
         <a:spcBef>
-          <a:spcPts val="500"/>
+          <a:spcPts val="1250"/>
         </a:spcBef>
         <a:buFont typeface="Arial" panose="020B0604020202020204" pitchFamily="34" charset="0"/>
         <a:buChar char="•"/>
-        <a:defRPr sz="1800" kern="1200">
+        <a:defRPr sz="4500" kern="1200">
           <a:solidFill>
             <a:schemeClr val="tx1"/>
           </a:solidFill>
@@ -3300,8 +3306,8 @@
       <a:defPPr>
         <a:defRPr lang="en-US"/>
       </a:defPPr>
-      <a:lvl1pPr marL="0" algn="l" defTabSz="914400" rtl="0" eaLnBrk="1" latinLnBrk="0" hangingPunct="1">
-        <a:defRPr sz="1800" kern="1200">
+      <a:lvl1pPr marL="0" algn="l" defTabSz="2286000" rtl="0" eaLnBrk="1" latinLnBrk="0" hangingPunct="1">
+        <a:defRPr sz="4500" kern="1200">
           <a:solidFill>
             <a:schemeClr val="tx1"/>
           </a:solidFill>
@@ -3310,8 +3316,8 @@
           <a:cs typeface="+mn-cs"/>
         </a:defRPr>
       </a:lvl1pPr>
-      <a:lvl2pPr marL="457200" algn="l" defTabSz="914400" rtl="0" eaLnBrk="1" latinLnBrk="0" hangingPunct="1">
-        <a:defRPr sz="1800" kern="1200">
+      <a:lvl2pPr marL="1143000" algn="l" defTabSz="2286000" rtl="0" eaLnBrk="1" latinLnBrk="0" hangingPunct="1">
+        <a:defRPr sz="4500" kern="1200">
           <a:solidFill>
             <a:schemeClr val="tx1"/>
           </a:solidFill>
@@ -3320,8 +3326,8 @@
           <a:cs typeface="+mn-cs"/>
         </a:defRPr>
       </a:lvl2pPr>
-      <a:lvl3pPr marL="914400" algn="l" defTabSz="914400" rtl="0" eaLnBrk="1" latinLnBrk="0" hangingPunct="1">
-        <a:defRPr sz="1800" kern="1200">
+      <a:lvl3pPr marL="2286000" algn="l" defTabSz="2286000" rtl="0" eaLnBrk="1" latinLnBrk="0" hangingPunct="1">
+        <a:defRPr sz="4500" kern="1200">
           <a:solidFill>
             <a:schemeClr val="tx1"/>
           </a:solidFill>
@@ -3330,8 +3336,8 @@
           <a:cs typeface="+mn-cs"/>
         </a:defRPr>
       </a:lvl3pPr>
-      <a:lvl4pPr marL="1371600" algn="l" defTabSz="914400" rtl="0" eaLnBrk="1" latinLnBrk="0" hangingPunct="1">
-        <a:defRPr sz="1800" kern="1200">
+      <a:lvl4pPr marL="3429000" algn="l" defTabSz="2286000" rtl="0" eaLnBrk="1" latinLnBrk="0" hangingPunct="1">
+        <a:defRPr sz="4500" kern="1200">
           <a:solidFill>
             <a:schemeClr val="tx1"/>
           </a:solidFill>
@@ -3340,8 +3346,8 @@
           <a:cs typeface="+mn-cs"/>
         </a:defRPr>
       </a:lvl4pPr>
-      <a:lvl5pPr marL="1828800" algn="l" defTabSz="914400" rtl="0" eaLnBrk="1" latinLnBrk="0" hangingPunct="1">
-        <a:defRPr sz="1800" kern="1200">
+      <a:lvl5pPr marL="4572000" algn="l" defTabSz="2286000" rtl="0" eaLnBrk="1" latinLnBrk="0" hangingPunct="1">
+        <a:defRPr sz="4500" kern="1200">
           <a:solidFill>
             <a:schemeClr val="tx1"/>
           </a:solidFill>
@@ -3350,8 +3356,8 @@
           <a:cs typeface="+mn-cs"/>
         </a:defRPr>
       </a:lvl5pPr>
-      <a:lvl6pPr marL="2286000" algn="l" defTabSz="914400" rtl="0" eaLnBrk="1" latinLnBrk="0" hangingPunct="1">
-        <a:defRPr sz="1800" kern="1200">
+      <a:lvl6pPr marL="5715000" algn="l" defTabSz="2286000" rtl="0" eaLnBrk="1" latinLnBrk="0" hangingPunct="1">
+        <a:defRPr sz="4500" kern="1200">
           <a:solidFill>
             <a:schemeClr val="tx1"/>
           </a:solidFill>
@@ -3360,8 +3366,8 @@
           <a:cs typeface="+mn-cs"/>
         </a:defRPr>
       </a:lvl6pPr>
-      <a:lvl7pPr marL="2743200" algn="l" defTabSz="914400" rtl="0" eaLnBrk="1" latinLnBrk="0" hangingPunct="1">
-        <a:defRPr sz="1800" kern="1200">
+      <a:lvl7pPr marL="6858000" algn="l" defTabSz="2286000" rtl="0" eaLnBrk="1" latinLnBrk="0" hangingPunct="1">
+        <a:defRPr sz="4500" kern="1200">
           <a:solidFill>
             <a:schemeClr val="tx1"/>
           </a:solidFill>
@@ -3370,8 +3376,8 @@
           <a:cs typeface="+mn-cs"/>
         </a:defRPr>
       </a:lvl7pPr>
-      <a:lvl8pPr marL="3200400" algn="l" defTabSz="914400" rtl="0" eaLnBrk="1" latinLnBrk="0" hangingPunct="1">
-        <a:defRPr sz="1800" kern="1200">
+      <a:lvl8pPr marL="8001000" algn="l" defTabSz="2286000" rtl="0" eaLnBrk="1" latinLnBrk="0" hangingPunct="1">
+        <a:defRPr sz="4500" kern="1200">
           <a:solidFill>
             <a:schemeClr val="tx1"/>
           </a:solidFill>
@@ -3380,8 +3386,8 @@
           <a:cs typeface="+mn-cs"/>
         </a:defRPr>
       </a:lvl8pPr>
-      <a:lvl9pPr marL="3657600" algn="l" defTabSz="914400" rtl="0" eaLnBrk="1" latinLnBrk="0" hangingPunct="1">
-        <a:defRPr sz="1800" kern="1200">
+      <a:lvl9pPr marL="9144000" algn="l" defTabSz="2286000" rtl="0" eaLnBrk="1" latinLnBrk="0" hangingPunct="1">
+        <a:defRPr sz="4500" kern="1200">
           <a:solidFill>
             <a:schemeClr val="tx1"/>
           </a:solidFill>
@@ -3434,8 +3440,8 @@
         </p:blipFill>
         <p:spPr>
           <a:xfrm>
-            <a:off x="5329588" y="5522084"/>
-            <a:ext cx="3252839" cy="1925484"/>
+            <a:off x="13323979" y="11519210"/>
+            <a:ext cx="8132099" cy="4813710"/>
           </a:xfrm>
           <a:prstGeom prst="rect">
             <a:avLst/>
@@ -3464,8 +3470,8 @@
         </p:blipFill>
         <p:spPr>
           <a:xfrm>
-            <a:off x="4308098" y="3057832"/>
-            <a:ext cx="4885064" cy="2407838"/>
+            <a:off x="10770245" y="5358581"/>
+            <a:ext cx="12212660" cy="6019595"/>
           </a:xfrm>
           <a:prstGeom prst="rect">
             <a:avLst/>
@@ -3494,8 +3500,8 @@
         </p:blipFill>
         <p:spPr>
           <a:xfrm>
-            <a:off x="15022" y="3094670"/>
-            <a:ext cx="4430559" cy="2407836"/>
+            <a:off x="37564" y="5450675"/>
+            <a:ext cx="11076399" cy="6019590"/>
           </a:xfrm>
           <a:prstGeom prst="rect">
             <a:avLst/>
@@ -3524,8 +3530,8 @@
         </p:blipFill>
         <p:spPr>
           <a:xfrm>
-            <a:off x="185576" y="5571246"/>
-            <a:ext cx="5141451" cy="3674806"/>
+            <a:off x="463949" y="11642116"/>
+            <a:ext cx="12853629" cy="9187015"/>
           </a:xfrm>
           <a:prstGeom prst="rect">
             <a:avLst/>
@@ -3554,8 +3560,8 @@
         </p:blipFill>
         <p:spPr>
           <a:xfrm>
-            <a:off x="4150353" y="168341"/>
-            <a:ext cx="5055925" cy="2867158"/>
+            <a:off x="10375892" y="-1865148"/>
+            <a:ext cx="12639814" cy="7167895"/>
           </a:xfrm>
           <a:prstGeom prst="rect">
             <a:avLst/>
@@ -3584,8 +3590,8 @@
         </p:blipFill>
         <p:spPr>
           <a:xfrm>
-            <a:off x="98899" y="126204"/>
-            <a:ext cx="4145450" cy="2867158"/>
+            <a:off x="247249" y="-1970489"/>
+            <a:ext cx="10363625" cy="7167895"/>
           </a:xfrm>
           <a:prstGeom prst="rect">
             <a:avLst/>
@@ -3606,8 +3612,8 @@
         </p:nvSpPr>
         <p:spPr>
           <a:xfrm>
-            <a:off x="418826" y="84185"/>
-            <a:ext cx="109744" cy="231474"/>
+            <a:off x="1047065" y="-2075539"/>
+            <a:ext cx="274360" cy="440120"/>
           </a:xfrm>
           <a:prstGeom prst="rect">
             <a:avLst/>
@@ -3621,7 +3627,7 @@
           <a:lstStyle/>
           <a:p>
             <a:r>
-              <a:rPr lang="en-US" sz="904" b="1" dirty="0"/>
+              <a:rPr lang="en-US" sz="2260" b="1" dirty="0"/>
               <a:t>a</a:t>
             </a:r>
           </a:p>
@@ -3641,8 +3647,8 @@
         </p:nvSpPr>
         <p:spPr>
           <a:xfrm>
-            <a:off x="5802253" y="5615491"/>
-            <a:ext cx="221536" cy="231474"/>
+            <a:off x="14505634" y="11752729"/>
+            <a:ext cx="276038" cy="440120"/>
           </a:xfrm>
           <a:prstGeom prst="rect">
             <a:avLst/>
@@ -3656,7 +3662,7 @@
           <a:lstStyle/>
           <a:p>
             <a:r>
-              <a:rPr lang="en-US" sz="904" b="1" dirty="0"/>
+              <a:rPr lang="en-US" sz="2260" b="1" dirty="0"/>
               <a:t>f</a:t>
             </a:r>
           </a:p>
@@ -3676,8 +3682,8 @@
         </p:nvSpPr>
         <p:spPr>
           <a:xfrm>
-            <a:off x="396182" y="5716477"/>
-            <a:ext cx="110829" cy="231474"/>
+            <a:off x="990464" y="12005194"/>
+            <a:ext cx="277074" cy="440120"/>
           </a:xfrm>
           <a:prstGeom prst="rect">
             <a:avLst/>
@@ -3691,7 +3697,7 @@
           <a:lstStyle/>
           <a:p>
             <a:r>
-              <a:rPr lang="en-US" sz="904" b="1" dirty="0"/>
+              <a:rPr lang="en-US" sz="2260" b="1" dirty="0"/>
               <a:t>e</a:t>
             </a:r>
           </a:p>
@@ -3711,8 +3717,8 @@
         </p:nvSpPr>
         <p:spPr>
           <a:xfrm>
-            <a:off x="5266216" y="3065021"/>
-            <a:ext cx="247184" cy="231474"/>
+            <a:off x="13165540" y="5376554"/>
+            <a:ext cx="340158" cy="440120"/>
           </a:xfrm>
           <a:prstGeom prst="rect">
             <a:avLst/>
@@ -3726,7 +3732,7 @@
           <a:lstStyle/>
           <a:p>
             <a:r>
-              <a:rPr lang="en-US" sz="904" b="1" dirty="0"/>
+              <a:rPr lang="en-US" sz="2260" b="1" dirty="0"/>
               <a:t>d</a:t>
             </a:r>
           </a:p>
@@ -3746,8 +3752,8 @@
         </p:nvSpPr>
         <p:spPr>
           <a:xfrm>
-            <a:off x="418822" y="3071487"/>
-            <a:ext cx="91696" cy="231474"/>
+            <a:off x="1047055" y="5392719"/>
+            <a:ext cx="229240" cy="440120"/>
           </a:xfrm>
           <a:prstGeom prst="rect">
             <a:avLst/>
@@ -3761,7 +3767,7 @@
           <a:lstStyle/>
           <a:p>
             <a:r>
-              <a:rPr lang="en-US" sz="904" b="1" dirty="0"/>
+              <a:rPr lang="en-US" sz="2260" b="1" dirty="0"/>
               <a:t>c</a:t>
             </a:r>
           </a:p>
@@ -3781,8 +3787,8 @@
         </p:nvSpPr>
         <p:spPr>
           <a:xfrm>
-            <a:off x="5205405" y="84185"/>
-            <a:ext cx="247184" cy="231474"/>
+            <a:off x="13013514" y="-2075539"/>
+            <a:ext cx="340158" cy="440120"/>
           </a:xfrm>
           <a:prstGeom prst="rect">
             <a:avLst/>
@@ -3796,7 +3802,7 @@
           <a:lstStyle/>
           <a:p>
             <a:r>
-              <a:rPr lang="en-US" sz="904" b="1" dirty="0"/>
+              <a:rPr lang="en-US" sz="2260" b="1" dirty="0"/>
               <a:t>b</a:t>
             </a:r>
           </a:p>
@@ -3824,8 +3830,8 @@
         </p:blipFill>
         <p:spPr>
           <a:xfrm>
-            <a:off x="6003781" y="7390685"/>
-            <a:ext cx="2429203" cy="1871681"/>
+            <a:off x="15009463" y="16190722"/>
+            <a:ext cx="6073009" cy="4679204"/>
           </a:xfrm>
           <a:prstGeom prst="rect">
             <a:avLst/>
@@ -3846,8 +3852,8 @@
         </p:nvSpPr>
         <p:spPr>
           <a:xfrm>
-            <a:off x="5775382" y="7479539"/>
-            <a:ext cx="92419" cy="231474"/>
+            <a:off x="14438464" y="16412849"/>
+            <a:ext cx="231049" cy="440120"/>
           </a:xfrm>
           <a:prstGeom prst="rect">
             <a:avLst/>
@@ -3861,7 +3867,7 @@
           <a:lstStyle/>
           <a:p>
             <a:r>
-              <a:rPr lang="en-US" sz="904" b="1" dirty="0"/>
+              <a:rPr lang="en-US" sz="2260" b="1" dirty="0"/>
               <a:t>g</a:t>
             </a:r>
           </a:p>
@@ -3883,8 +3889,8 @@
         </p:nvCxnSpPr>
         <p:spPr>
           <a:xfrm>
-            <a:off x="3030125" y="5784272"/>
-            <a:ext cx="128341" cy="24356"/>
+            <a:off x="7575322" y="12174680"/>
+            <a:ext cx="320854" cy="60890"/>
           </a:xfrm>
           <a:prstGeom prst="straightConnector1">
             <a:avLst/>
@@ -3922,8 +3928,8 @@
         </p:nvSpPr>
         <p:spPr>
           <a:xfrm>
-            <a:off x="2415510" y="5704679"/>
-            <a:ext cx="643878" cy="340350"/>
+            <a:off x="6038776" y="11975699"/>
+            <a:ext cx="1609695" cy="402418"/>
           </a:xfrm>
           <a:prstGeom prst="rect">
             <a:avLst/>
@@ -3937,10 +3943,10 @@
           <a:lstStyle/>
           <a:p>
             <a:r>
-              <a:rPr lang="en-US" sz="806" dirty="0" err="1"/>
+              <a:rPr lang="en-US" sz="2015" dirty="0" err="1"/>
               <a:t>Trimmomatic</a:t>
             </a:r>
-            <a:endParaRPr lang="en-US" sz="806" dirty="0"/>
+            <a:endParaRPr lang="en-US" sz="2015" dirty="0"/>
           </a:p>
         </p:txBody>
       </p:sp>
@@ -3960,8 +3966,8 @@
         </p:nvCxnSpPr>
         <p:spPr>
           <a:xfrm flipH="1">
-            <a:off x="1620162" y="6435864"/>
-            <a:ext cx="112103" cy="0"/>
+            <a:off x="4050414" y="13803660"/>
+            <a:ext cx="280259" cy="0"/>
           </a:xfrm>
           <a:prstGeom prst="straightConnector1">
             <a:avLst/>
@@ -3999,8 +4005,8 @@
         </p:nvSpPr>
         <p:spPr>
           <a:xfrm>
-            <a:off x="1730882" y="6370932"/>
-            <a:ext cx="397866" cy="216341"/>
+            <a:off x="4327206" y="13641339"/>
+            <a:ext cx="698076" cy="402418"/>
           </a:xfrm>
           <a:prstGeom prst="rect">
             <a:avLst/>
@@ -4014,7 +4020,7 @@
           <a:lstStyle/>
           <a:p>
             <a:r>
-              <a:rPr lang="en-US" sz="806" dirty="0"/>
+              <a:rPr lang="en-US" sz="2015" dirty="0"/>
               <a:t>STAR</a:t>
             </a:r>
           </a:p>
@@ -4036,8 +4042,8 @@
         </p:nvCxnSpPr>
         <p:spPr>
           <a:xfrm flipH="1">
-            <a:off x="3843418" y="6639456"/>
-            <a:ext cx="66246" cy="71058"/>
+            <a:off x="9608546" y="14312641"/>
+            <a:ext cx="165615" cy="177645"/>
           </a:xfrm>
           <a:prstGeom prst="straightConnector1">
             <a:avLst/>
@@ -4075,8 +4081,8 @@
         </p:nvSpPr>
         <p:spPr>
           <a:xfrm>
-            <a:off x="3901357" y="6532687"/>
-            <a:ext cx="453970" cy="216341"/>
+            <a:off x="9753395" y="14045725"/>
+            <a:ext cx="843501" cy="402418"/>
           </a:xfrm>
           <a:prstGeom prst="rect">
             <a:avLst/>
@@ -4090,7 +4096,7 @@
           <a:lstStyle/>
           <a:p>
             <a:r>
-              <a:rPr lang="en-US" sz="806" dirty="0"/>
+              <a:rPr lang="en-US" sz="2015" dirty="0"/>
               <a:t>Trinity</a:t>
             </a:r>
           </a:p>
@@ -4110,8 +4116,8 @@
         </p:nvSpPr>
         <p:spPr>
           <a:xfrm>
-            <a:off x="1398761" y="6168002"/>
-            <a:ext cx="736099" cy="216341"/>
+            <a:off x="3496913" y="13134014"/>
+            <a:ext cx="1546001" cy="402418"/>
           </a:xfrm>
           <a:prstGeom prst="rect">
             <a:avLst/>
@@ -4125,11 +4131,11 @@
           <a:lstStyle/>
           <a:p>
             <a:r>
-              <a:rPr lang="en-US" sz="806" dirty="0" err="1"/>
+              <a:rPr lang="en-US" sz="2015" dirty="0" err="1"/>
               <a:t>Ht</a:t>
             </a:r>
             <a:r>
-              <a:rPr lang="en-US" sz="806" dirty="0"/>
+              <a:rPr lang="en-US" sz="2015" dirty="0"/>
               <a:t>-seq-count</a:t>
             </a:r>
           </a:p>
@@ -4151,8 +4157,8 @@
         </p:nvCxnSpPr>
         <p:spPr>
           <a:xfrm flipH="1">
-            <a:off x="1398760" y="6292503"/>
-            <a:ext cx="43900" cy="88364"/>
+            <a:off x="3496900" y="13445259"/>
+            <a:ext cx="109750" cy="220910"/>
           </a:xfrm>
           <a:prstGeom prst="straightConnector1">
             <a:avLst/>
@@ -4190,8 +4196,8 @@
         </p:nvSpPr>
         <p:spPr>
           <a:xfrm>
-            <a:off x="3636149" y="5699348"/>
-            <a:ext cx="537327" cy="216341"/>
+            <a:off x="9090381" y="11962379"/>
+            <a:ext cx="1060611" cy="402418"/>
           </a:xfrm>
           <a:prstGeom prst="rect">
             <a:avLst/>
@@ -4205,7 +4211,7 @@
           <a:lstStyle/>
           <a:p>
             <a:r>
-              <a:rPr lang="en-US" sz="806" dirty="0"/>
+              <a:rPr lang="en-US" sz="2015" dirty="0"/>
               <a:t>DESeq-2</a:t>
             </a:r>
           </a:p>
@@ -4227,8 +4233,8 @@
         </p:nvCxnSpPr>
         <p:spPr>
           <a:xfrm flipH="1">
-            <a:off x="3516575" y="5769645"/>
-            <a:ext cx="130031" cy="28916"/>
+            <a:off x="8791448" y="12138114"/>
+            <a:ext cx="325079" cy="72290"/>
           </a:xfrm>
           <a:prstGeom prst="straightConnector1">
             <a:avLst/>
@@ -4266,8 +4272,8 @@
         </p:nvSpPr>
         <p:spPr>
           <a:xfrm>
-            <a:off x="4510326" y="6710515"/>
-            <a:ext cx="785793" cy="216341"/>
+            <a:off x="11275824" y="14490295"/>
+            <a:ext cx="1686680" cy="402418"/>
           </a:xfrm>
           <a:prstGeom prst="rect">
             <a:avLst/>
@@ -4281,10 +4287,10 @@
           <a:lstStyle/>
           <a:p>
             <a:r>
-              <a:rPr lang="en-US" sz="806" dirty="0" err="1"/>
+              <a:rPr lang="en-US" sz="2015" dirty="0" err="1"/>
               <a:t>CummeRbund</a:t>
             </a:r>
-            <a:endParaRPr lang="en-US" sz="806" dirty="0"/>
+            <a:endParaRPr lang="en-US" sz="2015" dirty="0"/>
           </a:p>
         </p:txBody>
       </p:sp>
@@ -4304,8 +4310,8 @@
         </p:nvCxnSpPr>
         <p:spPr>
           <a:xfrm>
-            <a:off x="4369182" y="6759560"/>
-            <a:ext cx="141144" cy="10523"/>
+            <a:off x="10922955" y="14612909"/>
+            <a:ext cx="352860" cy="26309"/>
           </a:xfrm>
           <a:prstGeom prst="straightConnector1">
             <a:avLst/>
@@ -4381,8 +4387,8 @@
         </p:blipFill>
         <p:spPr>
           <a:xfrm>
-            <a:off x="0" y="5412019"/>
-            <a:ext cx="5356898" cy="3822704"/>
+            <a:off x="1" y="11244049"/>
+            <a:ext cx="13392245" cy="9556760"/>
           </a:xfrm>
           <a:prstGeom prst="rect">
             <a:avLst/>
@@ -4411,8 +4417,8 @@
         </p:blipFill>
         <p:spPr>
           <a:xfrm>
-            <a:off x="5329588" y="5522084"/>
-            <a:ext cx="3252839" cy="1925484"/>
+            <a:off x="13323979" y="11519210"/>
+            <a:ext cx="8132099" cy="4813710"/>
           </a:xfrm>
           <a:prstGeom prst="rect">
             <a:avLst/>
@@ -4441,8 +4447,8 @@
         </p:blipFill>
         <p:spPr>
           <a:xfrm>
-            <a:off x="4308098" y="3057832"/>
-            <a:ext cx="4885064" cy="2407838"/>
+            <a:off x="10770245" y="5358581"/>
+            <a:ext cx="12212660" cy="6019595"/>
           </a:xfrm>
           <a:prstGeom prst="rect">
             <a:avLst/>
@@ -4471,8 +4477,8 @@
         </p:blipFill>
         <p:spPr>
           <a:xfrm>
-            <a:off x="15022" y="3094670"/>
-            <a:ext cx="4430559" cy="2407836"/>
+            <a:off x="37564" y="5450675"/>
+            <a:ext cx="11076399" cy="6019590"/>
           </a:xfrm>
           <a:prstGeom prst="rect">
             <a:avLst/>
@@ -4501,8 +4507,8 @@
         </p:blipFill>
         <p:spPr>
           <a:xfrm>
-            <a:off x="4150353" y="168341"/>
-            <a:ext cx="5055925" cy="2867158"/>
+            <a:off x="10375892" y="-1865148"/>
+            <a:ext cx="12639814" cy="7167895"/>
           </a:xfrm>
           <a:prstGeom prst="rect">
             <a:avLst/>
@@ -4531,8 +4537,8 @@
         </p:blipFill>
         <p:spPr>
           <a:xfrm>
-            <a:off x="98899" y="126204"/>
-            <a:ext cx="4145450" cy="2867158"/>
+            <a:off x="247249" y="-1970489"/>
+            <a:ext cx="10363625" cy="7167895"/>
           </a:xfrm>
           <a:prstGeom prst="rect">
             <a:avLst/>
@@ -4553,8 +4559,8 @@
         </p:nvSpPr>
         <p:spPr>
           <a:xfrm>
-            <a:off x="418826" y="84185"/>
-            <a:ext cx="109744" cy="231474"/>
+            <a:off x="1047065" y="-2075539"/>
+            <a:ext cx="274360" cy="440120"/>
           </a:xfrm>
           <a:prstGeom prst="rect">
             <a:avLst/>
@@ -4568,7 +4574,7 @@
           <a:lstStyle/>
           <a:p>
             <a:r>
-              <a:rPr lang="en-US" sz="904" b="1" dirty="0"/>
+              <a:rPr lang="en-US" sz="2260" b="1" dirty="0"/>
               <a:t>a</a:t>
             </a:r>
           </a:p>
@@ -4588,8 +4594,8 @@
         </p:nvSpPr>
         <p:spPr>
           <a:xfrm>
-            <a:off x="5802253" y="5615491"/>
-            <a:ext cx="221536" cy="231474"/>
+            <a:off x="14505634" y="11752729"/>
+            <a:ext cx="276038" cy="440120"/>
           </a:xfrm>
           <a:prstGeom prst="rect">
             <a:avLst/>
@@ -4603,7 +4609,7 @@
           <a:lstStyle/>
           <a:p>
             <a:r>
-              <a:rPr lang="en-US" sz="904" b="1" dirty="0"/>
+              <a:rPr lang="en-US" sz="2260" b="1" dirty="0"/>
               <a:t>f</a:t>
             </a:r>
           </a:p>
@@ -4623,8 +4629,8 @@
         </p:nvSpPr>
         <p:spPr>
           <a:xfrm>
-            <a:off x="396182" y="5716477"/>
-            <a:ext cx="110829" cy="231474"/>
+            <a:off x="990464" y="12005194"/>
+            <a:ext cx="277074" cy="440120"/>
           </a:xfrm>
           <a:prstGeom prst="rect">
             <a:avLst/>
@@ -4638,7 +4644,7 @@
           <a:lstStyle/>
           <a:p>
             <a:r>
-              <a:rPr lang="en-US" sz="904" b="1" dirty="0"/>
+              <a:rPr lang="en-US" sz="2260" b="1" dirty="0"/>
               <a:t>e</a:t>
             </a:r>
           </a:p>
@@ -4658,8 +4664,8 @@
         </p:nvSpPr>
         <p:spPr>
           <a:xfrm>
-            <a:off x="5266216" y="3065021"/>
-            <a:ext cx="247184" cy="231474"/>
+            <a:off x="13165540" y="5376554"/>
+            <a:ext cx="340158" cy="440120"/>
           </a:xfrm>
           <a:prstGeom prst="rect">
             <a:avLst/>
@@ -4673,7 +4679,7 @@
           <a:lstStyle/>
           <a:p>
             <a:r>
-              <a:rPr lang="en-US" sz="904" b="1" dirty="0"/>
+              <a:rPr lang="en-US" sz="2260" b="1" dirty="0"/>
               <a:t>d</a:t>
             </a:r>
           </a:p>
@@ -4693,8 +4699,8 @@
         </p:nvSpPr>
         <p:spPr>
           <a:xfrm>
-            <a:off x="418822" y="3071487"/>
-            <a:ext cx="91696" cy="231474"/>
+            <a:off x="1047055" y="5392719"/>
+            <a:ext cx="229240" cy="440120"/>
           </a:xfrm>
           <a:prstGeom prst="rect">
             <a:avLst/>
@@ -4708,7 +4714,7 @@
           <a:lstStyle/>
           <a:p>
             <a:r>
-              <a:rPr lang="en-US" sz="904" b="1" dirty="0"/>
+              <a:rPr lang="en-US" sz="2260" b="1" dirty="0"/>
               <a:t>c</a:t>
             </a:r>
           </a:p>
@@ -4728,8 +4734,8 @@
         </p:nvSpPr>
         <p:spPr>
           <a:xfrm>
-            <a:off x="5205405" y="84185"/>
-            <a:ext cx="247184" cy="231474"/>
+            <a:off x="13013514" y="-2075539"/>
+            <a:ext cx="340158" cy="440120"/>
           </a:xfrm>
           <a:prstGeom prst="rect">
             <a:avLst/>
@@ -4743,7 +4749,7 @@
           <a:lstStyle/>
           <a:p>
             <a:r>
-              <a:rPr lang="en-US" sz="904" b="1" dirty="0"/>
+              <a:rPr lang="en-US" sz="2260" b="1" dirty="0"/>
               <a:t>b</a:t>
             </a:r>
           </a:p>
@@ -4771,8 +4777,8 @@
         </p:blipFill>
         <p:spPr>
           <a:xfrm>
-            <a:off x="6003781" y="7390685"/>
-            <a:ext cx="2429203" cy="1871681"/>
+            <a:off x="15009463" y="16190722"/>
+            <a:ext cx="6073009" cy="4679204"/>
           </a:xfrm>
           <a:prstGeom prst="rect">
             <a:avLst/>
@@ -4793,8 +4799,8 @@
         </p:nvSpPr>
         <p:spPr>
           <a:xfrm>
-            <a:off x="5775382" y="7479539"/>
-            <a:ext cx="92419" cy="231474"/>
+            <a:off x="14438464" y="16412849"/>
+            <a:ext cx="231049" cy="440120"/>
           </a:xfrm>
           <a:prstGeom prst="rect">
             <a:avLst/>
@@ -4808,7 +4814,7 @@
           <a:lstStyle/>
           <a:p>
             <a:r>
-              <a:rPr lang="en-US" sz="904" b="1" dirty="0"/>
+              <a:rPr lang="en-US" sz="2260" b="1" dirty="0"/>
               <a:t>g</a:t>
             </a:r>
           </a:p>
@@ -4830,8 +4836,8 @@
         </p:nvCxnSpPr>
         <p:spPr>
           <a:xfrm flipH="1">
-            <a:off x="5017594" y="6927743"/>
-            <a:ext cx="81403" cy="153889"/>
+            <a:off x="12543994" y="15033367"/>
+            <a:ext cx="203509" cy="384724"/>
           </a:xfrm>
           <a:prstGeom prst="straightConnector1">
             <a:avLst/>
@@ -4869,8 +4875,8 @@
         </p:nvSpPr>
         <p:spPr>
           <a:xfrm>
-            <a:off x="4950475" y="6792567"/>
-            <a:ext cx="643878" cy="340350"/>
+            <a:off x="12376189" y="14695419"/>
+            <a:ext cx="1609695" cy="402418"/>
           </a:xfrm>
           <a:prstGeom prst="rect">
             <a:avLst/>
@@ -4884,10 +4890,10 @@
           <a:lstStyle/>
           <a:p>
             <a:r>
-              <a:rPr lang="en-US" sz="806" dirty="0" err="1"/>
+              <a:rPr lang="en-US" sz="2015" dirty="0" err="1"/>
               <a:t>Trimmomatic</a:t>
             </a:r>
-            <a:endParaRPr lang="en-US" sz="806" dirty="0"/>
+            <a:endParaRPr lang="en-US" sz="2015" dirty="0"/>
           </a:p>
         </p:txBody>
       </p:sp>
@@ -4907,8 +4913,8 @@
         </p:nvCxnSpPr>
         <p:spPr>
           <a:xfrm flipH="1">
-            <a:off x="3958170" y="6004176"/>
-            <a:ext cx="112103" cy="0"/>
+            <a:off x="9895434" y="12724440"/>
+            <a:ext cx="280259" cy="0"/>
           </a:xfrm>
           <a:prstGeom prst="straightConnector1">
             <a:avLst/>
@@ -4946,8 +4952,8 @@
         </p:nvSpPr>
         <p:spPr>
           <a:xfrm>
-            <a:off x="4068889" y="5939245"/>
-            <a:ext cx="397866" cy="216341"/>
+            <a:off x="10172225" y="12562120"/>
+            <a:ext cx="698076" cy="402418"/>
           </a:xfrm>
           <a:prstGeom prst="rect">
             <a:avLst/>
@@ -4961,7 +4967,7 @@
           <a:lstStyle/>
           <a:p>
             <a:r>
-              <a:rPr lang="en-US" sz="806" dirty="0"/>
+              <a:rPr lang="en-US" sz="2015" dirty="0"/>
               <a:t>STAR</a:t>
             </a:r>
           </a:p>
@@ -4983,8 +4989,8 @@
         </p:nvCxnSpPr>
         <p:spPr>
           <a:xfrm flipH="1" flipV="1">
-            <a:off x="3427556" y="7829759"/>
-            <a:ext cx="88840" cy="106769"/>
+            <a:off x="8568890" y="17288407"/>
+            <a:ext cx="222100" cy="266924"/>
           </a:xfrm>
           <a:prstGeom prst="straightConnector1">
             <a:avLst/>
@@ -5022,8 +5028,8 @@
         </p:nvSpPr>
         <p:spPr>
           <a:xfrm>
-            <a:off x="3517030" y="7879503"/>
-            <a:ext cx="453970" cy="216341"/>
+            <a:off x="8792578" y="17412765"/>
+            <a:ext cx="843501" cy="402418"/>
           </a:xfrm>
           <a:prstGeom prst="rect">
             <a:avLst/>
@@ -5037,7 +5043,7 @@
           <a:lstStyle/>
           <a:p>
             <a:r>
-              <a:rPr lang="en-US" sz="806" dirty="0"/>
+              <a:rPr lang="en-US" sz="2015" dirty="0"/>
               <a:t>Trinity</a:t>
             </a:r>
           </a:p>
@@ -5057,8 +5063,8 @@
         </p:nvSpPr>
         <p:spPr>
           <a:xfrm>
-            <a:off x="3967244" y="5529261"/>
-            <a:ext cx="736099" cy="216341"/>
+            <a:off x="9918121" y="11537160"/>
+            <a:ext cx="1546001" cy="402418"/>
           </a:xfrm>
           <a:prstGeom prst="rect">
             <a:avLst/>
@@ -5072,11 +5078,11 @@
           <a:lstStyle/>
           <a:p>
             <a:r>
-              <a:rPr lang="en-US" sz="806" dirty="0" err="1"/>
+              <a:rPr lang="en-US" sz="2015" dirty="0" err="1"/>
               <a:t>Ht</a:t>
             </a:r>
             <a:r>
-              <a:rPr lang="en-US" sz="806" dirty="0"/>
+              <a:rPr lang="en-US" sz="2015" dirty="0"/>
               <a:t>-seq-count</a:t>
             </a:r>
           </a:p>
@@ -5098,8 +5104,8 @@
         </p:nvCxnSpPr>
         <p:spPr>
           <a:xfrm flipH="1">
-            <a:off x="3992894" y="5653762"/>
-            <a:ext cx="43900" cy="88364"/>
+            <a:off x="9982235" y="11848405"/>
+            <a:ext cx="109750" cy="220910"/>
           </a:xfrm>
           <a:prstGeom prst="straightConnector1">
             <a:avLst/>
@@ -5137,8 +5143,8 @@
         </p:nvSpPr>
         <p:spPr>
           <a:xfrm>
-            <a:off x="5030304" y="7749843"/>
-            <a:ext cx="537327" cy="216341"/>
+            <a:off x="12575769" y="17088615"/>
+            <a:ext cx="1060611" cy="402418"/>
           </a:xfrm>
           <a:prstGeom prst="rect">
             <a:avLst/>
@@ -5152,7 +5158,7 @@
           <a:lstStyle/>
           <a:p>
             <a:r>
-              <a:rPr lang="en-US" sz="806" dirty="0"/>
+              <a:rPr lang="en-US" sz="2015" dirty="0"/>
               <a:t>DESeq-2</a:t>
             </a:r>
           </a:p>
@@ -5174,8 +5180,8 @@
         </p:nvCxnSpPr>
         <p:spPr>
           <a:xfrm flipH="1" flipV="1">
-            <a:off x="5060522" y="7611770"/>
-            <a:ext cx="24968" cy="133015"/>
+            <a:off x="12651305" y="16743434"/>
+            <a:ext cx="62420" cy="332539"/>
           </a:xfrm>
           <a:prstGeom prst="straightConnector1">
             <a:avLst/>
@@ -5213,8 +5219,8 @@
         </p:nvSpPr>
         <p:spPr>
           <a:xfrm>
-            <a:off x="3511979" y="8089621"/>
-            <a:ext cx="659920" cy="340350"/>
+            <a:off x="8779949" y="17938054"/>
+            <a:ext cx="1649800" cy="712503"/>
           </a:xfrm>
           <a:prstGeom prst="rect">
             <a:avLst/>
@@ -5228,10 +5234,10 @@
           <a:lstStyle/>
           <a:p>
             <a:r>
-              <a:rPr lang="en-US" sz="806" dirty="0" err="1"/>
+              <a:rPr lang="en-US" sz="2015" dirty="0" err="1"/>
               <a:t>CummeRbund</a:t>
             </a:r>
-            <a:endParaRPr lang="en-US" sz="806" dirty="0"/>
+            <a:endParaRPr lang="en-US" sz="2015" dirty="0"/>
           </a:p>
         </p:txBody>
       </p:sp>
@@ -5251,8 +5257,8 @@
         </p:nvCxnSpPr>
         <p:spPr>
           <a:xfrm flipH="1" flipV="1">
-            <a:off x="3407228" y="8055006"/>
-            <a:ext cx="113689" cy="79308"/>
+            <a:off x="8518079" y="17851515"/>
+            <a:ext cx="284224" cy="198270"/>
           </a:xfrm>
           <a:prstGeom prst="straightConnector1">
             <a:avLst/>
@@ -5290,8 +5296,8 @@
         </p:nvSpPr>
         <p:spPr>
           <a:xfrm>
-            <a:off x="3551620" y="7616541"/>
-            <a:ext cx="546945" cy="216341"/>
+            <a:off x="8879059" y="16755360"/>
+            <a:ext cx="1083886" cy="402418"/>
           </a:xfrm>
           <a:prstGeom prst="rect">
             <a:avLst/>
@@ -5305,7 +5311,7 @@
           <a:lstStyle/>
           <a:p>
             <a:r>
-              <a:rPr lang="en-US" sz="806" dirty="0"/>
+              <a:rPr lang="en-US" sz="2015" dirty="0"/>
               <a:t>Cufflinks</a:t>
             </a:r>
           </a:p>
@@ -5328,8 +5334,8 @@
         </p:nvCxnSpPr>
         <p:spPr>
           <a:xfrm flipH="1">
-            <a:off x="3417869" y="7724712"/>
-            <a:ext cx="133751" cy="16586"/>
+            <a:off x="8544687" y="16956569"/>
+            <a:ext cx="334372" cy="110680"/>
           </a:xfrm>
           <a:prstGeom prst="straightConnector1">
             <a:avLst/>
@@ -5367,8 +5373,8 @@
         </p:nvSpPr>
         <p:spPr>
           <a:xfrm>
-            <a:off x="4090653" y="6993880"/>
-            <a:ext cx="574196" cy="216341"/>
+            <a:off x="10226634" y="15198709"/>
+            <a:ext cx="1148007" cy="402418"/>
           </a:xfrm>
           <a:prstGeom prst="rect">
             <a:avLst/>
@@ -5382,10 +5388,10 @@
           <a:lstStyle/>
           <a:p>
             <a:r>
-              <a:rPr lang="en-US" sz="806" dirty="0" err="1"/>
+              <a:rPr lang="en-US" sz="2015" dirty="0" err="1"/>
               <a:t>Samtools</a:t>
             </a:r>
-            <a:endParaRPr lang="en-US" sz="806" dirty="0"/>
+            <a:endParaRPr lang="en-US" sz="2015" dirty="0"/>
           </a:p>
         </p:txBody>
       </p:sp>
@@ -5405,8 +5411,8 @@
         </p:nvCxnSpPr>
         <p:spPr>
           <a:xfrm>
-            <a:off x="4490427" y="7129081"/>
-            <a:ext cx="92671" cy="95769"/>
+            <a:off x="11226078" y="15536712"/>
+            <a:ext cx="231679" cy="239424"/>
           </a:xfrm>
           <a:prstGeom prst="straightConnector1">
             <a:avLst/>
@@ -5444,8 +5450,8 @@
         </p:nvSpPr>
         <p:spPr>
           <a:xfrm>
-            <a:off x="3575366" y="6188106"/>
-            <a:ext cx="545342" cy="216341"/>
+            <a:off x="8938417" y="13184274"/>
+            <a:ext cx="1060227" cy="402418"/>
           </a:xfrm>
           <a:prstGeom prst="rect">
             <a:avLst/>
@@ -5459,7 +5465,7 @@
           <a:lstStyle/>
           <a:p>
             <a:r>
-              <a:rPr lang="en-US" sz="806" dirty="0"/>
+              <a:rPr lang="en-US" sz="2015" dirty="0"/>
               <a:t>TopHat2</a:t>
             </a:r>
           </a:p>
@@ -5481,8 +5487,8 @@
         </p:nvCxnSpPr>
         <p:spPr>
           <a:xfrm flipH="1" flipV="1">
-            <a:off x="3575041" y="6104061"/>
-            <a:ext cx="103531" cy="92983"/>
+            <a:off x="8937613" y="12974163"/>
+            <a:ext cx="258829" cy="232459"/>
           </a:xfrm>
           <a:prstGeom prst="straightConnector1">
             <a:avLst/>
@@ -5558,8 +5564,8 @@
         </p:blipFill>
         <p:spPr>
           <a:xfrm>
-            <a:off x="0" y="5412019"/>
-            <a:ext cx="5356898" cy="3822704"/>
+            <a:off x="1" y="11244049"/>
+            <a:ext cx="13392245" cy="9556760"/>
           </a:xfrm>
           <a:prstGeom prst="rect">
             <a:avLst/>
@@ -5588,8 +5594,8 @@
         </p:blipFill>
         <p:spPr>
           <a:xfrm>
-            <a:off x="4308098" y="3057832"/>
-            <a:ext cx="4885064" cy="2407838"/>
+            <a:off x="10770245" y="5358581"/>
+            <a:ext cx="12212660" cy="6019595"/>
           </a:xfrm>
           <a:prstGeom prst="rect">
             <a:avLst/>
@@ -5618,8 +5624,8 @@
         </p:blipFill>
         <p:spPr>
           <a:xfrm>
-            <a:off x="15022" y="3094670"/>
-            <a:ext cx="4430559" cy="2407836"/>
+            <a:off x="37564" y="5450675"/>
+            <a:ext cx="11076399" cy="6019590"/>
           </a:xfrm>
           <a:prstGeom prst="rect">
             <a:avLst/>
@@ -5648,8 +5654,8 @@
         </p:blipFill>
         <p:spPr>
           <a:xfrm>
-            <a:off x="4150353" y="168341"/>
-            <a:ext cx="5055925" cy="2867158"/>
+            <a:off x="10375892" y="-1865148"/>
+            <a:ext cx="12639814" cy="7167895"/>
           </a:xfrm>
           <a:prstGeom prst="rect">
             <a:avLst/>
@@ -5678,8 +5684,8 @@
         </p:blipFill>
         <p:spPr>
           <a:xfrm>
-            <a:off x="98899" y="126204"/>
-            <a:ext cx="4145450" cy="2867158"/>
+            <a:off x="247249" y="-1970489"/>
+            <a:ext cx="10363625" cy="7167895"/>
           </a:xfrm>
           <a:prstGeom prst="rect">
             <a:avLst/>
@@ -5700,8 +5706,8 @@
         </p:nvSpPr>
         <p:spPr>
           <a:xfrm>
-            <a:off x="418826" y="84185"/>
-            <a:ext cx="109744" cy="231474"/>
+            <a:off x="1047065" y="-2075539"/>
+            <a:ext cx="274360" cy="440120"/>
           </a:xfrm>
           <a:prstGeom prst="rect">
             <a:avLst/>
@@ -5715,7 +5721,7 @@
           <a:lstStyle/>
           <a:p>
             <a:r>
-              <a:rPr lang="en-US" sz="904" b="1" dirty="0"/>
+              <a:rPr lang="en-US" sz="2260" b="1" dirty="0"/>
               <a:t>a</a:t>
             </a:r>
           </a:p>
@@ -5735,8 +5741,8 @@
         </p:nvSpPr>
         <p:spPr>
           <a:xfrm>
-            <a:off x="5802253" y="5615491"/>
-            <a:ext cx="221536" cy="231474"/>
+            <a:off x="14505634" y="11752729"/>
+            <a:ext cx="276038" cy="440120"/>
           </a:xfrm>
           <a:prstGeom prst="rect">
             <a:avLst/>
@@ -5750,7 +5756,7 @@
           <a:lstStyle/>
           <a:p>
             <a:r>
-              <a:rPr lang="en-US" sz="904" b="1" dirty="0"/>
+              <a:rPr lang="en-US" sz="2260" b="1" dirty="0"/>
               <a:t>f</a:t>
             </a:r>
           </a:p>
@@ -5770,8 +5776,8 @@
         </p:nvSpPr>
         <p:spPr>
           <a:xfrm>
-            <a:off x="396182" y="5716477"/>
-            <a:ext cx="110829" cy="231474"/>
+            <a:off x="990464" y="12005194"/>
+            <a:ext cx="277074" cy="440120"/>
           </a:xfrm>
           <a:prstGeom prst="rect">
             <a:avLst/>
@@ -5785,7 +5791,7 @@
           <a:lstStyle/>
           <a:p>
             <a:r>
-              <a:rPr lang="en-US" sz="904" b="1" dirty="0"/>
+              <a:rPr lang="en-US" sz="2260" b="1" dirty="0"/>
               <a:t>e</a:t>
             </a:r>
           </a:p>
@@ -5805,8 +5811,8 @@
         </p:nvSpPr>
         <p:spPr>
           <a:xfrm>
-            <a:off x="5266216" y="3065021"/>
-            <a:ext cx="247184" cy="231474"/>
+            <a:off x="13165540" y="5376554"/>
+            <a:ext cx="340158" cy="440120"/>
           </a:xfrm>
           <a:prstGeom prst="rect">
             <a:avLst/>
@@ -5820,7 +5826,7 @@
           <a:lstStyle/>
           <a:p>
             <a:r>
-              <a:rPr lang="en-US" sz="904" b="1" dirty="0"/>
+              <a:rPr lang="en-US" sz="2260" b="1" dirty="0"/>
               <a:t>d</a:t>
             </a:r>
           </a:p>
@@ -5840,8 +5846,8 @@
         </p:nvSpPr>
         <p:spPr>
           <a:xfrm>
-            <a:off x="418822" y="3071487"/>
-            <a:ext cx="91696" cy="231474"/>
+            <a:off x="1047055" y="5392719"/>
+            <a:ext cx="229240" cy="440120"/>
           </a:xfrm>
           <a:prstGeom prst="rect">
             <a:avLst/>
@@ -5855,7 +5861,7 @@
           <a:lstStyle/>
           <a:p>
             <a:r>
-              <a:rPr lang="en-US" sz="904" b="1" dirty="0"/>
+              <a:rPr lang="en-US" sz="2260" b="1" dirty="0"/>
               <a:t>c</a:t>
             </a:r>
           </a:p>
@@ -5875,8 +5881,8 @@
         </p:nvSpPr>
         <p:spPr>
           <a:xfrm>
-            <a:off x="5205405" y="84185"/>
-            <a:ext cx="247184" cy="231474"/>
+            <a:off x="13013514" y="-2075539"/>
+            <a:ext cx="340158" cy="440120"/>
           </a:xfrm>
           <a:prstGeom prst="rect">
             <a:avLst/>
@@ -5890,7 +5896,7 @@
           <a:lstStyle/>
           <a:p>
             <a:r>
-              <a:rPr lang="en-US" sz="904" b="1" dirty="0"/>
+              <a:rPr lang="en-US" sz="2260" b="1" dirty="0"/>
               <a:t>b</a:t>
             </a:r>
           </a:p>
@@ -5910,8 +5916,8 @@
         </p:nvSpPr>
         <p:spPr>
           <a:xfrm>
-            <a:off x="5775382" y="7479539"/>
-            <a:ext cx="92419" cy="231474"/>
+            <a:off x="14438464" y="16412849"/>
+            <a:ext cx="231049" cy="440120"/>
           </a:xfrm>
           <a:prstGeom prst="rect">
             <a:avLst/>
@@ -5925,7 +5931,7 @@
           <a:lstStyle/>
           <a:p>
             <a:r>
-              <a:rPr lang="en-US" sz="904" b="1" dirty="0"/>
+              <a:rPr lang="en-US" sz="2260" b="1" dirty="0"/>
               <a:t>g</a:t>
             </a:r>
           </a:p>
@@ -5947,8 +5953,8 @@
         </p:nvCxnSpPr>
         <p:spPr>
           <a:xfrm flipH="1">
-            <a:off x="5017594" y="6927743"/>
-            <a:ext cx="81403" cy="153889"/>
+            <a:off x="12543994" y="15033367"/>
+            <a:ext cx="203509" cy="384724"/>
           </a:xfrm>
           <a:prstGeom prst="straightConnector1">
             <a:avLst/>
@@ -5986,8 +5992,8 @@
         </p:nvSpPr>
         <p:spPr>
           <a:xfrm>
-            <a:off x="4950475" y="6792567"/>
-            <a:ext cx="643878" cy="340350"/>
+            <a:off x="12376189" y="14695419"/>
+            <a:ext cx="1609695" cy="402418"/>
           </a:xfrm>
           <a:prstGeom prst="rect">
             <a:avLst/>
@@ -6001,10 +6007,10 @@
           <a:lstStyle/>
           <a:p>
             <a:r>
-              <a:rPr lang="en-US" sz="806" dirty="0" err="1"/>
+              <a:rPr lang="en-US" sz="2015" dirty="0" err="1"/>
               <a:t>Trimmomatic</a:t>
             </a:r>
-            <a:endParaRPr lang="en-US" sz="806" dirty="0"/>
+            <a:endParaRPr lang="en-US" sz="2015" dirty="0"/>
           </a:p>
         </p:txBody>
       </p:sp>
@@ -6024,8 +6030,8 @@
         </p:nvCxnSpPr>
         <p:spPr>
           <a:xfrm flipH="1">
-            <a:off x="3958170" y="6004176"/>
-            <a:ext cx="112103" cy="0"/>
+            <a:off x="9895434" y="12724440"/>
+            <a:ext cx="280259" cy="0"/>
           </a:xfrm>
           <a:prstGeom prst="straightConnector1">
             <a:avLst/>
@@ -6063,8 +6069,8 @@
         </p:nvSpPr>
         <p:spPr>
           <a:xfrm>
-            <a:off x="4068889" y="5939245"/>
-            <a:ext cx="397866" cy="216341"/>
+            <a:off x="10172225" y="12562120"/>
+            <a:ext cx="698076" cy="402418"/>
           </a:xfrm>
           <a:prstGeom prst="rect">
             <a:avLst/>
@@ -6078,7 +6084,7 @@
           <a:lstStyle/>
           <a:p>
             <a:r>
-              <a:rPr lang="en-US" sz="806" dirty="0"/>
+              <a:rPr lang="en-US" sz="2015" dirty="0"/>
               <a:t>STAR</a:t>
             </a:r>
           </a:p>
@@ -6100,8 +6106,8 @@
         </p:nvCxnSpPr>
         <p:spPr>
           <a:xfrm flipH="1" flipV="1">
-            <a:off x="3427556" y="7829759"/>
-            <a:ext cx="88840" cy="106769"/>
+            <a:off x="8568890" y="17288407"/>
+            <a:ext cx="222100" cy="266924"/>
           </a:xfrm>
           <a:prstGeom prst="straightConnector1">
             <a:avLst/>
@@ -6139,8 +6145,8 @@
         </p:nvSpPr>
         <p:spPr>
           <a:xfrm>
-            <a:off x="3517030" y="7879503"/>
-            <a:ext cx="453970" cy="216341"/>
+            <a:off x="8792578" y="17412765"/>
+            <a:ext cx="843501" cy="402418"/>
           </a:xfrm>
           <a:prstGeom prst="rect">
             <a:avLst/>
@@ -6154,7 +6160,7 @@
           <a:lstStyle/>
           <a:p>
             <a:r>
-              <a:rPr lang="en-US" sz="806" dirty="0"/>
+              <a:rPr lang="en-US" sz="2015" dirty="0"/>
               <a:t>Trinity</a:t>
             </a:r>
           </a:p>
@@ -6174,8 +6180,8 @@
         </p:nvSpPr>
         <p:spPr>
           <a:xfrm>
-            <a:off x="3967244" y="5529261"/>
-            <a:ext cx="736099" cy="216341"/>
+            <a:off x="9918121" y="11537160"/>
+            <a:ext cx="1546001" cy="402418"/>
           </a:xfrm>
           <a:prstGeom prst="rect">
             <a:avLst/>
@@ -6189,11 +6195,11 @@
           <a:lstStyle/>
           <a:p>
             <a:r>
-              <a:rPr lang="en-US" sz="806" dirty="0" err="1"/>
+              <a:rPr lang="en-US" sz="2015" dirty="0" err="1"/>
               <a:t>Ht</a:t>
             </a:r>
             <a:r>
-              <a:rPr lang="en-US" sz="806" dirty="0"/>
+              <a:rPr lang="en-US" sz="2015" dirty="0"/>
               <a:t>-seq-count</a:t>
             </a:r>
           </a:p>
@@ -6215,8 +6221,8 @@
         </p:nvCxnSpPr>
         <p:spPr>
           <a:xfrm flipH="1">
-            <a:off x="3992894" y="5653762"/>
-            <a:ext cx="43900" cy="88364"/>
+            <a:off x="9982235" y="11848405"/>
+            <a:ext cx="109750" cy="220910"/>
           </a:xfrm>
           <a:prstGeom prst="straightConnector1">
             <a:avLst/>
@@ -6254,8 +6260,8 @@
         </p:nvSpPr>
         <p:spPr>
           <a:xfrm>
-            <a:off x="5030304" y="7749843"/>
-            <a:ext cx="537327" cy="216341"/>
+            <a:off x="12575769" y="17088615"/>
+            <a:ext cx="1060611" cy="402418"/>
           </a:xfrm>
           <a:prstGeom prst="rect">
             <a:avLst/>
@@ -6269,7 +6275,7 @@
           <a:lstStyle/>
           <a:p>
             <a:r>
-              <a:rPr lang="en-US" sz="806" dirty="0"/>
+              <a:rPr lang="en-US" sz="2015" dirty="0"/>
               <a:t>DESeq-2</a:t>
             </a:r>
           </a:p>
@@ -6291,8 +6297,8 @@
         </p:nvCxnSpPr>
         <p:spPr>
           <a:xfrm flipH="1" flipV="1">
-            <a:off x="5060522" y="7611770"/>
-            <a:ext cx="24968" cy="133015"/>
+            <a:off x="12651305" y="16743434"/>
+            <a:ext cx="62420" cy="332539"/>
           </a:xfrm>
           <a:prstGeom prst="straightConnector1">
             <a:avLst/>
@@ -6330,8 +6336,8 @@
         </p:nvSpPr>
         <p:spPr>
           <a:xfrm>
-            <a:off x="3511979" y="8089621"/>
-            <a:ext cx="659920" cy="340350"/>
+            <a:off x="8779949" y="17938054"/>
+            <a:ext cx="1649800" cy="712503"/>
           </a:xfrm>
           <a:prstGeom prst="rect">
             <a:avLst/>
@@ -6345,10 +6351,10 @@
           <a:lstStyle/>
           <a:p>
             <a:r>
-              <a:rPr lang="en-US" sz="806" dirty="0" err="1"/>
+              <a:rPr lang="en-US" sz="2015" dirty="0" err="1"/>
               <a:t>CummeRbund</a:t>
             </a:r>
-            <a:endParaRPr lang="en-US" sz="806" dirty="0"/>
+            <a:endParaRPr lang="en-US" sz="2015" dirty="0"/>
           </a:p>
         </p:txBody>
       </p:sp>
@@ -6368,8 +6374,8 @@
         </p:nvCxnSpPr>
         <p:spPr>
           <a:xfrm flipH="1" flipV="1">
-            <a:off x="3407228" y="8055006"/>
-            <a:ext cx="113689" cy="79308"/>
+            <a:off x="8518079" y="17851515"/>
+            <a:ext cx="284224" cy="198270"/>
           </a:xfrm>
           <a:prstGeom prst="straightConnector1">
             <a:avLst/>
@@ -6407,8 +6413,8 @@
         </p:nvSpPr>
         <p:spPr>
           <a:xfrm>
-            <a:off x="3551620" y="7616541"/>
-            <a:ext cx="546945" cy="216341"/>
+            <a:off x="8879059" y="16755360"/>
+            <a:ext cx="1083886" cy="402418"/>
           </a:xfrm>
           <a:prstGeom prst="rect">
             <a:avLst/>
@@ -6422,7 +6428,7 @@
           <a:lstStyle/>
           <a:p>
             <a:r>
-              <a:rPr lang="en-US" sz="806" dirty="0"/>
+              <a:rPr lang="en-US" sz="2015" dirty="0"/>
               <a:t>Cufflinks</a:t>
             </a:r>
           </a:p>
@@ -6445,8 +6451,8 @@
         </p:nvCxnSpPr>
         <p:spPr>
           <a:xfrm flipH="1">
-            <a:off x="3417869" y="7724712"/>
-            <a:ext cx="133751" cy="16586"/>
+            <a:off x="8544687" y="16956569"/>
+            <a:ext cx="334372" cy="110680"/>
           </a:xfrm>
           <a:prstGeom prst="straightConnector1">
             <a:avLst/>
@@ -6484,8 +6490,8 @@
         </p:nvSpPr>
         <p:spPr>
           <a:xfrm>
-            <a:off x="4090653" y="6993880"/>
-            <a:ext cx="574196" cy="216341"/>
+            <a:off x="10226634" y="15198709"/>
+            <a:ext cx="1148007" cy="402418"/>
           </a:xfrm>
           <a:prstGeom prst="rect">
             <a:avLst/>
@@ -6499,10 +6505,10 @@
           <a:lstStyle/>
           <a:p>
             <a:r>
-              <a:rPr lang="en-US" sz="806" dirty="0" err="1"/>
+              <a:rPr lang="en-US" sz="2015" dirty="0" err="1"/>
               <a:t>Samtools</a:t>
             </a:r>
-            <a:endParaRPr lang="en-US" sz="806" dirty="0"/>
+            <a:endParaRPr lang="en-US" sz="2015" dirty="0"/>
           </a:p>
         </p:txBody>
       </p:sp>
@@ -6522,8 +6528,8 @@
         </p:nvCxnSpPr>
         <p:spPr>
           <a:xfrm>
-            <a:off x="4490427" y="7129081"/>
-            <a:ext cx="92671" cy="95769"/>
+            <a:off x="11226078" y="15536712"/>
+            <a:ext cx="231679" cy="239424"/>
           </a:xfrm>
           <a:prstGeom prst="straightConnector1">
             <a:avLst/>
@@ -6561,8 +6567,8 @@
         </p:nvSpPr>
         <p:spPr>
           <a:xfrm>
-            <a:off x="3575366" y="6188106"/>
-            <a:ext cx="545342" cy="216341"/>
+            <a:off x="8938417" y="13184274"/>
+            <a:ext cx="1060227" cy="402418"/>
           </a:xfrm>
           <a:prstGeom prst="rect">
             <a:avLst/>
@@ -6576,7 +6582,7 @@
           <a:lstStyle/>
           <a:p>
             <a:r>
-              <a:rPr lang="en-US" sz="806" dirty="0"/>
+              <a:rPr lang="en-US" sz="2015" dirty="0"/>
               <a:t>TopHat2</a:t>
             </a:r>
           </a:p>
@@ -6598,8 +6604,8 @@
         </p:nvCxnSpPr>
         <p:spPr>
           <a:xfrm flipH="1" flipV="1">
-            <a:off x="3575041" y="6104061"/>
-            <a:ext cx="103531" cy="92983"/>
+            <a:off x="8937613" y="12974163"/>
+            <a:ext cx="258829" cy="232459"/>
           </a:xfrm>
           <a:prstGeom prst="straightConnector1">
             <a:avLst/>
@@ -6645,8 +6651,8 @@
         </p:blipFill>
         <p:spPr>
           <a:xfrm>
-            <a:off x="6064919" y="5488004"/>
-            <a:ext cx="2593358" cy="1857928"/>
+            <a:off x="15162299" y="11434010"/>
+            <a:ext cx="6483395" cy="4644820"/>
           </a:xfrm>
           <a:prstGeom prst="rect">
             <a:avLst/>
@@ -6675,8 +6681,8 @@
         </p:blipFill>
         <p:spPr>
           <a:xfrm>
-            <a:off x="6064919" y="7435705"/>
-            <a:ext cx="3097819" cy="1679540"/>
+            <a:off x="15162308" y="16303264"/>
+            <a:ext cx="7744549" cy="4198850"/>
           </a:xfrm>
           <a:prstGeom prst="rect">
             <a:avLst/>
@@ -6735,8 +6741,8 @@
         </p:blipFill>
         <p:spPr>
           <a:xfrm>
-            <a:off x="2470" y="5530862"/>
-            <a:ext cx="5149645" cy="3674806"/>
+            <a:off x="6184" y="11541156"/>
+            <a:ext cx="12874114" cy="9187015"/>
           </a:xfrm>
           <a:prstGeom prst="rect">
             <a:avLst/>
@@ -6765,8 +6771,8 @@
         </p:blipFill>
         <p:spPr>
           <a:xfrm>
-            <a:off x="183509" y="113391"/>
-            <a:ext cx="4149119" cy="2869695"/>
+            <a:off x="458783" y="-2002521"/>
+            <a:ext cx="10372799" cy="7174239"/>
           </a:xfrm>
           <a:prstGeom prst="rect">
             <a:avLst/>
@@ -6795,8 +6801,8 @@
         </p:blipFill>
         <p:spPr>
           <a:xfrm>
-            <a:off x="4490426" y="201296"/>
-            <a:ext cx="4671930" cy="2867158"/>
+            <a:off x="11226066" y="-1782759"/>
+            <a:ext cx="11679825" cy="7167895"/>
           </a:xfrm>
           <a:prstGeom prst="rect">
             <a:avLst/>
@@ -6825,8 +6831,8 @@
         </p:blipFill>
         <p:spPr>
           <a:xfrm>
-            <a:off x="-16387" y="2997212"/>
-            <a:ext cx="4518366" cy="2657863"/>
+            <a:off x="-40968" y="5207039"/>
+            <a:ext cx="11295915" cy="6644659"/>
           </a:xfrm>
           <a:prstGeom prst="rect">
             <a:avLst/>
@@ -6855,8 +6861,8 @@
         </p:blipFill>
         <p:spPr>
           <a:xfrm>
-            <a:off x="4358721" y="3001914"/>
-            <a:ext cx="4880008" cy="2604478"/>
+            <a:off x="10896804" y="5218786"/>
+            <a:ext cx="12200020" cy="6511195"/>
           </a:xfrm>
           <a:prstGeom prst="rect">
             <a:avLst/>
@@ -6877,8 +6883,8 @@
         </p:nvSpPr>
         <p:spPr>
           <a:xfrm>
-            <a:off x="418826" y="84185"/>
-            <a:ext cx="109744" cy="231474"/>
+            <a:off x="1047065" y="-2075539"/>
+            <a:ext cx="274360" cy="440120"/>
           </a:xfrm>
           <a:prstGeom prst="rect">
             <a:avLst/>
@@ -6892,7 +6898,7 @@
           <a:lstStyle/>
           <a:p>
             <a:r>
-              <a:rPr lang="en-US" sz="904" b="1" dirty="0"/>
+              <a:rPr lang="en-US" sz="2260" b="1" dirty="0"/>
               <a:t>a</a:t>
             </a:r>
           </a:p>
@@ -6912,8 +6918,8 @@
         </p:nvSpPr>
         <p:spPr>
           <a:xfrm>
-            <a:off x="5802253" y="5582716"/>
-            <a:ext cx="221536" cy="231474"/>
+            <a:off x="14505634" y="11670791"/>
+            <a:ext cx="276038" cy="440120"/>
           </a:xfrm>
           <a:prstGeom prst="rect">
             <a:avLst/>
@@ -6927,7 +6933,7 @@
           <a:lstStyle/>
           <a:p>
             <a:r>
-              <a:rPr lang="en-US" sz="904" b="1" dirty="0"/>
+              <a:rPr lang="en-US" sz="2260" b="1" dirty="0"/>
               <a:t>f</a:t>
             </a:r>
           </a:p>
@@ -6947,8 +6953,8 @@
         </p:nvSpPr>
         <p:spPr>
           <a:xfrm>
-            <a:off x="396182" y="5487059"/>
-            <a:ext cx="110829" cy="231474"/>
+            <a:off x="990464" y="11431649"/>
+            <a:ext cx="277074" cy="440120"/>
           </a:xfrm>
           <a:prstGeom prst="rect">
             <a:avLst/>
@@ -6962,7 +6968,7 @@
           <a:lstStyle/>
           <a:p>
             <a:r>
-              <a:rPr lang="en-US" sz="904" b="1" dirty="0"/>
+              <a:rPr lang="en-US" sz="2260" b="1" dirty="0"/>
               <a:t>e</a:t>
             </a:r>
           </a:p>
@@ -6982,8 +6988,8 @@
         </p:nvSpPr>
         <p:spPr>
           <a:xfrm>
-            <a:off x="5266216" y="3065021"/>
-            <a:ext cx="247184" cy="231474"/>
+            <a:off x="13165540" y="5376554"/>
+            <a:ext cx="340158" cy="440120"/>
           </a:xfrm>
           <a:prstGeom prst="rect">
             <a:avLst/>
@@ -6997,7 +7003,7 @@
           <a:lstStyle/>
           <a:p>
             <a:r>
-              <a:rPr lang="en-US" sz="904" b="1" dirty="0"/>
+              <a:rPr lang="en-US" sz="2260" b="1" dirty="0"/>
               <a:t>d</a:t>
             </a:r>
           </a:p>
@@ -7017,8 +7023,8 @@
         </p:nvSpPr>
         <p:spPr>
           <a:xfrm>
-            <a:off x="418822" y="3071487"/>
-            <a:ext cx="91696" cy="231474"/>
+            <a:off x="1047055" y="5392719"/>
+            <a:ext cx="229240" cy="440120"/>
           </a:xfrm>
           <a:prstGeom prst="rect">
             <a:avLst/>
@@ -7032,7 +7038,7 @@
           <a:lstStyle/>
           <a:p>
             <a:r>
-              <a:rPr lang="en-US" sz="904" b="1" dirty="0"/>
+              <a:rPr lang="en-US" sz="2260" b="1" dirty="0"/>
               <a:t>c</a:t>
             </a:r>
           </a:p>
@@ -7052,8 +7058,8 @@
         </p:nvSpPr>
         <p:spPr>
           <a:xfrm>
-            <a:off x="5205405" y="84185"/>
-            <a:ext cx="247184" cy="231474"/>
+            <a:off x="13013514" y="-2075539"/>
+            <a:ext cx="340158" cy="440120"/>
           </a:xfrm>
           <a:prstGeom prst="rect">
             <a:avLst/>
@@ -7067,7 +7073,7 @@
           <a:lstStyle/>
           <a:p>
             <a:r>
-              <a:rPr lang="en-US" sz="904" b="1" dirty="0"/>
+              <a:rPr lang="en-US" sz="2260" b="1" dirty="0"/>
               <a:t>b</a:t>
             </a:r>
           </a:p>
@@ -7087,8 +7093,8 @@
         </p:nvSpPr>
         <p:spPr>
           <a:xfrm>
-            <a:off x="5775382" y="7446765"/>
-            <a:ext cx="92419" cy="231474"/>
+            <a:off x="14438464" y="16330914"/>
+            <a:ext cx="231049" cy="440120"/>
           </a:xfrm>
           <a:prstGeom prst="rect">
             <a:avLst/>
@@ -7102,7 +7108,7 @@
           <a:lstStyle/>
           <a:p>
             <a:r>
-              <a:rPr lang="en-US" sz="904" b="1" dirty="0"/>
+              <a:rPr lang="en-US" sz="2260" b="1" dirty="0"/>
               <a:t>g</a:t>
             </a:r>
           </a:p>
@@ -7130,8 +7136,8 @@
         </p:blipFill>
         <p:spPr>
           <a:xfrm>
-            <a:off x="5969212" y="5606391"/>
-            <a:ext cx="2979114" cy="1833783"/>
+            <a:off x="14923031" y="11729988"/>
+            <a:ext cx="7447785" cy="4584459"/>
           </a:xfrm>
           <a:prstGeom prst="rect">
             <a:avLst/>
@@ -7160,8 +7166,8 @@
         </p:blipFill>
         <p:spPr>
           <a:xfrm>
-            <a:off x="5972306" y="7368265"/>
-            <a:ext cx="3119496" cy="1708295"/>
+            <a:off x="14930765" y="16134673"/>
+            <a:ext cx="7798740" cy="4270739"/>
           </a:xfrm>
           <a:prstGeom prst="rect">
             <a:avLst/>
@@ -7184,8 +7190,8 @@
         </p:nvCxnSpPr>
         <p:spPr>
           <a:xfrm flipH="1">
-            <a:off x="3889205" y="5762959"/>
-            <a:ext cx="128371" cy="54088"/>
+            <a:off x="9723023" y="12121399"/>
+            <a:ext cx="320929" cy="135220"/>
           </a:xfrm>
           <a:prstGeom prst="straightConnector1">
             <a:avLst/>
@@ -7223,8 +7229,8 @@
         </p:nvSpPr>
         <p:spPr>
           <a:xfrm>
-            <a:off x="4017575" y="5676708"/>
-            <a:ext cx="461986" cy="216341"/>
+            <a:off x="10043939" y="11905779"/>
+            <a:ext cx="867610" cy="402418"/>
           </a:xfrm>
           <a:prstGeom prst="rect">
             <a:avLst/>
@@ -7238,11 +7244,11 @@
           <a:lstStyle/>
           <a:p>
             <a:r>
-              <a:rPr lang="en-US" sz="806" dirty="0" err="1"/>
+              <a:rPr lang="en-US" sz="2015" dirty="0" err="1"/>
               <a:t>Ht</a:t>
             </a:r>
             <a:r>
-              <a:rPr lang="en-US" sz="806" dirty="0"/>
+              <a:rPr lang="en-US" sz="2015" dirty="0"/>
               <a:t>-seq</a:t>
             </a:r>
           </a:p>
@@ -7262,8 +7268,8 @@
         </p:nvCxnSpPr>
         <p:spPr>
           <a:xfrm flipH="1">
-            <a:off x="3745729" y="5687861"/>
-            <a:ext cx="120173" cy="96830"/>
+            <a:off x="9364332" y="11933654"/>
+            <a:ext cx="300434" cy="242075"/>
           </a:xfrm>
           <a:prstGeom prst="straightConnector1">
             <a:avLst/>
@@ -7301,8 +7307,8 @@
         </p:nvSpPr>
         <p:spPr>
           <a:xfrm>
-            <a:off x="3811821" y="5587341"/>
-            <a:ext cx="736099" cy="216341"/>
+            <a:off x="9529563" y="11682360"/>
+            <a:ext cx="1546001" cy="402418"/>
           </a:xfrm>
           <a:prstGeom prst="rect">
             <a:avLst/>
@@ -7316,11 +7322,11 @@
           <a:lstStyle/>
           <a:p>
             <a:r>
-              <a:rPr lang="en-US" sz="806" dirty="0" err="1"/>
+              <a:rPr lang="en-US" sz="2015" dirty="0" err="1"/>
               <a:t>Ht</a:t>
             </a:r>
             <a:r>
-              <a:rPr lang="en-US" sz="806" dirty="0"/>
+              <a:rPr lang="en-US" sz="2015" dirty="0"/>
               <a:t>-seq-count</a:t>
             </a:r>
           </a:p>
@@ -7340,8 +7346,8 @@
         </p:nvSpPr>
         <p:spPr>
           <a:xfrm>
-            <a:off x="4958511" y="6044218"/>
-            <a:ext cx="505267" cy="216341"/>
+            <a:off x="12396286" y="12824554"/>
+            <a:ext cx="982064" cy="402418"/>
           </a:xfrm>
           <a:prstGeom prst="rect">
             <a:avLst/>
@@ -7355,7 +7361,7 @@
           <a:lstStyle/>
           <a:p>
             <a:r>
-              <a:rPr lang="en-US" sz="806" dirty="0"/>
+              <a:rPr lang="en-US" sz="2015" dirty="0"/>
               <a:t>DESeq2</a:t>
             </a:r>
           </a:p>
@@ -7375,8 +7381,8 @@
         </p:nvCxnSpPr>
         <p:spPr>
           <a:xfrm flipH="1">
-            <a:off x="4872578" y="6121318"/>
-            <a:ext cx="105975" cy="0"/>
+            <a:off x="12181454" y="13017295"/>
+            <a:ext cx="264939" cy="0"/>
           </a:xfrm>
           <a:prstGeom prst="straightConnector1">
             <a:avLst/>
@@ -7414,8 +7420,8 @@
         </p:nvCxnSpPr>
         <p:spPr>
           <a:xfrm flipH="1">
-            <a:off x="3639268" y="5990934"/>
-            <a:ext cx="105975" cy="0"/>
+            <a:off x="9098179" y="12691335"/>
+            <a:ext cx="264939" cy="0"/>
           </a:xfrm>
           <a:prstGeom prst="straightConnector1">
             <a:avLst/>
@@ -7453,8 +7459,8 @@
         </p:nvSpPr>
         <p:spPr>
           <a:xfrm>
-            <a:off x="3751245" y="5913990"/>
-            <a:ext cx="760144" cy="216341"/>
+            <a:off x="9378115" y="12498984"/>
+            <a:ext cx="1603709" cy="402418"/>
           </a:xfrm>
           <a:prstGeom prst="rect">
             <a:avLst/>
@@ -7468,18 +7474,18 @@
           <a:lstStyle/>
           <a:p>
             <a:r>
-              <a:rPr lang="en-US" sz="806" dirty="0" err="1"/>
+              <a:rPr lang="en-US" sz="2015" dirty="0" err="1"/>
               <a:t>Limma</a:t>
             </a:r>
             <a:r>
-              <a:rPr lang="en-US" sz="806" dirty="0"/>
+              <a:rPr lang="en-US" sz="2015" dirty="0"/>
               <a:t>/</a:t>
             </a:r>
             <a:r>
-              <a:rPr lang="en-US" sz="806" dirty="0" err="1"/>
+              <a:rPr lang="en-US" sz="2015" dirty="0" err="1"/>
               <a:t>Voom</a:t>
             </a:r>
-            <a:endParaRPr lang="en-US" sz="806" dirty="0"/>
+            <a:endParaRPr lang="en-US" sz="2015" dirty="0"/>
           </a:p>
         </p:txBody>
       </p:sp>
@@ -7499,8 +7505,8 @@
         </p:nvCxnSpPr>
         <p:spPr>
           <a:xfrm flipH="1" flipV="1">
-            <a:off x="3616031" y="6121318"/>
-            <a:ext cx="126138" cy="17100"/>
+            <a:off x="9040079" y="13017295"/>
+            <a:ext cx="315345" cy="42750"/>
           </a:xfrm>
           <a:prstGeom prst="straightConnector1">
             <a:avLst/>
@@ -7538,8 +7544,8 @@
         </p:nvSpPr>
         <p:spPr>
           <a:xfrm>
-            <a:off x="3740808" y="6061601"/>
-            <a:ext cx="444352" cy="216341"/>
+            <a:off x="9352021" y="12868010"/>
+            <a:ext cx="832792" cy="402418"/>
           </a:xfrm>
           <a:prstGeom prst="rect">
             <a:avLst/>
@@ -7553,10 +7559,10 @@
           <a:lstStyle/>
           <a:p>
             <a:r>
-              <a:rPr lang="en-US" sz="806" dirty="0" err="1"/>
+              <a:rPr lang="en-US" sz="2015" dirty="0" err="1"/>
               <a:t>EdgeR</a:t>
             </a:r>
-            <a:endParaRPr lang="en-US" sz="806" dirty="0"/>
+            <a:endParaRPr lang="en-US" sz="2015" dirty="0"/>
           </a:p>
         </p:txBody>
       </p:sp>
@@ -7574,8 +7580,8 @@
         </p:nvCxnSpPr>
         <p:spPr>
           <a:xfrm flipH="1">
-            <a:off x="3711940" y="6294453"/>
-            <a:ext cx="105975" cy="0"/>
+            <a:off x="9279859" y="13450134"/>
+            <a:ext cx="264939" cy="0"/>
           </a:xfrm>
           <a:prstGeom prst="straightConnector1">
             <a:avLst/>
@@ -7613,8 +7619,8 @@
         </p:nvSpPr>
         <p:spPr>
           <a:xfrm>
-            <a:off x="3811094" y="6230333"/>
-            <a:ext cx="397866" cy="216341"/>
+            <a:off x="9527736" y="13289840"/>
+            <a:ext cx="698076" cy="402418"/>
           </a:xfrm>
           <a:prstGeom prst="rect">
             <a:avLst/>
@@ -7628,7 +7634,7 @@
           <a:lstStyle/>
           <a:p>
             <a:r>
-              <a:rPr lang="en-US" sz="806" dirty="0"/>
+              <a:rPr lang="en-US" sz="2015" dirty="0"/>
               <a:t>STAR</a:t>
             </a:r>
           </a:p>
@@ -7650,8 +7656,8 @@
         </p:nvCxnSpPr>
         <p:spPr>
           <a:xfrm>
-            <a:off x="4728423" y="7275872"/>
-            <a:ext cx="69141" cy="83719"/>
+            <a:off x="11821067" y="15903689"/>
+            <a:ext cx="172854" cy="209299"/>
           </a:xfrm>
           <a:prstGeom prst="straightConnector1">
             <a:avLst/>
@@ -7689,8 +7695,8 @@
         </p:nvSpPr>
         <p:spPr>
           <a:xfrm>
-            <a:off x="4573610" y="7160676"/>
-            <a:ext cx="750526" cy="216341"/>
+            <a:off x="11434028" y="15615699"/>
+            <a:ext cx="1576907" cy="402418"/>
           </a:xfrm>
           <a:prstGeom prst="rect">
             <a:avLst/>
@@ -7704,10 +7710,10 @@
           <a:lstStyle/>
           <a:p>
             <a:r>
-              <a:rPr lang="en-US" sz="806" dirty="0" err="1"/>
+              <a:rPr lang="en-US" sz="2015" dirty="0" err="1"/>
               <a:t>Trimmomatic</a:t>
             </a:r>
-            <a:endParaRPr lang="en-US" sz="806" dirty="0"/>
+            <a:endParaRPr lang="en-US" sz="2015" dirty="0"/>
           </a:p>
         </p:txBody>
       </p:sp>
@@ -7727,8 +7733,8 @@
         </p:nvCxnSpPr>
         <p:spPr>
           <a:xfrm flipH="1">
-            <a:off x="4436794" y="7469111"/>
-            <a:ext cx="99453" cy="0"/>
+            <a:off x="11091994" y="16386779"/>
+            <a:ext cx="248634" cy="0"/>
           </a:xfrm>
           <a:prstGeom prst="straightConnector1">
             <a:avLst/>
@@ -7766,8 +7772,8 @@
         </p:nvSpPr>
         <p:spPr>
           <a:xfrm>
-            <a:off x="4525874" y="7383787"/>
-            <a:ext cx="574196" cy="216341"/>
+            <a:off x="11314688" y="16173475"/>
+            <a:ext cx="1148007" cy="402418"/>
           </a:xfrm>
           <a:prstGeom prst="rect">
             <a:avLst/>
@@ -7781,10 +7787,10 @@
           <a:lstStyle/>
           <a:p>
             <a:r>
-              <a:rPr lang="en-US" sz="806" dirty="0" err="1"/>
+              <a:rPr lang="en-US" sz="2015" dirty="0" err="1"/>
               <a:t>Samtools</a:t>
             </a:r>
-            <a:endParaRPr lang="en-US" sz="806" dirty="0"/>
+            <a:endParaRPr lang="en-US" sz="2015" dirty="0"/>
           </a:p>
         </p:txBody>
       </p:sp>
@@ -7804,8 +7810,8 @@
         </p:nvCxnSpPr>
         <p:spPr>
           <a:xfrm flipH="1">
-            <a:off x="3126009" y="7653609"/>
-            <a:ext cx="99453" cy="0"/>
+            <a:off x="7815032" y="16848024"/>
+            <a:ext cx="248634" cy="0"/>
           </a:xfrm>
           <a:prstGeom prst="straightConnector1">
             <a:avLst/>
@@ -7843,8 +7849,8 @@
         </p:nvSpPr>
         <p:spPr>
           <a:xfrm>
-            <a:off x="3215087" y="7568285"/>
-            <a:ext cx="453970" cy="216341"/>
+            <a:off x="8037720" y="16634720"/>
+            <a:ext cx="843501" cy="402418"/>
           </a:xfrm>
           <a:prstGeom prst="rect">
             <a:avLst/>
@@ -7858,7 +7864,7 @@
           <a:lstStyle/>
           <a:p>
             <a:r>
-              <a:rPr lang="en-US" sz="806" dirty="0"/>
+              <a:rPr lang="en-US" sz="2015" dirty="0"/>
               <a:t>Trinity</a:t>
             </a:r>
           </a:p>
@@ -7880,8 +7886,8 @@
         </p:nvCxnSpPr>
         <p:spPr>
           <a:xfrm flipH="1">
-            <a:off x="3086718" y="7526425"/>
-            <a:ext cx="128371" cy="54088"/>
+            <a:off x="7716804" y="16530064"/>
+            <a:ext cx="320929" cy="135220"/>
           </a:xfrm>
           <a:prstGeom prst="straightConnector1">
             <a:avLst/>
@@ -7919,8 +7925,8 @@
         </p:nvSpPr>
         <p:spPr>
           <a:xfrm>
-            <a:off x="3215088" y="7440175"/>
-            <a:ext cx="546945" cy="216341"/>
+            <a:off x="8037729" y="16314445"/>
+            <a:ext cx="1083886" cy="402418"/>
           </a:xfrm>
           <a:prstGeom prst="rect">
             <a:avLst/>
@@ -7934,7 +7940,7 @@
           <a:lstStyle/>
           <a:p>
             <a:r>
-              <a:rPr lang="en-US" sz="806" dirty="0"/>
+              <a:rPr lang="en-US" sz="2015" dirty="0"/>
               <a:t>Cufflinks</a:t>
             </a:r>
           </a:p>
@@ -7956,8 +7962,8 @@
         </p:nvCxnSpPr>
         <p:spPr>
           <a:xfrm flipH="1">
-            <a:off x="3117070" y="8167815"/>
-            <a:ext cx="99453" cy="0"/>
+            <a:off x="7792684" y="18133539"/>
+            <a:ext cx="248634" cy="0"/>
           </a:xfrm>
           <a:prstGeom prst="straightConnector1">
             <a:avLst/>
@@ -7995,8 +8001,8 @@
         </p:nvSpPr>
         <p:spPr>
           <a:xfrm>
-            <a:off x="3206151" y="8082491"/>
-            <a:ext cx="785793" cy="216341"/>
+            <a:off x="8015385" y="17920235"/>
+            <a:ext cx="1686680" cy="402418"/>
           </a:xfrm>
           <a:prstGeom prst="rect">
             <a:avLst/>
@@ -8010,10 +8016,10 @@
           <a:lstStyle/>
           <a:p>
             <a:r>
-              <a:rPr lang="en-US" sz="806" dirty="0" err="1"/>
+              <a:rPr lang="en-US" sz="2015" dirty="0" err="1"/>
               <a:t>CummeRbund</a:t>
             </a:r>
-            <a:endParaRPr lang="en-US" sz="806" dirty="0"/>
+            <a:endParaRPr lang="en-US" sz="2015" dirty="0"/>
           </a:p>
         </p:txBody>
       </p:sp>
@@ -8069,8 +8075,8 @@
         </p:blipFill>
         <p:spPr>
           <a:xfrm>
-            <a:off x="5069570" y="-38093"/>
-            <a:ext cx="3876915" cy="3086780"/>
+            <a:off x="12673934" y="-2381234"/>
+            <a:ext cx="9692289" cy="7716950"/>
           </a:xfrm>
           <a:prstGeom prst="rect">
             <a:avLst/>
@@ -8099,8 +8105,8 @@
         </p:blipFill>
         <p:spPr>
           <a:xfrm>
-            <a:off x="4841975" y="2912696"/>
-            <a:ext cx="4404585" cy="2718546"/>
+            <a:off x="12104947" y="4995741"/>
+            <a:ext cx="11011464" cy="6796365"/>
           </a:xfrm>
           <a:prstGeom prst="rect">
             <a:avLst/>
@@ -8129,8 +8135,8 @@
         </p:blipFill>
         <p:spPr>
           <a:xfrm>
-            <a:off x="214873" y="5444047"/>
-            <a:ext cx="4341814" cy="3798276"/>
+            <a:off x="537184" y="11324119"/>
+            <a:ext cx="10854535" cy="9495690"/>
           </a:xfrm>
           <a:prstGeom prst="rect">
             <a:avLst/>
@@ -8159,8 +8165,8 @@
         </p:blipFill>
         <p:spPr>
           <a:xfrm>
-            <a:off x="5694997" y="5588249"/>
-            <a:ext cx="2987161" cy="1867749"/>
+            <a:off x="14237502" y="11684632"/>
+            <a:ext cx="7467904" cy="4669374"/>
           </a:xfrm>
           <a:prstGeom prst="rect">
             <a:avLst/>
@@ -8189,8 +8195,8 @@
         </p:blipFill>
         <p:spPr>
           <a:xfrm>
-            <a:off x="529249" y="2926720"/>
-            <a:ext cx="4117455" cy="2705206"/>
+            <a:off x="1323133" y="5030801"/>
+            <a:ext cx="10293639" cy="6763015"/>
           </a:xfrm>
           <a:prstGeom prst="rect">
             <a:avLst/>
@@ -8219,8 +8225,8 @@
         </p:blipFill>
         <p:spPr>
           <a:xfrm>
-            <a:off x="33644" y="109894"/>
-            <a:ext cx="4622923" cy="2891469"/>
+            <a:off x="84119" y="-2011265"/>
+            <a:ext cx="11557309" cy="7228674"/>
           </a:xfrm>
           <a:prstGeom prst="rect">
             <a:avLst/>
@@ -8241,8 +8247,8 @@
         </p:nvSpPr>
         <p:spPr>
           <a:xfrm>
-            <a:off x="254954" y="84185"/>
-            <a:ext cx="109744" cy="231474"/>
+            <a:off x="637385" y="-2075539"/>
+            <a:ext cx="274360" cy="440120"/>
           </a:xfrm>
           <a:prstGeom prst="rect">
             <a:avLst/>
@@ -8256,7 +8262,7 @@
           <a:lstStyle/>
           <a:p>
             <a:r>
-              <a:rPr lang="en-US" sz="904" b="1" dirty="0"/>
+              <a:rPr lang="en-US" sz="2260" b="1" dirty="0"/>
               <a:t>a</a:t>
             </a:r>
           </a:p>
@@ -8276,8 +8282,8 @@
         </p:nvSpPr>
         <p:spPr>
           <a:xfrm>
-            <a:off x="5572833" y="5582716"/>
-            <a:ext cx="221536" cy="231474"/>
+            <a:off x="13932084" y="11670791"/>
+            <a:ext cx="276038" cy="440120"/>
           </a:xfrm>
           <a:prstGeom prst="rect">
             <a:avLst/>
@@ -8291,7 +8297,7 @@
           <a:lstStyle/>
           <a:p>
             <a:r>
-              <a:rPr lang="en-US" sz="904" b="1" dirty="0"/>
+              <a:rPr lang="en-US" sz="2260" b="1" dirty="0"/>
               <a:t>f</a:t>
             </a:r>
           </a:p>
@@ -8311,8 +8317,8 @@
         </p:nvSpPr>
         <p:spPr>
           <a:xfrm>
-            <a:off x="232311" y="5487059"/>
-            <a:ext cx="110829" cy="231474"/>
+            <a:off x="580787" y="11431649"/>
+            <a:ext cx="277074" cy="440120"/>
           </a:xfrm>
           <a:prstGeom prst="rect">
             <a:avLst/>
@@ -8326,7 +8332,7 @@
           <a:lstStyle/>
           <a:p>
             <a:r>
-              <a:rPr lang="en-US" sz="904" b="1" dirty="0"/>
+              <a:rPr lang="en-US" sz="2260" b="1" dirty="0"/>
               <a:t>e</a:t>
             </a:r>
           </a:p>
@@ -8346,8 +8352,8 @@
         </p:nvSpPr>
         <p:spPr>
           <a:xfrm>
-            <a:off x="5102345" y="3015860"/>
-            <a:ext cx="247184" cy="231474"/>
+            <a:off x="12755864" y="5253651"/>
+            <a:ext cx="340158" cy="440120"/>
           </a:xfrm>
           <a:prstGeom prst="rect">
             <a:avLst/>
@@ -8361,7 +8367,7 @@
           <a:lstStyle/>
           <a:p>
             <a:r>
-              <a:rPr lang="en-US" sz="904" b="1" dirty="0"/>
+              <a:rPr lang="en-US" sz="2260" b="1" dirty="0"/>
               <a:t>d</a:t>
             </a:r>
           </a:p>
@@ -8381,8 +8387,8 @@
         </p:nvSpPr>
         <p:spPr>
           <a:xfrm>
-            <a:off x="254951" y="3022326"/>
-            <a:ext cx="91696" cy="231474"/>
+            <a:off x="637379" y="5269816"/>
+            <a:ext cx="229240" cy="440120"/>
           </a:xfrm>
           <a:prstGeom prst="rect">
             <a:avLst/>
@@ -8396,7 +8402,7 @@
           <a:lstStyle/>
           <a:p>
             <a:r>
-              <a:rPr lang="en-US" sz="904" b="1" dirty="0"/>
+              <a:rPr lang="en-US" sz="2260" b="1" dirty="0"/>
               <a:t>c</a:t>
             </a:r>
           </a:p>
@@ -8416,8 +8422,8 @@
         </p:nvSpPr>
         <p:spPr>
           <a:xfrm>
-            <a:off x="5041534" y="84185"/>
-            <a:ext cx="247184" cy="231474"/>
+            <a:off x="12603835" y="-2075539"/>
+            <a:ext cx="340158" cy="440120"/>
           </a:xfrm>
           <a:prstGeom prst="rect">
             <a:avLst/>
@@ -8431,7 +8437,7 @@
           <a:lstStyle/>
           <a:p>
             <a:r>
-              <a:rPr lang="en-US" sz="904" b="1" dirty="0"/>
+              <a:rPr lang="en-US" sz="2260" b="1" dirty="0"/>
               <a:t>b</a:t>
             </a:r>
           </a:p>
@@ -8451,8 +8457,8 @@
         </p:nvSpPr>
         <p:spPr>
           <a:xfrm>
-            <a:off x="5545963" y="7446765"/>
-            <a:ext cx="92419" cy="231474"/>
+            <a:off x="13864918" y="16330914"/>
+            <a:ext cx="231049" cy="440120"/>
           </a:xfrm>
           <a:prstGeom prst="rect">
             <a:avLst/>
@@ -8466,7 +8472,7 @@
           <a:lstStyle/>
           <a:p>
             <a:r>
-              <a:rPr lang="en-US" sz="904" b="1" dirty="0"/>
+              <a:rPr lang="en-US" sz="2260" b="1" dirty="0"/>
               <a:t>g</a:t>
             </a:r>
           </a:p>
@@ -8488,8 +8494,8 @@
         </p:nvCxnSpPr>
         <p:spPr>
           <a:xfrm flipH="1">
-            <a:off x="3404896" y="5629145"/>
-            <a:ext cx="128371" cy="54088"/>
+            <a:off x="8512249" y="11786864"/>
+            <a:ext cx="320929" cy="135220"/>
           </a:xfrm>
           <a:prstGeom prst="straightConnector1">
             <a:avLst/>
@@ -8527,8 +8533,8 @@
         </p:nvSpPr>
         <p:spPr>
           <a:xfrm>
-            <a:off x="3533266" y="5542895"/>
-            <a:ext cx="461986" cy="216341"/>
+            <a:off x="8833166" y="11571245"/>
+            <a:ext cx="867610" cy="402418"/>
           </a:xfrm>
           <a:prstGeom prst="rect">
             <a:avLst/>
@@ -8542,11 +8548,11 @@
           <a:lstStyle/>
           <a:p>
             <a:r>
-              <a:rPr lang="en-US" sz="806" dirty="0" err="1"/>
+              <a:rPr lang="en-US" sz="2015" dirty="0" err="1"/>
               <a:t>Ht</a:t>
             </a:r>
             <a:r>
-              <a:rPr lang="en-US" sz="806" dirty="0"/>
+              <a:rPr lang="en-US" sz="2015" dirty="0"/>
               <a:t>-seq</a:t>
             </a:r>
           </a:p>
@@ -8566,8 +8572,8 @@
         </p:nvSpPr>
         <p:spPr>
           <a:xfrm>
-            <a:off x="4358081" y="5904811"/>
-            <a:ext cx="505267" cy="216341"/>
+            <a:off x="10895211" y="12476035"/>
+            <a:ext cx="982064" cy="402418"/>
           </a:xfrm>
           <a:prstGeom prst="rect">
             <a:avLst/>
@@ -8581,7 +8587,7 @@
           <a:lstStyle/>
           <a:p>
             <a:r>
-              <a:rPr lang="en-US" sz="806" dirty="0"/>
+              <a:rPr lang="en-US" sz="2015" dirty="0"/>
               <a:t>DESeq2</a:t>
             </a:r>
           </a:p>
@@ -8601,8 +8607,8 @@
         </p:nvCxnSpPr>
         <p:spPr>
           <a:xfrm flipH="1">
-            <a:off x="4272149" y="5981911"/>
-            <a:ext cx="105975" cy="0"/>
+            <a:off x="10680383" y="12668779"/>
+            <a:ext cx="264939" cy="0"/>
           </a:xfrm>
           <a:prstGeom prst="straightConnector1">
             <a:avLst/>
@@ -8642,8 +8648,8 @@
         </p:nvCxnSpPr>
         <p:spPr>
           <a:xfrm>
-            <a:off x="3000927" y="5803466"/>
-            <a:ext cx="111688" cy="89546"/>
+            <a:off x="7502319" y="12222666"/>
+            <a:ext cx="279220" cy="223865"/>
           </a:xfrm>
           <a:prstGeom prst="straightConnector1">
             <a:avLst/>
@@ -8681,8 +8687,8 @@
         </p:nvSpPr>
         <p:spPr>
           <a:xfrm>
-            <a:off x="3339823" y="5904811"/>
-            <a:ext cx="760144" cy="216341"/>
+            <a:off x="8349560" y="12476035"/>
+            <a:ext cx="1603709" cy="402418"/>
           </a:xfrm>
           <a:prstGeom prst="rect">
             <a:avLst/>
@@ -8696,18 +8702,18 @@
           <a:lstStyle/>
           <a:p>
             <a:r>
-              <a:rPr lang="en-US" sz="806" dirty="0" err="1"/>
+              <a:rPr lang="en-US" sz="2015" dirty="0" err="1"/>
               <a:t>Limma</a:t>
             </a:r>
             <a:r>
-              <a:rPr lang="en-US" sz="806" dirty="0"/>
+              <a:rPr lang="en-US" sz="2015" dirty="0"/>
               <a:t>/</a:t>
             </a:r>
             <a:r>
-              <a:rPr lang="en-US" sz="806" dirty="0" err="1"/>
+              <a:rPr lang="en-US" sz="2015" dirty="0" err="1"/>
               <a:t>Voom</a:t>
             </a:r>
-            <a:endParaRPr lang="en-US" sz="806" dirty="0"/>
+            <a:endParaRPr lang="en-US" sz="2015" dirty="0"/>
           </a:p>
         </p:txBody>
       </p:sp>
@@ -8727,8 +8733,8 @@
         </p:nvCxnSpPr>
         <p:spPr>
           <a:xfrm flipH="1" flipV="1">
-            <a:off x="3237269" y="5953398"/>
-            <a:ext cx="126138" cy="17100"/>
+            <a:off x="8093174" y="12597495"/>
+            <a:ext cx="315345" cy="42750"/>
           </a:xfrm>
           <a:prstGeom prst="straightConnector1">
             <a:avLst/>
@@ -8766,8 +8772,8 @@
         </p:nvSpPr>
         <p:spPr>
           <a:xfrm>
-            <a:off x="2734778" y="5691767"/>
-            <a:ext cx="444352" cy="216341"/>
+            <a:off x="6836946" y="11943425"/>
+            <a:ext cx="832792" cy="402418"/>
           </a:xfrm>
           <a:prstGeom prst="rect">
             <a:avLst/>
@@ -8781,10 +8787,10 @@
           <a:lstStyle/>
           <a:p>
             <a:r>
-              <a:rPr lang="en-US" sz="806" dirty="0" err="1"/>
+              <a:rPr lang="en-US" sz="2015" dirty="0" err="1"/>
               <a:t>EdgeR</a:t>
             </a:r>
-            <a:endParaRPr lang="en-US" sz="806" dirty="0"/>
+            <a:endParaRPr lang="en-US" sz="2015" dirty="0"/>
           </a:p>
         </p:txBody>
       </p:sp>
@@ -8804,8 +8810,8 @@
         </p:nvCxnSpPr>
         <p:spPr>
           <a:xfrm flipH="1" flipV="1">
-            <a:off x="3237269" y="6174011"/>
-            <a:ext cx="102078" cy="106266"/>
+            <a:off x="8093174" y="13149029"/>
+            <a:ext cx="255195" cy="265665"/>
           </a:xfrm>
           <a:prstGeom prst="straightConnector1">
             <a:avLst/>
@@ -8843,8 +8849,8 @@
         </p:nvSpPr>
         <p:spPr>
           <a:xfrm>
-            <a:off x="3334102" y="6221205"/>
-            <a:ext cx="397866" cy="216341"/>
+            <a:off x="8335256" y="13267020"/>
+            <a:ext cx="698076" cy="402418"/>
           </a:xfrm>
           <a:prstGeom prst="rect">
             <a:avLst/>
@@ -8858,7 +8864,7 @@
           <a:lstStyle/>
           <a:p>
             <a:r>
-              <a:rPr lang="en-US" sz="806" dirty="0"/>
+              <a:rPr lang="en-US" sz="2015" dirty="0"/>
               <a:t>STAR</a:t>
             </a:r>
           </a:p>
@@ -8880,8 +8886,8 @@
         </p:nvCxnSpPr>
         <p:spPr>
           <a:xfrm>
-            <a:off x="4115598" y="7073098"/>
-            <a:ext cx="69141" cy="83719"/>
+            <a:off x="10289004" y="15396754"/>
+            <a:ext cx="172854" cy="209299"/>
           </a:xfrm>
           <a:prstGeom prst="straightConnector1">
             <a:avLst/>
@@ -8919,8 +8925,8 @@
         </p:nvSpPr>
         <p:spPr>
           <a:xfrm>
-            <a:off x="3960785" y="6957902"/>
-            <a:ext cx="750526" cy="216341"/>
+            <a:off x="9901964" y="15108764"/>
+            <a:ext cx="1576907" cy="402418"/>
           </a:xfrm>
           <a:prstGeom prst="rect">
             <a:avLst/>
@@ -8934,10 +8940,10 @@
           <a:lstStyle/>
           <a:p>
             <a:r>
-              <a:rPr lang="en-US" sz="806" dirty="0" err="1"/>
+              <a:rPr lang="en-US" sz="2015" dirty="0" err="1"/>
               <a:t>Trimmomatic</a:t>
             </a:r>
-            <a:endParaRPr lang="en-US" sz="806" dirty="0"/>
+            <a:endParaRPr lang="en-US" sz="2015" dirty="0"/>
           </a:p>
         </p:txBody>
       </p:sp>
@@ -8957,8 +8963,8 @@
         </p:nvCxnSpPr>
         <p:spPr>
           <a:xfrm>
-            <a:off x="3699008" y="7125976"/>
-            <a:ext cx="129226" cy="113430"/>
+            <a:off x="9247521" y="15528941"/>
+            <a:ext cx="323065" cy="283575"/>
           </a:xfrm>
           <a:prstGeom prst="straightConnector1">
             <a:avLst/>
@@ -8996,8 +9002,8 @@
         </p:nvSpPr>
         <p:spPr>
           <a:xfrm>
-            <a:off x="3417264" y="6993457"/>
-            <a:ext cx="574196" cy="216341"/>
+            <a:off x="8543163" y="15197650"/>
+            <a:ext cx="1148007" cy="402418"/>
           </a:xfrm>
           <a:prstGeom prst="rect">
             <a:avLst/>
@@ -9011,10 +9017,10 @@
           <a:lstStyle/>
           <a:p>
             <a:r>
-              <a:rPr lang="en-US" sz="806" dirty="0" err="1"/>
+              <a:rPr lang="en-US" sz="2015" dirty="0" err="1"/>
               <a:t>Samtools</a:t>
             </a:r>
-            <a:endParaRPr lang="en-US" sz="806" dirty="0"/>
+            <a:endParaRPr lang="en-US" sz="2015" dirty="0"/>
           </a:p>
         </p:txBody>
       </p:sp>
@@ -9034,8 +9040,8 @@
         </p:nvCxnSpPr>
         <p:spPr>
           <a:xfrm flipH="1">
-            <a:off x="2793289" y="7458269"/>
-            <a:ext cx="99453" cy="0"/>
+            <a:off x="6983232" y="16359674"/>
+            <a:ext cx="248634" cy="0"/>
           </a:xfrm>
           <a:prstGeom prst="straightConnector1">
             <a:avLst/>
@@ -9073,8 +9079,8 @@
         </p:nvSpPr>
         <p:spPr>
           <a:xfrm>
-            <a:off x="2882367" y="7372945"/>
-            <a:ext cx="453970" cy="216341"/>
+            <a:off x="7205920" y="16146370"/>
+            <a:ext cx="843501" cy="402418"/>
           </a:xfrm>
           <a:prstGeom prst="rect">
             <a:avLst/>
@@ -9088,7 +9094,7 @@
           <a:lstStyle/>
           <a:p>
             <a:r>
-              <a:rPr lang="en-US" sz="806" dirty="0"/>
+              <a:rPr lang="en-US" sz="2015" dirty="0"/>
               <a:t>Trinity</a:t>
             </a:r>
           </a:p>
@@ -9110,8 +9116,8 @@
         </p:nvCxnSpPr>
         <p:spPr>
           <a:xfrm flipH="1">
-            <a:off x="2753997" y="7331085"/>
-            <a:ext cx="128371" cy="54088"/>
+            <a:off x="6885003" y="16041714"/>
+            <a:ext cx="320929" cy="135220"/>
           </a:xfrm>
           <a:prstGeom prst="straightConnector1">
             <a:avLst/>
@@ -9149,8 +9155,8 @@
         </p:nvSpPr>
         <p:spPr>
           <a:xfrm>
-            <a:off x="2882368" y="7244835"/>
-            <a:ext cx="546945" cy="216341"/>
+            <a:off x="7205929" y="15826095"/>
+            <a:ext cx="1083886" cy="402418"/>
           </a:xfrm>
           <a:prstGeom prst="rect">
             <a:avLst/>
@@ -9164,7 +9170,7 @@
           <a:lstStyle/>
           <a:p>
             <a:r>
-              <a:rPr lang="en-US" sz="806" dirty="0"/>
+              <a:rPr lang="en-US" sz="2015" dirty="0"/>
               <a:t>Cufflinks</a:t>
             </a:r>
           </a:p>
@@ -9186,8 +9192,8 @@
         </p:nvCxnSpPr>
         <p:spPr>
           <a:xfrm flipH="1">
-            <a:off x="2739605" y="7621730"/>
-            <a:ext cx="99453" cy="0"/>
+            <a:off x="6849022" y="16768325"/>
+            <a:ext cx="248634" cy="0"/>
           </a:xfrm>
           <a:prstGeom prst="straightConnector1">
             <a:avLst/>
@@ -9225,8 +9231,8 @@
         </p:nvSpPr>
         <p:spPr>
           <a:xfrm>
-            <a:off x="2828685" y="7536406"/>
-            <a:ext cx="785793" cy="216341"/>
+            <a:off x="7071720" y="16555024"/>
+            <a:ext cx="1686680" cy="402418"/>
           </a:xfrm>
           <a:prstGeom prst="rect">
             <a:avLst/>
@@ -9240,10 +9246,10 @@
           <a:lstStyle/>
           <a:p>
             <a:r>
-              <a:rPr lang="en-US" sz="806" dirty="0" err="1"/>
+              <a:rPr lang="en-US" sz="2015" dirty="0" err="1"/>
               <a:t>CummeRbund</a:t>
             </a:r>
-            <a:endParaRPr lang="en-US" sz="806" dirty="0"/>
+            <a:endParaRPr lang="en-US" sz="2015" dirty="0"/>
           </a:p>
         </p:txBody>
       </p:sp>
@@ -9261,8 +9267,8 @@
         </p:nvSpPr>
         <p:spPr>
           <a:xfrm>
-            <a:off x="2892606" y="6241700"/>
-            <a:ext cx="545342" cy="216341"/>
+            <a:off x="7231517" y="13318259"/>
+            <a:ext cx="1060227" cy="402418"/>
           </a:xfrm>
           <a:prstGeom prst="rect">
             <a:avLst/>
@@ -9276,7 +9282,7 @@
           <a:lstStyle/>
           <a:p>
             <a:r>
-              <a:rPr lang="en-US" sz="806" dirty="0"/>
+              <a:rPr lang="en-US" sz="2015" dirty="0"/>
               <a:t>TopHat2</a:t>
             </a:r>
           </a:p>
@@ -9298,8 +9304,8 @@
         </p:nvCxnSpPr>
         <p:spPr>
           <a:xfrm flipH="1" flipV="1">
-            <a:off x="2892281" y="6157655"/>
-            <a:ext cx="103531" cy="92983"/>
+            <a:off x="7230713" y="13108148"/>
+            <a:ext cx="258829" cy="232459"/>
           </a:xfrm>
           <a:prstGeom prst="straightConnector1">
             <a:avLst/>
@@ -9345,8 +9351,8 @@
         </p:blipFill>
         <p:spPr>
           <a:xfrm>
-            <a:off x="5747973" y="7398723"/>
-            <a:ext cx="3120836" cy="1707859"/>
+            <a:off x="14369934" y="16210818"/>
+            <a:ext cx="7802090" cy="4269649"/>
           </a:xfrm>
           <a:prstGeom prst="rect">
             <a:avLst/>
@@ -9385,10 +9391,10 @@
       </p:grpSpPr>
       <p:pic>
         <p:nvPicPr>
-          <p:cNvPr id="5" name="Picture 4">
-            <a:extLst>
-              <a:ext uri="{FF2B5EF4-FFF2-40B4-BE49-F238E27FC236}">
-                <a16:creationId xmlns:a16="http://schemas.microsoft.com/office/drawing/2014/main" id="{9C3D8C94-21D0-ED4E-BCA8-DB0F893B4DC1}"/>
+          <p:cNvPr id="53" name="Picture 52">
+            <a:extLst>
+              <a:ext uri="{FF2B5EF4-FFF2-40B4-BE49-F238E27FC236}">
+                <a16:creationId xmlns:a16="http://schemas.microsoft.com/office/drawing/2014/main" id="{8FACE110-C1C0-9142-BF9A-8F902D7A99CE}"/>
               </a:ext>
             </a:extLst>
           </p:cNvPr>
@@ -9405,16 +9411,1124 @@
         </p:blipFill>
         <p:spPr>
           <a:xfrm>
-            <a:off x="-451742" y="130629"/>
-            <a:ext cx="9766529" cy="9160330"/>
+            <a:off x="10997534" y="8817689"/>
+            <a:ext cx="10886964" cy="9738360"/>
           </a:xfrm>
           <a:prstGeom prst="rect">
             <a:avLst/>
           </a:prstGeom>
         </p:spPr>
       </p:pic>
-      <mc:AlternateContent xmlns:mc="http://schemas.openxmlformats.org/markup-compatibility/2006">
-        <mc:Choice xmlns:a14="http://schemas.microsoft.com/office/drawing/2010/main" Requires="a14">
+      <p:pic>
+        <p:nvPicPr>
+          <p:cNvPr id="29" name="Picture 28">
+            <a:extLst>
+              <a:ext uri="{FF2B5EF4-FFF2-40B4-BE49-F238E27FC236}">
+                <a16:creationId xmlns:a16="http://schemas.microsoft.com/office/drawing/2014/main" id="{BBFB6680-0CCA-BE4B-9D94-3F6C2E8DC649}"/>
+              </a:ext>
+            </a:extLst>
+          </p:cNvPr>
+          <p:cNvPicPr>
+            <a:picLocks noChangeAspect="1"/>
+          </p:cNvPicPr>
+          <p:nvPr/>
+        </p:nvPicPr>
+        <p:blipFill>
+          <a:blip r:embed="rId3"/>
+          <a:stretch>
+            <a:fillRect/>
+          </a:stretch>
+        </p:blipFill>
+        <p:spPr>
+          <a:xfrm>
+            <a:off x="350972" y="8792319"/>
+            <a:ext cx="10886964" cy="9742414"/>
+          </a:xfrm>
+          <a:prstGeom prst="rect">
+            <a:avLst/>
+          </a:prstGeom>
+        </p:spPr>
+      </p:pic>
+      <p:cxnSp>
+        <p:nvCxnSpPr>
+          <p:cNvPr id="3" name="Straight Arrow Connector 2">
+            <a:extLst>
+              <a:ext uri="{FF2B5EF4-FFF2-40B4-BE49-F238E27FC236}">
+                <a16:creationId xmlns:a16="http://schemas.microsoft.com/office/drawing/2014/main" id="{CA67B221-E07A-5A48-8F87-6B2E76087864}"/>
+              </a:ext>
+            </a:extLst>
+          </p:cNvPr>
+          <p:cNvCxnSpPr>
+            <a:cxnSpLocks/>
+          </p:cNvCxnSpPr>
+          <p:nvPr/>
+        </p:nvCxnSpPr>
+        <p:spPr>
+          <a:xfrm flipH="1">
+            <a:off x="19250857" y="9358323"/>
+            <a:ext cx="556794" cy="127009"/>
+          </a:xfrm>
+          <a:prstGeom prst="straightConnector1">
+            <a:avLst/>
+          </a:prstGeom>
+          <a:ln w="15875">
+            <a:tailEnd type="triangle"/>
+          </a:ln>
+        </p:spPr>
+        <p:style>
+          <a:lnRef idx="1">
+            <a:schemeClr val="dk1"/>
+          </a:lnRef>
+          <a:fillRef idx="0">
+            <a:schemeClr val="dk1"/>
+          </a:fillRef>
+          <a:effectRef idx="0">
+            <a:schemeClr val="dk1"/>
+          </a:effectRef>
+          <a:fontRef idx="minor">
+            <a:schemeClr val="tx1"/>
+          </a:fontRef>
+        </p:style>
+      </p:cxnSp>
+      <p:sp>
+        <p:nvSpPr>
+          <p:cNvPr id="4" name="TextBox 3">
+            <a:extLst>
+              <a:ext uri="{FF2B5EF4-FFF2-40B4-BE49-F238E27FC236}">
+                <a16:creationId xmlns:a16="http://schemas.microsoft.com/office/drawing/2014/main" id="{CE0E6FD0-F7E9-C742-B6D4-2775FC72992F}"/>
+              </a:ext>
+            </a:extLst>
+          </p:cNvPr>
+          <p:cNvSpPr txBox="1"/>
+          <p:nvPr/>
+        </p:nvSpPr>
+        <p:spPr>
+          <a:xfrm>
+            <a:off x="19731674" y="9119555"/>
+            <a:ext cx="1158415" cy="492443"/>
+          </a:xfrm>
+          <a:prstGeom prst="rect">
+            <a:avLst/>
+          </a:prstGeom>
+          <a:noFill/>
+        </p:spPr>
+        <p:txBody>
+          <a:bodyPr wrap="square" rtlCol="0">
+            <a:spAutoFit/>
+          </a:bodyPr>
+          <a:lstStyle/>
+          <a:p>
+            <a:r>
+              <a:rPr lang="en-US" sz="2600" dirty="0" err="1"/>
+              <a:t>Ht</a:t>
+            </a:r>
+            <a:r>
+              <a:rPr lang="en-US" sz="2600" dirty="0"/>
+              <a:t>-seq</a:t>
+            </a:r>
+          </a:p>
+        </p:txBody>
+      </p:sp>
+      <p:sp>
+        <p:nvSpPr>
+          <p:cNvPr id="5" name="TextBox 4">
+            <a:extLst>
+              <a:ext uri="{FF2B5EF4-FFF2-40B4-BE49-F238E27FC236}">
+                <a16:creationId xmlns:a16="http://schemas.microsoft.com/office/drawing/2014/main" id="{E48FF95F-2F56-684D-8826-7A6AD0D55291}"/>
+              </a:ext>
+            </a:extLst>
+          </p:cNvPr>
+          <p:cNvSpPr txBox="1"/>
+          <p:nvPr/>
+        </p:nvSpPr>
+        <p:spPr>
+          <a:xfrm>
+            <a:off x="21657259" y="9897985"/>
+            <a:ext cx="1266940" cy="492443"/>
+          </a:xfrm>
+          <a:prstGeom prst="rect">
+            <a:avLst/>
+          </a:prstGeom>
+          <a:noFill/>
+        </p:spPr>
+        <p:txBody>
+          <a:bodyPr wrap="square" rtlCol="0">
+            <a:spAutoFit/>
+          </a:bodyPr>
+          <a:lstStyle/>
+          <a:p>
+            <a:r>
+              <a:rPr lang="en-US" sz="2600" dirty="0"/>
+              <a:t>DESeq2</a:t>
+            </a:r>
+          </a:p>
+        </p:txBody>
+      </p:sp>
+      <p:cxnSp>
+        <p:nvCxnSpPr>
+          <p:cNvPr id="6" name="Straight Arrow Connector 5">
+            <a:extLst>
+              <a:ext uri="{FF2B5EF4-FFF2-40B4-BE49-F238E27FC236}">
+                <a16:creationId xmlns:a16="http://schemas.microsoft.com/office/drawing/2014/main" id="{6D6D7019-DE49-C244-93EA-D0216DD222BD}"/>
+              </a:ext>
+            </a:extLst>
+          </p:cNvPr>
+          <p:cNvCxnSpPr>
+            <a:cxnSpLocks/>
+          </p:cNvCxnSpPr>
+          <p:nvPr/>
+        </p:nvCxnSpPr>
+        <p:spPr>
+          <a:xfrm flipH="1">
+            <a:off x="21176445" y="10086520"/>
+            <a:ext cx="516590" cy="0"/>
+          </a:xfrm>
+          <a:prstGeom prst="straightConnector1">
+            <a:avLst/>
+          </a:prstGeom>
+          <a:ln w="15875">
+            <a:tailEnd type="triangle"/>
+          </a:ln>
+        </p:spPr>
+        <p:style>
+          <a:lnRef idx="1">
+            <a:schemeClr val="dk1"/>
+          </a:lnRef>
+          <a:fillRef idx="0">
+            <a:schemeClr val="dk1"/>
+          </a:fillRef>
+          <a:effectRef idx="0">
+            <a:schemeClr val="dk1"/>
+          </a:effectRef>
+          <a:fontRef idx="minor">
+            <a:schemeClr val="tx1"/>
+          </a:fontRef>
+        </p:style>
+      </p:cxnSp>
+      <p:cxnSp>
+        <p:nvCxnSpPr>
+          <p:cNvPr id="7" name="Straight Arrow Connector 6">
+            <a:extLst>
+              <a:ext uri="{FF2B5EF4-FFF2-40B4-BE49-F238E27FC236}">
+                <a16:creationId xmlns:a16="http://schemas.microsoft.com/office/drawing/2014/main" id="{3B7F0643-0C9F-444C-A624-06A19777B24F}"/>
+              </a:ext>
+            </a:extLst>
+          </p:cNvPr>
+          <p:cNvCxnSpPr>
+            <a:cxnSpLocks/>
+          </p:cNvCxnSpPr>
+          <p:nvPr/>
+        </p:nvCxnSpPr>
+        <p:spPr>
+          <a:xfrm>
+            <a:off x="18340314" y="9646766"/>
+            <a:ext cx="279220" cy="223865"/>
+          </a:xfrm>
+          <a:prstGeom prst="straightConnector1">
+            <a:avLst/>
+          </a:prstGeom>
+          <a:ln w="15875">
+            <a:tailEnd type="triangle"/>
+          </a:ln>
+        </p:spPr>
+        <p:style>
+          <a:lnRef idx="1">
+            <a:schemeClr val="dk1"/>
+          </a:lnRef>
+          <a:fillRef idx="0">
+            <a:schemeClr val="dk1"/>
+          </a:fillRef>
+          <a:effectRef idx="0">
+            <a:schemeClr val="dk1"/>
+          </a:effectRef>
+          <a:fontRef idx="minor">
+            <a:schemeClr val="tx1"/>
+          </a:fontRef>
+        </p:style>
+      </p:cxnSp>
+      <p:sp>
+        <p:nvSpPr>
+          <p:cNvPr id="8" name="TextBox 7">
+            <a:extLst>
+              <a:ext uri="{FF2B5EF4-FFF2-40B4-BE49-F238E27FC236}">
+                <a16:creationId xmlns:a16="http://schemas.microsoft.com/office/drawing/2014/main" id="{7E57A0DA-C436-E243-9A7A-620E7897CEEE}"/>
+              </a:ext>
+            </a:extLst>
+          </p:cNvPr>
+          <p:cNvSpPr txBox="1"/>
+          <p:nvPr/>
+        </p:nvSpPr>
+        <p:spPr>
+          <a:xfrm>
+            <a:off x="19238671" y="10099007"/>
+            <a:ext cx="2068402" cy="492443"/>
+          </a:xfrm>
+          <a:prstGeom prst="rect">
+            <a:avLst/>
+          </a:prstGeom>
+          <a:noFill/>
+        </p:spPr>
+        <p:txBody>
+          <a:bodyPr wrap="square" rtlCol="0">
+            <a:spAutoFit/>
+          </a:bodyPr>
+          <a:lstStyle/>
+          <a:p>
+            <a:r>
+              <a:rPr lang="en-US" sz="2600" dirty="0" err="1"/>
+              <a:t>Limma</a:t>
+            </a:r>
+            <a:r>
+              <a:rPr lang="en-US" sz="2600" dirty="0"/>
+              <a:t>/</a:t>
+            </a:r>
+            <a:r>
+              <a:rPr lang="en-US" sz="2600" dirty="0" err="1"/>
+              <a:t>Voom</a:t>
+            </a:r>
+            <a:endParaRPr lang="en-US" sz="2600" dirty="0"/>
+          </a:p>
+        </p:txBody>
+      </p:sp>
+      <p:cxnSp>
+        <p:nvCxnSpPr>
+          <p:cNvPr id="9" name="Straight Arrow Connector 8">
+            <a:extLst>
+              <a:ext uri="{FF2B5EF4-FFF2-40B4-BE49-F238E27FC236}">
+                <a16:creationId xmlns:a16="http://schemas.microsoft.com/office/drawing/2014/main" id="{ABC26C34-6C39-6948-A8B3-A01F47FF2546}"/>
+              </a:ext>
+            </a:extLst>
+          </p:cNvPr>
+          <p:cNvCxnSpPr>
+            <a:cxnSpLocks/>
+          </p:cNvCxnSpPr>
+          <p:nvPr/>
+        </p:nvCxnSpPr>
+        <p:spPr>
+          <a:xfrm flipH="1" flipV="1">
+            <a:off x="18777444" y="10109361"/>
+            <a:ext cx="493294" cy="193715"/>
+          </a:xfrm>
+          <a:prstGeom prst="straightConnector1">
+            <a:avLst/>
+          </a:prstGeom>
+          <a:ln w="15875">
+            <a:tailEnd type="triangle"/>
+          </a:ln>
+        </p:spPr>
+        <p:style>
+          <a:lnRef idx="1">
+            <a:schemeClr val="dk1"/>
+          </a:lnRef>
+          <a:fillRef idx="0">
+            <a:schemeClr val="dk1"/>
+          </a:fillRef>
+          <a:effectRef idx="0">
+            <a:schemeClr val="dk1"/>
+          </a:effectRef>
+          <a:fontRef idx="minor">
+            <a:schemeClr val="tx1"/>
+          </a:fontRef>
+        </p:style>
+      </p:cxnSp>
+      <p:sp>
+        <p:nvSpPr>
+          <p:cNvPr id="10" name="TextBox 9">
+            <a:extLst>
+              <a:ext uri="{FF2B5EF4-FFF2-40B4-BE49-F238E27FC236}">
+                <a16:creationId xmlns:a16="http://schemas.microsoft.com/office/drawing/2014/main" id="{5151F653-F118-8E4E-96E2-D23D5F79D912}"/>
+              </a:ext>
+            </a:extLst>
+          </p:cNvPr>
+          <p:cNvSpPr txBox="1"/>
+          <p:nvPr/>
+        </p:nvSpPr>
+        <p:spPr>
+          <a:xfrm>
+            <a:off x="17670423" y="9306840"/>
+            <a:ext cx="1114199" cy="492443"/>
+          </a:xfrm>
+          <a:prstGeom prst="rect">
+            <a:avLst/>
+          </a:prstGeom>
+          <a:noFill/>
+        </p:spPr>
+        <p:txBody>
+          <a:bodyPr wrap="square" rtlCol="0">
+            <a:spAutoFit/>
+          </a:bodyPr>
+          <a:lstStyle/>
+          <a:p>
+            <a:r>
+              <a:rPr lang="en-US" sz="2600" dirty="0" err="1"/>
+              <a:t>EdgeR</a:t>
+            </a:r>
+            <a:endParaRPr lang="en-US" sz="2600" dirty="0"/>
+          </a:p>
+        </p:txBody>
+      </p:sp>
+      <p:cxnSp>
+        <p:nvCxnSpPr>
+          <p:cNvPr id="11" name="Straight Arrow Connector 10">
+            <a:extLst>
+              <a:ext uri="{FF2B5EF4-FFF2-40B4-BE49-F238E27FC236}">
+                <a16:creationId xmlns:a16="http://schemas.microsoft.com/office/drawing/2014/main" id="{924D1AD9-D83D-7242-B00B-3D10B2DB20BB}"/>
+              </a:ext>
+            </a:extLst>
+          </p:cNvPr>
+          <p:cNvCxnSpPr>
+            <a:cxnSpLocks/>
+          </p:cNvCxnSpPr>
+          <p:nvPr/>
+        </p:nvCxnSpPr>
+        <p:spPr>
+          <a:xfrm flipH="1" flipV="1">
+            <a:off x="18896491" y="10672259"/>
+            <a:ext cx="255195" cy="265665"/>
+          </a:xfrm>
+          <a:prstGeom prst="straightConnector1">
+            <a:avLst/>
+          </a:prstGeom>
+          <a:ln w="15875">
+            <a:tailEnd type="triangle"/>
+          </a:ln>
+        </p:spPr>
+        <p:style>
+          <a:lnRef idx="1">
+            <a:schemeClr val="dk1"/>
+          </a:lnRef>
+          <a:fillRef idx="0">
+            <a:schemeClr val="dk1"/>
+          </a:fillRef>
+          <a:effectRef idx="0">
+            <a:schemeClr val="dk1"/>
+          </a:effectRef>
+          <a:fontRef idx="minor">
+            <a:schemeClr val="tx1"/>
+          </a:fontRef>
+        </p:style>
+      </p:cxnSp>
+      <p:sp>
+        <p:nvSpPr>
+          <p:cNvPr id="12" name="TextBox 11">
+            <a:extLst>
+              <a:ext uri="{FF2B5EF4-FFF2-40B4-BE49-F238E27FC236}">
+                <a16:creationId xmlns:a16="http://schemas.microsoft.com/office/drawing/2014/main" id="{A5BDED94-43ED-CB42-A0A9-3D8B1BE172F2}"/>
+              </a:ext>
+            </a:extLst>
+          </p:cNvPr>
+          <p:cNvSpPr txBox="1"/>
+          <p:nvPr/>
+        </p:nvSpPr>
+        <p:spPr>
+          <a:xfrm>
+            <a:off x="19115893" y="10765414"/>
+            <a:ext cx="997639" cy="492443"/>
+          </a:xfrm>
+          <a:prstGeom prst="rect">
+            <a:avLst/>
+          </a:prstGeom>
+          <a:noFill/>
+        </p:spPr>
+        <p:txBody>
+          <a:bodyPr wrap="square" rtlCol="0">
+            <a:spAutoFit/>
+          </a:bodyPr>
+          <a:lstStyle/>
+          <a:p>
+            <a:r>
+              <a:rPr lang="en-US" sz="2600" dirty="0"/>
+              <a:t>STAR</a:t>
+            </a:r>
+          </a:p>
+        </p:txBody>
+      </p:sp>
+      <p:cxnSp>
+        <p:nvCxnSpPr>
+          <p:cNvPr id="13" name="Straight Arrow Connector 12">
+            <a:extLst>
+              <a:ext uri="{FF2B5EF4-FFF2-40B4-BE49-F238E27FC236}">
+                <a16:creationId xmlns:a16="http://schemas.microsoft.com/office/drawing/2014/main" id="{63E37E1A-8C6D-1E48-B21A-C9600E2B56DC}"/>
+              </a:ext>
+            </a:extLst>
+          </p:cNvPr>
+          <p:cNvCxnSpPr>
+            <a:cxnSpLocks/>
+          </p:cNvCxnSpPr>
+          <p:nvPr/>
+        </p:nvCxnSpPr>
+        <p:spPr>
+          <a:xfrm>
+            <a:off x="20823639" y="12794229"/>
+            <a:ext cx="226869" cy="336895"/>
+          </a:xfrm>
+          <a:prstGeom prst="straightConnector1">
+            <a:avLst/>
+          </a:prstGeom>
+          <a:ln w="15875">
+            <a:tailEnd type="triangle"/>
+          </a:ln>
+        </p:spPr>
+        <p:style>
+          <a:lnRef idx="1">
+            <a:schemeClr val="dk1"/>
+          </a:lnRef>
+          <a:fillRef idx="0">
+            <a:schemeClr val="dk1"/>
+          </a:fillRef>
+          <a:effectRef idx="0">
+            <a:schemeClr val="dk1"/>
+          </a:effectRef>
+          <a:fontRef idx="minor">
+            <a:schemeClr val="tx1"/>
+          </a:fontRef>
+        </p:style>
+      </p:cxnSp>
+      <p:sp>
+        <p:nvSpPr>
+          <p:cNvPr id="14" name="TextBox 13">
+            <a:extLst>
+              <a:ext uri="{FF2B5EF4-FFF2-40B4-BE49-F238E27FC236}">
+                <a16:creationId xmlns:a16="http://schemas.microsoft.com/office/drawing/2014/main" id="{6802DA49-D434-E245-8B7C-8462225D00C5}"/>
+              </a:ext>
+            </a:extLst>
+          </p:cNvPr>
+          <p:cNvSpPr txBox="1"/>
+          <p:nvPr/>
+        </p:nvSpPr>
+        <p:spPr>
+          <a:xfrm>
+            <a:off x="20235485" y="12456509"/>
+            <a:ext cx="2068402" cy="492443"/>
+          </a:xfrm>
+          <a:prstGeom prst="rect">
+            <a:avLst/>
+          </a:prstGeom>
+          <a:noFill/>
+        </p:spPr>
+        <p:txBody>
+          <a:bodyPr wrap="square" rtlCol="0">
+            <a:spAutoFit/>
+          </a:bodyPr>
+          <a:lstStyle/>
+          <a:p>
+            <a:r>
+              <a:rPr lang="en-US" sz="2600" dirty="0" err="1"/>
+              <a:t>Trimmomatic</a:t>
+            </a:r>
+            <a:endParaRPr lang="en-US" sz="2600" dirty="0"/>
+          </a:p>
+        </p:txBody>
+      </p:sp>
+      <p:cxnSp>
+        <p:nvCxnSpPr>
+          <p:cNvPr id="15" name="Straight Arrow Connector 14">
+            <a:extLst>
+              <a:ext uri="{FF2B5EF4-FFF2-40B4-BE49-F238E27FC236}">
+                <a16:creationId xmlns:a16="http://schemas.microsoft.com/office/drawing/2014/main" id="{BD44B26C-C96E-674D-BB90-3AD6ACCC5B7C}"/>
+              </a:ext>
+            </a:extLst>
+          </p:cNvPr>
+          <p:cNvCxnSpPr>
+            <a:cxnSpLocks/>
+          </p:cNvCxnSpPr>
+          <p:nvPr/>
+        </p:nvCxnSpPr>
+        <p:spPr>
+          <a:xfrm>
+            <a:off x="19803851" y="13001319"/>
+            <a:ext cx="323065" cy="283575"/>
+          </a:xfrm>
+          <a:prstGeom prst="straightConnector1">
+            <a:avLst/>
+          </a:prstGeom>
+          <a:ln w="15875">
+            <a:tailEnd type="triangle"/>
+          </a:ln>
+        </p:spPr>
+        <p:style>
+          <a:lnRef idx="1">
+            <a:schemeClr val="dk1"/>
+          </a:lnRef>
+          <a:fillRef idx="0">
+            <a:schemeClr val="dk1"/>
+          </a:fillRef>
+          <a:effectRef idx="0">
+            <a:schemeClr val="dk1"/>
+          </a:effectRef>
+          <a:fontRef idx="minor">
+            <a:schemeClr val="tx1"/>
+          </a:fontRef>
+        </p:style>
+      </p:cxnSp>
+      <p:sp>
+        <p:nvSpPr>
+          <p:cNvPr id="16" name="TextBox 15">
+            <a:extLst>
+              <a:ext uri="{FF2B5EF4-FFF2-40B4-BE49-F238E27FC236}">
+                <a16:creationId xmlns:a16="http://schemas.microsoft.com/office/drawing/2014/main" id="{7744D68C-1798-2949-B94D-E5A6AC262E69}"/>
+              </a:ext>
+            </a:extLst>
+          </p:cNvPr>
+          <p:cNvSpPr txBox="1"/>
+          <p:nvPr/>
+        </p:nvSpPr>
+        <p:spPr>
+          <a:xfrm>
+            <a:off x="18976298" y="12655930"/>
+            <a:ext cx="1439779" cy="492443"/>
+          </a:xfrm>
+          <a:prstGeom prst="rect">
+            <a:avLst/>
+          </a:prstGeom>
+          <a:noFill/>
+        </p:spPr>
+        <p:txBody>
+          <a:bodyPr wrap="square" rtlCol="0">
+            <a:spAutoFit/>
+          </a:bodyPr>
+          <a:lstStyle/>
+          <a:p>
+            <a:r>
+              <a:rPr lang="en-US" sz="2600" dirty="0" err="1"/>
+              <a:t>Samtools</a:t>
+            </a:r>
+            <a:endParaRPr lang="en-US" sz="2600" dirty="0"/>
+          </a:p>
+        </p:txBody>
+      </p:sp>
+      <p:cxnSp>
+        <p:nvCxnSpPr>
+          <p:cNvPr id="17" name="Straight Arrow Connector 16">
+            <a:extLst>
+              <a:ext uri="{FF2B5EF4-FFF2-40B4-BE49-F238E27FC236}">
+                <a16:creationId xmlns:a16="http://schemas.microsoft.com/office/drawing/2014/main" id="{CDEA1852-E42F-4340-9085-12FA365BD094}"/>
+              </a:ext>
+            </a:extLst>
+          </p:cNvPr>
+          <p:cNvCxnSpPr>
+            <a:cxnSpLocks/>
+          </p:cNvCxnSpPr>
+          <p:nvPr/>
+        </p:nvCxnSpPr>
+        <p:spPr>
+          <a:xfrm flipH="1">
+            <a:off x="17842516" y="13979500"/>
+            <a:ext cx="611415" cy="0"/>
+          </a:xfrm>
+          <a:prstGeom prst="straightConnector1">
+            <a:avLst/>
+          </a:prstGeom>
+          <a:ln w="15875">
+            <a:tailEnd type="triangle"/>
+          </a:ln>
+        </p:spPr>
+        <p:style>
+          <a:lnRef idx="1">
+            <a:schemeClr val="dk1"/>
+          </a:lnRef>
+          <a:fillRef idx="0">
+            <a:schemeClr val="dk1"/>
+          </a:fillRef>
+          <a:effectRef idx="0">
+            <a:schemeClr val="dk1"/>
+          </a:effectRef>
+          <a:fontRef idx="minor">
+            <a:schemeClr val="tx1"/>
+          </a:fontRef>
+        </p:style>
+      </p:cxnSp>
+      <p:sp>
+        <p:nvSpPr>
+          <p:cNvPr id="18" name="TextBox 17">
+            <a:extLst>
+              <a:ext uri="{FF2B5EF4-FFF2-40B4-BE49-F238E27FC236}">
+                <a16:creationId xmlns:a16="http://schemas.microsoft.com/office/drawing/2014/main" id="{395A4A7B-FC88-6D4F-81EC-4634DF8B1FB6}"/>
+              </a:ext>
+            </a:extLst>
+          </p:cNvPr>
+          <p:cNvSpPr txBox="1"/>
+          <p:nvPr/>
+        </p:nvSpPr>
+        <p:spPr>
+          <a:xfrm>
+            <a:off x="18375874" y="13789975"/>
+            <a:ext cx="1138315" cy="492443"/>
+          </a:xfrm>
+          <a:prstGeom prst="rect">
+            <a:avLst/>
+          </a:prstGeom>
+          <a:noFill/>
+        </p:spPr>
+        <p:txBody>
+          <a:bodyPr wrap="square" rtlCol="0">
+            <a:spAutoFit/>
+          </a:bodyPr>
+          <a:lstStyle/>
+          <a:p>
+            <a:r>
+              <a:rPr lang="en-US" sz="2600" dirty="0"/>
+              <a:t>Trinity</a:t>
+            </a:r>
+          </a:p>
+        </p:txBody>
+      </p:sp>
+      <p:cxnSp>
+        <p:nvCxnSpPr>
+          <p:cNvPr id="19" name="Straight Arrow Connector 18">
+            <a:extLst>
+              <a:ext uri="{FF2B5EF4-FFF2-40B4-BE49-F238E27FC236}">
+                <a16:creationId xmlns:a16="http://schemas.microsoft.com/office/drawing/2014/main" id="{EDF1C889-D6ED-9540-8154-B2F8E3C57823}"/>
+              </a:ext>
+            </a:extLst>
+          </p:cNvPr>
+          <p:cNvCxnSpPr>
+            <a:cxnSpLocks/>
+          </p:cNvCxnSpPr>
+          <p:nvPr/>
+        </p:nvCxnSpPr>
+        <p:spPr>
+          <a:xfrm flipH="1">
+            <a:off x="17802514" y="13604960"/>
+            <a:ext cx="320929" cy="135220"/>
+          </a:xfrm>
+          <a:prstGeom prst="straightConnector1">
+            <a:avLst/>
+          </a:prstGeom>
+          <a:ln w="15875">
+            <a:tailEnd type="triangle"/>
+          </a:ln>
+        </p:spPr>
+        <p:style>
+          <a:lnRef idx="1">
+            <a:schemeClr val="dk1"/>
+          </a:lnRef>
+          <a:fillRef idx="0">
+            <a:schemeClr val="dk1"/>
+          </a:fillRef>
+          <a:effectRef idx="0">
+            <a:schemeClr val="dk1"/>
+          </a:effectRef>
+          <a:fontRef idx="minor">
+            <a:schemeClr val="tx1"/>
+          </a:fontRef>
+        </p:style>
+      </p:cxnSp>
+      <p:sp>
+        <p:nvSpPr>
+          <p:cNvPr id="20" name="TextBox 19">
+            <a:extLst>
+              <a:ext uri="{FF2B5EF4-FFF2-40B4-BE49-F238E27FC236}">
+                <a16:creationId xmlns:a16="http://schemas.microsoft.com/office/drawing/2014/main" id="{3769A935-5BBC-414D-9A17-09D0C5291370}"/>
+              </a:ext>
+            </a:extLst>
+          </p:cNvPr>
+          <p:cNvSpPr txBox="1"/>
+          <p:nvPr/>
+        </p:nvSpPr>
+        <p:spPr>
+          <a:xfrm>
+            <a:off x="18089978" y="13391570"/>
+            <a:ext cx="1371449" cy="492443"/>
+          </a:xfrm>
+          <a:prstGeom prst="rect">
+            <a:avLst/>
+          </a:prstGeom>
+          <a:noFill/>
+        </p:spPr>
+        <p:txBody>
+          <a:bodyPr wrap="square" rtlCol="0">
+            <a:spAutoFit/>
+          </a:bodyPr>
+          <a:lstStyle/>
+          <a:p>
+            <a:r>
+              <a:rPr lang="en-US" sz="2600" dirty="0"/>
+              <a:t>Cufflinks</a:t>
+            </a:r>
+          </a:p>
+        </p:txBody>
+      </p:sp>
+      <p:cxnSp>
+        <p:nvCxnSpPr>
+          <p:cNvPr id="21" name="Straight Arrow Connector 20">
+            <a:extLst>
+              <a:ext uri="{FF2B5EF4-FFF2-40B4-BE49-F238E27FC236}">
+                <a16:creationId xmlns:a16="http://schemas.microsoft.com/office/drawing/2014/main" id="{70C519F6-6E27-5E46-8A50-57A08E40A3AE}"/>
+              </a:ext>
+            </a:extLst>
+          </p:cNvPr>
+          <p:cNvCxnSpPr>
+            <a:cxnSpLocks/>
+          </p:cNvCxnSpPr>
+          <p:nvPr/>
+        </p:nvCxnSpPr>
+        <p:spPr>
+          <a:xfrm flipH="1" flipV="1">
+            <a:off x="17747669" y="14541389"/>
+            <a:ext cx="391145" cy="213895"/>
+          </a:xfrm>
+          <a:prstGeom prst="straightConnector1">
+            <a:avLst/>
+          </a:prstGeom>
+          <a:ln w="15875">
+            <a:tailEnd type="triangle"/>
+          </a:ln>
+        </p:spPr>
+        <p:style>
+          <a:lnRef idx="1">
+            <a:schemeClr val="dk1"/>
+          </a:lnRef>
+          <a:fillRef idx="0">
+            <a:schemeClr val="dk1"/>
+          </a:fillRef>
+          <a:effectRef idx="0">
+            <a:schemeClr val="dk1"/>
+          </a:effectRef>
+          <a:fontRef idx="minor">
+            <a:schemeClr val="tx1"/>
+          </a:fontRef>
+        </p:style>
+      </p:cxnSp>
+      <p:sp>
+        <p:nvSpPr>
+          <p:cNvPr id="22" name="TextBox 21">
+            <a:extLst>
+              <a:ext uri="{FF2B5EF4-FFF2-40B4-BE49-F238E27FC236}">
+                <a16:creationId xmlns:a16="http://schemas.microsoft.com/office/drawing/2014/main" id="{F7096CBD-721F-024A-B1D8-ABF70817D184}"/>
+              </a:ext>
+            </a:extLst>
+          </p:cNvPr>
+          <p:cNvSpPr txBox="1"/>
+          <p:nvPr/>
+        </p:nvSpPr>
+        <p:spPr>
+          <a:xfrm>
+            <a:off x="18115377" y="14592189"/>
+            <a:ext cx="2300700" cy="492443"/>
+          </a:xfrm>
+          <a:prstGeom prst="rect">
+            <a:avLst/>
+          </a:prstGeom>
+          <a:noFill/>
+        </p:spPr>
+        <p:txBody>
+          <a:bodyPr wrap="square" rtlCol="0">
+            <a:spAutoFit/>
+          </a:bodyPr>
+          <a:lstStyle/>
+          <a:p>
+            <a:r>
+              <a:rPr lang="en-US" sz="2600" dirty="0" err="1"/>
+              <a:t>CummeRbund</a:t>
+            </a:r>
+            <a:endParaRPr lang="en-US" sz="2600" dirty="0"/>
+          </a:p>
+        </p:txBody>
+      </p:sp>
+      <p:sp>
+        <p:nvSpPr>
+          <p:cNvPr id="23" name="TextBox 22">
+            <a:extLst>
+              <a:ext uri="{FF2B5EF4-FFF2-40B4-BE49-F238E27FC236}">
+                <a16:creationId xmlns:a16="http://schemas.microsoft.com/office/drawing/2014/main" id="{64BB6156-CC5F-3042-95CE-8165349A7950}"/>
+              </a:ext>
+            </a:extLst>
+          </p:cNvPr>
+          <p:cNvSpPr txBox="1"/>
+          <p:nvPr/>
+        </p:nvSpPr>
+        <p:spPr>
+          <a:xfrm>
+            <a:off x="17809659" y="10819595"/>
+            <a:ext cx="1367429" cy="492443"/>
+          </a:xfrm>
+          <a:prstGeom prst="rect">
+            <a:avLst/>
+          </a:prstGeom>
+          <a:noFill/>
+        </p:spPr>
+        <p:txBody>
+          <a:bodyPr wrap="square" rtlCol="0">
+            <a:spAutoFit/>
+          </a:bodyPr>
+          <a:lstStyle/>
+          <a:p>
+            <a:r>
+              <a:rPr lang="en-US" sz="2600" dirty="0"/>
+              <a:t>TopHat2</a:t>
+            </a:r>
+          </a:p>
+        </p:txBody>
+      </p:sp>
+      <p:cxnSp>
+        <p:nvCxnSpPr>
+          <p:cNvPr id="24" name="Straight Arrow Connector 23">
+            <a:extLst>
+              <a:ext uri="{FF2B5EF4-FFF2-40B4-BE49-F238E27FC236}">
+                <a16:creationId xmlns:a16="http://schemas.microsoft.com/office/drawing/2014/main" id="{5DE0024A-8350-C247-99DC-150B7914F78F}"/>
+              </a:ext>
+            </a:extLst>
+          </p:cNvPr>
+          <p:cNvCxnSpPr>
+            <a:cxnSpLocks/>
+          </p:cNvCxnSpPr>
+          <p:nvPr/>
+        </p:nvCxnSpPr>
+        <p:spPr>
+          <a:xfrm flipH="1" flipV="1">
+            <a:off x="18116798" y="10649374"/>
+            <a:ext cx="258829" cy="232459"/>
+          </a:xfrm>
+          <a:prstGeom prst="straightConnector1">
+            <a:avLst/>
+          </a:prstGeom>
+          <a:ln w="15875">
+            <a:tailEnd type="triangle"/>
+          </a:ln>
+        </p:spPr>
+        <p:style>
+          <a:lnRef idx="1">
+            <a:schemeClr val="dk1"/>
+          </a:lnRef>
+          <a:fillRef idx="0">
+            <a:schemeClr val="dk1"/>
+          </a:fillRef>
+          <a:effectRef idx="0">
+            <a:schemeClr val="dk1"/>
+          </a:effectRef>
+          <a:fontRef idx="minor">
+            <a:schemeClr val="tx1"/>
+          </a:fontRef>
+        </p:style>
+      </p:cxnSp>
+      <p:pic>
+        <p:nvPicPr>
+          <p:cNvPr id="26" name="Picture 25">
+            <a:extLst>
+              <a:ext uri="{FF2B5EF4-FFF2-40B4-BE49-F238E27FC236}">
+                <a16:creationId xmlns:a16="http://schemas.microsoft.com/office/drawing/2014/main" id="{0C900E4E-A2BA-C24C-AEED-9E3F1EA72A9F}"/>
+              </a:ext>
+            </a:extLst>
+          </p:cNvPr>
+          <p:cNvPicPr>
+            <a:picLocks noChangeAspect="1"/>
+          </p:cNvPicPr>
+          <p:nvPr/>
+        </p:nvPicPr>
+        <p:blipFill>
+          <a:blip r:embed="rId4"/>
+          <a:stretch>
+            <a:fillRect/>
+          </a:stretch>
+        </p:blipFill>
+        <p:spPr>
+          <a:xfrm>
+            <a:off x="4619649" y="153055"/>
+            <a:ext cx="13620704" cy="8519250"/>
+          </a:xfrm>
+          <a:prstGeom prst="rect">
+            <a:avLst/>
+          </a:prstGeom>
+        </p:spPr>
+      </p:pic>
+      <p:sp>
+        <p:nvSpPr>
+          <p:cNvPr id="49" name="TextBox 48">
+            <a:extLst>
+              <a:ext uri="{FF2B5EF4-FFF2-40B4-BE49-F238E27FC236}">
+                <a16:creationId xmlns:a16="http://schemas.microsoft.com/office/drawing/2014/main" id="{4CE30302-C797-5B40-BD3B-DCF529C9CDFE}"/>
+              </a:ext>
+            </a:extLst>
+          </p:cNvPr>
+          <p:cNvSpPr txBox="1"/>
+          <p:nvPr/>
+        </p:nvSpPr>
+        <p:spPr>
+          <a:xfrm>
+            <a:off x="4619649" y="0"/>
+            <a:ext cx="274360" cy="630942"/>
+          </a:xfrm>
+          <a:prstGeom prst="rect">
+            <a:avLst/>
+          </a:prstGeom>
+          <a:noFill/>
+        </p:spPr>
+        <p:txBody>
+          <a:bodyPr wrap="square" rtlCol="0">
+            <a:spAutoFit/>
+          </a:bodyPr>
+          <a:lstStyle/>
+          <a:p>
+            <a:r>
+              <a:rPr lang="en-US" sz="3500" b="1" dirty="0"/>
+              <a:t>a</a:t>
+            </a:r>
+          </a:p>
+        </p:txBody>
+      </p:sp>
+      <p:sp>
+        <p:nvSpPr>
+          <p:cNvPr id="50" name="TextBox 49">
+            <a:extLst>
+              <a:ext uri="{FF2B5EF4-FFF2-40B4-BE49-F238E27FC236}">
+                <a16:creationId xmlns:a16="http://schemas.microsoft.com/office/drawing/2014/main" id="{BF8C795E-E9F0-9D48-AE2A-971AAFE6DA45}"/>
+              </a:ext>
+            </a:extLst>
+          </p:cNvPr>
+          <p:cNvSpPr txBox="1"/>
+          <p:nvPr/>
+        </p:nvSpPr>
+        <p:spPr>
+          <a:xfrm>
+            <a:off x="14003564" y="8549225"/>
+            <a:ext cx="229240" cy="630942"/>
+          </a:xfrm>
+          <a:prstGeom prst="rect">
+            <a:avLst/>
+          </a:prstGeom>
+          <a:noFill/>
+        </p:spPr>
+        <p:txBody>
+          <a:bodyPr wrap="square" rtlCol="0">
+            <a:spAutoFit/>
+          </a:bodyPr>
+          <a:lstStyle/>
+          <a:p>
+            <a:r>
+              <a:rPr lang="en-US" sz="3500" b="1" dirty="0"/>
+              <a:t>c</a:t>
+            </a:r>
+          </a:p>
+        </p:txBody>
+      </p:sp>
+      <p:sp>
+        <p:nvSpPr>
+          <p:cNvPr id="51" name="TextBox 50">
+            <a:extLst>
+              <a:ext uri="{FF2B5EF4-FFF2-40B4-BE49-F238E27FC236}">
+                <a16:creationId xmlns:a16="http://schemas.microsoft.com/office/drawing/2014/main" id="{CA5F9756-B345-F44E-ABEF-3A0E4EA5673C}"/>
+              </a:ext>
+            </a:extLst>
+          </p:cNvPr>
+          <p:cNvSpPr txBox="1"/>
+          <p:nvPr/>
+        </p:nvSpPr>
+        <p:spPr>
+          <a:xfrm>
+            <a:off x="3443015" y="8549225"/>
+            <a:ext cx="425116" cy="630942"/>
+          </a:xfrm>
+          <a:prstGeom prst="rect">
+            <a:avLst/>
+          </a:prstGeom>
+          <a:noFill/>
+        </p:spPr>
+        <p:txBody>
+          <a:bodyPr wrap="none" rtlCol="0">
+            <a:spAutoFit/>
+          </a:bodyPr>
+          <a:lstStyle/>
+          <a:p>
+            <a:r>
+              <a:rPr lang="en-US" sz="3500" b="1" dirty="0"/>
+              <a:t>b</a:t>
+            </a:r>
+          </a:p>
+        </p:txBody>
+      </p:sp>
+    </p:spTree>
+    <p:extLst>
+      <p:ext uri="{BB962C8B-B14F-4D97-AF65-F5344CB8AC3E}">
+        <p14:creationId xmlns:p14="http://schemas.microsoft.com/office/powerpoint/2010/main" val="3544790307"/>
+      </p:ext>
+    </p:extLst>
+  </p:cSld>
+  <p:clrMapOvr>
+    <a:masterClrMapping/>
+  </p:clrMapOvr>
+</p:sld>
+</file>
+
+<file path=ppt/slides/slide7.xml><?xml version="1.0" encoding="utf-8"?>
+<p:sld xmlns:a="http://schemas.openxmlformats.org/drawingml/2006/main" xmlns:r="http://schemas.openxmlformats.org/officeDocument/2006/relationships" xmlns:p="http://schemas.openxmlformats.org/presentationml/2006/main">
+  <p:cSld>
+    <p:spTree>
+      <p:nvGrpSpPr>
+        <p:cNvPr id="1" name=""/>
+        <p:cNvGrpSpPr/>
+        <p:nvPr/>
+      </p:nvGrpSpPr>
+      <p:grpSpPr>
+        <a:xfrm>
+          <a:off x="0" y="0"/>
+          <a:ext cx="0" cy="0"/>
+          <a:chOff x="0" y="0"/>
+          <a:chExt cx="0" cy="0"/>
+        </a:xfrm>
+      </p:grpSpPr>
+      <p:pic>
+        <p:nvPicPr>
+          <p:cNvPr id="6" name="Picture 5">
+            <a:extLst>
+              <a:ext uri="{FF2B5EF4-FFF2-40B4-BE49-F238E27FC236}">
+                <a16:creationId xmlns:a16="http://schemas.microsoft.com/office/drawing/2014/main" id="{69EF0F8B-552D-E644-BD77-1BEB9C0E8B4B}"/>
+              </a:ext>
+            </a:extLst>
+          </p:cNvPr>
+          <p:cNvPicPr>
+            <a:picLocks noChangeAspect="1"/>
+          </p:cNvPicPr>
+          <p:nvPr/>
+        </p:nvPicPr>
+        <p:blipFill>
+          <a:blip r:embed="rId2"/>
+          <a:stretch>
+            <a:fillRect/>
+          </a:stretch>
+        </p:blipFill>
+        <p:spPr>
+          <a:xfrm>
+            <a:off x="-118875" y="9627794"/>
+            <a:ext cx="13789029" cy="8510700"/>
+          </a:xfrm>
+          <a:prstGeom prst="rect">
+            <a:avLst/>
+          </a:prstGeom>
+        </p:spPr>
+      </p:pic>
+      <p:pic>
+        <p:nvPicPr>
+          <p:cNvPr id="5" name="Picture 4">
+            <a:extLst>
+              <a:ext uri="{FF2B5EF4-FFF2-40B4-BE49-F238E27FC236}">
+                <a16:creationId xmlns:a16="http://schemas.microsoft.com/office/drawing/2014/main" id="{9C3D8C94-21D0-ED4E-BCA8-DB0F893B4DC1}"/>
+              </a:ext>
+            </a:extLst>
+          </p:cNvPr>
+          <p:cNvPicPr>
+            <a:picLocks noChangeAspect="1"/>
+          </p:cNvPicPr>
+          <p:nvPr/>
+        </p:nvPicPr>
+        <p:blipFill>
+          <a:blip r:embed="rId3"/>
+          <a:stretch>
+            <a:fillRect/>
+          </a:stretch>
+        </p:blipFill>
+        <p:spPr>
+          <a:xfrm>
+            <a:off x="13216124" y="9486958"/>
+            <a:ext cx="9391275" cy="8808369"/>
+          </a:xfrm>
+          <a:prstGeom prst="rect">
+            <a:avLst/>
+          </a:prstGeom>
+        </p:spPr>
+      </p:pic>
+      <mc:AlternateContent xmlns:mc="http://schemas.openxmlformats.org/markup-compatibility/2006" xmlns:a14="http://schemas.microsoft.com/office/drawing/2010/main">
+        <mc:Choice Requires="a14">
           <p:sp>
             <p:nvSpPr>
               <p:cNvPr id="7" name="TextBox 6">
@@ -9429,8 +10543,8 @@
             </p:nvSpPr>
             <p:spPr>
               <a:xfrm>
-                <a:off x="4175321" y="1256626"/>
-                <a:ext cx="1846980" cy="525208"/>
+                <a:off x="17176334" y="10432810"/>
+                <a:ext cx="3326710" cy="630942"/>
               </a:xfrm>
               <a:prstGeom prst="rect">
                 <a:avLst/>
@@ -9438,23 +10552,19 @@
               <a:noFill/>
             </p:spPr>
             <p:txBody>
-              <a:bodyPr wrap="none" rtlCol="0">
+              <a:bodyPr wrap="square" rtlCol="0">
                 <a:spAutoFit/>
               </a:bodyPr>
               <a:lstStyle/>
               <a:p>
                 <a:r>
-                  <a:rPr lang="en-US" sz="2813" dirty="0"/>
-                  <a:t>p=</a:t>
-                </a:r>
-                <a:r>
-                  <a:rPr lang="en-US" sz="2500" dirty="0"/>
-                  <a:t>1.85</a:t>
+                  <a:rPr lang="en-US" sz="3500" dirty="0"/>
+                  <a:t>p=1.85</a:t>
                 </a:r>
                 <a14:m>
                   <m:oMath xmlns:m="http://schemas.openxmlformats.org/officeDocument/2006/math">
                     <m:r>
-                      <a:rPr lang="en-US" sz="2500" i="1">
+                      <a:rPr lang="en-US" sz="3500" i="1">
                         <a:latin typeface="Cambria Math" panose="02040503050406030204" pitchFamily="18" charset="0"/>
                         <a:ea typeface="Cambria Math" panose="02040503050406030204" pitchFamily="18" charset="0"/>
                       </a:rPr>
@@ -9463,19 +10573,19 @@
                   </m:oMath>
                 </a14:m>
                 <a:r>
-                  <a:rPr lang="en-US" sz="2500" dirty="0"/>
+                  <a:rPr lang="en-US" sz="3500" dirty="0"/>
                   <a:t>10</a:t>
                 </a:r>
                 <a:r>
-                  <a:rPr lang="en-US" sz="2500" baseline="30000" dirty="0"/>
+                  <a:rPr lang="en-US" sz="3500" baseline="30000" dirty="0"/>
                   <a:t>-7</a:t>
                 </a:r>
-                <a:endParaRPr lang="en-US" sz="2813" dirty="0"/>
+                <a:endParaRPr lang="en-US" sz="3500" dirty="0"/>
               </a:p>
             </p:txBody>
           </p:sp>
         </mc:Choice>
-        <mc:Fallback>
+        <mc:Fallback xmlns="">
           <p:sp>
             <p:nvSpPr>
               <p:cNvPr id="7" name="TextBox 6">
@@ -9492,16 +10602,16 @@
             </p:nvSpPr>
             <p:spPr>
               <a:xfrm>
-                <a:off x="4175321" y="1256626"/>
-                <a:ext cx="1846980" cy="525208"/>
+                <a:off x="17176334" y="10432810"/>
+                <a:ext cx="3326710" cy="630942"/>
               </a:xfrm>
               <a:prstGeom prst="rect">
                 <a:avLst/>
               </a:prstGeom>
               <a:blipFill>
-                <a:blip r:embed="rId3"/>
+                <a:blip r:embed="rId4"/>
                 <a:stretch>
-                  <a:fillRect l="-6849" t="-11905" r="-685" b="-28571"/>
+                  <a:fillRect l="-4943" t="-11765" b="-33333"/>
                 </a:stretch>
               </a:blipFill>
             </p:spPr>
@@ -9534,8 +10644,8 @@
         </p:nvSpPr>
         <p:spPr>
           <a:xfrm rot="5400000">
-            <a:off x="4981294" y="56310"/>
-            <a:ext cx="209869" cy="3610778"/>
+            <a:off x="18317639" y="9483174"/>
+            <a:ext cx="201805" cy="3326724"/>
           </a:xfrm>
           <a:prstGeom prst="leftBracket">
             <a:avLst/>
@@ -9561,7 +10671,7 @@
           </a:fontRef>
         </p:style>
         <p:txBody>
-          <a:bodyPr rot="0" spcFirstLastPara="0" vertOverflow="overflow" horzOverflow="overflow" vert="horz" wrap="square" lIns="114300" tIns="57150" rIns="114300" bIns="57150" numCol="1" spcCol="0" rtlCol="0" fromWordArt="0" anchor="ctr" anchorCtr="0" forceAA="0" compatLnSpc="1">
+          <a:bodyPr rot="0" spcFirstLastPara="0" vertOverflow="overflow" horzOverflow="overflow" vert="horz" wrap="square" lIns="285750" tIns="142875" rIns="285750" bIns="142875" numCol="1" spcCol="0" rtlCol="0" fromWordArt="0" anchor="ctr" anchorCtr="0" forceAA="0" compatLnSpc="1">
             <a:prstTxWarp prst="textNoShape">
               <a:avLst/>
             </a:prstTxWarp>
@@ -9570,8 +10680,11 @@
           <a:lstStyle/>
           <a:p>
             <a:pPr algn="ctr"/>
-            <a:endParaRPr lang="en-US" sz="2813">
-              <a:ln w="0"/>
+            <a:endParaRPr lang="en-US" sz="7034">
+              <a:ln w="3175"/>
+              <a:solidFill>
+                <a:sysClr val="windowText" lastClr="000000"/>
+              </a:solidFill>
               <a:effectLst>
                 <a:outerShdw blurRad="38100" dist="19050" dir="2700000" algn="tl" rotWithShape="0">
                   <a:schemeClr val="dk1">
@@ -9580,6 +10693,271 @@
                 </a:outerShdw>
               </a:effectLst>
             </a:endParaRPr>
+          </a:p>
+        </p:txBody>
+      </p:sp>
+      <p:pic>
+        <p:nvPicPr>
+          <p:cNvPr id="3" name="Picture 2">
+            <a:extLst>
+              <a:ext uri="{FF2B5EF4-FFF2-40B4-BE49-F238E27FC236}">
+                <a16:creationId xmlns:a16="http://schemas.microsoft.com/office/drawing/2014/main" id="{E1E4DD71-0505-334A-A147-4BA48A323659}"/>
+              </a:ext>
+            </a:extLst>
+          </p:cNvPr>
+          <p:cNvPicPr>
+            <a:picLocks noChangeAspect="1"/>
+          </p:cNvPicPr>
+          <p:nvPr/>
+        </p:nvPicPr>
+        <p:blipFill>
+          <a:blip r:embed="rId5"/>
+          <a:stretch>
+            <a:fillRect/>
+          </a:stretch>
+        </p:blipFill>
+        <p:spPr>
+          <a:xfrm>
+            <a:off x="0" y="631625"/>
+            <a:ext cx="13411730" cy="8811630"/>
+          </a:xfrm>
+          <a:prstGeom prst="rect">
+            <a:avLst/>
+          </a:prstGeom>
+        </p:spPr>
+      </p:pic>
+      <p:pic>
+        <p:nvPicPr>
+          <p:cNvPr id="10" name="Picture 9">
+            <a:extLst>
+              <a:ext uri="{FF2B5EF4-FFF2-40B4-BE49-F238E27FC236}">
+                <a16:creationId xmlns:a16="http://schemas.microsoft.com/office/drawing/2014/main" id="{D17358FB-A13C-DA47-8195-48238B215F75}"/>
+              </a:ext>
+            </a:extLst>
+          </p:cNvPr>
+          <p:cNvPicPr>
+            <a:picLocks noChangeAspect="1"/>
+          </p:cNvPicPr>
+          <p:nvPr/>
+        </p:nvPicPr>
+        <p:blipFill>
+          <a:blip r:embed="rId6"/>
+          <a:stretch>
+            <a:fillRect/>
+          </a:stretch>
+        </p:blipFill>
+        <p:spPr>
+          <a:xfrm>
+            <a:off x="13805052" y="4979486"/>
+            <a:ext cx="7560014" cy="4726965"/>
+          </a:xfrm>
+          <a:prstGeom prst="rect">
+            <a:avLst/>
+          </a:prstGeom>
+        </p:spPr>
+      </p:pic>
+      <p:pic>
+        <p:nvPicPr>
+          <p:cNvPr id="12" name="Picture 11">
+            <a:extLst>
+              <a:ext uri="{FF2B5EF4-FFF2-40B4-BE49-F238E27FC236}">
+                <a16:creationId xmlns:a16="http://schemas.microsoft.com/office/drawing/2014/main" id="{0B28FBAF-C1CD-2D49-A4F7-31BFE84A109B}"/>
+              </a:ext>
+            </a:extLst>
+          </p:cNvPr>
+          <p:cNvPicPr>
+            <a:picLocks noChangeAspect="1"/>
+          </p:cNvPicPr>
+          <p:nvPr/>
+        </p:nvPicPr>
+        <p:blipFill>
+          <a:blip r:embed="rId7"/>
+          <a:stretch>
+            <a:fillRect/>
+          </a:stretch>
+        </p:blipFill>
+        <p:spPr>
+          <a:xfrm>
+            <a:off x="13805053" y="302536"/>
+            <a:ext cx="8376139" cy="4606055"/>
+          </a:xfrm>
+          <a:prstGeom prst="rect">
+            <a:avLst/>
+          </a:prstGeom>
+        </p:spPr>
+      </p:pic>
+      <p:sp>
+        <p:nvSpPr>
+          <p:cNvPr id="13" name="TextBox 12">
+            <a:extLst>
+              <a:ext uri="{FF2B5EF4-FFF2-40B4-BE49-F238E27FC236}">
+                <a16:creationId xmlns:a16="http://schemas.microsoft.com/office/drawing/2014/main" id="{2C8765E5-B4B3-3042-A84D-C3121E1E63DB}"/>
+              </a:ext>
+            </a:extLst>
+          </p:cNvPr>
+          <p:cNvSpPr txBox="1"/>
+          <p:nvPr/>
+        </p:nvSpPr>
+        <p:spPr>
+          <a:xfrm>
+            <a:off x="1178875" y="587925"/>
+            <a:ext cx="274360" cy="630942"/>
+          </a:xfrm>
+          <a:prstGeom prst="rect">
+            <a:avLst/>
+          </a:prstGeom>
+          <a:noFill/>
+        </p:spPr>
+        <p:txBody>
+          <a:bodyPr wrap="square" rtlCol="0">
+            <a:spAutoFit/>
+          </a:bodyPr>
+          <a:lstStyle/>
+          <a:p>
+            <a:r>
+              <a:rPr lang="en-US" sz="3500" b="1" dirty="0"/>
+              <a:t>a</a:t>
+            </a:r>
+          </a:p>
+        </p:txBody>
+      </p:sp>
+      <p:sp>
+        <p:nvSpPr>
+          <p:cNvPr id="14" name="TextBox 13">
+            <a:extLst>
+              <a:ext uri="{FF2B5EF4-FFF2-40B4-BE49-F238E27FC236}">
+                <a16:creationId xmlns:a16="http://schemas.microsoft.com/office/drawing/2014/main" id="{D1C12DA3-7A45-9149-BD20-C77216F05C2B}"/>
+              </a:ext>
+            </a:extLst>
+          </p:cNvPr>
+          <p:cNvSpPr txBox="1"/>
+          <p:nvPr/>
+        </p:nvSpPr>
+        <p:spPr>
+          <a:xfrm>
+            <a:off x="13318824" y="5175290"/>
+            <a:ext cx="229240" cy="630942"/>
+          </a:xfrm>
+          <a:prstGeom prst="rect">
+            <a:avLst/>
+          </a:prstGeom>
+          <a:noFill/>
+        </p:spPr>
+        <p:txBody>
+          <a:bodyPr wrap="square" rtlCol="0">
+            <a:spAutoFit/>
+          </a:bodyPr>
+          <a:lstStyle/>
+          <a:p>
+            <a:r>
+              <a:rPr lang="en-US" sz="3500" b="1" dirty="0"/>
+              <a:t>c</a:t>
+            </a:r>
+          </a:p>
+        </p:txBody>
+      </p:sp>
+      <p:sp>
+        <p:nvSpPr>
+          <p:cNvPr id="15" name="TextBox 14">
+            <a:extLst>
+              <a:ext uri="{FF2B5EF4-FFF2-40B4-BE49-F238E27FC236}">
+                <a16:creationId xmlns:a16="http://schemas.microsoft.com/office/drawing/2014/main" id="{52AD4812-1C9A-1E4F-BC93-3979EA94E1AC}"/>
+              </a:ext>
+            </a:extLst>
+          </p:cNvPr>
+          <p:cNvSpPr txBox="1"/>
+          <p:nvPr/>
+        </p:nvSpPr>
+        <p:spPr>
+          <a:xfrm>
+            <a:off x="13216124" y="474795"/>
+            <a:ext cx="425116" cy="630942"/>
+          </a:xfrm>
+          <a:prstGeom prst="rect">
+            <a:avLst/>
+          </a:prstGeom>
+          <a:noFill/>
+        </p:spPr>
+        <p:txBody>
+          <a:bodyPr wrap="none" rtlCol="0">
+            <a:spAutoFit/>
+          </a:bodyPr>
+          <a:lstStyle/>
+          <a:p>
+            <a:r>
+              <a:rPr lang="en-US" sz="3500" b="1" dirty="0"/>
+              <a:t>b</a:t>
+            </a:r>
+          </a:p>
+        </p:txBody>
+      </p:sp>
+      <p:sp>
+        <p:nvSpPr>
+          <p:cNvPr id="22" name="TextBox 21">
+            <a:extLst>
+              <a:ext uri="{FF2B5EF4-FFF2-40B4-BE49-F238E27FC236}">
+                <a16:creationId xmlns:a16="http://schemas.microsoft.com/office/drawing/2014/main" id="{96DA9AFB-1B9D-2843-8950-DE845455B202}"/>
+              </a:ext>
+            </a:extLst>
+          </p:cNvPr>
+          <p:cNvSpPr txBox="1"/>
+          <p:nvPr/>
+        </p:nvSpPr>
+        <p:spPr>
+          <a:xfrm>
+            <a:off x="13274550" y="9627794"/>
+            <a:ext cx="274360" cy="630942"/>
+          </a:xfrm>
+          <a:prstGeom prst="rect">
+            <a:avLst/>
+          </a:prstGeom>
+          <a:noFill/>
+        </p:spPr>
+        <p:txBody>
+          <a:bodyPr wrap="square" rtlCol="0">
+            <a:spAutoFit/>
+          </a:bodyPr>
+          <a:lstStyle/>
+          <a:p>
+            <a:r>
+              <a:rPr lang="en-US" sz="3500" b="1" dirty="0"/>
+              <a:t>e</a:t>
+            </a:r>
+          </a:p>
+        </p:txBody>
+      </p:sp>
+      <p:sp>
+        <p:nvSpPr>
+          <p:cNvPr id="23" name="TextBox 22">
+            <a:extLst>
+              <a:ext uri="{FF2B5EF4-FFF2-40B4-BE49-F238E27FC236}">
+                <a16:creationId xmlns:a16="http://schemas.microsoft.com/office/drawing/2014/main" id="{0E797F1C-050B-8A40-A47D-14D594590AF8}"/>
+              </a:ext>
+            </a:extLst>
+          </p:cNvPr>
+          <p:cNvSpPr txBox="1"/>
+          <p:nvPr/>
+        </p:nvSpPr>
+        <p:spPr>
+          <a:xfrm>
+            <a:off x="1167640" y="9627794"/>
+            <a:ext cx="274360" cy="630942"/>
+          </a:xfrm>
+          <a:prstGeom prst="rect">
+            <a:avLst/>
+          </a:prstGeom>
+          <a:noFill/>
+        </p:spPr>
+        <p:txBody>
+          <a:bodyPr wrap="square" rtlCol="0">
+            <a:spAutoFit/>
+          </a:bodyPr>
+          <a:lstStyle/>
+          <a:p>
+            <a:r>
+              <a:rPr lang="en-US" sz="3500" b="1" dirty="0"/>
+              <a:t>d</a:t>
+            </a:r>
           </a:p>
         </p:txBody>
       </p:sp>

--- a/figures/multipanel.pptx
+++ b/figures/multipanel.pptx
@@ -203,7 +203,7 @@
           <a:p>
             <a:fld id="{DBE328A2-7FAD-6647-8FB9-7BA0058712E1}" type="datetimeFigureOut">
               <a:rPr lang="en-US" smtClean="0"/>
-              <a:t>7/7/20</a:t>
+              <a:t>7/10/20</a:t>
             </a:fld>
             <a:endParaRPr lang="en-US"/>
           </a:p>
@@ -690,7 +690,7 @@
           <a:p>
             <a:fld id="{577C0138-7A75-8149-9F79-A385D49B39ED}" type="datetimeFigureOut">
               <a:rPr lang="en-US" smtClean="0"/>
-              <a:t>7/7/20</a:t>
+              <a:t>7/10/20</a:t>
             </a:fld>
             <a:endParaRPr lang="en-US"/>
           </a:p>
@@ -860,7 +860,7 @@
           <a:p>
             <a:fld id="{577C0138-7A75-8149-9F79-A385D49B39ED}" type="datetimeFigureOut">
               <a:rPr lang="en-US" smtClean="0"/>
-              <a:t>7/7/20</a:t>
+              <a:t>7/10/20</a:t>
             </a:fld>
             <a:endParaRPr lang="en-US"/>
           </a:p>
@@ -1040,7 +1040,7 @@
           <a:p>
             <a:fld id="{577C0138-7A75-8149-9F79-A385D49B39ED}" type="datetimeFigureOut">
               <a:rPr lang="en-US" smtClean="0"/>
-              <a:t>7/7/20</a:t>
+              <a:t>7/10/20</a:t>
             </a:fld>
             <a:endParaRPr lang="en-US"/>
           </a:p>
@@ -1210,7 +1210,7 @@
           <a:p>
             <a:fld id="{577C0138-7A75-8149-9F79-A385D49B39ED}" type="datetimeFigureOut">
               <a:rPr lang="en-US" smtClean="0"/>
-              <a:t>7/7/20</a:t>
+              <a:t>7/10/20</a:t>
             </a:fld>
             <a:endParaRPr lang="en-US"/>
           </a:p>
@@ -1454,7 +1454,7 @@
           <a:p>
             <a:fld id="{577C0138-7A75-8149-9F79-A385D49B39ED}" type="datetimeFigureOut">
               <a:rPr lang="en-US" smtClean="0"/>
-              <a:t>7/7/20</a:t>
+              <a:t>7/10/20</a:t>
             </a:fld>
             <a:endParaRPr lang="en-US"/>
           </a:p>
@@ -1686,7 +1686,7 @@
           <a:p>
             <a:fld id="{577C0138-7A75-8149-9F79-A385D49B39ED}" type="datetimeFigureOut">
               <a:rPr lang="en-US" smtClean="0"/>
-              <a:t>7/7/20</a:t>
+              <a:t>7/10/20</a:t>
             </a:fld>
             <a:endParaRPr lang="en-US"/>
           </a:p>
@@ -2053,7 +2053,7 @@
           <a:p>
             <a:fld id="{577C0138-7A75-8149-9F79-A385D49B39ED}" type="datetimeFigureOut">
               <a:rPr lang="en-US" smtClean="0"/>
-              <a:t>7/7/20</a:t>
+              <a:t>7/10/20</a:t>
             </a:fld>
             <a:endParaRPr lang="en-US"/>
           </a:p>
@@ -2171,7 +2171,7 @@
           <a:p>
             <a:fld id="{577C0138-7A75-8149-9F79-A385D49B39ED}" type="datetimeFigureOut">
               <a:rPr lang="en-US" smtClean="0"/>
-              <a:t>7/7/20</a:t>
+              <a:t>7/10/20</a:t>
             </a:fld>
             <a:endParaRPr lang="en-US"/>
           </a:p>
@@ -2266,7 +2266,7 @@
           <a:p>
             <a:fld id="{577C0138-7A75-8149-9F79-A385D49B39ED}" type="datetimeFigureOut">
               <a:rPr lang="en-US" smtClean="0"/>
-              <a:t>7/7/20</a:t>
+              <a:t>7/10/20</a:t>
             </a:fld>
             <a:endParaRPr lang="en-US"/>
           </a:p>
@@ -2543,7 +2543,7 @@
           <a:p>
             <a:fld id="{577C0138-7A75-8149-9F79-A385D49B39ED}" type="datetimeFigureOut">
               <a:rPr lang="en-US" smtClean="0"/>
-              <a:t>7/7/20</a:t>
+              <a:t>7/10/20</a:t>
             </a:fld>
             <a:endParaRPr lang="en-US"/>
           </a:p>
@@ -2800,7 +2800,7 @@
           <a:p>
             <a:fld id="{577C0138-7A75-8149-9F79-A385D49B39ED}" type="datetimeFigureOut">
               <a:rPr lang="en-US" smtClean="0"/>
-              <a:t>7/7/20</a:t>
+              <a:t>7/10/20</a:t>
             </a:fld>
             <a:endParaRPr lang="en-US"/>
           </a:p>
@@ -3013,7 +3013,7 @@
           <a:p>
             <a:fld id="{577C0138-7A75-8149-9F79-A385D49B39ED}" type="datetimeFigureOut">
               <a:rPr lang="en-US" smtClean="0"/>
-              <a:t>7/7/20</a:t>
+              <a:t>7/10/20</a:t>
             </a:fld>
             <a:endParaRPr lang="en-US"/>
           </a:p>
@@ -10469,10 +10469,10 @@
       </p:grpSpPr>
       <p:pic>
         <p:nvPicPr>
-          <p:cNvPr id="6" name="Picture 5">
-            <a:extLst>
-              <a:ext uri="{FF2B5EF4-FFF2-40B4-BE49-F238E27FC236}">
-                <a16:creationId xmlns:a16="http://schemas.microsoft.com/office/drawing/2014/main" id="{69EF0F8B-552D-E644-BD77-1BEB9C0E8B4B}"/>
+          <p:cNvPr id="5" name="Picture 4">
+            <a:extLst>
+              <a:ext uri="{FF2B5EF4-FFF2-40B4-BE49-F238E27FC236}">
+                <a16:creationId xmlns:a16="http://schemas.microsoft.com/office/drawing/2014/main" id="{9C3D8C94-21D0-ED4E-BCA8-DB0F893B4DC1}"/>
               </a:ext>
             </a:extLst>
           </p:cNvPr>
@@ -10489,8 +10489,8 @@
         </p:blipFill>
         <p:spPr>
           <a:xfrm>
-            <a:off x="-118875" y="9627794"/>
-            <a:ext cx="13789029" cy="8510700"/>
+            <a:off x="13216124" y="9486958"/>
+            <a:ext cx="9391275" cy="8808369"/>
           </a:xfrm>
           <a:prstGeom prst="rect">
             <a:avLst/>
@@ -10499,10 +10499,10 @@
       </p:pic>
       <p:pic>
         <p:nvPicPr>
-          <p:cNvPr id="5" name="Picture 4">
-            <a:extLst>
-              <a:ext uri="{FF2B5EF4-FFF2-40B4-BE49-F238E27FC236}">
-                <a16:creationId xmlns:a16="http://schemas.microsoft.com/office/drawing/2014/main" id="{9C3D8C94-21D0-ED4E-BCA8-DB0F893B4DC1}"/>
+          <p:cNvPr id="21" name="Picture 20">
+            <a:extLst>
+              <a:ext uri="{FF2B5EF4-FFF2-40B4-BE49-F238E27FC236}">
+                <a16:creationId xmlns:a16="http://schemas.microsoft.com/office/drawing/2014/main" id="{0EF73C50-D532-3645-9015-D969DD3CA4D6}"/>
               </a:ext>
             </a:extLst>
           </p:cNvPr>
@@ -10519,16 +10519,76 @@
         </p:blipFill>
         <p:spPr>
           <a:xfrm>
-            <a:off x="13216124" y="9486958"/>
-            <a:ext cx="9391275" cy="8808369"/>
+            <a:off x="13138286" y="87784"/>
+            <a:ext cx="8076095" cy="4920882"/>
           </a:xfrm>
           <a:prstGeom prst="rect">
             <a:avLst/>
           </a:prstGeom>
         </p:spPr>
       </p:pic>
-      <mc:AlternateContent xmlns:mc="http://schemas.openxmlformats.org/markup-compatibility/2006" xmlns:a14="http://schemas.microsoft.com/office/drawing/2010/main">
-        <mc:Choice Requires="a14">
+      <p:pic>
+        <p:nvPicPr>
+          <p:cNvPr id="25" name="Picture 24">
+            <a:extLst>
+              <a:ext uri="{FF2B5EF4-FFF2-40B4-BE49-F238E27FC236}">
+                <a16:creationId xmlns:a16="http://schemas.microsoft.com/office/drawing/2014/main" id="{6772B821-6CD4-8840-8523-70C0570BA4F7}"/>
+              </a:ext>
+            </a:extLst>
+          </p:cNvPr>
+          <p:cNvPicPr>
+            <a:picLocks noChangeAspect="1"/>
+          </p:cNvPicPr>
+          <p:nvPr/>
+        </p:nvPicPr>
+        <p:blipFill>
+          <a:blip r:embed="rId4"/>
+          <a:stretch>
+            <a:fillRect/>
+          </a:stretch>
+        </p:blipFill>
+        <p:spPr>
+          <a:xfrm>
+            <a:off x="12817505" y="4968087"/>
+            <a:ext cx="8717656" cy="5158311"/>
+          </a:xfrm>
+          <a:prstGeom prst="rect">
+            <a:avLst/>
+          </a:prstGeom>
+        </p:spPr>
+      </p:pic>
+      <p:pic>
+        <p:nvPicPr>
+          <p:cNvPr id="11" name="Picture 10">
+            <a:extLst>
+              <a:ext uri="{FF2B5EF4-FFF2-40B4-BE49-F238E27FC236}">
+                <a16:creationId xmlns:a16="http://schemas.microsoft.com/office/drawing/2014/main" id="{6EC0980A-2677-0640-9CA6-7142343AC0B7}"/>
+              </a:ext>
+            </a:extLst>
+          </p:cNvPr>
+          <p:cNvPicPr>
+            <a:picLocks noChangeAspect="1"/>
+          </p:cNvPicPr>
+          <p:nvPr/>
+        </p:nvPicPr>
+        <p:blipFill>
+          <a:blip r:embed="rId5"/>
+          <a:stretch>
+            <a:fillRect/>
+          </a:stretch>
+        </p:blipFill>
+        <p:spPr>
+          <a:xfrm>
+            <a:off x="0" y="9528628"/>
+            <a:ext cx="13728700" cy="8890000"/>
+          </a:xfrm>
+          <a:prstGeom prst="rect">
+            <a:avLst/>
+          </a:prstGeom>
+        </p:spPr>
+      </p:pic>
+      <mc:AlternateContent xmlns:mc="http://schemas.openxmlformats.org/markup-compatibility/2006">
+        <mc:Choice xmlns:a14="http://schemas.microsoft.com/office/drawing/2010/main" Requires="a14">
           <p:sp>
             <p:nvSpPr>
               <p:cNvPr id="7" name="TextBox 6">
@@ -10559,7 +10619,7 @@
               <a:p>
                 <a:r>
                   <a:rPr lang="en-US" sz="3500" dirty="0"/>
-                  <a:t>p=1.85</a:t>
+                  <a:t>p=1.43</a:t>
                 </a:r>
                 <a14:m>
                   <m:oMath xmlns:m="http://schemas.openxmlformats.org/officeDocument/2006/math">
@@ -10585,7 +10645,7 @@
             </p:txBody>
           </p:sp>
         </mc:Choice>
-        <mc:Fallback xmlns="">
+        <mc:Fallback>
           <p:sp>
             <p:nvSpPr>
               <p:cNvPr id="7" name="TextBox 6">
@@ -10609,7 +10669,7 @@
                 <a:avLst/>
               </a:prstGeom>
               <a:blipFill>
-                <a:blip r:embed="rId4"/>
+                <a:blip r:embed="rId6"/>
                 <a:stretch>
                   <a:fillRect l="-4943" t="-11765" b="-33333"/>
                 </a:stretch>
@@ -10711,66 +10771,6 @@
           <p:nvPr/>
         </p:nvPicPr>
         <p:blipFill>
-          <a:blip r:embed="rId5"/>
-          <a:stretch>
-            <a:fillRect/>
-          </a:stretch>
-        </p:blipFill>
-        <p:spPr>
-          <a:xfrm>
-            <a:off x="0" y="631625"/>
-            <a:ext cx="13411730" cy="8811630"/>
-          </a:xfrm>
-          <a:prstGeom prst="rect">
-            <a:avLst/>
-          </a:prstGeom>
-        </p:spPr>
-      </p:pic>
-      <p:pic>
-        <p:nvPicPr>
-          <p:cNvPr id="10" name="Picture 9">
-            <a:extLst>
-              <a:ext uri="{FF2B5EF4-FFF2-40B4-BE49-F238E27FC236}">
-                <a16:creationId xmlns:a16="http://schemas.microsoft.com/office/drawing/2014/main" id="{D17358FB-A13C-DA47-8195-48238B215F75}"/>
-              </a:ext>
-            </a:extLst>
-          </p:cNvPr>
-          <p:cNvPicPr>
-            <a:picLocks noChangeAspect="1"/>
-          </p:cNvPicPr>
-          <p:nvPr/>
-        </p:nvPicPr>
-        <p:blipFill>
-          <a:blip r:embed="rId6"/>
-          <a:stretch>
-            <a:fillRect/>
-          </a:stretch>
-        </p:blipFill>
-        <p:spPr>
-          <a:xfrm>
-            <a:off x="13805052" y="4979486"/>
-            <a:ext cx="7560014" cy="4726965"/>
-          </a:xfrm>
-          <a:prstGeom prst="rect">
-            <a:avLst/>
-          </a:prstGeom>
-        </p:spPr>
-      </p:pic>
-      <p:pic>
-        <p:nvPicPr>
-          <p:cNvPr id="12" name="Picture 11">
-            <a:extLst>
-              <a:ext uri="{FF2B5EF4-FFF2-40B4-BE49-F238E27FC236}">
-                <a16:creationId xmlns:a16="http://schemas.microsoft.com/office/drawing/2014/main" id="{0B28FBAF-C1CD-2D49-A4F7-31BFE84A109B}"/>
-              </a:ext>
-            </a:extLst>
-          </p:cNvPr>
-          <p:cNvPicPr>
-            <a:picLocks noChangeAspect="1"/>
-          </p:cNvPicPr>
-          <p:nvPr/>
-        </p:nvPicPr>
-        <p:blipFill>
           <a:blip r:embed="rId7"/>
           <a:stretch>
             <a:fillRect/>
@@ -10778,8 +10778,8 @@
         </p:blipFill>
         <p:spPr>
           <a:xfrm>
-            <a:off x="13805053" y="302536"/>
-            <a:ext cx="8376139" cy="4606055"/>
+            <a:off x="0" y="631625"/>
+            <a:ext cx="13411730" cy="8811630"/>
           </a:xfrm>
           <a:prstGeom prst="rect">
             <a:avLst/>

--- a/figures/multipanel.pptx
+++ b/figures/multipanel.pptx
@@ -203,7 +203,7 @@
           <a:p>
             <a:fld id="{DBE328A2-7FAD-6647-8FB9-7BA0058712E1}" type="datetimeFigureOut">
               <a:rPr lang="en-US" smtClean="0"/>
-              <a:t>7/10/20</a:t>
+              <a:t>7/13/20</a:t>
             </a:fld>
             <a:endParaRPr lang="en-US"/>
           </a:p>
@@ -690,7 +690,7 @@
           <a:p>
             <a:fld id="{577C0138-7A75-8149-9F79-A385D49B39ED}" type="datetimeFigureOut">
               <a:rPr lang="en-US" smtClean="0"/>
-              <a:t>7/10/20</a:t>
+              <a:t>7/13/20</a:t>
             </a:fld>
             <a:endParaRPr lang="en-US"/>
           </a:p>
@@ -860,7 +860,7 @@
           <a:p>
             <a:fld id="{577C0138-7A75-8149-9F79-A385D49B39ED}" type="datetimeFigureOut">
               <a:rPr lang="en-US" smtClean="0"/>
-              <a:t>7/10/20</a:t>
+              <a:t>7/13/20</a:t>
             </a:fld>
             <a:endParaRPr lang="en-US"/>
           </a:p>
@@ -1040,7 +1040,7 @@
           <a:p>
             <a:fld id="{577C0138-7A75-8149-9F79-A385D49B39ED}" type="datetimeFigureOut">
               <a:rPr lang="en-US" smtClean="0"/>
-              <a:t>7/10/20</a:t>
+              <a:t>7/13/20</a:t>
             </a:fld>
             <a:endParaRPr lang="en-US"/>
           </a:p>
@@ -1210,7 +1210,7 @@
           <a:p>
             <a:fld id="{577C0138-7A75-8149-9F79-A385D49B39ED}" type="datetimeFigureOut">
               <a:rPr lang="en-US" smtClean="0"/>
-              <a:t>7/10/20</a:t>
+              <a:t>7/13/20</a:t>
             </a:fld>
             <a:endParaRPr lang="en-US"/>
           </a:p>
@@ -1454,7 +1454,7 @@
           <a:p>
             <a:fld id="{577C0138-7A75-8149-9F79-A385D49B39ED}" type="datetimeFigureOut">
               <a:rPr lang="en-US" smtClean="0"/>
-              <a:t>7/10/20</a:t>
+              <a:t>7/13/20</a:t>
             </a:fld>
             <a:endParaRPr lang="en-US"/>
           </a:p>
@@ -1686,7 +1686,7 @@
           <a:p>
             <a:fld id="{577C0138-7A75-8149-9F79-A385D49B39ED}" type="datetimeFigureOut">
               <a:rPr lang="en-US" smtClean="0"/>
-              <a:t>7/10/20</a:t>
+              <a:t>7/13/20</a:t>
             </a:fld>
             <a:endParaRPr lang="en-US"/>
           </a:p>
@@ -2053,7 +2053,7 @@
           <a:p>
             <a:fld id="{577C0138-7A75-8149-9F79-A385D49B39ED}" type="datetimeFigureOut">
               <a:rPr lang="en-US" smtClean="0"/>
-              <a:t>7/10/20</a:t>
+              <a:t>7/13/20</a:t>
             </a:fld>
             <a:endParaRPr lang="en-US"/>
           </a:p>
@@ -2171,7 +2171,7 @@
           <a:p>
             <a:fld id="{577C0138-7A75-8149-9F79-A385D49B39ED}" type="datetimeFigureOut">
               <a:rPr lang="en-US" smtClean="0"/>
-              <a:t>7/10/20</a:t>
+              <a:t>7/13/20</a:t>
             </a:fld>
             <a:endParaRPr lang="en-US"/>
           </a:p>
@@ -2266,7 +2266,7 @@
           <a:p>
             <a:fld id="{577C0138-7A75-8149-9F79-A385D49B39ED}" type="datetimeFigureOut">
               <a:rPr lang="en-US" smtClean="0"/>
-              <a:t>7/10/20</a:t>
+              <a:t>7/13/20</a:t>
             </a:fld>
             <a:endParaRPr lang="en-US"/>
           </a:p>
@@ -2543,7 +2543,7 @@
           <a:p>
             <a:fld id="{577C0138-7A75-8149-9F79-A385D49B39ED}" type="datetimeFigureOut">
               <a:rPr lang="en-US" smtClean="0"/>
-              <a:t>7/10/20</a:t>
+              <a:t>7/13/20</a:t>
             </a:fld>
             <a:endParaRPr lang="en-US"/>
           </a:p>
@@ -2800,7 +2800,7 @@
           <a:p>
             <a:fld id="{577C0138-7A75-8149-9F79-A385D49B39ED}" type="datetimeFigureOut">
               <a:rPr lang="en-US" smtClean="0"/>
-              <a:t>7/10/20</a:t>
+              <a:t>7/13/20</a:t>
             </a:fld>
             <a:endParaRPr lang="en-US"/>
           </a:p>
@@ -3013,7 +3013,7 @@
           <a:p>
             <a:fld id="{577C0138-7A75-8149-9F79-A385D49B39ED}" type="datetimeFigureOut">
               <a:rPr lang="en-US" smtClean="0"/>
-              <a:t>7/10/20</a:t>
+              <a:t>7/13/20</a:t>
             </a:fld>
             <a:endParaRPr lang="en-US"/>
           </a:p>
@@ -10469,10 +10469,10 @@
       </p:grpSpPr>
       <p:pic>
         <p:nvPicPr>
-          <p:cNvPr id="5" name="Picture 4">
-            <a:extLst>
-              <a:ext uri="{FF2B5EF4-FFF2-40B4-BE49-F238E27FC236}">
-                <a16:creationId xmlns:a16="http://schemas.microsoft.com/office/drawing/2014/main" id="{9C3D8C94-21D0-ED4E-BCA8-DB0F893B4DC1}"/>
+          <p:cNvPr id="6" name="Picture 5">
+            <a:extLst>
+              <a:ext uri="{FF2B5EF4-FFF2-40B4-BE49-F238E27FC236}">
+                <a16:creationId xmlns:a16="http://schemas.microsoft.com/office/drawing/2014/main" id="{B6E1FF4E-7EC9-0047-B14C-E326B777A4A7}"/>
               </a:ext>
             </a:extLst>
           </p:cNvPr>
@@ -10489,8 +10489,8 @@
         </p:blipFill>
         <p:spPr>
           <a:xfrm>
-            <a:off x="13216124" y="9486958"/>
-            <a:ext cx="9391275" cy="8808369"/>
+            <a:off x="13169535" y="135629"/>
+            <a:ext cx="8007509" cy="4917257"/>
           </a:xfrm>
           <a:prstGeom prst="rect">
             <a:avLst/>
@@ -10499,10 +10499,10 @@
       </p:pic>
       <p:pic>
         <p:nvPicPr>
-          <p:cNvPr id="21" name="Picture 20">
-            <a:extLst>
-              <a:ext uri="{FF2B5EF4-FFF2-40B4-BE49-F238E27FC236}">
-                <a16:creationId xmlns:a16="http://schemas.microsoft.com/office/drawing/2014/main" id="{0EF73C50-D532-3645-9015-D969DD3CA4D6}"/>
+          <p:cNvPr id="5" name="Picture 4">
+            <a:extLst>
+              <a:ext uri="{FF2B5EF4-FFF2-40B4-BE49-F238E27FC236}">
+                <a16:creationId xmlns:a16="http://schemas.microsoft.com/office/drawing/2014/main" id="{9C3D8C94-21D0-ED4E-BCA8-DB0F893B4DC1}"/>
               </a:ext>
             </a:extLst>
           </p:cNvPr>
@@ -10519,8 +10519,8 @@
         </p:blipFill>
         <p:spPr>
           <a:xfrm>
-            <a:off x="13138286" y="87784"/>
-            <a:ext cx="8076095" cy="4920882"/>
+            <a:off x="13216124" y="9584929"/>
+            <a:ext cx="9391275" cy="8808369"/>
           </a:xfrm>
           <a:prstGeom prst="rect">
             <a:avLst/>
@@ -10549,8 +10549,8 @@
         </p:blipFill>
         <p:spPr>
           <a:xfrm>
-            <a:off x="12817505" y="4968087"/>
-            <a:ext cx="8717656" cy="5158311"/>
+            <a:off x="12642627" y="5037705"/>
+            <a:ext cx="8777438" cy="5193684"/>
           </a:xfrm>
           <a:prstGeom prst="rect">
             <a:avLst/>
@@ -10603,7 +10603,7 @@
             </p:nvSpPr>
             <p:spPr>
               <a:xfrm>
-                <a:off x="17176334" y="10432810"/>
+                <a:off x="17176334" y="10596095"/>
                 <a:ext cx="3326710" cy="630942"/>
               </a:xfrm>
               <a:prstGeom prst="rect">
@@ -10662,7 +10662,7 @@
             </p:nvSpPr>
             <p:spPr>
               <a:xfrm>
-                <a:off x="17176334" y="10432810"/>
+                <a:off x="17176334" y="10596095"/>
                 <a:ext cx="3326710" cy="630942"/>
               </a:xfrm>
               <a:prstGeom prst="rect">
@@ -10671,7 +10671,7 @@
               <a:blipFill>
                 <a:blip r:embed="rId6"/>
                 <a:stretch>
-                  <a:fillRect l="-4943" t="-11765" b="-33333"/>
+                  <a:fillRect l="-4943" t="-11765" b="-31373"/>
                 </a:stretch>
               </a:blipFill>
             </p:spPr>
@@ -10704,7 +10704,7 @@
         </p:nvSpPr>
         <p:spPr>
           <a:xfrm rot="5400000">
-            <a:off x="18317639" y="9483174"/>
+            <a:off x="18317639" y="9646459"/>
             <a:ext cx="201805" cy="3326724"/>
           </a:xfrm>
           <a:prstGeom prst="leftBracket">
@@ -10905,7 +10905,7 @@
         </p:nvSpPr>
         <p:spPr>
           <a:xfrm>
-            <a:off x="13274550" y="9627794"/>
+            <a:off x="13274550" y="9791079"/>
             <a:ext cx="274360" cy="630942"/>
           </a:xfrm>
           <a:prstGeom prst="rect">

--- a/figures/multipanel.pptx
+++ b/figures/multipanel.pptx
@@ -203,7 +203,7 @@
           <a:p>
             <a:fld id="{DBE328A2-7FAD-6647-8FB9-7BA0058712E1}" type="datetimeFigureOut">
               <a:rPr lang="en-US" smtClean="0"/>
-              <a:t>7/13/20</a:t>
+              <a:t>8/22/20</a:t>
             </a:fld>
             <a:endParaRPr lang="en-US"/>
           </a:p>
@@ -690,7 +690,7 @@
           <a:p>
             <a:fld id="{577C0138-7A75-8149-9F79-A385D49B39ED}" type="datetimeFigureOut">
               <a:rPr lang="en-US" smtClean="0"/>
-              <a:t>7/13/20</a:t>
+              <a:t>8/22/20</a:t>
             </a:fld>
             <a:endParaRPr lang="en-US"/>
           </a:p>
@@ -860,7 +860,7 @@
           <a:p>
             <a:fld id="{577C0138-7A75-8149-9F79-A385D49B39ED}" type="datetimeFigureOut">
               <a:rPr lang="en-US" smtClean="0"/>
-              <a:t>7/13/20</a:t>
+              <a:t>8/22/20</a:t>
             </a:fld>
             <a:endParaRPr lang="en-US"/>
           </a:p>
@@ -1040,7 +1040,7 @@
           <a:p>
             <a:fld id="{577C0138-7A75-8149-9F79-A385D49B39ED}" type="datetimeFigureOut">
               <a:rPr lang="en-US" smtClean="0"/>
-              <a:t>7/13/20</a:t>
+              <a:t>8/22/20</a:t>
             </a:fld>
             <a:endParaRPr lang="en-US"/>
           </a:p>
@@ -1210,7 +1210,7 @@
           <a:p>
             <a:fld id="{577C0138-7A75-8149-9F79-A385D49B39ED}" type="datetimeFigureOut">
               <a:rPr lang="en-US" smtClean="0"/>
-              <a:t>7/13/20</a:t>
+              <a:t>8/22/20</a:t>
             </a:fld>
             <a:endParaRPr lang="en-US"/>
           </a:p>
@@ -1454,7 +1454,7 @@
           <a:p>
             <a:fld id="{577C0138-7A75-8149-9F79-A385D49B39ED}" type="datetimeFigureOut">
               <a:rPr lang="en-US" smtClean="0"/>
-              <a:t>7/13/20</a:t>
+              <a:t>8/22/20</a:t>
             </a:fld>
             <a:endParaRPr lang="en-US"/>
           </a:p>
@@ -1686,7 +1686,7 @@
           <a:p>
             <a:fld id="{577C0138-7A75-8149-9F79-A385D49B39ED}" type="datetimeFigureOut">
               <a:rPr lang="en-US" smtClean="0"/>
-              <a:t>7/13/20</a:t>
+              <a:t>8/22/20</a:t>
             </a:fld>
             <a:endParaRPr lang="en-US"/>
           </a:p>
@@ -2053,7 +2053,7 @@
           <a:p>
             <a:fld id="{577C0138-7A75-8149-9F79-A385D49B39ED}" type="datetimeFigureOut">
               <a:rPr lang="en-US" smtClean="0"/>
-              <a:t>7/13/20</a:t>
+              <a:t>8/22/20</a:t>
             </a:fld>
             <a:endParaRPr lang="en-US"/>
           </a:p>
@@ -2171,7 +2171,7 @@
           <a:p>
             <a:fld id="{577C0138-7A75-8149-9F79-A385D49B39ED}" type="datetimeFigureOut">
               <a:rPr lang="en-US" smtClean="0"/>
-              <a:t>7/13/20</a:t>
+              <a:t>8/22/20</a:t>
             </a:fld>
             <a:endParaRPr lang="en-US"/>
           </a:p>
@@ -2266,7 +2266,7 @@
           <a:p>
             <a:fld id="{577C0138-7A75-8149-9F79-A385D49B39ED}" type="datetimeFigureOut">
               <a:rPr lang="en-US" smtClean="0"/>
-              <a:t>7/13/20</a:t>
+              <a:t>8/22/20</a:t>
             </a:fld>
             <a:endParaRPr lang="en-US"/>
           </a:p>
@@ -2543,7 +2543,7 @@
           <a:p>
             <a:fld id="{577C0138-7A75-8149-9F79-A385D49B39ED}" type="datetimeFigureOut">
               <a:rPr lang="en-US" smtClean="0"/>
-              <a:t>7/13/20</a:t>
+              <a:t>8/22/20</a:t>
             </a:fld>
             <a:endParaRPr lang="en-US"/>
           </a:p>
@@ -2800,7 +2800,7 @@
           <a:p>
             <a:fld id="{577C0138-7A75-8149-9F79-A385D49B39ED}" type="datetimeFigureOut">
               <a:rPr lang="en-US" smtClean="0"/>
-              <a:t>7/13/20</a:t>
+              <a:t>8/22/20</a:t>
             </a:fld>
             <a:endParaRPr lang="en-US"/>
           </a:p>
@@ -3013,7 +3013,7 @@
           <a:p>
             <a:fld id="{577C0138-7A75-8149-9F79-A385D49B39ED}" type="datetimeFigureOut">
               <a:rPr lang="en-US" smtClean="0"/>
-              <a:t>7/13/20</a:t>
+              <a:t>8/22/20</a:t>
             </a:fld>
             <a:endParaRPr lang="en-US"/>
           </a:p>
@@ -10469,10 +10469,10 @@
       </p:grpSpPr>
       <p:pic>
         <p:nvPicPr>
-          <p:cNvPr id="6" name="Picture 5">
-            <a:extLst>
-              <a:ext uri="{FF2B5EF4-FFF2-40B4-BE49-F238E27FC236}">
-                <a16:creationId xmlns:a16="http://schemas.microsoft.com/office/drawing/2014/main" id="{B6E1FF4E-7EC9-0047-B14C-E326B777A4A7}"/>
+          <p:cNvPr id="28" name="Picture 27">
+            <a:extLst>
+              <a:ext uri="{FF2B5EF4-FFF2-40B4-BE49-F238E27FC236}">
+                <a16:creationId xmlns:a16="http://schemas.microsoft.com/office/drawing/2014/main" id="{3C9F543F-FA5B-B546-81B5-77A23B41A0B3}"/>
               </a:ext>
             </a:extLst>
           </p:cNvPr>
@@ -10489,8 +10489,8 @@
         </p:blipFill>
         <p:spPr>
           <a:xfrm>
-            <a:off x="13169535" y="135629"/>
-            <a:ext cx="8007509" cy="4917257"/>
+            <a:off x="13085496" y="4821316"/>
+            <a:ext cx="9391274" cy="5297339"/>
           </a:xfrm>
           <a:prstGeom prst="rect">
             <a:avLst/>
@@ -10499,10 +10499,10 @@
       </p:pic>
       <p:pic>
         <p:nvPicPr>
-          <p:cNvPr id="5" name="Picture 4">
-            <a:extLst>
-              <a:ext uri="{FF2B5EF4-FFF2-40B4-BE49-F238E27FC236}">
-                <a16:creationId xmlns:a16="http://schemas.microsoft.com/office/drawing/2014/main" id="{9C3D8C94-21D0-ED4E-BCA8-DB0F893B4DC1}"/>
+          <p:cNvPr id="16" name="Picture 15">
+            <a:extLst>
+              <a:ext uri="{FF2B5EF4-FFF2-40B4-BE49-F238E27FC236}">
+                <a16:creationId xmlns:a16="http://schemas.microsoft.com/office/drawing/2014/main" id="{CDC702DA-AB64-9143-997D-C7D1BD1E853F}"/>
               </a:ext>
             </a:extLst>
           </p:cNvPr>
@@ -10519,8 +10519,8 @@
         </p:blipFill>
         <p:spPr>
           <a:xfrm>
-            <a:off x="13216124" y="9584929"/>
-            <a:ext cx="9391275" cy="8808369"/>
+            <a:off x="13656394" y="140320"/>
+            <a:ext cx="8526585" cy="5084245"/>
           </a:xfrm>
           <a:prstGeom prst="rect">
             <a:avLst/>
@@ -10529,10 +10529,10 @@
       </p:pic>
       <p:pic>
         <p:nvPicPr>
-          <p:cNvPr id="25" name="Picture 24">
-            <a:extLst>
-              <a:ext uri="{FF2B5EF4-FFF2-40B4-BE49-F238E27FC236}">
-                <a16:creationId xmlns:a16="http://schemas.microsoft.com/office/drawing/2014/main" id="{6772B821-6CD4-8840-8523-70C0570BA4F7}"/>
+          <p:cNvPr id="10" name="Picture 9">
+            <a:extLst>
+              <a:ext uri="{FF2B5EF4-FFF2-40B4-BE49-F238E27FC236}">
+                <a16:creationId xmlns:a16="http://schemas.microsoft.com/office/drawing/2014/main" id="{31F3DA63-BB10-B14C-B349-8DB64A6AEC04}"/>
               </a:ext>
             </a:extLst>
           </p:cNvPr>
@@ -10549,8 +10549,8 @@
         </p:blipFill>
         <p:spPr>
           <a:xfrm>
-            <a:off x="12642627" y="5037705"/>
-            <a:ext cx="8777438" cy="5193684"/>
+            <a:off x="19771" y="9896586"/>
+            <a:ext cx="13652500" cy="8458200"/>
           </a:xfrm>
           <a:prstGeom prst="rect">
             <a:avLst/>
@@ -10559,10 +10559,10 @@
       </p:pic>
       <p:pic>
         <p:nvPicPr>
-          <p:cNvPr id="11" name="Picture 10">
-            <a:extLst>
-              <a:ext uri="{FF2B5EF4-FFF2-40B4-BE49-F238E27FC236}">
-                <a16:creationId xmlns:a16="http://schemas.microsoft.com/office/drawing/2014/main" id="{6EC0980A-2677-0640-9CA6-7142343AC0B7}"/>
+          <p:cNvPr id="4" name="Picture 3">
+            <a:extLst>
+              <a:ext uri="{FF2B5EF4-FFF2-40B4-BE49-F238E27FC236}">
+                <a16:creationId xmlns:a16="http://schemas.microsoft.com/office/drawing/2014/main" id="{AA395506-45CF-B841-BA5D-BE5F9DC6B2DA}"/>
               </a:ext>
             </a:extLst>
           </p:cNvPr>
@@ -10579,16 +10579,46 @@
         </p:blipFill>
         <p:spPr>
           <a:xfrm>
-            <a:off x="0" y="9528628"/>
-            <a:ext cx="13728700" cy="8890000"/>
+            <a:off x="60664" y="995465"/>
+            <a:ext cx="13487400" cy="8458200"/>
           </a:xfrm>
           <a:prstGeom prst="rect">
             <a:avLst/>
           </a:prstGeom>
         </p:spPr>
       </p:pic>
-      <mc:AlternateContent xmlns:mc="http://schemas.openxmlformats.org/markup-compatibility/2006">
-        <mc:Choice xmlns:a14="http://schemas.microsoft.com/office/drawing/2010/main" Requires="a14">
+      <p:pic>
+        <p:nvPicPr>
+          <p:cNvPr id="5" name="Picture 4">
+            <a:extLst>
+              <a:ext uri="{FF2B5EF4-FFF2-40B4-BE49-F238E27FC236}">
+                <a16:creationId xmlns:a16="http://schemas.microsoft.com/office/drawing/2014/main" id="{9C3D8C94-21D0-ED4E-BCA8-DB0F893B4DC1}"/>
+              </a:ext>
+            </a:extLst>
+          </p:cNvPr>
+          <p:cNvPicPr>
+            <a:picLocks noChangeAspect="1"/>
+          </p:cNvPicPr>
+          <p:nvPr/>
+        </p:nvPicPr>
+        <p:blipFill>
+          <a:blip r:embed="rId6"/>
+          <a:stretch>
+            <a:fillRect/>
+          </a:stretch>
+        </p:blipFill>
+        <p:spPr>
+          <a:xfrm>
+            <a:off x="13216124" y="9584929"/>
+            <a:ext cx="9391275" cy="8808369"/>
+          </a:xfrm>
+          <a:prstGeom prst="rect">
+            <a:avLst/>
+          </a:prstGeom>
+        </p:spPr>
+      </p:pic>
+      <mc:AlternateContent xmlns:mc="http://schemas.openxmlformats.org/markup-compatibility/2006" xmlns:a14="http://schemas.microsoft.com/office/drawing/2010/main">
+        <mc:Choice Requires="a14">
           <p:sp>
             <p:nvSpPr>
               <p:cNvPr id="7" name="TextBox 6">
@@ -10645,7 +10675,7 @@
             </p:txBody>
           </p:sp>
         </mc:Choice>
-        <mc:Fallback>
+        <mc:Fallback xmlns="">
           <p:sp>
             <p:nvSpPr>
               <p:cNvPr id="7" name="TextBox 6">
@@ -10669,7 +10699,7 @@
                 <a:avLst/>
               </a:prstGeom>
               <a:blipFill>
-                <a:blip r:embed="rId6"/>
+                <a:blip r:embed="rId7"/>
                 <a:stretch>
                   <a:fillRect l="-4943" t="-11765" b="-31373"/>
                 </a:stretch>
@@ -10756,36 +10786,6 @@
           </a:p>
         </p:txBody>
       </p:sp>
-      <p:pic>
-        <p:nvPicPr>
-          <p:cNvPr id="3" name="Picture 2">
-            <a:extLst>
-              <a:ext uri="{FF2B5EF4-FFF2-40B4-BE49-F238E27FC236}">
-                <a16:creationId xmlns:a16="http://schemas.microsoft.com/office/drawing/2014/main" id="{E1E4DD71-0505-334A-A147-4BA48A323659}"/>
-              </a:ext>
-            </a:extLst>
-          </p:cNvPr>
-          <p:cNvPicPr>
-            <a:picLocks noChangeAspect="1"/>
-          </p:cNvPicPr>
-          <p:nvPr/>
-        </p:nvPicPr>
-        <p:blipFill>
-          <a:blip r:embed="rId7"/>
-          <a:stretch>
-            <a:fillRect/>
-          </a:stretch>
-        </p:blipFill>
-        <p:spPr>
-          <a:xfrm>
-            <a:off x="0" y="631625"/>
-            <a:ext cx="13411730" cy="8811630"/>
-          </a:xfrm>
-          <a:prstGeom prst="rect">
-            <a:avLst/>
-          </a:prstGeom>
-        </p:spPr>
-      </p:pic>
       <p:sp>
         <p:nvSpPr>
           <p:cNvPr id="13" name="TextBox 12">
@@ -10957,6 +10957,256 @@
             <a:r>
               <a:rPr lang="en-US" sz="3500" b="1" dirty="0"/>
               <a:t>d</a:t>
+            </a:r>
+          </a:p>
+        </p:txBody>
+      </p:sp>
+      <p:sp>
+        <p:nvSpPr>
+          <p:cNvPr id="19" name="TextBox 18">
+            <a:extLst>
+              <a:ext uri="{FF2B5EF4-FFF2-40B4-BE49-F238E27FC236}">
+                <a16:creationId xmlns:a16="http://schemas.microsoft.com/office/drawing/2014/main" id="{60BC7AB5-FB6A-E449-A411-41BAE3D6A632}"/>
+              </a:ext>
+            </a:extLst>
+          </p:cNvPr>
+          <p:cNvSpPr txBox="1"/>
+          <p:nvPr/>
+        </p:nvSpPr>
+        <p:spPr>
+          <a:xfrm>
+            <a:off x="15729225" y="177671"/>
+            <a:ext cx="2051908" cy="523220"/>
+          </a:xfrm>
+          <a:prstGeom prst="rect">
+            <a:avLst/>
+          </a:prstGeom>
+          <a:noFill/>
+        </p:spPr>
+        <p:txBody>
+          <a:bodyPr wrap="none" rtlCol="0">
+            <a:spAutoFit/>
+          </a:bodyPr>
+          <a:lstStyle/>
+          <a:p>
+            <a:r>
+              <a:rPr lang="en-US" sz="2800" dirty="0">
+                <a:solidFill>
+                  <a:srgbClr val="2A2A2A"/>
+                </a:solidFill>
+              </a:rPr>
+              <a:t>Type of URLs</a:t>
+            </a:r>
+          </a:p>
+        </p:txBody>
+      </p:sp>
+      <p:sp>
+        <p:nvSpPr>
+          <p:cNvPr id="24" name="TextBox 23">
+            <a:extLst>
+              <a:ext uri="{FF2B5EF4-FFF2-40B4-BE49-F238E27FC236}">
+                <a16:creationId xmlns:a16="http://schemas.microsoft.com/office/drawing/2014/main" id="{BE7B287D-52F4-C042-9783-DA1EB4C12AD7}"/>
+              </a:ext>
+            </a:extLst>
+          </p:cNvPr>
+          <p:cNvSpPr txBox="1"/>
+          <p:nvPr/>
+        </p:nvSpPr>
+        <p:spPr>
+          <a:xfrm>
+            <a:off x="14780293" y="4874077"/>
+            <a:ext cx="4792081" cy="523220"/>
+          </a:xfrm>
+          <a:prstGeom prst="rect">
+            <a:avLst/>
+          </a:prstGeom>
+          <a:noFill/>
+        </p:spPr>
+        <p:txBody>
+          <a:bodyPr wrap="none" rtlCol="0">
+            <a:spAutoFit/>
+          </a:bodyPr>
+          <a:lstStyle/>
+          <a:p>
+            <a:r>
+              <a:rPr lang="en-US" sz="2800" dirty="0">
+                <a:solidFill>
+                  <a:srgbClr val="2A2A2A"/>
+                </a:solidFill>
+              </a:rPr>
+              <a:t>Availability of Package Manager</a:t>
+            </a:r>
+          </a:p>
+        </p:txBody>
+      </p:sp>
+      <p:sp>
+        <p:nvSpPr>
+          <p:cNvPr id="26" name="TextBox 25">
+            <a:extLst>
+              <a:ext uri="{FF2B5EF4-FFF2-40B4-BE49-F238E27FC236}">
+                <a16:creationId xmlns:a16="http://schemas.microsoft.com/office/drawing/2014/main" id="{EEB8550B-4008-E643-AA0C-BA23DF9B5ABD}"/>
+              </a:ext>
+            </a:extLst>
+          </p:cNvPr>
+          <p:cNvSpPr txBox="1"/>
+          <p:nvPr/>
+        </p:nvSpPr>
+        <p:spPr>
+          <a:xfrm>
+            <a:off x="4091279" y="9646486"/>
+            <a:ext cx="4792081" cy="523220"/>
+          </a:xfrm>
+          <a:prstGeom prst="rect">
+            <a:avLst/>
+          </a:prstGeom>
+          <a:noFill/>
+        </p:spPr>
+        <p:txBody>
+          <a:bodyPr wrap="none" rtlCol="0">
+            <a:spAutoFit/>
+          </a:bodyPr>
+          <a:lstStyle/>
+          <a:p>
+            <a:r>
+              <a:rPr lang="en-US" sz="2800" dirty="0">
+                <a:solidFill>
+                  <a:srgbClr val="2A2A2A"/>
+                </a:solidFill>
+              </a:rPr>
+              <a:t>Availability of Package Manager</a:t>
+            </a:r>
+          </a:p>
+        </p:txBody>
+      </p:sp>
+      <p:sp>
+        <p:nvSpPr>
+          <p:cNvPr id="27" name="TextBox 23">
+            <a:extLst>
+              <a:ext uri="{FF2B5EF4-FFF2-40B4-BE49-F238E27FC236}">
+                <a16:creationId xmlns:a16="http://schemas.microsoft.com/office/drawing/2014/main" id="{BE7B287D-52F4-C042-9783-DA1EB4C12AD7}"/>
+              </a:ext>
+            </a:extLst>
+          </p:cNvPr>
+          <p:cNvSpPr txBox="1"/>
+          <p:nvPr/>
+        </p:nvSpPr>
+        <p:spPr>
+          <a:xfrm>
+            <a:off x="4092374" y="743199"/>
+            <a:ext cx="5168916" cy="523220"/>
+          </a:xfrm>
+          <a:prstGeom prst="rect">
+            <a:avLst/>
+          </a:prstGeom>
+          <a:noFill/>
+        </p:spPr>
+        <p:txBody>
+          <a:bodyPr wrap="none" rtlCol="0">
+            <a:spAutoFit/>
+          </a:bodyPr>
+          <a:lstStyle>
+            <a:defPPr>
+              <a:defRPr lang="en-US"/>
+            </a:defPPr>
+            <a:lvl1pPr marL="0" algn="l" defTabSz="457200" rtl="0" eaLnBrk="1" latinLnBrk="0" hangingPunct="1">
+              <a:defRPr sz="1800" kern="1200">
+                <a:solidFill>
+                  <a:schemeClr val="tx1"/>
+                </a:solidFill>
+                <a:latin typeface="+mn-lt"/>
+                <a:ea typeface="+mn-ea"/>
+                <a:cs typeface="+mn-cs"/>
+              </a:defRPr>
+            </a:lvl1pPr>
+            <a:lvl2pPr marL="457200" algn="l" defTabSz="457200" rtl="0" eaLnBrk="1" latinLnBrk="0" hangingPunct="1">
+              <a:defRPr sz="1800" kern="1200">
+                <a:solidFill>
+                  <a:schemeClr val="tx1"/>
+                </a:solidFill>
+                <a:latin typeface="+mn-lt"/>
+                <a:ea typeface="+mn-ea"/>
+                <a:cs typeface="+mn-cs"/>
+              </a:defRPr>
+            </a:lvl2pPr>
+            <a:lvl3pPr marL="914400" algn="l" defTabSz="457200" rtl="0" eaLnBrk="1" latinLnBrk="0" hangingPunct="1">
+              <a:defRPr sz="1800" kern="1200">
+                <a:solidFill>
+                  <a:schemeClr val="tx1"/>
+                </a:solidFill>
+                <a:latin typeface="+mn-lt"/>
+                <a:ea typeface="+mn-ea"/>
+                <a:cs typeface="+mn-cs"/>
+              </a:defRPr>
+            </a:lvl3pPr>
+            <a:lvl4pPr marL="1371600" algn="l" defTabSz="457200" rtl="0" eaLnBrk="1" latinLnBrk="0" hangingPunct="1">
+              <a:defRPr sz="1800" kern="1200">
+                <a:solidFill>
+                  <a:schemeClr val="tx1"/>
+                </a:solidFill>
+                <a:latin typeface="+mn-lt"/>
+                <a:ea typeface="+mn-ea"/>
+                <a:cs typeface="+mn-cs"/>
+              </a:defRPr>
+            </a:lvl4pPr>
+            <a:lvl5pPr marL="1828800" algn="l" defTabSz="457200" rtl="0" eaLnBrk="1" latinLnBrk="0" hangingPunct="1">
+              <a:defRPr sz="1800" kern="1200">
+                <a:solidFill>
+                  <a:schemeClr val="tx1"/>
+                </a:solidFill>
+                <a:latin typeface="+mn-lt"/>
+                <a:ea typeface="+mn-ea"/>
+                <a:cs typeface="+mn-cs"/>
+              </a:defRPr>
+            </a:lvl5pPr>
+            <a:lvl6pPr marL="2286000" algn="l" defTabSz="457200" rtl="0" eaLnBrk="1" latinLnBrk="0" hangingPunct="1">
+              <a:defRPr sz="1800" kern="1200">
+                <a:solidFill>
+                  <a:schemeClr val="tx1"/>
+                </a:solidFill>
+                <a:latin typeface="+mn-lt"/>
+                <a:ea typeface="+mn-ea"/>
+                <a:cs typeface="+mn-cs"/>
+              </a:defRPr>
+            </a:lvl6pPr>
+            <a:lvl7pPr marL="2743200" algn="l" defTabSz="457200" rtl="0" eaLnBrk="1" latinLnBrk="0" hangingPunct="1">
+              <a:defRPr sz="1800" kern="1200">
+                <a:solidFill>
+                  <a:schemeClr val="tx1"/>
+                </a:solidFill>
+                <a:latin typeface="+mn-lt"/>
+                <a:ea typeface="+mn-ea"/>
+                <a:cs typeface="+mn-cs"/>
+              </a:defRPr>
+            </a:lvl7pPr>
+            <a:lvl8pPr marL="3200400" algn="l" defTabSz="457200" rtl="0" eaLnBrk="1" latinLnBrk="0" hangingPunct="1">
+              <a:defRPr sz="1800" kern="1200">
+                <a:solidFill>
+                  <a:schemeClr val="tx1"/>
+                </a:solidFill>
+                <a:latin typeface="+mn-lt"/>
+                <a:ea typeface="+mn-ea"/>
+                <a:cs typeface="+mn-cs"/>
+              </a:defRPr>
+            </a:lvl8pPr>
+            <a:lvl9pPr marL="3657600" algn="l" defTabSz="457200" rtl="0" eaLnBrk="1" latinLnBrk="0" hangingPunct="1">
+              <a:defRPr sz="1800" kern="1200">
+                <a:solidFill>
+                  <a:schemeClr val="tx1"/>
+                </a:solidFill>
+                <a:latin typeface="+mn-lt"/>
+                <a:ea typeface="+mn-ea"/>
+                <a:cs typeface="+mn-cs"/>
+              </a:defRPr>
+            </a:lvl9pPr>
+          </a:lstStyle>
+          <a:p>
+            <a:r>
+              <a:rPr lang="en-US" sz="2800" dirty="0">
+                <a:solidFill>
+                  <a:srgbClr val="2A2A2A"/>
+                </a:solidFill>
+              </a:rPr>
+              <a:t>Required Computational Expertise</a:t>
             </a:r>
           </a:p>
         </p:txBody>
